--- a/presentation/Presentation.pptx
+++ b/presentation/Presentation.pptx
@@ -11,9 +11,12 @@
     <p:sldId id="264" r:id="rId5"/>
     <p:sldId id="257" r:id="rId6"/>
     <p:sldId id="258" r:id="rId7"/>
-    <p:sldId id="259" r:id="rId8"/>
-    <p:sldId id="260" r:id="rId9"/>
-    <p:sldId id="261" r:id="rId10"/>
+    <p:sldId id="260" r:id="rId8"/>
+    <p:sldId id="261" r:id="rId9"/>
+    <p:sldId id="265" r:id="rId10"/>
+    <p:sldId id="259" r:id="rId11"/>
+    <p:sldId id="266" r:id="rId12"/>
+    <p:sldId id="267" r:id="rId13"/>
   </p:sldIdLst>
   <p:sldSz cx="12192000" cy="6858000"/>
   <p:notesSz cx="6858000" cy="9144000"/>
@@ -1062,9 +1065,14 @@
         <a:bodyPr/>
         <a:lstStyle/>
         <a:p>
+          <a:pPr>
+            <a:lnSpc>
+              <a:spcPct val="100000"/>
+            </a:lnSpc>
+          </a:pPr>
           <a:r>
-            <a:rPr lang="en-US"/>
-            <a:t>Who gets hired? What kind of talent do employers want when they're hiring a data scientist?</a:t>
+            <a:rPr lang="en-US" dirty="0"/>
+            <a:t>Which locations in USA has the most opportunities?</a:t>
           </a:r>
         </a:p>
       </dgm:t>
@@ -1098,9 +1106,14 @@
         <a:bodyPr/>
         <a:lstStyle/>
         <a:p>
+          <a:pPr>
+            <a:lnSpc>
+              <a:spcPct val="100000"/>
+            </a:lnSpc>
+          </a:pPr>
           <a:r>
-            <a:rPr lang="en-US"/>
-            <a:t>Which locations has the most opportunities?</a:t>
+            <a:rPr lang="en-US" dirty="0"/>
+            <a:t>Which company has the most opportunities in USA?</a:t>
           </a:r>
         </a:p>
       </dgm:t>
@@ -1134,9 +1147,14 @@
         <a:bodyPr/>
         <a:lstStyle/>
         <a:p>
+          <a:pPr>
+            <a:lnSpc>
+              <a:spcPct val="100000"/>
+            </a:lnSpc>
+          </a:pPr>
           <a:r>
-            <a:rPr lang="en-US"/>
-            <a:t>What skills, tools, degrees, or majors do employers want the most for data scientists?</a:t>
+            <a:rPr lang="en-US" dirty="0"/>
+            <a:t>Which language do employers want the most for data scientists?</a:t>
           </a:r>
         </a:p>
       </dgm:t>
@@ -1163,41 +1181,77 @@
         </a:p>
       </dgm:t>
     </dgm:pt>
-    <dgm:pt modelId="{E41499B9-8FCF-4CB8-AD52-0F154D65635D}">
+    <dgm:pt modelId="{A6EB32B0-8FE3-46C4-8180-E6A91D1E1BAF}">
       <dgm:prSet/>
       <dgm:spPr/>
       <dgm:t>
         <a:bodyPr/>
         <a:lstStyle/>
         <a:p>
-          <a:r>
-            <a:rPr lang="en-US"/>
-            <a:t>What's the difference between data scientist, data engineer and data analyst?</a:t>
-          </a:r>
+          <a:pPr>
+            <a:lnSpc>
+              <a:spcPct val="100000"/>
+            </a:lnSpc>
+          </a:pPr>
+          <a:endParaRPr lang="en-US" dirty="0"/>
         </a:p>
       </dgm:t>
     </dgm:pt>
-    <dgm:pt modelId="{6E0E2007-E111-427E-92DE-1044ED917AB0}" type="parTrans" cxnId="{D5A560A8-9C35-4731-8658-5F292E180CB3}">
+    <dgm:pt modelId="{1D53F1D8-F1F3-441B-85FA-FBB672FD57D9}" type="parTrans" cxnId="{4BEE613D-9686-4DEB-A082-408E43752F79}">
+      <dgm:prSet/>
+      <dgm:spPr/>
+    </dgm:pt>
+    <dgm:pt modelId="{94F5089A-D4B1-480A-84F1-F40EC4290A76}" type="sibTrans" cxnId="{4BEE613D-9686-4DEB-A082-408E43752F79}">
+      <dgm:prSet/>
+      <dgm:spPr/>
+    </dgm:pt>
+    <dgm:pt modelId="{94425574-7C8F-4623-BBA7-8B987C7BA70E}">
       <dgm:prSet/>
       <dgm:spPr/>
       <dgm:t>
         <a:bodyPr/>
         <a:lstStyle/>
         <a:p>
-          <a:endParaRPr lang="en-US"/>
+          <a:pPr>
+            <a:lnSpc>
+              <a:spcPct val="100000"/>
+            </a:lnSpc>
+          </a:pPr>
+          <a:endParaRPr lang="en-US" dirty="0"/>
         </a:p>
       </dgm:t>
     </dgm:pt>
-    <dgm:pt modelId="{FE8BD78E-9769-40A1-AABD-63756D5B7EF5}" type="sibTrans" cxnId="{D5A560A8-9C35-4731-8658-5F292E180CB3}">
+    <dgm:pt modelId="{80D25E50-68D9-4D9A-A22B-D7DB2243C64A}" type="parTrans" cxnId="{7A659DD3-F3E4-4B21-8829-81F121AFCC86}">
+      <dgm:prSet/>
+      <dgm:spPr/>
+    </dgm:pt>
+    <dgm:pt modelId="{DD823FA9-16C7-4781-A757-8AC2374466DC}" type="sibTrans" cxnId="{7A659DD3-F3E4-4B21-8829-81F121AFCC86}">
+      <dgm:prSet/>
+      <dgm:spPr/>
+    </dgm:pt>
+    <dgm:pt modelId="{98BFD9D4-44CA-4372-9F94-92CB043BDE79}">
       <dgm:prSet/>
       <dgm:spPr/>
       <dgm:t>
         <a:bodyPr/>
         <a:lstStyle/>
         <a:p>
-          <a:endParaRPr lang="en-US"/>
+          <a:pPr>
+            <a:lnSpc>
+              <a:spcPct val="100000"/>
+            </a:lnSpc>
+          </a:pPr>
+          <a:endParaRPr lang="en-US" dirty="0"/>
         </a:p>
       </dgm:t>
+    </dgm:pt>
+    <dgm:pt modelId="{CDBA8443-4FDD-4AB1-BC75-FAB19B819323}" type="parTrans" cxnId="{71962876-CB92-4DB5-97C4-660F0BE4839F}">
+      <dgm:prSet/>
+      <dgm:spPr/>
+    </dgm:pt>
+    <dgm:pt modelId="{14962467-9529-4BC7-A9A7-3FE6377589DD}" type="sibTrans" cxnId="{71962876-CB92-4DB5-97C4-660F0BE4839F}">
+      <dgm:prSet/>
+      <dgm:spPr/>
     </dgm:pt>
     <dgm:pt modelId="{CE0FF243-8A81-4084-8730-2544CE201205}" type="pres">
       <dgm:prSet presAssocID="{E54AB3FE-B642-48B5-AAB9-1896845BF7E4}" presName="root" presStyleCnt="0">
@@ -1213,11 +1267,11 @@
       <dgm:spPr/>
     </dgm:pt>
     <dgm:pt modelId="{A1A535D2-A5C5-4480-945F-9FE0447C1710}" type="pres">
-      <dgm:prSet presAssocID="{383AC9ED-1082-4A39-A926-AE22545137CD}" presName="bgRect" presStyleLbl="bgShp" presStyleIdx="0" presStyleCnt="4"/>
+      <dgm:prSet presAssocID="{383AC9ED-1082-4A39-A926-AE22545137CD}" presName="bgRect" presStyleLbl="bgShp" presStyleIdx="0" presStyleCnt="6" custLinFactNeighborX="5861" custLinFactNeighborY="6454"/>
       <dgm:spPr/>
     </dgm:pt>
     <dgm:pt modelId="{C6DE0BE4-00B1-48DA-BA5C-500D0D4ED29C}" type="pres">
-      <dgm:prSet presAssocID="{383AC9ED-1082-4A39-A926-AE22545137CD}" presName="iconRect" presStyleLbl="node1" presStyleIdx="0" presStyleCnt="4"/>
+      <dgm:prSet presAssocID="{383AC9ED-1082-4A39-A926-AE22545137CD}" presName="iconRect" presStyleLbl="node1" presStyleIdx="0" presStyleCnt="6"/>
       <dgm:spPr>
         <a:blipFill>
           <a:blip xmlns:r="http://schemas.openxmlformats.org/officeDocument/2006/relationships" r:embed="rId1">
@@ -1249,7 +1303,7 @@
       <dgm:spPr/>
     </dgm:pt>
     <dgm:pt modelId="{A172A853-989C-4481-9917-E8D24F241119}" type="pres">
-      <dgm:prSet presAssocID="{383AC9ED-1082-4A39-A926-AE22545137CD}" presName="parTx" presStyleLbl="revTx" presStyleIdx="0" presStyleCnt="4">
+      <dgm:prSet presAssocID="{383AC9ED-1082-4A39-A926-AE22545137CD}" presName="parTx" presStyleLbl="revTx" presStyleIdx="0" presStyleCnt="6">
         <dgm:presLayoutVars>
           <dgm:chMax val="0"/>
           <dgm:chPref val="0"/>
@@ -1266,11 +1320,11 @@
       <dgm:spPr/>
     </dgm:pt>
     <dgm:pt modelId="{527AEDE9-570D-4248-95AE-4EFEED170703}" type="pres">
-      <dgm:prSet presAssocID="{AEADC962-DB21-44FF-9A6A-91DCBD64B1ED}" presName="bgRect" presStyleLbl="bgShp" presStyleIdx="1" presStyleCnt="4"/>
+      <dgm:prSet presAssocID="{AEADC962-DB21-44FF-9A6A-91DCBD64B1ED}" presName="bgRect" presStyleLbl="bgShp" presStyleIdx="1" presStyleCnt="6" custLinFactNeighborX="2317" custLinFactNeighborY="5020"/>
       <dgm:spPr/>
     </dgm:pt>
     <dgm:pt modelId="{AB410539-9AE7-47CC-BB8A-B19A589981BC}" type="pres">
-      <dgm:prSet presAssocID="{AEADC962-DB21-44FF-9A6A-91DCBD64B1ED}" presName="iconRect" presStyleLbl="node1" presStyleIdx="1" presStyleCnt="4"/>
+      <dgm:prSet presAssocID="{AEADC962-DB21-44FF-9A6A-91DCBD64B1ED}" presName="iconRect" presStyleLbl="node1" presStyleIdx="1" presStyleCnt="6"/>
       <dgm:spPr>
         <a:blipFill>
           <a:blip xmlns:r="http://schemas.openxmlformats.org/officeDocument/2006/relationships" r:embed="rId3">
@@ -1302,7 +1356,7 @@
       <dgm:spPr/>
     </dgm:pt>
     <dgm:pt modelId="{63CB5BBA-53F0-431C-957E-5330D33B5B51}" type="pres">
-      <dgm:prSet presAssocID="{AEADC962-DB21-44FF-9A6A-91DCBD64B1ED}" presName="parTx" presStyleLbl="revTx" presStyleIdx="1" presStyleCnt="4">
+      <dgm:prSet presAssocID="{AEADC962-DB21-44FF-9A6A-91DCBD64B1ED}" presName="parTx" presStyleLbl="revTx" presStyleIdx="1" presStyleCnt="6">
         <dgm:presLayoutVars>
           <dgm:chMax val="0"/>
           <dgm:chPref val="0"/>
@@ -1319,11 +1373,11 @@
       <dgm:spPr/>
     </dgm:pt>
     <dgm:pt modelId="{9F1A90C9-B296-4588-A35F-C33A311AA045}" type="pres">
-      <dgm:prSet presAssocID="{518B1731-B7E2-4A97-90E8-01B73A0D4CDE}" presName="bgRect" presStyleLbl="bgShp" presStyleIdx="2" presStyleCnt="4"/>
+      <dgm:prSet presAssocID="{518B1731-B7E2-4A97-90E8-01B73A0D4CDE}" presName="bgRect" presStyleLbl="bgShp" presStyleIdx="2" presStyleCnt="6"/>
       <dgm:spPr/>
     </dgm:pt>
     <dgm:pt modelId="{721B3375-148C-4484-BAA0-843B0E4A0D00}" type="pres">
-      <dgm:prSet presAssocID="{518B1731-B7E2-4A97-90E8-01B73A0D4CDE}" presName="iconRect" presStyleLbl="node1" presStyleIdx="2" presStyleCnt="4"/>
+      <dgm:prSet presAssocID="{518B1731-B7E2-4A97-90E8-01B73A0D4CDE}" presName="iconRect" presStyleLbl="node1" presStyleIdx="2" presStyleCnt="6"/>
       <dgm:spPr>
         <a:blipFill>
           <a:blip xmlns:r="http://schemas.openxmlformats.org/officeDocument/2006/relationships" r:embed="rId5">
@@ -1355,7 +1409,7 @@
       <dgm:spPr/>
     </dgm:pt>
     <dgm:pt modelId="{06322738-5587-4579-B8CB-00A06EA6685E}" type="pres">
-      <dgm:prSet presAssocID="{518B1731-B7E2-4A97-90E8-01B73A0D4CDE}" presName="parTx" presStyleLbl="revTx" presStyleIdx="2" presStyleCnt="4">
+      <dgm:prSet presAssocID="{518B1731-B7E2-4A97-90E8-01B73A0D4CDE}" presName="parTx" presStyleLbl="revTx" presStyleIdx="2" presStyleCnt="6">
         <dgm:presLayoutVars>
           <dgm:chMax val="0"/>
           <dgm:chPref val="0"/>
@@ -1363,52 +1417,86 @@
       </dgm:prSet>
       <dgm:spPr/>
     </dgm:pt>
-    <dgm:pt modelId="{AD3C94F4-8C7F-45ED-BA11-D13C21FF81CB}" type="pres">
+    <dgm:pt modelId="{223A2728-D55A-4F37-AEA9-E1BE136745A1}" type="pres">
       <dgm:prSet presAssocID="{B98CC5F2-6B18-480D-B0C2-E6867400CC07}" presName="sibTrans" presStyleCnt="0"/>
       <dgm:spPr/>
     </dgm:pt>
-    <dgm:pt modelId="{E5D07A60-3C25-444A-854E-818B0CF19215}" type="pres">
-      <dgm:prSet presAssocID="{E41499B9-8FCF-4CB8-AD52-0F154D65635D}" presName="compNode" presStyleCnt="0"/>
+    <dgm:pt modelId="{CC08FB6E-4503-44CC-912B-E9471E18485E}" type="pres">
+      <dgm:prSet presAssocID="{98BFD9D4-44CA-4372-9F94-92CB043BDE79}" presName="compNode" presStyleCnt="0"/>
       <dgm:spPr/>
     </dgm:pt>
-    <dgm:pt modelId="{654014B7-939E-4DA1-88AD-35EC199AA7F3}" type="pres">
-      <dgm:prSet presAssocID="{E41499B9-8FCF-4CB8-AD52-0F154D65635D}" presName="bgRect" presStyleLbl="bgShp" presStyleIdx="3" presStyleCnt="4"/>
+    <dgm:pt modelId="{70D62C1A-4EEB-489D-9805-9651FE26DBB3}" type="pres">
+      <dgm:prSet presAssocID="{98BFD9D4-44CA-4372-9F94-92CB043BDE79}" presName="bgRect" presStyleLbl="bgShp" presStyleIdx="3" presStyleCnt="6"/>
       <dgm:spPr/>
     </dgm:pt>
-    <dgm:pt modelId="{ECC717F2-E4BB-4952-AD98-E000250CD649}" type="pres">
-      <dgm:prSet presAssocID="{E41499B9-8FCF-4CB8-AD52-0F154D65635D}" presName="iconRect" presStyleLbl="node1" presStyleIdx="3" presStyleCnt="4"/>
-      <dgm:spPr>
-        <a:blipFill>
-          <a:blip xmlns:r="http://schemas.openxmlformats.org/officeDocument/2006/relationships" r:embed="rId7">
-            <a:extLst>
-              <a:ext uri="{28A0092B-C50C-407E-A947-70E740481C1C}">
-                <a14:useLocalDpi xmlns:a14="http://schemas.microsoft.com/office/drawing/2010/main" val="0"/>
-              </a:ext>
-              <a:ext uri="{96DAC541-7B7A-43D3-8B79-37D633B846F1}">
-                <asvg:svgBlip xmlns:asvg="http://schemas.microsoft.com/office/drawing/2016/SVG/main" r:embed="rId8"/>
-              </a:ext>
-            </a:extLst>
-          </a:blip>
-          <a:stretch>
-            <a:fillRect/>
-          </a:stretch>
-        </a:blipFill>
-        <a:ln>
-          <a:noFill/>
-        </a:ln>
-      </dgm:spPr>
-      <dgm:extLst>
-        <a:ext uri="{E40237B7-FDA0-4F09-8148-C483321AD2D9}">
-          <dgm14:cNvPr xmlns:dgm14="http://schemas.microsoft.com/office/drawing/2010/diagram" id="0" name="" descr="Database"/>
-        </a:ext>
-      </dgm:extLst>
-    </dgm:pt>
-    <dgm:pt modelId="{D8260CB8-AE07-414A-9EEF-73CB8854380B}" type="pres">
-      <dgm:prSet presAssocID="{E41499B9-8FCF-4CB8-AD52-0F154D65635D}" presName="spaceRect" presStyleCnt="0"/>
+    <dgm:pt modelId="{2296801D-4A81-4A22-992D-EE9FFE9F6DA9}" type="pres">
+      <dgm:prSet presAssocID="{98BFD9D4-44CA-4372-9F94-92CB043BDE79}" presName="iconRect" presStyleLbl="node1" presStyleIdx="3" presStyleCnt="6"/>
       <dgm:spPr/>
     </dgm:pt>
-    <dgm:pt modelId="{6BAEF95A-A269-4FD3-903F-4776DADEF028}" type="pres">
-      <dgm:prSet presAssocID="{E41499B9-8FCF-4CB8-AD52-0F154D65635D}" presName="parTx" presStyleLbl="revTx" presStyleIdx="3" presStyleCnt="4">
+    <dgm:pt modelId="{2AFDE15C-CCBE-4055-881A-C52706F42668}" type="pres">
+      <dgm:prSet presAssocID="{98BFD9D4-44CA-4372-9F94-92CB043BDE79}" presName="spaceRect" presStyleCnt="0"/>
+      <dgm:spPr/>
+    </dgm:pt>
+    <dgm:pt modelId="{8A87C3F2-6EDD-4E35-BE36-FB906E79B88B}" type="pres">
+      <dgm:prSet presAssocID="{98BFD9D4-44CA-4372-9F94-92CB043BDE79}" presName="parTx" presStyleLbl="revTx" presStyleIdx="3" presStyleCnt="6">
+        <dgm:presLayoutVars>
+          <dgm:chMax val="0"/>
+          <dgm:chPref val="0"/>
+        </dgm:presLayoutVars>
+      </dgm:prSet>
+      <dgm:spPr/>
+    </dgm:pt>
+    <dgm:pt modelId="{260A98B0-BB47-42FC-9F1B-747F5E1A3348}" type="pres">
+      <dgm:prSet presAssocID="{14962467-9529-4BC7-A9A7-3FE6377589DD}" presName="sibTrans" presStyleCnt="0"/>
+      <dgm:spPr/>
+    </dgm:pt>
+    <dgm:pt modelId="{AD087683-3E66-48FD-AAEA-C0E8A2F5F405}" type="pres">
+      <dgm:prSet presAssocID="{94425574-7C8F-4623-BBA7-8B987C7BA70E}" presName="compNode" presStyleCnt="0"/>
+      <dgm:spPr/>
+    </dgm:pt>
+    <dgm:pt modelId="{EF46FEC3-E052-44A4-A05E-7E11DD3DF661}" type="pres">
+      <dgm:prSet presAssocID="{94425574-7C8F-4623-BBA7-8B987C7BA70E}" presName="bgRect" presStyleLbl="bgShp" presStyleIdx="4" presStyleCnt="6"/>
+      <dgm:spPr/>
+    </dgm:pt>
+    <dgm:pt modelId="{30280687-89BA-4503-BAF6-266768777A51}" type="pres">
+      <dgm:prSet presAssocID="{94425574-7C8F-4623-BBA7-8B987C7BA70E}" presName="iconRect" presStyleLbl="node1" presStyleIdx="4" presStyleCnt="6"/>
+      <dgm:spPr/>
+    </dgm:pt>
+    <dgm:pt modelId="{3B74019C-7CC4-4B5F-B2F1-432F54F82530}" type="pres">
+      <dgm:prSet presAssocID="{94425574-7C8F-4623-BBA7-8B987C7BA70E}" presName="spaceRect" presStyleCnt="0"/>
+      <dgm:spPr/>
+    </dgm:pt>
+    <dgm:pt modelId="{8D936D3E-CA2B-4E3F-82CD-00B56B5F13E5}" type="pres">
+      <dgm:prSet presAssocID="{94425574-7C8F-4623-BBA7-8B987C7BA70E}" presName="parTx" presStyleLbl="revTx" presStyleIdx="4" presStyleCnt="6">
+        <dgm:presLayoutVars>
+          <dgm:chMax val="0"/>
+          <dgm:chPref val="0"/>
+        </dgm:presLayoutVars>
+      </dgm:prSet>
+      <dgm:spPr/>
+    </dgm:pt>
+    <dgm:pt modelId="{B28B49F8-1834-48A9-A8F8-EEFF70FDFFC6}" type="pres">
+      <dgm:prSet presAssocID="{DD823FA9-16C7-4781-A757-8AC2374466DC}" presName="sibTrans" presStyleCnt="0"/>
+      <dgm:spPr/>
+    </dgm:pt>
+    <dgm:pt modelId="{55184F58-1EE1-44D8-8C5A-D161C2A2673C}" type="pres">
+      <dgm:prSet presAssocID="{A6EB32B0-8FE3-46C4-8180-E6A91D1E1BAF}" presName="compNode" presStyleCnt="0"/>
+      <dgm:spPr/>
+    </dgm:pt>
+    <dgm:pt modelId="{E01E7862-8983-4886-887F-1F0CA4B876E2}" type="pres">
+      <dgm:prSet presAssocID="{A6EB32B0-8FE3-46C4-8180-E6A91D1E1BAF}" presName="bgRect" presStyleLbl="bgShp" presStyleIdx="5" presStyleCnt="6"/>
+      <dgm:spPr/>
+    </dgm:pt>
+    <dgm:pt modelId="{10F81A69-F095-4FEC-BCF2-8BFF4DEDBF92}" type="pres">
+      <dgm:prSet presAssocID="{A6EB32B0-8FE3-46C4-8180-E6A91D1E1BAF}" presName="iconRect" presStyleLbl="node1" presStyleIdx="5" presStyleCnt="6"/>
+      <dgm:spPr/>
+    </dgm:pt>
+    <dgm:pt modelId="{6ADD936A-6ED8-4ED1-A4F5-212FC779CFC1}" type="pres">
+      <dgm:prSet presAssocID="{A6EB32B0-8FE3-46C4-8180-E6A91D1E1BAF}" presName="spaceRect" presStyleCnt="0"/>
+      <dgm:spPr/>
+    </dgm:pt>
+    <dgm:pt modelId="{21B66262-F3CB-4DFD-96BF-2E8DC13FD86E}" type="pres">
+      <dgm:prSet presAssocID="{A6EB32B0-8FE3-46C4-8180-E6A91D1E1BAF}" presName="parTx" presStyleLbl="revTx" presStyleIdx="5" presStyleCnt="6">
         <dgm:presLayoutVars>
           <dgm:chMax val="0"/>
           <dgm:chPref val="0"/>
@@ -1418,14 +1506,18 @@
     </dgm:pt>
   </dgm:ptLst>
   <dgm:cxnLst>
+    <dgm:cxn modelId="{6E05661B-6B2D-4F99-810A-EBCDE1C3ED86}" type="presOf" srcId="{A6EB32B0-8FE3-46C4-8180-E6A91D1E1BAF}" destId="{21B66262-F3CB-4DFD-96BF-2E8DC13FD86E}" srcOrd="0" destOrd="0" presId="urn:microsoft.com/office/officeart/2018/2/layout/IconVerticalSolidList"/>
     <dgm:cxn modelId="{9E4E4820-3A6C-4E67-9D55-0B5DA53499DF}" type="presOf" srcId="{E54AB3FE-B642-48B5-AAB9-1896845BF7E4}" destId="{CE0FF243-8A81-4084-8730-2544CE201205}" srcOrd="0" destOrd="0" presId="urn:microsoft.com/office/officeart/2018/2/layout/IconVerticalSolidList"/>
+    <dgm:cxn modelId="{4BEE613D-9686-4DEB-A082-408E43752F79}" srcId="{E54AB3FE-B642-48B5-AAB9-1896845BF7E4}" destId="{A6EB32B0-8FE3-46C4-8180-E6A91D1E1BAF}" srcOrd="5" destOrd="0" parTransId="{1D53F1D8-F1F3-441B-85FA-FBB672FD57D9}" sibTransId="{94F5089A-D4B1-480A-84F1-F40EC4290A76}"/>
     <dgm:cxn modelId="{0309715B-A8B9-42CC-B8E6-79325980575F}" type="presOf" srcId="{AEADC962-DB21-44FF-9A6A-91DCBD64B1ED}" destId="{63CB5BBA-53F0-431C-957E-5330D33B5B51}" srcOrd="0" destOrd="0" presId="urn:microsoft.com/office/officeart/2018/2/layout/IconVerticalSolidList"/>
     <dgm:cxn modelId="{43C8A167-63A7-48DB-A4E1-B3B503148AE6}" type="presOf" srcId="{518B1731-B7E2-4A97-90E8-01B73A0D4CDE}" destId="{06322738-5587-4579-B8CB-00A06EA6685E}" srcOrd="0" destOrd="0" presId="urn:microsoft.com/office/officeart/2018/2/layout/IconVerticalSolidList"/>
-    <dgm:cxn modelId="{BB462473-B427-4276-BB92-B12215FECABA}" type="presOf" srcId="{E41499B9-8FCF-4CB8-AD52-0F154D65635D}" destId="{6BAEF95A-A269-4FD3-903F-4776DADEF028}" srcOrd="0" destOrd="0" presId="urn:microsoft.com/office/officeart/2018/2/layout/IconVerticalSolidList"/>
-    <dgm:cxn modelId="{D5A560A8-9C35-4731-8658-5F292E180CB3}" srcId="{E54AB3FE-B642-48B5-AAB9-1896845BF7E4}" destId="{E41499B9-8FCF-4CB8-AD52-0F154D65635D}" srcOrd="3" destOrd="0" parTransId="{6E0E2007-E111-427E-92DE-1044ED917AB0}" sibTransId="{FE8BD78E-9769-40A1-AABD-63756D5B7EF5}"/>
+    <dgm:cxn modelId="{2348096B-C263-4B4E-B8E0-13658ED76315}" type="presOf" srcId="{98BFD9D4-44CA-4372-9F94-92CB043BDE79}" destId="{8A87C3F2-6EDD-4E35-BE36-FB906E79B88B}" srcOrd="0" destOrd="0" presId="urn:microsoft.com/office/officeart/2018/2/layout/IconVerticalSolidList"/>
+    <dgm:cxn modelId="{71962876-CB92-4DB5-97C4-660F0BE4839F}" srcId="{E54AB3FE-B642-48B5-AAB9-1896845BF7E4}" destId="{98BFD9D4-44CA-4372-9F94-92CB043BDE79}" srcOrd="3" destOrd="0" parTransId="{CDBA8443-4FDD-4AB1-BC75-FAB19B819323}" sibTransId="{14962467-9529-4BC7-A9A7-3FE6377589DD}"/>
+    <dgm:cxn modelId="{CE27CA5A-82F3-492E-9ADD-3DB026DC0AC6}" type="presOf" srcId="{94425574-7C8F-4623-BBA7-8B987C7BA70E}" destId="{8D936D3E-CA2B-4E3F-82CD-00B56B5F13E5}" srcOrd="0" destOrd="0" presId="urn:microsoft.com/office/officeart/2018/2/layout/IconVerticalSolidList"/>
     <dgm:cxn modelId="{A0A8E6C3-F43D-412A-A98A-54F3E788C9D0}" type="presOf" srcId="{383AC9ED-1082-4A39-A926-AE22545137CD}" destId="{A172A853-989C-4481-9917-E8D24F241119}" srcOrd="0" destOrd="0" presId="urn:microsoft.com/office/officeart/2018/2/layout/IconVerticalSolidList"/>
     <dgm:cxn modelId="{F1BA28CD-8946-4AE8-BB88-AD6872683B44}" srcId="{E54AB3FE-B642-48B5-AAB9-1896845BF7E4}" destId="{518B1731-B7E2-4A97-90E8-01B73A0D4CDE}" srcOrd="2" destOrd="0" parTransId="{8D56ECC3-A3C8-42E3-A170-DA530F0581A8}" sibTransId="{B98CC5F2-6B18-480D-B0C2-E6867400CC07}"/>
     <dgm:cxn modelId="{34D670CE-5345-4C29-A7BF-937B784D4DD8}" srcId="{E54AB3FE-B642-48B5-AAB9-1896845BF7E4}" destId="{383AC9ED-1082-4A39-A926-AE22545137CD}" srcOrd="0" destOrd="0" parTransId="{46E652B4-0E47-4697-9E3E-B4420E87001B}" sibTransId="{DD047403-D280-4544-B152-7C9841F8DEE9}"/>
+    <dgm:cxn modelId="{7A659DD3-F3E4-4B21-8829-81F121AFCC86}" srcId="{E54AB3FE-B642-48B5-AAB9-1896845BF7E4}" destId="{94425574-7C8F-4623-BBA7-8B987C7BA70E}" srcOrd="4" destOrd="0" parTransId="{80D25E50-68D9-4D9A-A22B-D7DB2243C64A}" sibTransId="{DD823FA9-16C7-4781-A757-8AC2374466DC}"/>
     <dgm:cxn modelId="{3087B5FE-BA3D-4CCC-97A4-9E072FFF2EB7}" srcId="{E54AB3FE-B642-48B5-AAB9-1896845BF7E4}" destId="{AEADC962-DB21-44FF-9A6A-91DCBD64B1ED}" srcOrd="1" destOrd="0" parTransId="{50D56ACB-33DE-44C9-A191-012459933C7F}" sibTransId="{C60E5232-EE0A-4C4C-8E6A-2FC40923756B}"/>
     <dgm:cxn modelId="{CFCD8CF8-F448-485F-9CC6-B1B22D914F92}" type="presParOf" srcId="{CE0FF243-8A81-4084-8730-2544CE201205}" destId="{03F9F457-8CDF-4D39-898C-37009D5C20B1}" srcOrd="0" destOrd="0" presId="urn:microsoft.com/office/officeart/2018/2/layout/IconVerticalSolidList"/>
     <dgm:cxn modelId="{20780209-CAA1-4C01-A29A-D275B3FBA93B}" type="presParOf" srcId="{03F9F457-8CDF-4D39-898C-37009D5C20B1}" destId="{A1A535D2-A5C5-4480-945F-9FE0447C1710}" srcOrd="0" destOrd="0" presId="urn:microsoft.com/office/officeart/2018/2/layout/IconVerticalSolidList"/>
@@ -1444,12 +1536,24 @@
     <dgm:cxn modelId="{089A4D66-3502-4BCA-94E1-94A1DD5E8BFD}" type="presParOf" srcId="{87EB7E62-4404-49FF-80E7-EEC2D420F9EA}" destId="{721B3375-148C-4484-BAA0-843B0E4A0D00}" srcOrd="1" destOrd="0" presId="urn:microsoft.com/office/officeart/2018/2/layout/IconVerticalSolidList"/>
     <dgm:cxn modelId="{C873E3CA-9A65-4F7F-B9D6-DEA3A3FE6E2B}" type="presParOf" srcId="{87EB7E62-4404-49FF-80E7-EEC2D420F9EA}" destId="{8C4CB09D-D6FB-4A1D-823F-40A7CF27EA3B}" srcOrd="2" destOrd="0" presId="urn:microsoft.com/office/officeart/2018/2/layout/IconVerticalSolidList"/>
     <dgm:cxn modelId="{A9CE4694-5C4E-4E9E-8393-801228462CDE}" type="presParOf" srcId="{87EB7E62-4404-49FF-80E7-EEC2D420F9EA}" destId="{06322738-5587-4579-B8CB-00A06EA6685E}" srcOrd="3" destOrd="0" presId="urn:microsoft.com/office/officeart/2018/2/layout/IconVerticalSolidList"/>
-    <dgm:cxn modelId="{5D122E78-A5CE-425A-989E-4445BEA3AC8F}" type="presParOf" srcId="{CE0FF243-8A81-4084-8730-2544CE201205}" destId="{AD3C94F4-8C7F-45ED-BA11-D13C21FF81CB}" srcOrd="5" destOrd="0" presId="urn:microsoft.com/office/officeart/2018/2/layout/IconVerticalSolidList"/>
-    <dgm:cxn modelId="{7BEEBF89-33CF-46E9-83F1-E9B614E6FD53}" type="presParOf" srcId="{CE0FF243-8A81-4084-8730-2544CE201205}" destId="{E5D07A60-3C25-444A-854E-818B0CF19215}" srcOrd="6" destOrd="0" presId="urn:microsoft.com/office/officeart/2018/2/layout/IconVerticalSolidList"/>
-    <dgm:cxn modelId="{C82D104D-F488-4506-95F4-0FF19242BE88}" type="presParOf" srcId="{E5D07A60-3C25-444A-854E-818B0CF19215}" destId="{654014B7-939E-4DA1-88AD-35EC199AA7F3}" srcOrd="0" destOrd="0" presId="urn:microsoft.com/office/officeart/2018/2/layout/IconVerticalSolidList"/>
-    <dgm:cxn modelId="{88612A1D-0718-4DEA-97E1-858C4E81F4C7}" type="presParOf" srcId="{E5D07A60-3C25-444A-854E-818B0CF19215}" destId="{ECC717F2-E4BB-4952-AD98-E000250CD649}" srcOrd="1" destOrd="0" presId="urn:microsoft.com/office/officeart/2018/2/layout/IconVerticalSolidList"/>
-    <dgm:cxn modelId="{D213D06D-AFC3-4412-AC39-CF2BEF2DABD0}" type="presParOf" srcId="{E5D07A60-3C25-444A-854E-818B0CF19215}" destId="{D8260CB8-AE07-414A-9EEF-73CB8854380B}" srcOrd="2" destOrd="0" presId="urn:microsoft.com/office/officeart/2018/2/layout/IconVerticalSolidList"/>
-    <dgm:cxn modelId="{31965022-7280-4272-9D8F-2CEC80D72F80}" type="presParOf" srcId="{E5D07A60-3C25-444A-854E-818B0CF19215}" destId="{6BAEF95A-A269-4FD3-903F-4776DADEF028}" srcOrd="3" destOrd="0" presId="urn:microsoft.com/office/officeart/2018/2/layout/IconVerticalSolidList"/>
+    <dgm:cxn modelId="{CE0414C7-288B-4D58-B7E8-F7F80F979D3B}" type="presParOf" srcId="{CE0FF243-8A81-4084-8730-2544CE201205}" destId="{223A2728-D55A-4F37-AEA9-E1BE136745A1}" srcOrd="5" destOrd="0" presId="urn:microsoft.com/office/officeart/2018/2/layout/IconVerticalSolidList"/>
+    <dgm:cxn modelId="{6D17F471-C6FD-4C67-9FE6-6F238D171B75}" type="presParOf" srcId="{CE0FF243-8A81-4084-8730-2544CE201205}" destId="{CC08FB6E-4503-44CC-912B-E9471E18485E}" srcOrd="6" destOrd="0" presId="urn:microsoft.com/office/officeart/2018/2/layout/IconVerticalSolidList"/>
+    <dgm:cxn modelId="{DB1EEF30-6E46-41F8-A7D6-86CAB6A9B18C}" type="presParOf" srcId="{CC08FB6E-4503-44CC-912B-E9471E18485E}" destId="{70D62C1A-4EEB-489D-9805-9651FE26DBB3}" srcOrd="0" destOrd="0" presId="urn:microsoft.com/office/officeart/2018/2/layout/IconVerticalSolidList"/>
+    <dgm:cxn modelId="{4E9E6A35-C324-4CAA-9DF6-63BA130A3D09}" type="presParOf" srcId="{CC08FB6E-4503-44CC-912B-E9471E18485E}" destId="{2296801D-4A81-4A22-992D-EE9FFE9F6DA9}" srcOrd="1" destOrd="0" presId="urn:microsoft.com/office/officeart/2018/2/layout/IconVerticalSolidList"/>
+    <dgm:cxn modelId="{53CEF3EB-92D9-44D3-8BDC-578A785566C4}" type="presParOf" srcId="{CC08FB6E-4503-44CC-912B-E9471E18485E}" destId="{2AFDE15C-CCBE-4055-881A-C52706F42668}" srcOrd="2" destOrd="0" presId="urn:microsoft.com/office/officeart/2018/2/layout/IconVerticalSolidList"/>
+    <dgm:cxn modelId="{B116295B-353D-4DD9-AB7E-0E4B12B2E177}" type="presParOf" srcId="{CC08FB6E-4503-44CC-912B-E9471E18485E}" destId="{8A87C3F2-6EDD-4E35-BE36-FB906E79B88B}" srcOrd="3" destOrd="0" presId="urn:microsoft.com/office/officeart/2018/2/layout/IconVerticalSolidList"/>
+    <dgm:cxn modelId="{6AE1983A-6487-4FD0-8261-7F1608E4AA1B}" type="presParOf" srcId="{CE0FF243-8A81-4084-8730-2544CE201205}" destId="{260A98B0-BB47-42FC-9F1B-747F5E1A3348}" srcOrd="7" destOrd="0" presId="urn:microsoft.com/office/officeart/2018/2/layout/IconVerticalSolidList"/>
+    <dgm:cxn modelId="{E19FCE38-E4F5-43DD-AB61-BFA3DD218FF4}" type="presParOf" srcId="{CE0FF243-8A81-4084-8730-2544CE201205}" destId="{AD087683-3E66-48FD-AAEA-C0E8A2F5F405}" srcOrd="8" destOrd="0" presId="urn:microsoft.com/office/officeart/2018/2/layout/IconVerticalSolidList"/>
+    <dgm:cxn modelId="{B19EBC39-1A62-495A-80E3-FA8D92CF0A1D}" type="presParOf" srcId="{AD087683-3E66-48FD-AAEA-C0E8A2F5F405}" destId="{EF46FEC3-E052-44A4-A05E-7E11DD3DF661}" srcOrd="0" destOrd="0" presId="urn:microsoft.com/office/officeart/2018/2/layout/IconVerticalSolidList"/>
+    <dgm:cxn modelId="{92750856-F89B-4A5D-9ACB-38BC8CBF93F4}" type="presParOf" srcId="{AD087683-3E66-48FD-AAEA-C0E8A2F5F405}" destId="{30280687-89BA-4503-BAF6-266768777A51}" srcOrd="1" destOrd="0" presId="urn:microsoft.com/office/officeart/2018/2/layout/IconVerticalSolidList"/>
+    <dgm:cxn modelId="{F236A732-1F04-4BA9-AC55-D0DC97BB16F8}" type="presParOf" srcId="{AD087683-3E66-48FD-AAEA-C0E8A2F5F405}" destId="{3B74019C-7CC4-4B5F-B2F1-432F54F82530}" srcOrd="2" destOrd="0" presId="urn:microsoft.com/office/officeart/2018/2/layout/IconVerticalSolidList"/>
+    <dgm:cxn modelId="{8D7BE6A1-16A8-44C6-B151-C9A45F9D352E}" type="presParOf" srcId="{AD087683-3E66-48FD-AAEA-C0E8A2F5F405}" destId="{8D936D3E-CA2B-4E3F-82CD-00B56B5F13E5}" srcOrd="3" destOrd="0" presId="urn:microsoft.com/office/officeart/2018/2/layout/IconVerticalSolidList"/>
+    <dgm:cxn modelId="{AD717DC7-72F5-45A8-BCB0-FBF4688C3D7B}" type="presParOf" srcId="{CE0FF243-8A81-4084-8730-2544CE201205}" destId="{B28B49F8-1834-48A9-A8F8-EEFF70FDFFC6}" srcOrd="9" destOrd="0" presId="urn:microsoft.com/office/officeart/2018/2/layout/IconVerticalSolidList"/>
+    <dgm:cxn modelId="{FD5B13E6-A79A-4DB1-9681-22CE9434E735}" type="presParOf" srcId="{CE0FF243-8A81-4084-8730-2544CE201205}" destId="{55184F58-1EE1-44D8-8C5A-D161C2A2673C}" srcOrd="10" destOrd="0" presId="urn:microsoft.com/office/officeart/2018/2/layout/IconVerticalSolidList"/>
+    <dgm:cxn modelId="{C0F09BA5-3E81-4776-A913-B2231274A42D}" type="presParOf" srcId="{55184F58-1EE1-44D8-8C5A-D161C2A2673C}" destId="{E01E7862-8983-4886-887F-1F0CA4B876E2}" srcOrd="0" destOrd="0" presId="urn:microsoft.com/office/officeart/2018/2/layout/IconVerticalSolidList"/>
+    <dgm:cxn modelId="{279883E9-93D4-433C-9D86-EBB922D2B68C}" type="presParOf" srcId="{55184F58-1EE1-44D8-8C5A-D161C2A2673C}" destId="{10F81A69-F095-4FEC-BCF2-8BFF4DEDBF92}" srcOrd="1" destOrd="0" presId="urn:microsoft.com/office/officeart/2018/2/layout/IconVerticalSolidList"/>
+    <dgm:cxn modelId="{DB468B33-E009-4894-9471-F7D718EA3185}" type="presParOf" srcId="{55184F58-1EE1-44D8-8C5A-D161C2A2673C}" destId="{6ADD936A-6ED8-4ED1-A4F5-212FC779CFC1}" srcOrd="2" destOrd="0" presId="urn:microsoft.com/office/officeart/2018/2/layout/IconVerticalSolidList"/>
+    <dgm:cxn modelId="{225A7CE0-2211-43A4-BD5E-B288449E9BB0}" type="presParOf" srcId="{55184F58-1EE1-44D8-8C5A-D161C2A2673C}" destId="{21B66262-F3CB-4DFD-96BF-2E8DC13FD86E}" srcOrd="3" destOrd="0" presId="urn:microsoft.com/office/officeart/2018/2/layout/IconVerticalSolidList"/>
   </dgm:cxnLst>
   <dgm:bg/>
   <dgm:whole/>
@@ -1476,8 +1580,8 @@
       </dsp:nvSpPr>
       <dsp:spPr>
         <a:xfrm>
-          <a:off x="0" y="2442"/>
-          <a:ext cx="6513603" cy="1238008"/>
+          <a:off x="0" y="54262"/>
+          <a:ext cx="6513603" cy="811257"/>
         </a:xfrm>
         <a:prstGeom prst="roundRect">
           <a:avLst>
@@ -1517,8 +1621,8 @@
       </dsp:nvSpPr>
       <dsp:spPr>
         <a:xfrm>
-          <a:off x="374497" y="280994"/>
-          <a:ext cx="680904" cy="680904"/>
+          <a:off x="245405" y="184436"/>
+          <a:ext cx="446191" cy="446191"/>
         </a:xfrm>
         <a:prstGeom prst="rect">
           <a:avLst/>
@@ -1567,8 +1671,8 @@
       </dsp:nvSpPr>
       <dsp:spPr>
         <a:xfrm>
-          <a:off x="1429899" y="2442"/>
-          <a:ext cx="5083704" cy="1238008"/>
+          <a:off x="937002" y="1903"/>
+          <a:ext cx="5576601" cy="811257"/>
         </a:xfrm>
         <a:prstGeom prst="rect">
           <a:avLst/>
@@ -1592,14 +1696,14 @@
         <a:fontRef idx="minor"/>
       </dsp:style>
       <dsp:txBody>
-        <a:bodyPr spcFirstLastPara="0" vert="horz" wrap="square" lIns="131023" tIns="131023" rIns="131023" bIns="131023" numCol="1" spcCol="1270" anchor="ctr" anchorCtr="0">
+        <a:bodyPr spcFirstLastPara="0" vert="horz" wrap="square" lIns="85858" tIns="85858" rIns="85858" bIns="85858" numCol="1" spcCol="1270" anchor="ctr" anchorCtr="0">
           <a:noAutofit/>
         </a:bodyPr>
         <a:lstStyle/>
         <a:p>
-          <a:pPr marL="0" lvl="0" indent="0" algn="l" defTabSz="977900">
+          <a:pPr marL="0" lvl="0" indent="0" algn="l" defTabSz="844550">
             <a:lnSpc>
-              <a:spcPct val="90000"/>
+              <a:spcPct val="100000"/>
             </a:lnSpc>
             <a:spcBef>
               <a:spcPct val="0"/>
@@ -1610,14 +1714,14 @@
             <a:buNone/>
           </a:pPr>
           <a:r>
-            <a:rPr lang="en-US" sz="2200" kern="1200"/>
-            <a:t>Who gets hired? What kind of talent do employers want when they're hiring a data scientist?</a:t>
+            <a:rPr lang="en-US" sz="1900" kern="1200" dirty="0"/>
+            <a:t>Which locations in USA has the most opportunities?</a:t>
           </a:r>
         </a:p>
       </dsp:txBody>
       <dsp:txXfrm>
-        <a:off x="1429899" y="2442"/>
-        <a:ext cx="5083704" cy="1238008"/>
+        <a:off x="937002" y="1903"/>
+        <a:ext cx="5576601" cy="811257"/>
       </dsp:txXfrm>
     </dsp:sp>
     <dsp:sp modelId="{527AEDE9-570D-4248-95AE-4EFEED170703}">
@@ -1627,8 +1731,8 @@
       </dsp:nvSpPr>
       <dsp:spPr>
         <a:xfrm>
-          <a:off x="0" y="1549953"/>
-          <a:ext cx="6513603" cy="1238008"/>
+          <a:off x="0" y="1056701"/>
+          <a:ext cx="6513603" cy="811257"/>
         </a:xfrm>
         <a:prstGeom prst="roundRect">
           <a:avLst>
@@ -1668,8 +1772,8 @@
       </dsp:nvSpPr>
       <dsp:spPr>
         <a:xfrm>
-          <a:off x="374497" y="1828505"/>
-          <a:ext cx="680904" cy="680904"/>
+          <a:off x="245405" y="1198508"/>
+          <a:ext cx="446191" cy="446191"/>
         </a:xfrm>
         <a:prstGeom prst="rect">
           <a:avLst/>
@@ -1718,8 +1822,8 @@
       </dsp:nvSpPr>
       <dsp:spPr>
         <a:xfrm>
-          <a:off x="1429899" y="1549953"/>
-          <a:ext cx="5083704" cy="1238008"/>
+          <a:off x="937002" y="1015975"/>
+          <a:ext cx="5576601" cy="811257"/>
         </a:xfrm>
         <a:prstGeom prst="rect">
           <a:avLst/>
@@ -1743,14 +1847,14 @@
         <a:fontRef idx="minor"/>
       </dsp:style>
       <dsp:txBody>
-        <a:bodyPr spcFirstLastPara="0" vert="horz" wrap="square" lIns="131023" tIns="131023" rIns="131023" bIns="131023" numCol="1" spcCol="1270" anchor="ctr" anchorCtr="0">
+        <a:bodyPr spcFirstLastPara="0" vert="horz" wrap="square" lIns="85858" tIns="85858" rIns="85858" bIns="85858" numCol="1" spcCol="1270" anchor="ctr" anchorCtr="0">
           <a:noAutofit/>
         </a:bodyPr>
         <a:lstStyle/>
         <a:p>
-          <a:pPr marL="0" lvl="0" indent="0" algn="l" defTabSz="977900">
+          <a:pPr marL="0" lvl="0" indent="0" algn="l" defTabSz="844550">
             <a:lnSpc>
-              <a:spcPct val="90000"/>
+              <a:spcPct val="100000"/>
             </a:lnSpc>
             <a:spcBef>
               <a:spcPct val="0"/>
@@ -1761,14 +1865,14 @@
             <a:buNone/>
           </a:pPr>
           <a:r>
-            <a:rPr lang="en-US" sz="2200" kern="1200"/>
-            <a:t>Which locations has the most opportunities?</a:t>
+            <a:rPr lang="en-US" sz="1900" kern="1200" dirty="0"/>
+            <a:t>Which company has the most opportunities in USA?</a:t>
           </a:r>
         </a:p>
       </dsp:txBody>
       <dsp:txXfrm>
-        <a:off x="1429899" y="1549953"/>
-        <a:ext cx="5083704" cy="1238008"/>
+        <a:off x="937002" y="1015975"/>
+        <a:ext cx="5576601" cy="811257"/>
       </dsp:txXfrm>
     </dsp:sp>
     <dsp:sp modelId="{9F1A90C9-B296-4588-A35F-C33A311AA045}">
@@ -1778,8 +1882,8 @@
       </dsp:nvSpPr>
       <dsp:spPr>
         <a:xfrm>
-          <a:off x="0" y="3097464"/>
-          <a:ext cx="6513603" cy="1238008"/>
+          <a:off x="0" y="2030048"/>
+          <a:ext cx="6513603" cy="811257"/>
         </a:xfrm>
         <a:prstGeom prst="roundRect">
           <a:avLst>
@@ -1819,8 +1923,8 @@
       </dsp:nvSpPr>
       <dsp:spPr>
         <a:xfrm>
-          <a:off x="374497" y="3376015"/>
-          <a:ext cx="680904" cy="680904"/>
+          <a:off x="245405" y="2212581"/>
+          <a:ext cx="446191" cy="446191"/>
         </a:xfrm>
         <a:prstGeom prst="rect">
           <a:avLst/>
@@ -1869,8 +1973,8 @@
       </dsp:nvSpPr>
       <dsp:spPr>
         <a:xfrm>
-          <a:off x="1429899" y="3097464"/>
-          <a:ext cx="5083704" cy="1238008"/>
+          <a:off x="937002" y="2030048"/>
+          <a:ext cx="5576601" cy="811257"/>
         </a:xfrm>
         <a:prstGeom prst="rect">
           <a:avLst/>
@@ -1894,14 +1998,14 @@
         <a:fontRef idx="minor"/>
       </dsp:style>
       <dsp:txBody>
-        <a:bodyPr spcFirstLastPara="0" vert="horz" wrap="square" lIns="131023" tIns="131023" rIns="131023" bIns="131023" numCol="1" spcCol="1270" anchor="ctr" anchorCtr="0">
+        <a:bodyPr spcFirstLastPara="0" vert="horz" wrap="square" lIns="85858" tIns="85858" rIns="85858" bIns="85858" numCol="1" spcCol="1270" anchor="ctr" anchorCtr="0">
           <a:noAutofit/>
         </a:bodyPr>
         <a:lstStyle/>
         <a:p>
-          <a:pPr marL="0" lvl="0" indent="0" algn="l" defTabSz="977900">
+          <a:pPr marL="0" lvl="0" indent="0" algn="l" defTabSz="844550">
             <a:lnSpc>
-              <a:spcPct val="90000"/>
+              <a:spcPct val="100000"/>
             </a:lnSpc>
             <a:spcBef>
               <a:spcPct val="0"/>
@@ -1912,25 +2016,25 @@
             <a:buNone/>
           </a:pPr>
           <a:r>
-            <a:rPr lang="en-US" sz="2200" kern="1200"/>
-            <a:t>What skills, tools, degrees, or majors do employers want the most for data scientists?</a:t>
+            <a:rPr lang="en-US" sz="1900" kern="1200" dirty="0"/>
+            <a:t>Which language do employers want the most for data scientists?</a:t>
           </a:r>
         </a:p>
       </dsp:txBody>
       <dsp:txXfrm>
-        <a:off x="1429899" y="3097464"/>
-        <a:ext cx="5083704" cy="1238008"/>
+        <a:off x="937002" y="2030048"/>
+        <a:ext cx="5576601" cy="811257"/>
       </dsp:txXfrm>
     </dsp:sp>
-    <dsp:sp modelId="{654014B7-939E-4DA1-88AD-35EC199AA7F3}">
+    <dsp:sp modelId="{70D62C1A-4EEB-489D-9805-9651FE26DBB3}">
       <dsp:nvSpPr>
         <dsp:cNvPr id="0" name=""/>
         <dsp:cNvSpPr/>
       </dsp:nvSpPr>
       <dsp:spPr>
         <a:xfrm>
-          <a:off x="0" y="4644974"/>
-          <a:ext cx="6513603" cy="1238008"/>
+          <a:off x="0" y="3044120"/>
+          <a:ext cx="6513603" cy="811257"/>
         </a:xfrm>
         <a:prstGeom prst="roundRect">
           <a:avLst>
@@ -1963,36 +2067,37 @@
         <a:fontRef idx="minor"/>
       </dsp:style>
     </dsp:sp>
-    <dsp:sp modelId="{ECC717F2-E4BB-4952-AD98-E000250CD649}">
+    <dsp:sp modelId="{2296801D-4A81-4A22-992D-EE9FFE9F6DA9}">
       <dsp:nvSpPr>
         <dsp:cNvPr id="0" name=""/>
         <dsp:cNvSpPr/>
       </dsp:nvSpPr>
       <dsp:spPr>
         <a:xfrm>
-          <a:off x="374497" y="4923526"/>
-          <a:ext cx="680904" cy="680904"/>
+          <a:off x="245405" y="3226653"/>
+          <a:ext cx="446191" cy="446191"/>
         </a:xfrm>
         <a:prstGeom prst="rect">
           <a:avLst/>
         </a:prstGeom>
-        <a:blipFill>
-          <a:blip xmlns:r="http://schemas.openxmlformats.org/officeDocument/2006/relationships" r:embed="rId7">
-            <a:extLst>
-              <a:ext uri="{28A0092B-C50C-407E-A947-70E740481C1C}">
-                <a14:useLocalDpi xmlns:a14="http://schemas.microsoft.com/office/drawing/2010/main" val="0"/>
-              </a:ext>
-              <a:ext uri="{96DAC541-7B7A-43D3-8B79-37D633B846F1}">
-                <asvg:svgBlip xmlns:asvg="http://schemas.microsoft.com/office/drawing/2016/SVG/main" r:embed="rId8"/>
-              </a:ext>
-            </a:extLst>
-          </a:blip>
-          <a:stretch>
-            <a:fillRect/>
-          </a:stretch>
-        </a:blipFill>
+        <a:solidFill>
+          <a:schemeClr val="bg1">
+            <a:hueOff val="0"/>
+            <a:satOff val="0"/>
+            <a:lumOff val="0"/>
+            <a:alphaOff val="0"/>
+          </a:schemeClr>
+        </a:solidFill>
         <a:ln w="12700" cap="flat" cmpd="sng" algn="ctr">
-          <a:noFill/>
+          <a:solidFill>
+            <a:schemeClr val="lt1">
+              <a:alpha val="0"/>
+              <a:hueOff val="0"/>
+              <a:satOff val="0"/>
+              <a:lumOff val="0"/>
+              <a:alphaOff val="0"/>
+            </a:schemeClr>
+          </a:solidFill>
           <a:prstDash val="solid"/>
           <a:miter lim="800000"/>
         </a:ln>
@@ -2013,15 +2118,15 @@
         </a:fontRef>
       </dsp:style>
     </dsp:sp>
-    <dsp:sp modelId="{6BAEF95A-A269-4FD3-903F-4776DADEF028}">
+    <dsp:sp modelId="{8A87C3F2-6EDD-4E35-BE36-FB906E79B88B}">
       <dsp:nvSpPr>
         <dsp:cNvPr id="0" name=""/>
         <dsp:cNvSpPr/>
       </dsp:nvSpPr>
       <dsp:spPr>
         <a:xfrm>
-          <a:off x="1429899" y="4644974"/>
-          <a:ext cx="5083704" cy="1238008"/>
+          <a:off x="937002" y="3044120"/>
+          <a:ext cx="5576601" cy="811257"/>
         </a:xfrm>
         <a:prstGeom prst="rect">
           <a:avLst/>
@@ -2045,14 +2150,14 @@
         <a:fontRef idx="minor"/>
       </dsp:style>
       <dsp:txBody>
-        <a:bodyPr spcFirstLastPara="0" vert="horz" wrap="square" lIns="131023" tIns="131023" rIns="131023" bIns="131023" numCol="1" spcCol="1270" anchor="ctr" anchorCtr="0">
+        <a:bodyPr spcFirstLastPara="0" vert="horz" wrap="square" lIns="85858" tIns="85858" rIns="85858" bIns="85858" numCol="1" spcCol="1270" anchor="ctr" anchorCtr="0">
           <a:noAutofit/>
         </a:bodyPr>
         <a:lstStyle/>
         <a:p>
-          <a:pPr marL="0" lvl="0" indent="0" algn="l" defTabSz="977900">
+          <a:pPr marL="0" lvl="0" indent="0" algn="l" defTabSz="844550">
             <a:lnSpc>
-              <a:spcPct val="90000"/>
+              <a:spcPct val="100000"/>
             </a:lnSpc>
             <a:spcBef>
               <a:spcPct val="0"/>
@@ -2062,15 +2167,310 @@
             </a:spcAft>
             <a:buNone/>
           </a:pPr>
-          <a:r>
-            <a:rPr lang="en-US" sz="2200" kern="1200"/>
-            <a:t>What's the difference between data scientist, data engineer and data analyst?</a:t>
-          </a:r>
+          <a:endParaRPr lang="en-US" sz="1900" kern="1200" dirty="0"/>
         </a:p>
       </dsp:txBody>
       <dsp:txXfrm>
-        <a:off x="1429899" y="4644974"/>
-        <a:ext cx="5083704" cy="1238008"/>
+        <a:off x="937002" y="3044120"/>
+        <a:ext cx="5576601" cy="811257"/>
+      </dsp:txXfrm>
+    </dsp:sp>
+    <dsp:sp modelId="{EF46FEC3-E052-44A4-A05E-7E11DD3DF661}">
+      <dsp:nvSpPr>
+        <dsp:cNvPr id="0" name=""/>
+        <dsp:cNvSpPr/>
+      </dsp:nvSpPr>
+      <dsp:spPr>
+        <a:xfrm>
+          <a:off x="0" y="4058192"/>
+          <a:ext cx="6513603" cy="811257"/>
+        </a:xfrm>
+        <a:prstGeom prst="roundRect">
+          <a:avLst>
+            <a:gd name="adj" fmla="val 10000"/>
+          </a:avLst>
+        </a:prstGeom>
+        <a:solidFill>
+          <a:schemeClr val="accent6">
+            <a:hueOff val="0"/>
+            <a:satOff val="0"/>
+            <a:lumOff val="0"/>
+            <a:alphaOff val="0"/>
+          </a:schemeClr>
+        </a:solidFill>
+        <a:ln>
+          <a:noFill/>
+        </a:ln>
+        <a:effectLst/>
+      </dsp:spPr>
+      <dsp:style>
+        <a:lnRef idx="0">
+          <a:scrgbClr r="0" g="0" b="0"/>
+        </a:lnRef>
+        <a:fillRef idx="1">
+          <a:scrgbClr r="0" g="0" b="0"/>
+        </a:fillRef>
+        <a:effectRef idx="0">
+          <a:scrgbClr r="0" g="0" b="0"/>
+        </a:effectRef>
+        <a:fontRef idx="minor"/>
+      </dsp:style>
+    </dsp:sp>
+    <dsp:sp modelId="{30280687-89BA-4503-BAF6-266768777A51}">
+      <dsp:nvSpPr>
+        <dsp:cNvPr id="0" name=""/>
+        <dsp:cNvSpPr/>
+      </dsp:nvSpPr>
+      <dsp:spPr>
+        <a:xfrm>
+          <a:off x="245405" y="4240725"/>
+          <a:ext cx="446191" cy="446191"/>
+        </a:xfrm>
+        <a:prstGeom prst="rect">
+          <a:avLst/>
+        </a:prstGeom>
+        <a:solidFill>
+          <a:schemeClr val="bg1">
+            <a:hueOff val="0"/>
+            <a:satOff val="0"/>
+            <a:lumOff val="0"/>
+            <a:alphaOff val="0"/>
+          </a:schemeClr>
+        </a:solidFill>
+        <a:ln w="12700" cap="flat" cmpd="sng" algn="ctr">
+          <a:solidFill>
+            <a:schemeClr val="lt1">
+              <a:alpha val="0"/>
+              <a:hueOff val="0"/>
+              <a:satOff val="0"/>
+              <a:lumOff val="0"/>
+              <a:alphaOff val="0"/>
+            </a:schemeClr>
+          </a:solidFill>
+          <a:prstDash val="solid"/>
+          <a:miter lim="800000"/>
+        </a:ln>
+        <a:effectLst/>
+      </dsp:spPr>
+      <dsp:style>
+        <a:lnRef idx="2">
+          <a:scrgbClr r="0" g="0" b="0"/>
+        </a:lnRef>
+        <a:fillRef idx="1">
+          <a:scrgbClr r="0" g="0" b="0"/>
+        </a:fillRef>
+        <a:effectRef idx="0">
+          <a:scrgbClr r="0" g="0" b="0"/>
+        </a:effectRef>
+        <a:fontRef idx="minor">
+          <a:schemeClr val="lt1"/>
+        </a:fontRef>
+      </dsp:style>
+    </dsp:sp>
+    <dsp:sp modelId="{8D936D3E-CA2B-4E3F-82CD-00B56B5F13E5}">
+      <dsp:nvSpPr>
+        <dsp:cNvPr id="0" name=""/>
+        <dsp:cNvSpPr/>
+      </dsp:nvSpPr>
+      <dsp:spPr>
+        <a:xfrm>
+          <a:off x="937002" y="4058192"/>
+          <a:ext cx="5576601" cy="811257"/>
+        </a:xfrm>
+        <a:prstGeom prst="rect">
+          <a:avLst/>
+        </a:prstGeom>
+        <a:noFill/>
+        <a:ln>
+          <a:noFill/>
+        </a:ln>
+        <a:effectLst/>
+      </dsp:spPr>
+      <dsp:style>
+        <a:lnRef idx="0">
+          <a:scrgbClr r="0" g="0" b="0"/>
+        </a:lnRef>
+        <a:fillRef idx="0">
+          <a:scrgbClr r="0" g="0" b="0"/>
+        </a:fillRef>
+        <a:effectRef idx="0">
+          <a:scrgbClr r="0" g="0" b="0"/>
+        </a:effectRef>
+        <a:fontRef idx="minor"/>
+      </dsp:style>
+      <dsp:txBody>
+        <a:bodyPr spcFirstLastPara="0" vert="horz" wrap="square" lIns="85858" tIns="85858" rIns="85858" bIns="85858" numCol="1" spcCol="1270" anchor="ctr" anchorCtr="0">
+          <a:noAutofit/>
+        </a:bodyPr>
+        <a:lstStyle/>
+        <a:p>
+          <a:pPr marL="0" lvl="0" indent="0" algn="l" defTabSz="844550">
+            <a:lnSpc>
+              <a:spcPct val="100000"/>
+            </a:lnSpc>
+            <a:spcBef>
+              <a:spcPct val="0"/>
+            </a:spcBef>
+            <a:spcAft>
+              <a:spcPct val="35000"/>
+            </a:spcAft>
+            <a:buNone/>
+          </a:pPr>
+          <a:endParaRPr lang="en-US" sz="1900" kern="1200" dirty="0"/>
+        </a:p>
+      </dsp:txBody>
+      <dsp:txXfrm>
+        <a:off x="937002" y="4058192"/>
+        <a:ext cx="5576601" cy="811257"/>
+      </dsp:txXfrm>
+    </dsp:sp>
+    <dsp:sp modelId="{E01E7862-8983-4886-887F-1F0CA4B876E2}">
+      <dsp:nvSpPr>
+        <dsp:cNvPr id="0" name=""/>
+        <dsp:cNvSpPr/>
+      </dsp:nvSpPr>
+      <dsp:spPr>
+        <a:xfrm>
+          <a:off x="0" y="5072264"/>
+          <a:ext cx="6513603" cy="811257"/>
+        </a:xfrm>
+        <a:prstGeom prst="roundRect">
+          <a:avLst>
+            <a:gd name="adj" fmla="val 10000"/>
+          </a:avLst>
+        </a:prstGeom>
+        <a:solidFill>
+          <a:schemeClr val="accent2">
+            <a:hueOff val="0"/>
+            <a:satOff val="0"/>
+            <a:lumOff val="0"/>
+            <a:alphaOff val="0"/>
+          </a:schemeClr>
+        </a:solidFill>
+        <a:ln>
+          <a:noFill/>
+        </a:ln>
+        <a:effectLst/>
+      </dsp:spPr>
+      <dsp:style>
+        <a:lnRef idx="0">
+          <a:scrgbClr r="0" g="0" b="0"/>
+        </a:lnRef>
+        <a:fillRef idx="1">
+          <a:scrgbClr r="0" g="0" b="0"/>
+        </a:fillRef>
+        <a:effectRef idx="0">
+          <a:scrgbClr r="0" g="0" b="0"/>
+        </a:effectRef>
+        <a:fontRef idx="minor"/>
+      </dsp:style>
+    </dsp:sp>
+    <dsp:sp modelId="{10F81A69-F095-4FEC-BCF2-8BFF4DEDBF92}">
+      <dsp:nvSpPr>
+        <dsp:cNvPr id="0" name=""/>
+        <dsp:cNvSpPr/>
+      </dsp:nvSpPr>
+      <dsp:spPr>
+        <a:xfrm>
+          <a:off x="245405" y="5254797"/>
+          <a:ext cx="446191" cy="446191"/>
+        </a:xfrm>
+        <a:prstGeom prst="rect">
+          <a:avLst/>
+        </a:prstGeom>
+        <a:solidFill>
+          <a:schemeClr val="bg1">
+            <a:hueOff val="0"/>
+            <a:satOff val="0"/>
+            <a:lumOff val="0"/>
+            <a:alphaOff val="0"/>
+          </a:schemeClr>
+        </a:solidFill>
+        <a:ln w="12700" cap="flat" cmpd="sng" algn="ctr">
+          <a:solidFill>
+            <a:schemeClr val="lt1">
+              <a:alpha val="0"/>
+              <a:hueOff val="0"/>
+              <a:satOff val="0"/>
+              <a:lumOff val="0"/>
+              <a:alphaOff val="0"/>
+            </a:schemeClr>
+          </a:solidFill>
+          <a:prstDash val="solid"/>
+          <a:miter lim="800000"/>
+        </a:ln>
+        <a:effectLst/>
+      </dsp:spPr>
+      <dsp:style>
+        <a:lnRef idx="2">
+          <a:scrgbClr r="0" g="0" b="0"/>
+        </a:lnRef>
+        <a:fillRef idx="1">
+          <a:scrgbClr r="0" g="0" b="0"/>
+        </a:fillRef>
+        <a:effectRef idx="0">
+          <a:scrgbClr r="0" g="0" b="0"/>
+        </a:effectRef>
+        <a:fontRef idx="minor">
+          <a:schemeClr val="lt1"/>
+        </a:fontRef>
+      </dsp:style>
+    </dsp:sp>
+    <dsp:sp modelId="{21B66262-F3CB-4DFD-96BF-2E8DC13FD86E}">
+      <dsp:nvSpPr>
+        <dsp:cNvPr id="0" name=""/>
+        <dsp:cNvSpPr/>
+      </dsp:nvSpPr>
+      <dsp:spPr>
+        <a:xfrm>
+          <a:off x="937002" y="5072264"/>
+          <a:ext cx="5576601" cy="811257"/>
+        </a:xfrm>
+        <a:prstGeom prst="rect">
+          <a:avLst/>
+        </a:prstGeom>
+        <a:noFill/>
+        <a:ln>
+          <a:noFill/>
+        </a:ln>
+        <a:effectLst/>
+      </dsp:spPr>
+      <dsp:style>
+        <a:lnRef idx="0">
+          <a:scrgbClr r="0" g="0" b="0"/>
+        </a:lnRef>
+        <a:fillRef idx="0">
+          <a:scrgbClr r="0" g="0" b="0"/>
+        </a:fillRef>
+        <a:effectRef idx="0">
+          <a:scrgbClr r="0" g="0" b="0"/>
+        </a:effectRef>
+        <a:fontRef idx="minor"/>
+      </dsp:style>
+      <dsp:txBody>
+        <a:bodyPr spcFirstLastPara="0" vert="horz" wrap="square" lIns="85858" tIns="85858" rIns="85858" bIns="85858" numCol="1" spcCol="1270" anchor="ctr" anchorCtr="0">
+          <a:noAutofit/>
+        </a:bodyPr>
+        <a:lstStyle/>
+        <a:p>
+          <a:pPr marL="0" lvl="0" indent="0" algn="l" defTabSz="844550">
+            <a:lnSpc>
+              <a:spcPct val="100000"/>
+            </a:lnSpc>
+            <a:spcBef>
+              <a:spcPct val="0"/>
+            </a:spcBef>
+            <a:spcAft>
+              <a:spcPct val="35000"/>
+            </a:spcAft>
+            <a:buNone/>
+          </a:pPr>
+          <a:endParaRPr lang="en-US" sz="1900" kern="1200" dirty="0"/>
+        </a:p>
+      </dsp:txBody>
+      <dsp:txXfrm>
+        <a:off x="937002" y="5072264"/>
+        <a:ext cx="5576601" cy="811257"/>
       </dsp:txXfrm>
     </dsp:sp>
   </dsp:spTree>
@@ -7119,6 +7519,720 @@
 </p:sld>
 </file>
 
+<file path=ppt/slides/slide10.xml><?xml version="1.0" encoding="utf-8"?>
+<p:sld xmlns:a="http://schemas.openxmlformats.org/drawingml/2006/main" xmlns:r="http://schemas.openxmlformats.org/officeDocument/2006/relationships" xmlns:p="http://schemas.openxmlformats.org/presentationml/2006/main">
+  <p:cSld>
+    <p:bg>
+      <p:bgPr>
+        <a:solidFill>
+          <a:schemeClr val="bg1"/>
+        </a:solidFill>
+        <a:effectLst/>
+      </p:bgPr>
+    </p:bg>
+    <p:spTree>
+      <p:nvGrpSpPr>
+        <p:cNvPr id="1" name=""/>
+        <p:cNvGrpSpPr/>
+        <p:nvPr/>
+      </p:nvGrpSpPr>
+      <p:grpSpPr>
+        <a:xfrm>
+          <a:off x="0" y="0"/>
+          <a:ext cx="0" cy="0"/>
+          <a:chOff x="0" y="0"/>
+          <a:chExt cx="0" cy="0"/>
+        </a:xfrm>
+      </p:grpSpPr>
+      <p:sp>
+        <p:nvSpPr>
+          <p:cNvPr id="71" name="Rectangle 70">
+            <a:extLst>
+              <a:ext uri="{FF2B5EF4-FFF2-40B4-BE49-F238E27FC236}">
+                <a16:creationId xmlns:a16="http://schemas.microsoft.com/office/drawing/2014/main" id="{32BC26D8-82FB-445E-AA49-62A77D7C1EE0}"/>
+              </a:ext>
+              <a:ext uri="{C183D7F6-B498-43B3-948B-1728B52AA6E4}">
+                <adec:decorative xmlns:adec="http://schemas.microsoft.com/office/drawing/2017/decorative" val="1"/>
+              </a:ext>
+            </a:extLst>
+          </p:cNvPr>
+          <p:cNvSpPr>
+            <a:spLocks noGrp="1" noRot="1" noChangeAspect="1" noMove="1" noResize="1" noEditPoints="1" noAdjustHandles="1" noChangeArrowheads="1" noChangeShapeType="1" noTextEdit="1"/>
+          </p:cNvSpPr>
+          <p:nvPr>
+            <p:extLst>
+              <p:ext uri="{386F3935-93C4-4BCD-93E2-E3B085C9AB24}">
+                <p16:designElem xmlns:p16="http://schemas.microsoft.com/office/powerpoint/2015/main" val="1"/>
+              </p:ext>
+            </p:extLst>
+          </p:nvPr>
+        </p:nvSpPr>
+        <p:spPr>
+          <a:xfrm>
+            <a:off x="0" y="0"/>
+            <a:ext cx="12192000" cy="6858000"/>
+          </a:xfrm>
+          <a:prstGeom prst="rect">
+            <a:avLst/>
+          </a:prstGeom>
+          <a:solidFill>
+            <a:schemeClr val="tx1">
+              <a:lumMod val="65000"/>
+              <a:lumOff val="35000"/>
+            </a:schemeClr>
+          </a:solidFill>
+          <a:ln>
+            <a:noFill/>
+          </a:ln>
+        </p:spPr>
+        <p:style>
+          <a:lnRef idx="2">
+            <a:schemeClr val="accent1">
+              <a:shade val="50000"/>
+            </a:schemeClr>
+          </a:lnRef>
+          <a:fillRef idx="1">
+            <a:schemeClr val="accent1"/>
+          </a:fillRef>
+          <a:effectRef idx="0">
+            <a:schemeClr val="accent1"/>
+          </a:effectRef>
+          <a:fontRef idx="minor">
+            <a:schemeClr val="lt1"/>
+          </a:fontRef>
+        </p:style>
+        <p:txBody>
+          <a:bodyPr rtlCol="0" anchor="ctr"/>
+          <a:lstStyle/>
+          <a:p>
+            <a:pPr algn="ctr"/>
+            <a:endParaRPr lang="en-US"/>
+          </a:p>
+        </p:txBody>
+      </p:sp>
+      <p:sp>
+        <p:nvSpPr>
+          <p:cNvPr id="73" name="Rectangle 72">
+            <a:extLst>
+              <a:ext uri="{FF2B5EF4-FFF2-40B4-BE49-F238E27FC236}">
+                <a16:creationId xmlns:a16="http://schemas.microsoft.com/office/drawing/2014/main" id="{CB44330D-EA18-4254-AA95-EB49948539B8}"/>
+              </a:ext>
+              <a:ext uri="{C183D7F6-B498-43B3-948B-1728B52AA6E4}">
+                <adec:decorative xmlns:adec="http://schemas.microsoft.com/office/drawing/2017/decorative" val="1"/>
+              </a:ext>
+            </a:extLst>
+          </p:cNvPr>
+          <p:cNvSpPr>
+            <a:spLocks noGrp="1" noRot="1" noChangeAspect="1" noMove="1" noResize="1" noEditPoints="1" noAdjustHandles="1" noChangeArrowheads="1" noChangeShapeType="1" noTextEdit="1"/>
+          </p:cNvSpPr>
+          <p:nvPr>
+            <p:extLst>
+              <p:ext uri="{386F3935-93C4-4BCD-93E2-E3B085C9AB24}">
+                <p16:designElem xmlns:p16="http://schemas.microsoft.com/office/powerpoint/2015/main" val="1"/>
+              </p:ext>
+            </p:extLst>
+          </p:nvPr>
+        </p:nvSpPr>
+        <p:spPr>
+          <a:xfrm>
+            <a:off x="477012" y="480060"/>
+            <a:ext cx="11237976" cy="5897880"/>
+          </a:xfrm>
+          <a:prstGeom prst="rect">
+            <a:avLst/>
+          </a:prstGeom>
+          <a:solidFill>
+            <a:srgbClr val="FFFFFF"/>
+          </a:solidFill>
+          <a:ln>
+            <a:noFill/>
+          </a:ln>
+        </p:spPr>
+        <p:style>
+          <a:lnRef idx="2">
+            <a:schemeClr val="accent1">
+              <a:shade val="50000"/>
+            </a:schemeClr>
+          </a:lnRef>
+          <a:fillRef idx="1">
+            <a:schemeClr val="accent1"/>
+          </a:fillRef>
+          <a:effectRef idx="0">
+            <a:schemeClr val="accent1"/>
+          </a:effectRef>
+          <a:fontRef idx="minor">
+            <a:schemeClr val="lt1"/>
+          </a:fontRef>
+        </p:style>
+        <p:txBody>
+          <a:bodyPr rtlCol="0" anchor="ctr"/>
+          <a:lstStyle/>
+          <a:p>
+            <a:pPr algn="ctr"/>
+            <a:endParaRPr lang="en-US"/>
+          </a:p>
+        </p:txBody>
+      </p:sp>
+      <p:pic>
+        <p:nvPicPr>
+          <p:cNvPr id="3074" name="Picture 2" descr="Top_five_companies_atx.png">
+            <a:extLst>
+              <a:ext uri="{FF2B5EF4-FFF2-40B4-BE49-F238E27FC236}">
+                <a16:creationId xmlns:a16="http://schemas.microsoft.com/office/drawing/2014/main" id="{DCEF9B05-CAFE-421B-952B-098759BDF737}"/>
+              </a:ext>
+            </a:extLst>
+          </p:cNvPr>
+          <p:cNvPicPr>
+            <a:picLocks noGrp="1" noChangeAspect="1" noChangeArrowheads="1"/>
+          </p:cNvPicPr>
+          <p:nvPr>
+            <p:ph idx="1"/>
+          </p:nvPr>
+        </p:nvPicPr>
+        <p:blipFill>
+          <a:blip r:embed="rId2">
+            <a:extLst>
+              <a:ext uri="{28A0092B-C50C-407E-A947-70E740481C1C}">
+                <a14:useLocalDpi xmlns:a14="http://schemas.microsoft.com/office/drawing/2010/main" val="0"/>
+              </a:ext>
+            </a:extLst>
+          </a:blip>
+          <a:stretch>
+            <a:fillRect/>
+          </a:stretch>
+        </p:blipFill>
+        <p:spPr bwMode="auto">
+          <a:xfrm>
+            <a:off x="1917700" y="643467"/>
+            <a:ext cx="8356599" cy="5571066"/>
+          </a:xfrm>
+          <a:prstGeom prst="rect">
+            <a:avLst/>
+          </a:prstGeom>
+          <a:noFill/>
+          <a:extLst>
+            <a:ext uri="{909E8E84-426E-40DD-AFC4-6F175D3DCCD1}">
+              <a14:hiddenFill xmlns:a14="http://schemas.microsoft.com/office/drawing/2010/main">
+                <a:solidFill>
+                  <a:srgbClr val="FFFFFF"/>
+                </a:solidFill>
+              </a14:hiddenFill>
+            </a:ext>
+          </a:extLst>
+        </p:spPr>
+      </p:pic>
+    </p:spTree>
+    <p:extLst>
+      <p:ext uri="{BB962C8B-B14F-4D97-AF65-F5344CB8AC3E}">
+        <p14:creationId xmlns:p14="http://schemas.microsoft.com/office/powerpoint/2010/main" val="1314520973"/>
+      </p:ext>
+    </p:extLst>
+  </p:cSld>
+  <p:clrMapOvr>
+    <a:masterClrMapping/>
+  </p:clrMapOvr>
+</p:sld>
+</file>
+
+<file path=ppt/slides/slide11.xml><?xml version="1.0" encoding="utf-8"?>
+<p:sld xmlns:a="http://schemas.openxmlformats.org/drawingml/2006/main" xmlns:r="http://schemas.openxmlformats.org/officeDocument/2006/relationships" xmlns:p="http://schemas.openxmlformats.org/presentationml/2006/main">
+  <p:cSld>
+    <p:spTree>
+      <p:nvGrpSpPr>
+        <p:cNvPr id="1" name=""/>
+        <p:cNvGrpSpPr/>
+        <p:nvPr/>
+      </p:nvGrpSpPr>
+      <p:grpSpPr>
+        <a:xfrm>
+          <a:off x="0" y="0"/>
+          <a:ext cx="0" cy="0"/>
+          <a:chOff x="0" y="0"/>
+          <a:chExt cx="0" cy="0"/>
+        </a:xfrm>
+      </p:grpSpPr>
+      <p:sp>
+        <p:nvSpPr>
+          <p:cNvPr id="2" name="Title 1">
+            <a:extLst>
+              <a:ext uri="{FF2B5EF4-FFF2-40B4-BE49-F238E27FC236}">
+                <a16:creationId xmlns:a16="http://schemas.microsoft.com/office/drawing/2014/main" id="{3B247032-296A-4755-A960-40E10D846A9B}"/>
+              </a:ext>
+            </a:extLst>
+          </p:cNvPr>
+          <p:cNvSpPr>
+            <a:spLocks noGrp="1"/>
+          </p:cNvSpPr>
+          <p:nvPr>
+            <p:ph type="title"/>
+          </p:nvPr>
+        </p:nvSpPr>
+        <p:spPr/>
+        <p:txBody>
+          <a:bodyPr/>
+          <a:lstStyle/>
+          <a:p>
+            <a:pPr algn="ctr"/>
+            <a:r>
+              <a:rPr lang="en-US" dirty="0">
+                <a:solidFill>
+                  <a:srgbClr val="00B0F0"/>
+                </a:solidFill>
+              </a:rPr>
+              <a:t>Austin Vs Top 5 cities</a:t>
+            </a:r>
+          </a:p>
+        </p:txBody>
+      </p:sp>
+      <p:sp>
+        <p:nvSpPr>
+          <p:cNvPr id="7" name="Content Placeholder 6">
+            <a:extLst>
+              <a:ext uri="{FF2B5EF4-FFF2-40B4-BE49-F238E27FC236}">
+                <a16:creationId xmlns:a16="http://schemas.microsoft.com/office/drawing/2014/main" id="{D88A66B8-D90D-4215-9E97-0831B344AC7B}"/>
+              </a:ext>
+            </a:extLst>
+          </p:cNvPr>
+          <p:cNvSpPr>
+            <a:spLocks noGrp="1"/>
+          </p:cNvSpPr>
+          <p:nvPr>
+            <p:ph idx="1"/>
+          </p:nvPr>
+        </p:nvSpPr>
+        <p:spPr>
+          <a:xfrm>
+            <a:off x="313677" y="134412"/>
+            <a:ext cx="316638" cy="230713"/>
+          </a:xfrm>
+        </p:spPr>
+        <p:txBody>
+          <a:bodyPr>
+            <a:normAutofit fontScale="47500" lnSpcReduction="20000"/>
+          </a:bodyPr>
+          <a:lstStyle/>
+          <a:p>
+            <a:pPr algn="ctr"/>
+            <a:endParaRPr lang="en-US" dirty="0"/>
+          </a:p>
+          <a:p>
+            <a:pPr algn="ctr"/>
+            <a:endParaRPr lang="en-US" dirty="0"/>
+          </a:p>
+        </p:txBody>
+      </p:sp>
+      <p:graphicFrame>
+        <p:nvGraphicFramePr>
+          <p:cNvPr id="8" name="Table 7">
+            <a:extLst>
+              <a:ext uri="{FF2B5EF4-FFF2-40B4-BE49-F238E27FC236}">
+                <a16:creationId xmlns:a16="http://schemas.microsoft.com/office/drawing/2014/main" id="{E37BCA98-C7C0-4302-A1BC-788E7E8D3006}"/>
+              </a:ext>
+            </a:extLst>
+          </p:cNvPr>
+          <p:cNvGraphicFramePr>
+            <a:graphicFrameLocks noGrp="1"/>
+          </p:cNvGraphicFramePr>
+          <p:nvPr>
+            <p:extLst>
+              <p:ext uri="{D42A27DB-BD31-4B8C-83A1-F6EECF244321}">
+                <p14:modId xmlns:p14="http://schemas.microsoft.com/office/powerpoint/2010/main" val="1985239313"/>
+              </p:ext>
+            </p:extLst>
+          </p:nvPr>
+        </p:nvGraphicFramePr>
+        <p:xfrm>
+          <a:off x="1669002" y="1809112"/>
+          <a:ext cx="8825883" cy="3239775"/>
+        </p:xfrm>
+        <a:graphic>
+          <a:graphicData uri="http://schemas.openxmlformats.org/drawingml/2006/table">
+            <a:tbl>
+              <a:tblPr firstRow="1" bandRow="1">
+                <a:tableStyleId>{073A0DAA-6AF3-43AB-8588-CEC1D06C72B9}</a:tableStyleId>
+              </a:tblPr>
+              <a:tblGrid>
+                <a:gridCol w="4421080">
+                  <a:extLst>
+                    <a:ext uri="{9D8B030D-6E8A-4147-A177-3AD203B41FA5}">
+                      <a16:colId xmlns:a16="http://schemas.microsoft.com/office/drawing/2014/main" val="3666958429"/>
+                    </a:ext>
+                  </a:extLst>
+                </a:gridCol>
+                <a:gridCol w="4404803">
+                  <a:extLst>
+                    <a:ext uri="{9D8B030D-6E8A-4147-A177-3AD203B41FA5}">
+                      <a16:colId xmlns:a16="http://schemas.microsoft.com/office/drawing/2014/main" val="3238471950"/>
+                    </a:ext>
+                  </a:extLst>
+                </a:gridCol>
+              </a:tblGrid>
+              <a:tr h="462825">
+                <a:tc>
+                  <a:txBody>
+                    <a:bodyPr/>
+                    <a:lstStyle/>
+                    <a:p>
+                      <a:pPr algn="ctr"/>
+                      <a:r>
+                        <a:rPr lang="en-US" sz="2400" dirty="0"/>
+                        <a:t> Cities</a:t>
+                      </a:r>
+                      <a:endParaRPr lang="en-US" sz="2400" dirty="0">
+                        <a:solidFill>
+                          <a:schemeClr val="accent4">
+                            <a:lumMod val="60000"/>
+                            <a:lumOff val="40000"/>
+                          </a:schemeClr>
+                        </a:solidFill>
+                      </a:endParaRPr>
+                    </a:p>
+                  </a:txBody>
+                  <a:tcPr/>
+                </a:tc>
+                <a:tc>
+                  <a:txBody>
+                    <a:bodyPr/>
+                    <a:lstStyle/>
+                    <a:p>
+                      <a:pPr algn="ctr"/>
+                      <a:r>
+                        <a:rPr lang="en-US" dirty="0"/>
+                        <a:t> </a:t>
+                      </a:r>
+                      <a:r>
+                        <a:rPr lang="en-US" sz="2400" dirty="0"/>
+                        <a:t>Total Jobs</a:t>
+                      </a:r>
+                    </a:p>
+                  </a:txBody>
+                  <a:tcPr/>
+                </a:tc>
+                <a:extLst>
+                  <a:ext uri="{0D108BD9-81ED-4DB2-BD59-A6C34878D82A}">
+                    <a16:rowId xmlns:a16="http://schemas.microsoft.com/office/drawing/2014/main" val="3022682185"/>
+                  </a:ext>
+                </a:extLst>
+              </a:tr>
+              <a:tr h="462825">
+                <a:tc>
+                  <a:txBody>
+                    <a:bodyPr/>
+                    <a:lstStyle/>
+                    <a:p>
+                      <a:pPr algn="ctr"/>
+                      <a:r>
+                        <a:rPr lang="en-US" dirty="0">
+                          <a:solidFill>
+                            <a:schemeClr val="tx1"/>
+                          </a:solidFill>
+                        </a:rPr>
+                        <a:t>Seattle, WA</a:t>
+                      </a:r>
+                    </a:p>
+                  </a:txBody>
+                  <a:tcPr/>
+                </a:tc>
+                <a:tc>
+                  <a:txBody>
+                    <a:bodyPr/>
+                    <a:lstStyle/>
+                    <a:p>
+                      <a:pPr algn="ctr"/>
+                      <a:r>
+                        <a:rPr lang="en-US" dirty="0"/>
+                        <a:t>474</a:t>
+                      </a:r>
+                    </a:p>
+                  </a:txBody>
+                  <a:tcPr/>
+                </a:tc>
+                <a:extLst>
+                  <a:ext uri="{0D108BD9-81ED-4DB2-BD59-A6C34878D82A}">
+                    <a16:rowId xmlns:a16="http://schemas.microsoft.com/office/drawing/2014/main" val="1891594267"/>
+                  </a:ext>
+                </a:extLst>
+              </a:tr>
+              <a:tr h="462825">
+                <a:tc>
+                  <a:txBody>
+                    <a:bodyPr/>
+                    <a:lstStyle/>
+                    <a:p>
+                      <a:pPr algn="ctr"/>
+                      <a:r>
+                        <a:rPr lang="en-US" dirty="0"/>
+                        <a:t>Cambridge, MA</a:t>
+                      </a:r>
+                    </a:p>
+                  </a:txBody>
+                  <a:tcPr/>
+                </a:tc>
+                <a:tc>
+                  <a:txBody>
+                    <a:bodyPr/>
+                    <a:lstStyle/>
+                    <a:p>
+                      <a:pPr algn="ctr"/>
+                      <a:r>
+                        <a:rPr lang="en-US" dirty="0"/>
+                        <a:t>368</a:t>
+                      </a:r>
+                    </a:p>
+                  </a:txBody>
+                  <a:tcPr/>
+                </a:tc>
+                <a:extLst>
+                  <a:ext uri="{0D108BD9-81ED-4DB2-BD59-A6C34878D82A}">
+                    <a16:rowId xmlns:a16="http://schemas.microsoft.com/office/drawing/2014/main" val="2988435610"/>
+                  </a:ext>
+                </a:extLst>
+              </a:tr>
+              <a:tr h="462825">
+                <a:tc>
+                  <a:txBody>
+                    <a:bodyPr/>
+                    <a:lstStyle/>
+                    <a:p>
+                      <a:pPr algn="ctr"/>
+                      <a:r>
+                        <a:rPr lang="en-US" dirty="0"/>
+                        <a:t>New York, NY</a:t>
+                      </a:r>
+                    </a:p>
+                  </a:txBody>
+                  <a:tcPr/>
+                </a:tc>
+                <a:tc>
+                  <a:txBody>
+                    <a:bodyPr/>
+                    <a:lstStyle/>
+                    <a:p>
+                      <a:pPr algn="ctr"/>
+                      <a:r>
+                        <a:rPr lang="en-US" dirty="0"/>
+                        <a:t>338</a:t>
+                      </a:r>
+                    </a:p>
+                  </a:txBody>
+                  <a:tcPr/>
+                </a:tc>
+                <a:extLst>
+                  <a:ext uri="{0D108BD9-81ED-4DB2-BD59-A6C34878D82A}">
+                    <a16:rowId xmlns:a16="http://schemas.microsoft.com/office/drawing/2014/main" val="1502606053"/>
+                  </a:ext>
+                </a:extLst>
+              </a:tr>
+              <a:tr h="462825">
+                <a:tc>
+                  <a:txBody>
+                    <a:bodyPr/>
+                    <a:lstStyle/>
+                    <a:p>
+                      <a:pPr algn="ctr"/>
+                      <a:r>
+                        <a:rPr lang="en-US" dirty="0"/>
+                        <a:t>Boston, MA</a:t>
+                      </a:r>
+                    </a:p>
+                  </a:txBody>
+                  <a:tcPr/>
+                </a:tc>
+                <a:tc>
+                  <a:txBody>
+                    <a:bodyPr/>
+                    <a:lstStyle/>
+                    <a:p>
+                      <a:pPr algn="ctr"/>
+                      <a:r>
+                        <a:rPr lang="en-US" dirty="0"/>
+                        <a:t>305</a:t>
+                      </a:r>
+                    </a:p>
+                  </a:txBody>
+                  <a:tcPr/>
+                </a:tc>
+                <a:extLst>
+                  <a:ext uri="{0D108BD9-81ED-4DB2-BD59-A6C34878D82A}">
+                    <a16:rowId xmlns:a16="http://schemas.microsoft.com/office/drawing/2014/main" val="544063699"/>
+                  </a:ext>
+                </a:extLst>
+              </a:tr>
+              <a:tr h="462825">
+                <a:tc>
+                  <a:txBody>
+                    <a:bodyPr/>
+                    <a:lstStyle/>
+                    <a:p>
+                      <a:pPr algn="ctr"/>
+                      <a:r>
+                        <a:rPr lang="en-US" dirty="0"/>
+                        <a:t>San Francisco, CA</a:t>
+                      </a:r>
+                    </a:p>
+                  </a:txBody>
+                  <a:tcPr/>
+                </a:tc>
+                <a:tc>
+                  <a:txBody>
+                    <a:bodyPr/>
+                    <a:lstStyle/>
+                    <a:p>
+                      <a:pPr algn="ctr"/>
+                      <a:r>
+                        <a:rPr lang="en-US" dirty="0"/>
+                        <a:t>287</a:t>
+                      </a:r>
+                    </a:p>
+                  </a:txBody>
+                  <a:tcPr/>
+                </a:tc>
+                <a:extLst>
+                  <a:ext uri="{0D108BD9-81ED-4DB2-BD59-A6C34878D82A}">
+                    <a16:rowId xmlns:a16="http://schemas.microsoft.com/office/drawing/2014/main" val="3157550071"/>
+                  </a:ext>
+                </a:extLst>
+              </a:tr>
+              <a:tr h="462825">
+                <a:tc>
+                  <a:txBody>
+                    <a:bodyPr/>
+                    <a:lstStyle/>
+                    <a:p>
+                      <a:pPr algn="ctr"/>
+                      <a:r>
+                        <a:rPr lang="en-US" dirty="0"/>
+                        <a:t>Austin, TX (12</a:t>
+                      </a:r>
+                      <a:r>
+                        <a:rPr lang="en-US" baseline="30000" dirty="0"/>
+                        <a:t>th</a:t>
+                      </a:r>
+                      <a:r>
+                        <a:rPr lang="en-US" dirty="0"/>
+                        <a:t>)</a:t>
+                      </a:r>
+                    </a:p>
+                  </a:txBody>
+                  <a:tcPr/>
+                </a:tc>
+                <a:tc>
+                  <a:txBody>
+                    <a:bodyPr/>
+                    <a:lstStyle/>
+                    <a:p>
+                      <a:pPr algn="ctr"/>
+                      <a:r>
+                        <a:rPr lang="en-US" dirty="0"/>
+                        <a:t>127</a:t>
+                      </a:r>
+                    </a:p>
+                  </a:txBody>
+                  <a:tcPr/>
+                </a:tc>
+                <a:extLst>
+                  <a:ext uri="{0D108BD9-81ED-4DB2-BD59-A6C34878D82A}">
+                    <a16:rowId xmlns:a16="http://schemas.microsoft.com/office/drawing/2014/main" val="261404471"/>
+                  </a:ext>
+                </a:extLst>
+              </a:tr>
+            </a:tbl>
+          </a:graphicData>
+        </a:graphic>
+      </p:graphicFrame>
+    </p:spTree>
+    <p:extLst>
+      <p:ext uri="{BB962C8B-B14F-4D97-AF65-F5344CB8AC3E}">
+        <p14:creationId xmlns:p14="http://schemas.microsoft.com/office/powerpoint/2010/main" val="1997534031"/>
+      </p:ext>
+    </p:extLst>
+  </p:cSld>
+  <p:clrMapOvr>
+    <a:masterClrMapping/>
+  </p:clrMapOvr>
+</p:sld>
+</file>
+
+<file path=ppt/slides/slide12.xml><?xml version="1.0" encoding="utf-8"?>
+<p:sld xmlns:a="http://schemas.openxmlformats.org/drawingml/2006/main" xmlns:r="http://schemas.openxmlformats.org/officeDocument/2006/relationships" xmlns:p="http://schemas.openxmlformats.org/presentationml/2006/main">
+  <p:cSld>
+    <p:spTree>
+      <p:nvGrpSpPr>
+        <p:cNvPr id="1" name=""/>
+        <p:cNvGrpSpPr/>
+        <p:nvPr/>
+      </p:nvGrpSpPr>
+      <p:grpSpPr>
+        <a:xfrm>
+          <a:off x="0" y="0"/>
+          <a:ext cx="0" cy="0"/>
+          <a:chOff x="0" y="0"/>
+          <a:chExt cx="0" cy="0"/>
+        </a:xfrm>
+      </p:grpSpPr>
+      <p:sp>
+        <p:nvSpPr>
+          <p:cNvPr id="2" name="Title 1">
+            <a:extLst>
+              <a:ext uri="{FF2B5EF4-FFF2-40B4-BE49-F238E27FC236}">
+                <a16:creationId xmlns:a16="http://schemas.microsoft.com/office/drawing/2014/main" id="{FE77B7C4-D21D-49FB-B722-C9E0E2D1C3A1}"/>
+              </a:ext>
+            </a:extLst>
+          </p:cNvPr>
+          <p:cNvSpPr>
+            <a:spLocks noGrp="1"/>
+          </p:cNvSpPr>
+          <p:nvPr>
+            <p:ph type="title"/>
+          </p:nvPr>
+        </p:nvSpPr>
+        <p:spPr/>
+        <p:txBody>
+          <a:bodyPr/>
+          <a:lstStyle/>
+          <a:p>
+            <a:endParaRPr lang="en-US"/>
+          </a:p>
+        </p:txBody>
+      </p:sp>
+      <p:sp>
+        <p:nvSpPr>
+          <p:cNvPr id="3" name="Content Placeholder 2">
+            <a:extLst>
+              <a:ext uri="{FF2B5EF4-FFF2-40B4-BE49-F238E27FC236}">
+                <a16:creationId xmlns:a16="http://schemas.microsoft.com/office/drawing/2014/main" id="{645D8121-9BBB-4217-8265-D2FD6A884B6C}"/>
+              </a:ext>
+            </a:extLst>
+          </p:cNvPr>
+          <p:cNvSpPr>
+            <a:spLocks noGrp="1"/>
+          </p:cNvSpPr>
+          <p:nvPr>
+            <p:ph idx="1"/>
+          </p:nvPr>
+        </p:nvSpPr>
+        <p:spPr/>
+        <p:txBody>
+          <a:bodyPr/>
+          <a:lstStyle/>
+          <a:p>
+            <a:endParaRPr lang="en-US"/>
+          </a:p>
+        </p:txBody>
+      </p:sp>
+    </p:spTree>
+    <p:extLst>
+      <p:ext uri="{BB962C8B-B14F-4D97-AF65-F5344CB8AC3E}">
+        <p14:creationId xmlns:p14="http://schemas.microsoft.com/office/powerpoint/2010/main" val="1437999619"/>
+      </p:ext>
+    </p:extLst>
+  </p:cSld>
+  <p:clrMapOvr>
+    <a:masterClrMapping/>
+  </p:clrMapOvr>
+</p:sld>
+</file>
+
 <file path=ppt/slides/slide2.xml><?xml version="1.0" encoding="utf-8"?>
 <p:sld xmlns:a="http://schemas.openxmlformats.org/drawingml/2006/main" xmlns:r="http://schemas.openxmlformats.org/officeDocument/2006/relationships" xmlns:p="http://schemas.openxmlformats.org/presentationml/2006/main">
   <p:cSld>
@@ -7185,7 +8299,10 @@
           <a:bodyPr/>
           <a:lstStyle/>
           <a:p>
-            <a:endParaRPr lang="en-US"/>
+            <a:r>
+              <a:rPr lang="en-US" dirty="0"/>
+              <a:t>Our hypothesis was the most jobs available would be at Silicon Valley</a:t>
+            </a:r>
           </a:p>
         </p:txBody>
       </p:sp>
@@ -7763,7 +8880,7 @@
             <p:ph idx="1"/>
             <p:extLst>
               <p:ext uri="{D42A27DB-BD31-4B8C-83A1-F6EECF244321}">
-                <p14:modId xmlns:p14="http://schemas.microsoft.com/office/powerpoint/2010/main" val="2887688816"/>
+                <p14:modId xmlns:p14="http://schemas.microsoft.com/office/powerpoint/2010/main" val="494641001"/>
               </p:ext>
             </p:extLst>
           </p:nvPr>
@@ -8328,7 +9445,7 @@
       </p:grpSpPr>
       <p:sp>
         <p:nvSpPr>
-          <p:cNvPr id="71" name="Rectangle 70">
+          <p:cNvPr id="4100" name="Rectangle 70">
             <a:extLst>
               <a:ext uri="{FF2B5EF4-FFF2-40B4-BE49-F238E27FC236}">
                 <a16:creationId xmlns:a16="http://schemas.microsoft.com/office/drawing/2014/main" id="{32BC26D8-82FB-445E-AA49-62A77D7C1EE0}"/>
@@ -8394,7 +9511,7 @@
       </p:sp>
       <p:sp>
         <p:nvSpPr>
-          <p:cNvPr id="73" name="Rectangle 72">
+          <p:cNvPr id="4101" name="Rectangle 72">
             <a:extLst>
               <a:ext uri="{FF2B5EF4-FFF2-40B4-BE49-F238E27FC236}">
                 <a16:creationId xmlns:a16="http://schemas.microsoft.com/office/drawing/2014/main" id="{CB44330D-EA18-4254-AA95-EB49948539B8}"/>
@@ -8457,15 +9574,15 @@
       </p:sp>
       <p:pic>
         <p:nvPicPr>
-          <p:cNvPr id="3074" name="Picture 2" descr="Top_five_companies_atx.png">
+          <p:cNvPr id="4" name="Content Placeholder 3" descr="A screenshot of a cell phone&#10;&#10;Description automatically generated">
             <a:extLst>
               <a:ext uri="{FF2B5EF4-FFF2-40B4-BE49-F238E27FC236}">
-                <a16:creationId xmlns:a16="http://schemas.microsoft.com/office/drawing/2014/main" id="{DCEF9B05-CAFE-421B-952B-098759BDF737}"/>
+                <a16:creationId xmlns:a16="http://schemas.microsoft.com/office/drawing/2014/main" id="{CBD1F66A-1D39-4291-8FE5-AC3A4A29DC5C}"/>
               </a:ext>
             </a:extLst>
           </p:cNvPr>
           <p:cNvPicPr>
-            <a:picLocks noGrp="1" noChangeAspect="1" noChangeArrowheads="1"/>
+            <a:picLocks noGrp="1" noChangeAspect="1"/>
           </p:cNvPicPr>
           <p:nvPr>
             <p:ph idx="1"/>
@@ -8483,30 +9600,61 @@
             <a:fillRect/>
           </a:stretch>
         </p:blipFill>
-        <p:spPr bwMode="auto">
+        <p:spPr>
           <a:xfrm>
-            <a:off x="1917700" y="643467"/>
-            <a:ext cx="8356599" cy="5571066"/>
+            <a:off x="838200" y="2248694"/>
+            <a:ext cx="10515600" cy="3505200"/>
+          </a:xfrm>
+        </p:spPr>
+      </p:pic>
+      <p:sp>
+        <p:nvSpPr>
+          <p:cNvPr id="5" name="TextBox 4">
+            <a:extLst>
+              <a:ext uri="{FF2B5EF4-FFF2-40B4-BE49-F238E27FC236}">
+                <a16:creationId xmlns:a16="http://schemas.microsoft.com/office/drawing/2014/main" id="{76CB3742-BB04-4C1B-AA2F-09A2F02F404A}"/>
+              </a:ext>
+            </a:extLst>
+          </p:cNvPr>
+          <p:cNvSpPr txBox="1"/>
+          <p:nvPr/>
+        </p:nvSpPr>
+        <p:spPr>
+          <a:xfrm>
+            <a:off x="2533650" y="1104106"/>
+            <a:ext cx="6991349" cy="584775"/>
           </a:xfrm>
           <a:prstGeom prst="rect">
             <a:avLst/>
           </a:prstGeom>
           <a:noFill/>
-          <a:extLst>
-            <a:ext uri="{909E8E84-426E-40DD-AFC4-6F175D3DCCD1}">
-              <a14:hiddenFill xmlns:a14="http://schemas.microsoft.com/office/drawing/2010/main">
+        </p:spPr>
+        <p:txBody>
+          <a:bodyPr wrap="square" rtlCol="0">
+            <a:spAutoFit/>
+          </a:bodyPr>
+          <a:lstStyle/>
+          <a:p>
+            <a:r>
+              <a:rPr lang="en-US" sz="3200" dirty="0">
                 <a:solidFill>
-                  <a:srgbClr val="FFFFFF"/>
+                  <a:srgbClr val="FF0000"/>
                 </a:solidFill>
-              </a14:hiddenFill>
-            </a:ext>
-          </a:extLst>
-        </p:spPr>
-      </p:pic>
+              </a:rPr>
+              <a:t>Data Scientist title continues to reign on</a:t>
+            </a:r>
+            <a:endParaRPr lang="en-US" sz="3200" kern="1200" dirty="0">
+              <a:solidFill>
+                <a:srgbClr val="FF0000"/>
+              </a:solidFill>
+            </a:endParaRPr>
+          </a:p>
+        </p:txBody>
+      </p:sp>
     </p:spTree>
     <p:extLst>
       <p:ext uri="{BB962C8B-B14F-4D97-AF65-F5344CB8AC3E}">
-        <p14:creationId xmlns:p14="http://schemas.microsoft.com/office/powerpoint/2010/main" val="1314520973"/>
+        <p14:creationId xmlns:p14="http://schemas.microsoft.com/office/powerpoint/2010/main" val="3955154036"/>
       </p:ext>
     </p:extLst>
   </p:cSld>
@@ -8543,7 +9691,7 @@
       </p:grpSpPr>
       <p:sp>
         <p:nvSpPr>
-          <p:cNvPr id="4100" name="Rectangle 70">
+          <p:cNvPr id="72" name="Rectangle 71">
             <a:extLst>
               <a:ext uri="{FF2B5EF4-FFF2-40B4-BE49-F238E27FC236}">
                 <a16:creationId xmlns:a16="http://schemas.microsoft.com/office/drawing/2014/main" id="{32BC26D8-82FB-445E-AA49-62A77D7C1EE0}"/>
@@ -8573,10 +9721,7 @@
             <a:avLst/>
           </a:prstGeom>
           <a:solidFill>
-            <a:schemeClr val="tx1">
-              <a:lumMod val="65000"/>
-              <a:lumOff val="35000"/>
-            </a:schemeClr>
+            <a:srgbClr val="415C3D"/>
           </a:solidFill>
           <a:ln>
             <a:noFill/>
@@ -8609,7 +9754,7 @@
       </p:sp>
       <p:sp>
         <p:nvSpPr>
-          <p:cNvPr id="4101" name="Rectangle 72">
+          <p:cNvPr id="74" name="Rectangle 73">
             <a:extLst>
               <a:ext uri="{FF2B5EF4-FFF2-40B4-BE49-F238E27FC236}">
                 <a16:creationId xmlns:a16="http://schemas.microsoft.com/office/drawing/2014/main" id="{CB44330D-EA18-4254-AA95-EB49948539B8}"/>
@@ -8672,10 +9817,10 @@
       </p:sp>
       <p:pic>
         <p:nvPicPr>
-          <p:cNvPr id="4098" name="Picture 2" descr="Top_five_jobs.png">
+          <p:cNvPr id="5125" name="Picture 2" descr="most_desired_skills.png">
             <a:extLst>
               <a:ext uri="{FF2B5EF4-FFF2-40B4-BE49-F238E27FC236}">
-                <a16:creationId xmlns:a16="http://schemas.microsoft.com/office/drawing/2014/main" id="{849598D0-10A1-442B-B83E-174A82A8B0B6}"/>
+                <a16:creationId xmlns:a16="http://schemas.microsoft.com/office/drawing/2014/main" id="{44998190-1C9D-4B9A-842C-CCEEEEA5594C}"/>
               </a:ext>
             </a:extLst>
           </p:cNvPr>
@@ -8700,8 +9845,8 @@
         </p:blipFill>
         <p:spPr bwMode="auto">
           <a:xfrm>
-            <a:off x="3577701" y="559293"/>
-            <a:ext cx="6797778" cy="5655240"/>
+            <a:off x="844117" y="1686394"/>
+            <a:ext cx="8566213" cy="4283107"/>
           </a:xfrm>
           <a:prstGeom prst="rect">
             <a:avLst/>
@@ -8718,10 +9863,54 @@
           </a:extLst>
         </p:spPr>
       </p:pic>
+      <p:sp>
+        <p:nvSpPr>
+          <p:cNvPr id="2" name="TextBox 1">
+            <a:extLst>
+              <a:ext uri="{FF2B5EF4-FFF2-40B4-BE49-F238E27FC236}">
+                <a16:creationId xmlns:a16="http://schemas.microsoft.com/office/drawing/2014/main" id="{42CF6501-E007-4642-8BAD-72C574ECFB6E}"/>
+              </a:ext>
+            </a:extLst>
+          </p:cNvPr>
+          <p:cNvSpPr txBox="1"/>
+          <p:nvPr/>
+        </p:nvSpPr>
+        <p:spPr>
+          <a:xfrm>
+            <a:off x="3613212" y="781235"/>
+            <a:ext cx="4838330" cy="707886"/>
+          </a:xfrm>
+          <a:prstGeom prst="rect">
+            <a:avLst/>
+          </a:prstGeom>
+          <a:noFill/>
+        </p:spPr>
+        <p:txBody>
+          <a:bodyPr wrap="square" rtlCol="0">
+            <a:spAutoFit/>
+          </a:bodyPr>
+          <a:lstStyle/>
+          <a:p>
+            <a:r>
+              <a:rPr lang="en-US" sz="4000" b="1">
+                <a:solidFill>
+                  <a:srgbClr val="002060"/>
+                </a:solidFill>
+              </a:rPr>
+              <a:t>Python is the new R</a:t>
+            </a:r>
+            <a:endParaRPr lang="en-US" sz="4000" b="1" dirty="0">
+              <a:solidFill>
+                <a:srgbClr val="002060"/>
+              </a:solidFill>
+            </a:endParaRPr>
+          </a:p>
+        </p:txBody>
+      </p:sp>
     </p:spTree>
     <p:extLst>
       <p:ext uri="{BB962C8B-B14F-4D97-AF65-F5344CB8AC3E}">
-        <p14:creationId xmlns:p14="http://schemas.microsoft.com/office/powerpoint/2010/main" val="3955154036"/>
+        <p14:creationId xmlns:p14="http://schemas.microsoft.com/office/powerpoint/2010/main" val="1511920513"/>
       </p:ext>
     </p:extLst>
   </p:cSld>
@@ -8734,14 +9923,6 @@
 <file path=ppt/slides/slide9.xml><?xml version="1.0" encoding="utf-8"?>
 <p:sld xmlns:a="http://schemas.openxmlformats.org/drawingml/2006/main" xmlns:r="http://schemas.openxmlformats.org/officeDocument/2006/relationships" xmlns:p="http://schemas.openxmlformats.org/presentationml/2006/main">
   <p:cSld>
-    <p:bg>
-      <p:bgPr>
-        <a:solidFill>
-          <a:schemeClr val="bg1"/>
-        </a:solidFill>
-        <a:effectLst/>
-      </p:bgPr>
-    </p:bg>
     <p:spTree>
       <p:nvGrpSpPr>
         <p:cNvPr id="1" name=""/>
@@ -8758,141 +9939,48 @@
       </p:grpSpPr>
       <p:sp>
         <p:nvSpPr>
-          <p:cNvPr id="72" name="Rectangle 71">
+          <p:cNvPr id="2" name="Title 1">
             <a:extLst>
               <a:ext uri="{FF2B5EF4-FFF2-40B4-BE49-F238E27FC236}">
-                <a16:creationId xmlns:a16="http://schemas.microsoft.com/office/drawing/2014/main" id="{32BC26D8-82FB-445E-AA49-62A77D7C1EE0}"/>
-              </a:ext>
-              <a:ext uri="{C183D7F6-B498-43B3-948B-1728B52AA6E4}">
-                <adec:decorative xmlns:adec="http://schemas.microsoft.com/office/drawing/2017/decorative" val="1"/>
+                <a16:creationId xmlns:a16="http://schemas.microsoft.com/office/drawing/2014/main" id="{E613CBDA-351D-4119-BF7A-62EC60C64B1C}"/>
               </a:ext>
             </a:extLst>
           </p:cNvPr>
           <p:cNvSpPr>
-            <a:spLocks noGrp="1" noRot="1" noChangeAspect="1" noMove="1" noResize="1" noEditPoints="1" noAdjustHandles="1" noChangeArrowheads="1" noChangeShapeType="1" noTextEdit="1"/>
+            <a:spLocks noGrp="1"/>
           </p:cNvSpPr>
           <p:nvPr>
-            <p:extLst>
-              <p:ext uri="{386F3935-93C4-4BCD-93E2-E3B085C9AB24}">
-                <p16:designElem xmlns:p16="http://schemas.microsoft.com/office/powerpoint/2015/main" val="1"/>
-              </p:ext>
-            </p:extLst>
+            <p:ph type="title"/>
           </p:nvPr>
         </p:nvSpPr>
-        <p:spPr>
-          <a:xfrm>
-            <a:off x="0" y="0"/>
-            <a:ext cx="12192000" cy="6858000"/>
-          </a:xfrm>
-          <a:prstGeom prst="rect">
-            <a:avLst/>
-          </a:prstGeom>
-          <a:solidFill>
-            <a:srgbClr val="415C3D"/>
-          </a:solidFill>
-          <a:ln>
-            <a:noFill/>
-          </a:ln>
-        </p:spPr>
-        <p:style>
-          <a:lnRef idx="2">
-            <a:schemeClr val="accent1">
-              <a:shade val="50000"/>
-            </a:schemeClr>
-          </a:lnRef>
-          <a:fillRef idx="1">
-            <a:schemeClr val="accent1"/>
-          </a:fillRef>
-          <a:effectRef idx="0">
-            <a:schemeClr val="accent1"/>
-          </a:effectRef>
-          <a:fontRef idx="minor">
-            <a:schemeClr val="lt1"/>
-          </a:fontRef>
-        </p:style>
+        <p:spPr/>
         <p:txBody>
-          <a:bodyPr rtlCol="0" anchor="ctr"/>
+          <a:bodyPr/>
           <a:lstStyle/>
           <a:p>
             <a:pPr algn="ctr"/>
-            <a:endParaRPr lang="en-US"/>
-          </a:p>
-        </p:txBody>
-      </p:sp>
-      <p:sp>
-        <p:nvSpPr>
-          <p:cNvPr id="74" name="Rectangle 73">
-            <a:extLst>
-              <a:ext uri="{FF2B5EF4-FFF2-40B4-BE49-F238E27FC236}">
-                <a16:creationId xmlns:a16="http://schemas.microsoft.com/office/drawing/2014/main" id="{CB44330D-EA18-4254-AA95-EB49948539B8}"/>
-              </a:ext>
-              <a:ext uri="{C183D7F6-B498-43B3-948B-1728B52AA6E4}">
-                <adec:decorative xmlns:adec="http://schemas.microsoft.com/office/drawing/2017/decorative" val="1"/>
-              </a:ext>
-            </a:extLst>
-          </p:cNvPr>
-          <p:cNvSpPr>
-            <a:spLocks noGrp="1" noRot="1" noChangeAspect="1" noMove="1" noResize="1" noEditPoints="1" noAdjustHandles="1" noChangeArrowheads="1" noChangeShapeType="1" noTextEdit="1"/>
-          </p:cNvSpPr>
-          <p:nvPr>
-            <p:extLst>
-              <p:ext uri="{386F3935-93C4-4BCD-93E2-E3B085C9AB24}">
-                <p16:designElem xmlns:p16="http://schemas.microsoft.com/office/powerpoint/2015/main" val="1"/>
-              </p:ext>
-            </p:extLst>
-          </p:nvPr>
-        </p:nvSpPr>
-        <p:spPr>
-          <a:xfrm>
-            <a:off x="477012" y="480060"/>
-            <a:ext cx="11237976" cy="5897880"/>
-          </a:xfrm>
-          <a:prstGeom prst="rect">
-            <a:avLst/>
-          </a:prstGeom>
-          <a:solidFill>
-            <a:srgbClr val="FFFFFF"/>
-          </a:solidFill>
-          <a:ln>
-            <a:noFill/>
-          </a:ln>
-        </p:spPr>
-        <p:style>
-          <a:lnRef idx="2">
-            <a:schemeClr val="accent1">
-              <a:shade val="50000"/>
-            </a:schemeClr>
-          </a:lnRef>
-          <a:fillRef idx="1">
-            <a:schemeClr val="accent1"/>
-          </a:fillRef>
-          <a:effectRef idx="0">
-            <a:schemeClr val="accent1"/>
-          </a:effectRef>
-          <a:fontRef idx="minor">
-            <a:schemeClr val="lt1"/>
-          </a:fontRef>
-        </p:style>
-        <p:txBody>
-          <a:bodyPr rtlCol="0" anchor="ctr"/>
-          <a:lstStyle/>
-          <a:p>
-            <a:pPr algn="ctr"/>
-            <a:endParaRPr lang="en-US"/>
+            <a:r>
+              <a:rPr lang="en-US" b="1" u="sng" dirty="0">
+                <a:solidFill>
+                  <a:srgbClr val="00B050"/>
+                </a:solidFill>
+              </a:rPr>
+              <a:t>Hot spots for Data Scientist jobs in USA</a:t>
+            </a:r>
           </a:p>
         </p:txBody>
       </p:sp>
       <p:pic>
         <p:nvPicPr>
-          <p:cNvPr id="5125" name="Picture 2" descr="most_desired_skills.png">
+          <p:cNvPr id="5" name="Content Placeholder 4" descr="A close up of a map&#10;&#10;Description automatically generated">
             <a:extLst>
               <a:ext uri="{FF2B5EF4-FFF2-40B4-BE49-F238E27FC236}">
-                <a16:creationId xmlns:a16="http://schemas.microsoft.com/office/drawing/2014/main" id="{44998190-1C9D-4B9A-842C-CCEEEEA5594C}"/>
+                <a16:creationId xmlns:a16="http://schemas.microsoft.com/office/drawing/2014/main" id="{74B06351-5282-47B5-AC71-D201FBA23CCF}"/>
               </a:ext>
             </a:extLst>
           </p:cNvPr>
           <p:cNvPicPr>
-            <a:picLocks noGrp="1" noChangeAspect="1" noChangeArrowheads="1"/>
+            <a:picLocks noGrp="1" noChangeAspect="1"/>
           </p:cNvPicPr>
           <p:nvPr>
             <p:ph idx="1"/>
@@ -8910,30 +9998,17 @@
             <a:fillRect/>
           </a:stretch>
         </p:blipFill>
-        <p:spPr bwMode="auto">
+        <p:spPr>
           <a:xfrm>
-            <a:off x="643467" y="702733"/>
-            <a:ext cx="10905066" cy="5452533"/>
+            <a:off x="1404937" y="2167731"/>
+            <a:ext cx="9382125" cy="3667125"/>
           </a:xfrm>
-          <a:prstGeom prst="rect">
-            <a:avLst/>
-          </a:prstGeom>
-          <a:noFill/>
-          <a:extLst>
-            <a:ext uri="{909E8E84-426E-40DD-AFC4-6F175D3DCCD1}">
-              <a14:hiddenFill xmlns:a14="http://schemas.microsoft.com/office/drawing/2010/main">
-                <a:solidFill>
-                  <a:srgbClr val="FFFFFF"/>
-                </a:solidFill>
-              </a14:hiddenFill>
-            </a:ext>
-          </a:extLst>
         </p:spPr>
       </p:pic>
     </p:spTree>
     <p:extLst>
       <p:ext uri="{BB962C8B-B14F-4D97-AF65-F5344CB8AC3E}">
-        <p14:creationId xmlns:p14="http://schemas.microsoft.com/office/powerpoint/2010/main" val="1511920513"/>
+        <p14:creationId xmlns:p14="http://schemas.microsoft.com/office/powerpoint/2010/main" val="1832914502"/>
       </p:ext>
     </p:extLst>
   </p:cSld>

--- a/presentation/Presentation.pptx
+++ b/presentation/Presentation.pptx
@@ -4,6 +4,9 @@
   <p:sldMasterIdLst>
     <p:sldMasterId id="2147483648" r:id="rId1"/>
   </p:sldMasterIdLst>
+  <p:notesMasterIdLst>
+    <p:notesMasterId r:id="rId15"/>
+  </p:notesMasterIdLst>
   <p:sldIdLst>
     <p:sldId id="256" r:id="rId2"/>
     <p:sldId id="262" r:id="rId3"/>
@@ -12,11 +15,12 @@
     <p:sldId id="257" r:id="rId6"/>
     <p:sldId id="258" r:id="rId7"/>
     <p:sldId id="260" r:id="rId8"/>
-    <p:sldId id="261" r:id="rId9"/>
-    <p:sldId id="265" r:id="rId10"/>
-    <p:sldId id="259" r:id="rId11"/>
-    <p:sldId id="266" r:id="rId12"/>
-    <p:sldId id="267" r:id="rId13"/>
+    <p:sldId id="265" r:id="rId9"/>
+    <p:sldId id="259" r:id="rId10"/>
+    <p:sldId id="266" r:id="rId11"/>
+    <p:sldId id="267" r:id="rId12"/>
+    <p:sldId id="268" r:id="rId13"/>
+    <p:sldId id="269" r:id="rId14"/>
   </p:sldIdLst>
   <p:sldSz cx="12192000" cy="6858000"/>
   <p:notesSz cx="6858000" cy="9144000"/>
@@ -1048,7 +1052,7 @@
 <dgm:dataModel xmlns:dgm="http://schemas.openxmlformats.org/drawingml/2006/diagram" xmlns:a="http://schemas.openxmlformats.org/drawingml/2006/main">
   <dgm:ptLst>
     <dgm:pt modelId="{E54AB3FE-B642-48B5-AAB9-1896845BF7E4}" type="doc">
-      <dgm:prSet loTypeId="urn:microsoft.com/office/officeart/2018/2/layout/IconVerticalSolidList" loCatId="icon" qsTypeId="urn:microsoft.com/office/officeart/2005/8/quickstyle/simple1" qsCatId="simple" csTypeId="urn:microsoft.com/office/officeart/2018/5/colors/Iconchunking_neutralicontext_colorful1" csCatId="colorful" phldr="1"/>
+      <dgm:prSet loTypeId="urn:microsoft.com/office/officeart/2018/2/layout/IconVerticalSolidList" loCatId="icon" qsTypeId="urn:microsoft.com/office/officeart/2005/8/quickstyle/simple5" qsCatId="simple" csTypeId="urn:microsoft.com/office/officeart/2018/5/colors/Iconchunking_neutralicontext_colorful1" csCatId="colorful" phldr="1"/>
       <dgm:spPr/>
       <dgm:t>
         <a:bodyPr/>
@@ -1072,7 +1076,7 @@
           </a:pPr>
           <a:r>
             <a:rPr lang="en-US" dirty="0"/>
-            <a:t>Which locations in USA has the most opportunities?</a:t>
+            <a:t>Which locations in the USA has the most opportunities for data scientist?</a:t>
           </a:r>
         </a:p>
       </dgm:t>
@@ -1113,7 +1117,7 @@
           </a:pPr>
           <a:r>
             <a:rPr lang="en-US" dirty="0"/>
-            <a:t>Which company has the most opportunities in USA?</a:t>
+            <a:t>Which company has the most opportunities in the USA?</a:t>
           </a:r>
         </a:p>
       </dgm:t>
@@ -1193,17 +1197,34 @@
               <a:spcPct val="100000"/>
             </a:lnSpc>
           </a:pPr>
-          <a:endParaRPr lang="en-US" dirty="0"/>
+          <a:r>
+            <a:rPr lang="en-US" dirty="0"/>
+            <a:t>What are the hotspots in the USA for Data scientist?</a:t>
+          </a:r>
         </a:p>
       </dgm:t>
     </dgm:pt>
     <dgm:pt modelId="{1D53F1D8-F1F3-441B-85FA-FBB672FD57D9}" type="parTrans" cxnId="{4BEE613D-9686-4DEB-A082-408E43752F79}">
       <dgm:prSet/>
       <dgm:spPr/>
+      <dgm:t>
+        <a:bodyPr/>
+        <a:lstStyle/>
+        <a:p>
+          <a:endParaRPr lang="en-US"/>
+        </a:p>
+      </dgm:t>
     </dgm:pt>
     <dgm:pt modelId="{94F5089A-D4B1-480A-84F1-F40EC4290A76}" type="sibTrans" cxnId="{4BEE613D-9686-4DEB-A082-408E43752F79}">
       <dgm:prSet/>
       <dgm:spPr/>
+      <dgm:t>
+        <a:bodyPr/>
+        <a:lstStyle/>
+        <a:p>
+          <a:endParaRPr lang="en-US"/>
+        </a:p>
+      </dgm:t>
     </dgm:pt>
     <dgm:pt modelId="{94425574-7C8F-4623-BBA7-8B987C7BA70E}">
       <dgm:prSet/>
@@ -1217,17 +1238,34 @@
               <a:spcPct val="100000"/>
             </a:lnSpc>
           </a:pPr>
-          <a:endParaRPr lang="en-US" dirty="0"/>
+          <a:r>
+            <a:rPr lang="en-US" dirty="0"/>
+            <a:t>Which company has the most opportunities in Austin?</a:t>
+          </a:r>
         </a:p>
       </dgm:t>
     </dgm:pt>
     <dgm:pt modelId="{80D25E50-68D9-4D9A-A22B-D7DB2243C64A}" type="parTrans" cxnId="{7A659DD3-F3E4-4B21-8829-81F121AFCC86}">
       <dgm:prSet/>
       <dgm:spPr/>
+      <dgm:t>
+        <a:bodyPr/>
+        <a:lstStyle/>
+        <a:p>
+          <a:endParaRPr lang="en-US"/>
+        </a:p>
+      </dgm:t>
     </dgm:pt>
     <dgm:pt modelId="{DD823FA9-16C7-4781-A757-8AC2374466DC}" type="sibTrans" cxnId="{7A659DD3-F3E4-4B21-8829-81F121AFCC86}">
       <dgm:prSet/>
       <dgm:spPr/>
+      <dgm:t>
+        <a:bodyPr/>
+        <a:lstStyle/>
+        <a:p>
+          <a:endParaRPr lang="en-US"/>
+        </a:p>
+      </dgm:t>
     </dgm:pt>
     <dgm:pt modelId="{98BFD9D4-44CA-4372-9F94-92CB043BDE79}">
       <dgm:prSet/>
@@ -1241,17 +1279,34 @@
               <a:spcPct val="100000"/>
             </a:lnSpc>
           </a:pPr>
-          <a:endParaRPr lang="en-US" dirty="0"/>
+          <a:r>
+            <a:rPr lang="en-US" dirty="0"/>
+            <a:t>Which job position is in most demand?</a:t>
+          </a:r>
         </a:p>
       </dgm:t>
     </dgm:pt>
     <dgm:pt modelId="{CDBA8443-4FDD-4AB1-BC75-FAB19B819323}" type="parTrans" cxnId="{71962876-CB92-4DB5-97C4-660F0BE4839F}">
       <dgm:prSet/>
       <dgm:spPr/>
+      <dgm:t>
+        <a:bodyPr/>
+        <a:lstStyle/>
+        <a:p>
+          <a:endParaRPr lang="en-US"/>
+        </a:p>
+      </dgm:t>
     </dgm:pt>
     <dgm:pt modelId="{14962467-9529-4BC7-A9A7-3FE6377589DD}" type="sibTrans" cxnId="{71962876-CB92-4DB5-97C4-660F0BE4839F}">
       <dgm:prSet/>
       <dgm:spPr/>
+      <dgm:t>
+        <a:bodyPr/>
+        <a:lstStyle/>
+        <a:p>
+          <a:endParaRPr lang="en-US"/>
+        </a:p>
+      </dgm:t>
     </dgm:pt>
     <dgm:pt modelId="{CE0FF243-8A81-4084-8730-2544CE201205}" type="pres">
       <dgm:prSet presAssocID="{E54AB3FE-B642-48B5-AAB9-1896845BF7E4}" presName="root" presStyleCnt="0">
@@ -1276,25 +1331,20 @@
         <a:blipFill>
           <a:blip xmlns:r="http://schemas.openxmlformats.org/officeDocument/2006/relationships" r:embed="rId1">
             <a:extLst>
-              <a:ext uri="{28A0092B-C50C-407E-A947-70E740481C1C}">
-                <a14:useLocalDpi xmlns:a14="http://schemas.microsoft.com/office/drawing/2010/main" val="0"/>
-              </a:ext>
               <a:ext uri="{96DAC541-7B7A-43D3-8B79-37D633B846F1}">
                 <asvg:svgBlip xmlns:asvg="http://schemas.microsoft.com/office/drawing/2016/SVG/main" r:embed="rId2"/>
               </a:ext>
             </a:extLst>
           </a:blip>
+          <a:srcRect/>
           <a:stretch>
             <a:fillRect/>
           </a:stretch>
         </a:blipFill>
-        <a:ln>
-          <a:noFill/>
-        </a:ln>
       </dgm:spPr>
       <dgm:extLst>
         <a:ext uri="{E40237B7-FDA0-4F09-8148-C483321AD2D9}">
-          <dgm14:cNvPr xmlns:dgm14="http://schemas.microsoft.com/office/drawing/2010/diagram" id="0" name="" descr="Office Worker"/>
+          <dgm14:cNvPr xmlns:dgm14="http://schemas.microsoft.com/office/drawing/2010/diagram" id="0" name="" descr="Marker"/>
         </a:ext>
       </dgm:extLst>
     </dgm:pt>
@@ -1329,25 +1379,20 @@
         <a:blipFill>
           <a:blip xmlns:r="http://schemas.openxmlformats.org/officeDocument/2006/relationships" r:embed="rId3">
             <a:extLst>
-              <a:ext uri="{28A0092B-C50C-407E-A947-70E740481C1C}">
-                <a14:useLocalDpi xmlns:a14="http://schemas.microsoft.com/office/drawing/2010/main" val="0"/>
-              </a:ext>
               <a:ext uri="{96DAC541-7B7A-43D3-8B79-37D633B846F1}">
                 <asvg:svgBlip xmlns:asvg="http://schemas.microsoft.com/office/drawing/2016/SVG/main" r:embed="rId4"/>
               </a:ext>
             </a:extLst>
           </a:blip>
+          <a:srcRect/>
           <a:stretch>
             <a:fillRect/>
           </a:stretch>
         </a:blipFill>
-        <a:ln>
-          <a:noFill/>
-        </a:ln>
       </dgm:spPr>
       <dgm:extLst>
         <a:ext uri="{E40237B7-FDA0-4F09-8148-C483321AD2D9}">
-          <dgm14:cNvPr xmlns:dgm14="http://schemas.microsoft.com/office/drawing/2010/diagram" id="0" name="" descr="Marker"/>
+          <dgm14:cNvPr xmlns:dgm14="http://schemas.microsoft.com/office/drawing/2010/diagram" id="0" name="" descr="User network"/>
         </a:ext>
       </dgm:extLst>
     </dgm:pt>
@@ -1382,25 +1427,20 @@
         <a:blipFill>
           <a:blip xmlns:r="http://schemas.openxmlformats.org/officeDocument/2006/relationships" r:embed="rId5">
             <a:extLst>
-              <a:ext uri="{28A0092B-C50C-407E-A947-70E740481C1C}">
-                <a14:useLocalDpi xmlns:a14="http://schemas.microsoft.com/office/drawing/2010/main" val="0"/>
-              </a:ext>
               <a:ext uri="{96DAC541-7B7A-43D3-8B79-37D633B846F1}">
                 <asvg:svgBlip xmlns:asvg="http://schemas.microsoft.com/office/drawing/2016/SVG/main" r:embed="rId6"/>
               </a:ext>
             </a:extLst>
           </a:blip>
+          <a:srcRect/>
           <a:stretch>
             <a:fillRect/>
           </a:stretch>
         </a:blipFill>
-        <a:ln>
-          <a:noFill/>
-        </a:ln>
       </dgm:spPr>
       <dgm:extLst>
         <a:ext uri="{E40237B7-FDA0-4F09-8148-C483321AD2D9}">
-          <dgm14:cNvPr xmlns:dgm14="http://schemas.microsoft.com/office/drawing/2010/diagram" id="0" name="" descr="Books"/>
+          <dgm14:cNvPr xmlns:dgm14="http://schemas.microsoft.com/office/drawing/2010/diagram" id="0" name="" descr="Pie chart"/>
         </a:ext>
       </dgm:extLst>
     </dgm:pt>
@@ -1431,7 +1471,26 @@
     </dgm:pt>
     <dgm:pt modelId="{2296801D-4A81-4A22-992D-EE9FFE9F6DA9}" type="pres">
       <dgm:prSet presAssocID="{98BFD9D4-44CA-4372-9F94-92CB043BDE79}" presName="iconRect" presStyleLbl="node1" presStyleIdx="3" presStyleCnt="6"/>
-      <dgm:spPr/>
+      <dgm:spPr>
+        <a:blipFill>
+          <a:blip xmlns:r="http://schemas.openxmlformats.org/officeDocument/2006/relationships" r:embed="rId7">
+            <a:extLst>
+              <a:ext uri="{96DAC541-7B7A-43D3-8B79-37D633B846F1}">
+                <asvg:svgBlip xmlns:asvg="http://schemas.microsoft.com/office/drawing/2016/SVG/main" r:embed="rId8"/>
+              </a:ext>
+            </a:extLst>
+          </a:blip>
+          <a:srcRect/>
+          <a:stretch>
+            <a:fillRect/>
+          </a:stretch>
+        </a:blipFill>
+      </dgm:spPr>
+      <dgm:extLst>
+        <a:ext uri="{E40237B7-FDA0-4F09-8148-C483321AD2D9}">
+          <dgm14:cNvPr xmlns:dgm14="http://schemas.microsoft.com/office/drawing/2010/diagram" id="0" name="" descr="Group of people"/>
+        </a:ext>
+      </dgm:extLst>
     </dgm:pt>
     <dgm:pt modelId="{2AFDE15C-CCBE-4055-881A-C52706F42668}" type="pres">
       <dgm:prSet presAssocID="{98BFD9D4-44CA-4372-9F94-92CB043BDE79}" presName="spaceRect" presStyleCnt="0"/>
@@ -1460,7 +1519,29 @@
     </dgm:pt>
     <dgm:pt modelId="{30280687-89BA-4503-BAF6-266768777A51}" type="pres">
       <dgm:prSet presAssocID="{94425574-7C8F-4623-BBA7-8B987C7BA70E}" presName="iconRect" presStyleLbl="node1" presStyleIdx="4" presStyleCnt="6"/>
-      <dgm:spPr/>
+      <dgm:spPr>
+        <a:blipFill>
+          <a:blip xmlns:r="http://schemas.openxmlformats.org/officeDocument/2006/relationships" r:embed="rId9">
+            <a:extLst>
+              <a:ext uri="{28A0092B-C50C-407E-A947-70E740481C1C}">
+                <a14:useLocalDpi xmlns:a14="http://schemas.microsoft.com/office/drawing/2010/main" val="0"/>
+              </a:ext>
+              <a:ext uri="{96DAC541-7B7A-43D3-8B79-37D633B846F1}">
+                <asvg:svgBlip xmlns:asvg="http://schemas.microsoft.com/office/drawing/2016/SVG/main" r:embed="rId10"/>
+              </a:ext>
+            </a:extLst>
+          </a:blip>
+          <a:srcRect/>
+          <a:stretch>
+            <a:fillRect/>
+          </a:stretch>
+        </a:blipFill>
+      </dgm:spPr>
+      <dgm:extLst>
+        <a:ext uri="{E40237B7-FDA0-4F09-8148-C483321AD2D9}">
+          <dgm14:cNvPr xmlns:dgm14="http://schemas.microsoft.com/office/drawing/2010/diagram" id="0" name="" descr="Connections"/>
+        </a:ext>
+      </dgm:extLst>
     </dgm:pt>
     <dgm:pt modelId="{3B74019C-7CC4-4B5F-B2F1-432F54F82530}" type="pres">
       <dgm:prSet presAssocID="{94425574-7C8F-4623-BBA7-8B987C7BA70E}" presName="spaceRect" presStyleCnt="0"/>
@@ -1489,7 +1570,26 @@
     </dgm:pt>
     <dgm:pt modelId="{10F81A69-F095-4FEC-BCF2-8BFF4DEDBF92}" type="pres">
       <dgm:prSet presAssocID="{A6EB32B0-8FE3-46C4-8180-E6A91D1E1BAF}" presName="iconRect" presStyleLbl="node1" presStyleIdx="5" presStyleCnt="6"/>
-      <dgm:spPr/>
+      <dgm:spPr>
+        <a:blipFill>
+          <a:blip xmlns:r="http://schemas.openxmlformats.org/officeDocument/2006/relationships" r:embed="rId11">
+            <a:extLst>
+              <a:ext uri="{96DAC541-7B7A-43D3-8B79-37D633B846F1}">
+                <asvg:svgBlip xmlns:asvg="http://schemas.microsoft.com/office/drawing/2016/SVG/main" r:embed="rId12"/>
+              </a:ext>
+            </a:extLst>
+          </a:blip>
+          <a:srcRect/>
+          <a:stretch>
+            <a:fillRect/>
+          </a:stretch>
+        </a:blipFill>
+      </dgm:spPr>
+      <dgm:extLst>
+        <a:ext uri="{E40237B7-FDA0-4F09-8148-C483321AD2D9}">
+          <dgm14:cNvPr xmlns:dgm14="http://schemas.microsoft.com/office/drawing/2010/diagram" id="0" name="" descr="Map with pin"/>
+        </a:ext>
+      </dgm:extLst>
     </dgm:pt>
     <dgm:pt modelId="{6ADD936A-6ED8-4ED1-A4F5-212FC779CFC1}" type="pres">
       <dgm:prSet presAssocID="{A6EB32B0-8FE3-46C4-8180-E6A91D1E1BAF}" presName="spaceRect" presStyleCnt="0"/>
@@ -1559,7 +1659,7 @@
   <dgm:whole/>
   <dgm:extLst>
     <a:ext uri="http://schemas.microsoft.com/office/drawing/2008/diagram">
-      <dsp:dataModelExt xmlns:dsp="http://schemas.microsoft.com/office/drawing/2008/diagram" relId="rId6" minVer="http://schemas.openxmlformats.org/drawingml/2006/diagram"/>
+      <dsp:dataModelExt xmlns:dsp="http://schemas.microsoft.com/office/drawing/2008/diagram" relId="rId7" minVer="http://schemas.openxmlformats.org/drawingml/2006/diagram"/>
     </a:ext>
   </dgm:extLst>
 </dgm:dataModel>
@@ -1608,7 +1708,7 @@
         <a:fillRef idx="1">
           <a:scrgbClr r="0" g="0" b="0"/>
         </a:fillRef>
-        <a:effectRef idx="0">
+        <a:effectRef idx="2">
           <a:scrgbClr r="0" g="0" b="0"/>
         </a:effectRef>
         <a:fontRef idx="minor"/>
@@ -1630,33 +1730,35 @@
         <a:blipFill>
           <a:blip xmlns:r="http://schemas.openxmlformats.org/officeDocument/2006/relationships" r:embed="rId1">
             <a:extLst>
-              <a:ext uri="{28A0092B-C50C-407E-A947-70E740481C1C}">
-                <a14:useLocalDpi xmlns:a14="http://schemas.microsoft.com/office/drawing/2010/main" val="0"/>
-              </a:ext>
               <a:ext uri="{96DAC541-7B7A-43D3-8B79-37D633B846F1}">
                 <asvg:svgBlip xmlns:asvg="http://schemas.microsoft.com/office/drawing/2016/SVG/main" r:embed="rId2"/>
               </a:ext>
             </a:extLst>
           </a:blip>
+          <a:srcRect/>
           <a:stretch>
             <a:fillRect/>
           </a:stretch>
         </a:blipFill>
-        <a:ln w="12700" cap="flat" cmpd="sng" algn="ctr">
+        <a:ln>
           <a:noFill/>
-          <a:prstDash val="solid"/>
-          <a:miter lim="800000"/>
         </a:ln>
-        <a:effectLst/>
+        <a:effectLst>
+          <a:outerShdw blurRad="57150" dist="19050" dir="5400000" algn="ctr" rotWithShape="0">
+            <a:srgbClr val="000000">
+              <a:alpha val="63000"/>
+            </a:srgbClr>
+          </a:outerShdw>
+        </a:effectLst>
       </dsp:spPr>
       <dsp:style>
-        <a:lnRef idx="2">
+        <a:lnRef idx="0">
           <a:scrgbClr r="0" g="0" b="0"/>
         </a:lnRef>
-        <a:fillRef idx="1">
+        <a:fillRef idx="3">
           <a:scrgbClr r="0" g="0" b="0"/>
         </a:fillRef>
-        <a:effectRef idx="0">
+        <a:effectRef idx="3">
           <a:scrgbClr r="0" g="0" b="0"/>
         </a:effectRef>
         <a:fontRef idx="minor">
@@ -1715,7 +1817,7 @@
           </a:pPr>
           <a:r>
             <a:rPr lang="en-US" sz="1900" kern="1200" dirty="0"/>
-            <a:t>Which locations in USA has the most opportunities?</a:t>
+            <a:t>Which locations in the USA has the most opportunities for data scientist?</a:t>
           </a:r>
         </a:p>
       </dsp:txBody>
@@ -1759,7 +1861,7 @@
         <a:fillRef idx="1">
           <a:scrgbClr r="0" g="0" b="0"/>
         </a:fillRef>
-        <a:effectRef idx="0">
+        <a:effectRef idx="2">
           <a:scrgbClr r="0" g="0" b="0"/>
         </a:effectRef>
         <a:fontRef idx="minor"/>
@@ -1781,33 +1883,35 @@
         <a:blipFill>
           <a:blip xmlns:r="http://schemas.openxmlformats.org/officeDocument/2006/relationships" r:embed="rId3">
             <a:extLst>
-              <a:ext uri="{28A0092B-C50C-407E-A947-70E740481C1C}">
-                <a14:useLocalDpi xmlns:a14="http://schemas.microsoft.com/office/drawing/2010/main" val="0"/>
-              </a:ext>
               <a:ext uri="{96DAC541-7B7A-43D3-8B79-37D633B846F1}">
                 <asvg:svgBlip xmlns:asvg="http://schemas.microsoft.com/office/drawing/2016/SVG/main" r:embed="rId4"/>
               </a:ext>
             </a:extLst>
           </a:blip>
+          <a:srcRect/>
           <a:stretch>
             <a:fillRect/>
           </a:stretch>
         </a:blipFill>
-        <a:ln w="12700" cap="flat" cmpd="sng" algn="ctr">
+        <a:ln>
           <a:noFill/>
-          <a:prstDash val="solid"/>
-          <a:miter lim="800000"/>
         </a:ln>
-        <a:effectLst/>
+        <a:effectLst>
+          <a:outerShdw blurRad="57150" dist="19050" dir="5400000" algn="ctr" rotWithShape="0">
+            <a:srgbClr val="000000">
+              <a:alpha val="63000"/>
+            </a:srgbClr>
+          </a:outerShdw>
+        </a:effectLst>
       </dsp:spPr>
       <dsp:style>
-        <a:lnRef idx="2">
+        <a:lnRef idx="0">
           <a:scrgbClr r="0" g="0" b="0"/>
         </a:lnRef>
-        <a:fillRef idx="1">
+        <a:fillRef idx="3">
           <a:scrgbClr r="0" g="0" b="0"/>
         </a:fillRef>
-        <a:effectRef idx="0">
+        <a:effectRef idx="3">
           <a:scrgbClr r="0" g="0" b="0"/>
         </a:effectRef>
         <a:fontRef idx="minor">
@@ -1866,7 +1970,7 @@
           </a:pPr>
           <a:r>
             <a:rPr lang="en-US" sz="1900" kern="1200" dirty="0"/>
-            <a:t>Which company has the most opportunities in USA?</a:t>
+            <a:t>Which company has the most opportunities in the USA?</a:t>
           </a:r>
         </a:p>
       </dsp:txBody>
@@ -1910,7 +2014,7 @@
         <a:fillRef idx="1">
           <a:scrgbClr r="0" g="0" b="0"/>
         </a:fillRef>
-        <a:effectRef idx="0">
+        <a:effectRef idx="2">
           <a:scrgbClr r="0" g="0" b="0"/>
         </a:effectRef>
         <a:fontRef idx="minor"/>
@@ -1932,33 +2036,35 @@
         <a:blipFill>
           <a:blip xmlns:r="http://schemas.openxmlformats.org/officeDocument/2006/relationships" r:embed="rId5">
             <a:extLst>
-              <a:ext uri="{28A0092B-C50C-407E-A947-70E740481C1C}">
-                <a14:useLocalDpi xmlns:a14="http://schemas.microsoft.com/office/drawing/2010/main" val="0"/>
-              </a:ext>
               <a:ext uri="{96DAC541-7B7A-43D3-8B79-37D633B846F1}">
                 <asvg:svgBlip xmlns:asvg="http://schemas.microsoft.com/office/drawing/2016/SVG/main" r:embed="rId6"/>
               </a:ext>
             </a:extLst>
           </a:blip>
+          <a:srcRect/>
           <a:stretch>
             <a:fillRect/>
           </a:stretch>
         </a:blipFill>
-        <a:ln w="12700" cap="flat" cmpd="sng" algn="ctr">
+        <a:ln>
           <a:noFill/>
-          <a:prstDash val="solid"/>
-          <a:miter lim="800000"/>
         </a:ln>
-        <a:effectLst/>
+        <a:effectLst>
+          <a:outerShdw blurRad="57150" dist="19050" dir="5400000" algn="ctr" rotWithShape="0">
+            <a:srgbClr val="000000">
+              <a:alpha val="63000"/>
+            </a:srgbClr>
+          </a:outerShdw>
+        </a:effectLst>
       </dsp:spPr>
       <dsp:style>
-        <a:lnRef idx="2">
+        <a:lnRef idx="0">
           <a:scrgbClr r="0" g="0" b="0"/>
         </a:lnRef>
-        <a:fillRef idx="1">
+        <a:fillRef idx="3">
           <a:scrgbClr r="0" g="0" b="0"/>
         </a:fillRef>
-        <a:effectRef idx="0">
+        <a:effectRef idx="3">
           <a:scrgbClr r="0" g="0" b="0"/>
         </a:effectRef>
         <a:fontRef idx="minor">
@@ -2061,7 +2167,7 @@
         <a:fillRef idx="1">
           <a:scrgbClr r="0" g="0" b="0"/>
         </a:fillRef>
-        <a:effectRef idx="0">
+        <a:effectRef idx="2">
           <a:scrgbClr r="0" g="0" b="0"/>
         </a:effectRef>
         <a:fontRef idx="minor"/>
@@ -2080,37 +2186,38 @@
         <a:prstGeom prst="rect">
           <a:avLst/>
         </a:prstGeom>
-        <a:solidFill>
-          <a:schemeClr val="bg1">
-            <a:hueOff val="0"/>
-            <a:satOff val="0"/>
-            <a:lumOff val="0"/>
-            <a:alphaOff val="0"/>
-          </a:schemeClr>
-        </a:solidFill>
-        <a:ln w="12700" cap="flat" cmpd="sng" algn="ctr">
-          <a:solidFill>
-            <a:schemeClr val="lt1">
-              <a:alpha val="0"/>
-              <a:hueOff val="0"/>
-              <a:satOff val="0"/>
-              <a:lumOff val="0"/>
-              <a:alphaOff val="0"/>
-            </a:schemeClr>
-          </a:solidFill>
-          <a:prstDash val="solid"/>
-          <a:miter lim="800000"/>
+        <a:blipFill>
+          <a:blip xmlns:r="http://schemas.openxmlformats.org/officeDocument/2006/relationships" r:embed="rId7">
+            <a:extLst>
+              <a:ext uri="{96DAC541-7B7A-43D3-8B79-37D633B846F1}">
+                <asvg:svgBlip xmlns:asvg="http://schemas.microsoft.com/office/drawing/2016/SVG/main" r:embed="rId8"/>
+              </a:ext>
+            </a:extLst>
+          </a:blip>
+          <a:srcRect/>
+          <a:stretch>
+            <a:fillRect/>
+          </a:stretch>
+        </a:blipFill>
+        <a:ln>
+          <a:noFill/>
         </a:ln>
-        <a:effectLst/>
+        <a:effectLst>
+          <a:outerShdw blurRad="57150" dist="19050" dir="5400000" algn="ctr" rotWithShape="0">
+            <a:srgbClr val="000000">
+              <a:alpha val="63000"/>
+            </a:srgbClr>
+          </a:outerShdw>
+        </a:effectLst>
       </dsp:spPr>
       <dsp:style>
-        <a:lnRef idx="2">
+        <a:lnRef idx="0">
           <a:scrgbClr r="0" g="0" b="0"/>
         </a:lnRef>
-        <a:fillRef idx="1">
+        <a:fillRef idx="3">
           <a:scrgbClr r="0" g="0" b="0"/>
         </a:fillRef>
-        <a:effectRef idx="0">
+        <a:effectRef idx="3">
           <a:scrgbClr r="0" g="0" b="0"/>
         </a:effectRef>
         <a:fontRef idx="minor">
@@ -2167,7 +2274,10 @@
             </a:spcAft>
             <a:buNone/>
           </a:pPr>
-          <a:endParaRPr lang="en-US" sz="1900" kern="1200" dirty="0"/>
+          <a:r>
+            <a:rPr lang="en-US" sz="1900" kern="1200" dirty="0"/>
+            <a:t>Which job position is in most demand?</a:t>
+          </a:r>
         </a:p>
       </dsp:txBody>
       <dsp:txXfrm>
@@ -2210,7 +2320,7 @@
         <a:fillRef idx="1">
           <a:scrgbClr r="0" g="0" b="0"/>
         </a:fillRef>
-        <a:effectRef idx="0">
+        <a:effectRef idx="2">
           <a:scrgbClr r="0" g="0" b="0"/>
         </a:effectRef>
         <a:fontRef idx="minor"/>
@@ -2229,37 +2339,41 @@
         <a:prstGeom prst="rect">
           <a:avLst/>
         </a:prstGeom>
-        <a:solidFill>
-          <a:schemeClr val="bg1">
-            <a:hueOff val="0"/>
-            <a:satOff val="0"/>
-            <a:lumOff val="0"/>
-            <a:alphaOff val="0"/>
-          </a:schemeClr>
-        </a:solidFill>
-        <a:ln w="12700" cap="flat" cmpd="sng" algn="ctr">
-          <a:solidFill>
-            <a:schemeClr val="lt1">
-              <a:alpha val="0"/>
-              <a:hueOff val="0"/>
-              <a:satOff val="0"/>
-              <a:lumOff val="0"/>
-              <a:alphaOff val="0"/>
-            </a:schemeClr>
-          </a:solidFill>
-          <a:prstDash val="solid"/>
-          <a:miter lim="800000"/>
+        <a:blipFill>
+          <a:blip xmlns:r="http://schemas.openxmlformats.org/officeDocument/2006/relationships" r:embed="rId9">
+            <a:extLst>
+              <a:ext uri="{28A0092B-C50C-407E-A947-70E740481C1C}">
+                <a14:useLocalDpi xmlns:a14="http://schemas.microsoft.com/office/drawing/2010/main" val="0"/>
+              </a:ext>
+              <a:ext uri="{96DAC541-7B7A-43D3-8B79-37D633B846F1}">
+                <asvg:svgBlip xmlns:asvg="http://schemas.microsoft.com/office/drawing/2016/SVG/main" r:embed="rId10"/>
+              </a:ext>
+            </a:extLst>
+          </a:blip>
+          <a:srcRect/>
+          <a:stretch>
+            <a:fillRect/>
+          </a:stretch>
+        </a:blipFill>
+        <a:ln>
+          <a:noFill/>
         </a:ln>
-        <a:effectLst/>
+        <a:effectLst>
+          <a:outerShdw blurRad="57150" dist="19050" dir="5400000" algn="ctr" rotWithShape="0">
+            <a:srgbClr val="000000">
+              <a:alpha val="63000"/>
+            </a:srgbClr>
+          </a:outerShdw>
+        </a:effectLst>
       </dsp:spPr>
       <dsp:style>
-        <a:lnRef idx="2">
+        <a:lnRef idx="0">
           <a:scrgbClr r="0" g="0" b="0"/>
         </a:lnRef>
-        <a:fillRef idx="1">
+        <a:fillRef idx="3">
           <a:scrgbClr r="0" g="0" b="0"/>
         </a:fillRef>
-        <a:effectRef idx="0">
+        <a:effectRef idx="3">
           <a:scrgbClr r="0" g="0" b="0"/>
         </a:effectRef>
         <a:fontRef idx="minor">
@@ -2316,7 +2430,10 @@
             </a:spcAft>
             <a:buNone/>
           </a:pPr>
-          <a:endParaRPr lang="en-US" sz="1900" kern="1200" dirty="0"/>
+          <a:r>
+            <a:rPr lang="en-US" sz="1900" kern="1200" dirty="0"/>
+            <a:t>Which company has the most opportunities in Austin?</a:t>
+          </a:r>
         </a:p>
       </dsp:txBody>
       <dsp:txXfrm>
@@ -2359,7 +2476,7 @@
         <a:fillRef idx="1">
           <a:scrgbClr r="0" g="0" b="0"/>
         </a:fillRef>
-        <a:effectRef idx="0">
+        <a:effectRef idx="2">
           <a:scrgbClr r="0" g="0" b="0"/>
         </a:effectRef>
         <a:fontRef idx="minor"/>
@@ -2378,37 +2495,38 @@
         <a:prstGeom prst="rect">
           <a:avLst/>
         </a:prstGeom>
-        <a:solidFill>
-          <a:schemeClr val="bg1">
-            <a:hueOff val="0"/>
-            <a:satOff val="0"/>
-            <a:lumOff val="0"/>
-            <a:alphaOff val="0"/>
-          </a:schemeClr>
-        </a:solidFill>
-        <a:ln w="12700" cap="flat" cmpd="sng" algn="ctr">
-          <a:solidFill>
-            <a:schemeClr val="lt1">
-              <a:alpha val="0"/>
-              <a:hueOff val="0"/>
-              <a:satOff val="0"/>
-              <a:lumOff val="0"/>
-              <a:alphaOff val="0"/>
-            </a:schemeClr>
-          </a:solidFill>
-          <a:prstDash val="solid"/>
-          <a:miter lim="800000"/>
+        <a:blipFill>
+          <a:blip xmlns:r="http://schemas.openxmlformats.org/officeDocument/2006/relationships" r:embed="rId11">
+            <a:extLst>
+              <a:ext uri="{96DAC541-7B7A-43D3-8B79-37D633B846F1}">
+                <asvg:svgBlip xmlns:asvg="http://schemas.microsoft.com/office/drawing/2016/SVG/main" r:embed="rId12"/>
+              </a:ext>
+            </a:extLst>
+          </a:blip>
+          <a:srcRect/>
+          <a:stretch>
+            <a:fillRect/>
+          </a:stretch>
+        </a:blipFill>
+        <a:ln>
+          <a:noFill/>
         </a:ln>
-        <a:effectLst/>
+        <a:effectLst>
+          <a:outerShdw blurRad="57150" dist="19050" dir="5400000" algn="ctr" rotWithShape="0">
+            <a:srgbClr val="000000">
+              <a:alpha val="63000"/>
+            </a:srgbClr>
+          </a:outerShdw>
+        </a:effectLst>
       </dsp:spPr>
       <dsp:style>
-        <a:lnRef idx="2">
+        <a:lnRef idx="0">
           <a:scrgbClr r="0" g="0" b="0"/>
         </a:lnRef>
-        <a:fillRef idx="1">
+        <a:fillRef idx="3">
           <a:scrgbClr r="0" g="0" b="0"/>
         </a:fillRef>
-        <a:effectRef idx="0">
+        <a:effectRef idx="3">
           <a:scrgbClr r="0" g="0" b="0"/>
         </a:effectRef>
         <a:fontRef idx="minor">
@@ -2465,7 +2583,10 @@
             </a:spcAft>
             <a:buNone/>
           </a:pPr>
-          <a:endParaRPr lang="en-US" sz="1900" kern="1200" dirty="0"/>
+          <a:r>
+            <a:rPr lang="en-US" sz="1900" kern="1200" dirty="0"/>
+            <a:t>What are the hotspots in the USA for Data scientist?</a:t>
+          </a:r>
         </a:p>
       </dsp:txBody>
       <dsp:txXfrm>
@@ -2772,11 +2893,11 @@
 </file>
 
 <file path=ppt/diagrams/quickStyle1.xml><?xml version="1.0" encoding="utf-8"?>
-<dgm:styleDef xmlns:dgm="http://schemas.openxmlformats.org/drawingml/2006/diagram" xmlns:a="http://schemas.openxmlformats.org/drawingml/2006/main" uniqueId="urn:microsoft.com/office/officeart/2005/8/quickstyle/simple1">
+<dgm:styleDef xmlns:dgm="http://schemas.openxmlformats.org/drawingml/2006/diagram" xmlns:a="http://schemas.openxmlformats.org/drawingml/2006/main" uniqueId="urn:microsoft.com/office/officeart/2005/8/quickstyle/simple5">
   <dgm:title val=""/>
   <dgm:desc val=""/>
   <dgm:catLst>
-    <dgm:cat type="simple" pri="10100"/>
+    <dgm:cat type="simple" pri="10500"/>
   </dgm:catLst>
   <dgm:scene3d>
     <a:camera prst="orthographicFront"/>
@@ -2790,13 +2911,13 @@
     <dgm:sp3d/>
     <dgm:txPr/>
     <dgm:style>
-      <a:lnRef idx="2">
+      <a:lnRef idx="0">
         <a:scrgbClr r="0" g="0" b="0"/>
       </a:lnRef>
-      <a:fillRef idx="1">
+      <a:fillRef idx="3">
         <a:scrgbClr r="0" g="0" b="0"/>
       </a:fillRef>
-      <a:effectRef idx="0">
+      <a:effectRef idx="3">
         <a:scrgbClr r="0" g="0" b="0"/>
       </a:effectRef>
       <a:fontRef idx="minor">
@@ -2812,13 +2933,13 @@
     <dgm:sp3d/>
     <dgm:txPr/>
     <dgm:style>
-      <a:lnRef idx="2">
+      <a:lnRef idx="0">
         <a:scrgbClr r="0" g="0" b="0"/>
       </a:lnRef>
-      <a:fillRef idx="1">
+      <a:fillRef idx="3">
         <a:scrgbClr r="0" g="0" b="0"/>
       </a:fillRef>
-      <a:effectRef idx="0">
+      <a:effectRef idx="3">
         <a:scrgbClr r="0" g="0" b="0"/>
       </a:effectRef>
       <a:fontRef idx="minor">
@@ -2834,13 +2955,13 @@
     <dgm:sp3d/>
     <dgm:txPr/>
     <dgm:style>
-      <a:lnRef idx="2">
+      <a:lnRef idx="0">
         <a:scrgbClr r="0" g="0" b="0"/>
       </a:lnRef>
-      <a:fillRef idx="1">
+      <a:fillRef idx="3">
         <a:scrgbClr r="0" g="0" b="0"/>
       </a:fillRef>
-      <a:effectRef idx="0">
+      <a:effectRef idx="3">
         <a:scrgbClr r="0" g="0" b="0"/>
       </a:effectRef>
       <a:fontRef idx="minor">
@@ -2856,13 +2977,13 @@
     <dgm:sp3d/>
     <dgm:txPr/>
     <dgm:style>
-      <a:lnRef idx="2">
+      <a:lnRef idx="1">
         <a:scrgbClr r="0" g="0" b="0"/>
       </a:lnRef>
-      <a:fillRef idx="1">
+      <a:fillRef idx="3">
         <a:scrgbClr r="0" g="0" b="0"/>
       </a:fillRef>
-      <a:effectRef idx="0">
+      <a:effectRef idx="3">
         <a:scrgbClr r="0" g="0" b="0"/>
       </a:effectRef>
       <a:fontRef idx="minor">
@@ -2878,13 +2999,13 @@
     <dgm:sp3d/>
     <dgm:txPr/>
     <dgm:style>
-      <a:lnRef idx="2">
+      <a:lnRef idx="0">
         <a:scrgbClr r="0" g="0" b="0"/>
       </a:lnRef>
-      <a:fillRef idx="1">
+      <a:fillRef idx="3">
         <a:scrgbClr r="0" g="0" b="0"/>
       </a:fillRef>
-      <a:effectRef idx="0">
+      <a:effectRef idx="3">
         <a:scrgbClr r="0" g="0" b="0"/>
       </a:effectRef>
       <a:fontRef idx="minor">
@@ -2900,13 +3021,13 @@
     <dgm:sp3d/>
     <dgm:txPr/>
     <dgm:style>
-      <a:lnRef idx="2">
+      <a:lnRef idx="0">
         <a:scrgbClr r="0" g="0" b="0"/>
       </a:lnRef>
-      <a:fillRef idx="1">
+      <a:fillRef idx="3">
         <a:scrgbClr r="0" g="0" b="0"/>
       </a:fillRef>
-      <a:effectRef idx="0">
+      <a:effectRef idx="3">
         <a:scrgbClr r="0" g="0" b="0"/>
       </a:effectRef>
       <a:fontRef idx="minor">
@@ -2922,13 +3043,13 @@
     <dgm:sp3d/>
     <dgm:txPr/>
     <dgm:style>
-      <a:lnRef idx="2">
+      <a:lnRef idx="0">
         <a:scrgbClr r="0" g="0" b="0"/>
       </a:lnRef>
-      <a:fillRef idx="1">
+      <a:fillRef idx="3">
         <a:scrgbClr r="0" g="0" b="0"/>
       </a:fillRef>
-      <a:effectRef idx="0">
+      <a:effectRef idx="3">
         <a:scrgbClr r="0" g="0" b="0"/>
       </a:effectRef>
       <a:fontRef idx="minor">
@@ -2944,13 +3065,13 @@
     <dgm:sp3d/>
     <dgm:txPr/>
     <dgm:style>
-      <a:lnRef idx="2">
+      <a:lnRef idx="0">
         <a:scrgbClr r="0" g="0" b="0"/>
       </a:lnRef>
-      <a:fillRef idx="1">
+      <a:fillRef idx="3">
         <a:scrgbClr r="0" g="0" b="0"/>
       </a:fillRef>
-      <a:effectRef idx="0">
+      <a:effectRef idx="3">
         <a:scrgbClr r="0" g="0" b="0"/>
       </a:effectRef>
       <a:fontRef idx="minor">
@@ -2966,13 +3087,13 @@
     <dgm:sp3d/>
     <dgm:txPr/>
     <dgm:style>
-      <a:lnRef idx="2">
+      <a:lnRef idx="0">
         <a:scrgbClr r="0" g="0" b="0"/>
       </a:lnRef>
       <a:fillRef idx="1">
         <a:scrgbClr r="0" g="0" b="0"/>
       </a:fillRef>
-      <a:effectRef idx="0">
+      <a:effectRef idx="3">
         <a:scrgbClr r="0" g="0" b="0"/>
       </a:effectRef>
       <a:fontRef idx="minor"/>
@@ -2986,13 +3107,13 @@
     <dgm:sp3d/>
     <dgm:txPr/>
     <dgm:style>
-      <a:lnRef idx="2">
+      <a:lnRef idx="0">
         <a:scrgbClr r="0" g="0" b="0"/>
       </a:lnRef>
       <a:fillRef idx="1">
         <a:scrgbClr r="0" g="0" b="0"/>
       </a:fillRef>
-      <a:effectRef idx="0">
+      <a:effectRef idx="3">
         <a:scrgbClr r="0" g="0" b="0"/>
       </a:effectRef>
       <a:fontRef idx="minor"/>
@@ -3006,13 +3127,13 @@
     <dgm:sp3d/>
     <dgm:txPr/>
     <dgm:style>
-      <a:lnRef idx="2">
+      <a:lnRef idx="0">
         <a:scrgbClr r="0" g="0" b="0"/>
       </a:lnRef>
       <a:fillRef idx="1">
         <a:scrgbClr r="0" g="0" b="0"/>
       </a:fillRef>
-      <a:effectRef idx="0">
+      <a:effectRef idx="3">
         <a:scrgbClr r="0" g="0" b="0"/>
       </a:effectRef>
       <a:fontRef idx="minor"/>
@@ -3029,10 +3150,10 @@
       <a:lnRef idx="0">
         <a:scrgbClr r="0" g="0" b="0"/>
       </a:lnRef>
-      <a:fillRef idx="1">
+      <a:fillRef idx="3">
         <a:scrgbClr r="0" g="0" b="0"/>
       </a:fillRef>
-      <a:effectRef idx="0">
+      <a:effectRef idx="3">
         <a:scrgbClr r="0" g="0" b="0"/>
       </a:effectRef>
       <a:fontRef idx="minor">
@@ -3051,10 +3172,10 @@
       <a:lnRef idx="0">
         <a:scrgbClr r="0" g="0" b="0"/>
       </a:lnRef>
-      <a:fillRef idx="1">
+      <a:fillRef idx="3">
         <a:scrgbClr r="0" g="0" b="0"/>
       </a:fillRef>
-      <a:effectRef idx="0">
+      <a:effectRef idx="3">
         <a:scrgbClr r="0" g="0" b="0"/>
       </a:effectRef>
       <a:fontRef idx="minor">
@@ -3073,10 +3194,10 @@
       <a:lnRef idx="0">
         <a:scrgbClr r="0" g="0" b="0"/>
       </a:lnRef>
-      <a:fillRef idx="1">
+      <a:fillRef idx="3">
         <a:scrgbClr r="0" g="0" b="0"/>
       </a:fillRef>
-      <a:effectRef idx="0">
+      <a:effectRef idx="3">
         <a:scrgbClr r="0" g="0" b="0"/>
       </a:effectRef>
       <a:fontRef idx="minor">
@@ -3112,13 +3233,13 @@
     <dgm:sp3d/>
     <dgm:txPr/>
     <dgm:style>
-      <a:lnRef idx="2">
+      <a:lnRef idx="1">
         <a:scrgbClr r="0" g="0" b="0"/>
       </a:lnRef>
-      <a:fillRef idx="1">
+      <a:fillRef idx="0">
         <a:scrgbClr r="0" g="0" b="0"/>
       </a:fillRef>
-      <a:effectRef idx="0">
+      <a:effectRef idx="1">
         <a:scrgbClr r="0" g="0" b="0"/>
       </a:effectRef>
       <a:fontRef idx="minor"/>
@@ -3132,13 +3253,13 @@
     <dgm:sp3d/>
     <dgm:txPr/>
     <dgm:style>
-      <a:lnRef idx="2">
+      <a:lnRef idx="0">
         <a:scrgbClr r="0" g="0" b="0"/>
       </a:lnRef>
-      <a:fillRef idx="1">
+      <a:fillRef idx="3">
         <a:scrgbClr r="0" g="0" b="0"/>
       </a:fillRef>
-      <a:effectRef idx="0">
+      <a:effectRef idx="3">
         <a:scrgbClr r="0" g="0" b="0"/>
       </a:effectRef>
       <a:fontRef idx="minor">
@@ -3154,13 +3275,13 @@
     <dgm:sp3d/>
     <dgm:txPr/>
     <dgm:style>
-      <a:lnRef idx="2">
+      <a:lnRef idx="0">
         <a:scrgbClr r="0" g="0" b="0"/>
       </a:lnRef>
-      <a:fillRef idx="1">
+      <a:fillRef idx="3">
         <a:scrgbClr r="0" g="0" b="0"/>
       </a:fillRef>
-      <a:effectRef idx="0">
+      <a:effectRef idx="3">
         <a:scrgbClr r="0" g="0" b="0"/>
       </a:effectRef>
       <a:fontRef idx="minor">
@@ -3176,13 +3297,13 @@
     <dgm:sp3d/>
     <dgm:txPr/>
     <dgm:style>
-      <a:lnRef idx="2">
+      <a:lnRef idx="0">
         <a:scrgbClr r="0" g="0" b="0"/>
       </a:lnRef>
-      <a:fillRef idx="1">
+      <a:fillRef idx="3">
         <a:scrgbClr r="0" g="0" b="0"/>
       </a:fillRef>
-      <a:effectRef idx="0">
+      <a:effectRef idx="3">
         <a:scrgbClr r="0" g="0" b="0"/>
       </a:effectRef>
       <a:fontRef idx="minor">
@@ -3198,13 +3319,13 @@
     <dgm:sp3d/>
     <dgm:txPr/>
     <dgm:style>
-      <a:lnRef idx="2">
+      <a:lnRef idx="0">
         <a:scrgbClr r="0" g="0" b="0"/>
       </a:lnRef>
-      <a:fillRef idx="1">
+      <a:fillRef idx="3">
         <a:scrgbClr r="0" g="0" b="0"/>
       </a:fillRef>
-      <a:effectRef idx="0">
+      <a:effectRef idx="3">
         <a:scrgbClr r="0" g="0" b="0"/>
       </a:effectRef>
       <a:fontRef idx="minor">
@@ -3220,13 +3341,13 @@
     <dgm:sp3d/>
     <dgm:txPr/>
     <dgm:style>
-      <a:lnRef idx="2">
+      <a:lnRef idx="0">
         <a:scrgbClr r="0" g="0" b="0"/>
       </a:lnRef>
-      <a:fillRef idx="1">
+      <a:fillRef idx="3">
         <a:scrgbClr r="0" g="0" b="0"/>
       </a:fillRef>
-      <a:effectRef idx="0">
+      <a:effectRef idx="3">
         <a:scrgbClr r="0" g="0" b="0"/>
       </a:effectRef>
       <a:fontRef idx="minor">
@@ -3242,13 +3363,13 @@
     <dgm:sp3d/>
     <dgm:txPr/>
     <dgm:style>
-      <a:lnRef idx="2">
+      <a:lnRef idx="0">
         <a:scrgbClr r="0" g="0" b="0"/>
       </a:lnRef>
-      <a:fillRef idx="1">
+      <a:fillRef idx="3">
         <a:scrgbClr r="0" g="0" b="0"/>
       </a:fillRef>
-      <a:effectRef idx="0">
+      <a:effectRef idx="3">
         <a:scrgbClr r="0" g="0" b="0"/>
       </a:effectRef>
       <a:fontRef idx="minor">
@@ -3264,13 +3385,13 @@
     <dgm:sp3d/>
     <dgm:txPr/>
     <dgm:style>
-      <a:lnRef idx="2">
+      <a:lnRef idx="0">
         <a:scrgbClr r="0" g="0" b="0"/>
       </a:lnRef>
-      <a:fillRef idx="1">
+      <a:fillRef idx="3">
         <a:scrgbClr r="0" g="0" b="0"/>
       </a:fillRef>
-      <a:effectRef idx="0">
+      <a:effectRef idx="3">
         <a:scrgbClr r="0" g="0" b="0"/>
       </a:effectRef>
       <a:fontRef idx="minor">
@@ -3286,13 +3407,13 @@
     <dgm:sp3d/>
     <dgm:txPr/>
     <dgm:style>
-      <a:lnRef idx="2">
+      <a:lnRef idx="0">
         <a:scrgbClr r="0" g="0" b="0"/>
       </a:lnRef>
-      <a:fillRef idx="1">
+      <a:fillRef idx="3">
         <a:scrgbClr r="0" g="0" b="0"/>
       </a:fillRef>
-      <a:effectRef idx="0">
+      <a:effectRef idx="3">
         <a:scrgbClr r="0" g="0" b="0"/>
       </a:effectRef>
       <a:fontRef idx="minor">
@@ -3308,13 +3429,13 @@
     <dgm:sp3d/>
     <dgm:txPr/>
     <dgm:style>
-      <a:lnRef idx="2">
+      <a:lnRef idx="0">
         <a:scrgbClr r="0" g="0" b="0"/>
       </a:lnRef>
-      <a:fillRef idx="1">
+      <a:fillRef idx="3">
         <a:scrgbClr r="0" g="0" b="0"/>
       </a:fillRef>
-      <a:effectRef idx="0">
+      <a:effectRef idx="3">
         <a:scrgbClr r="0" g="0" b="0"/>
       </a:effectRef>
       <a:fontRef idx="minor">
@@ -3410,13 +3531,13 @@
     <dgm:sp3d/>
     <dgm:txPr/>
     <dgm:style>
-      <a:lnRef idx="2">
+      <a:lnRef idx="1">
         <a:scrgbClr r="0" g="0" b="0"/>
       </a:lnRef>
       <a:fillRef idx="1">
         <a:scrgbClr r="0" g="0" b="0"/>
       </a:fillRef>
-      <a:effectRef idx="0">
+      <a:effectRef idx="2">
         <a:scrgbClr r="0" g="0" b="0"/>
       </a:effectRef>
       <a:fontRef idx="minor"/>
@@ -3430,13 +3551,13 @@
     <dgm:sp3d/>
     <dgm:txPr/>
     <dgm:style>
-      <a:lnRef idx="2">
+      <a:lnRef idx="1">
         <a:scrgbClr r="0" g="0" b="0"/>
       </a:lnRef>
       <a:fillRef idx="1">
         <a:scrgbClr r="0" g="0" b="0"/>
       </a:fillRef>
-      <a:effectRef idx="0">
+      <a:effectRef idx="2">
         <a:scrgbClr r="0" g="0" b="0"/>
       </a:effectRef>
       <a:fontRef idx="minor"/>
@@ -3450,13 +3571,13 @@
     <dgm:sp3d/>
     <dgm:txPr/>
     <dgm:style>
-      <a:lnRef idx="2">
+      <a:lnRef idx="1">
         <a:scrgbClr r="0" g="0" b="0"/>
       </a:lnRef>
       <a:fillRef idx="1">
         <a:scrgbClr r="0" g="0" b="0"/>
       </a:fillRef>
-      <a:effectRef idx="0">
+      <a:effectRef idx="2">
         <a:scrgbClr r="0" g="0" b="0"/>
       </a:effectRef>
       <a:fontRef idx="minor"/>
@@ -3490,13 +3611,13 @@
     <dgm:sp3d/>
     <dgm:txPr/>
     <dgm:style>
-      <a:lnRef idx="2">
+      <a:lnRef idx="1">
         <a:scrgbClr r="0" g="0" b="0"/>
       </a:lnRef>
       <a:fillRef idx="1">
         <a:scrgbClr r="0" g="0" b="0"/>
       </a:fillRef>
-      <a:effectRef idx="0">
+      <a:effectRef idx="2">
         <a:scrgbClr r="0" g="0" b="0"/>
       </a:effectRef>
       <a:fontRef idx="minor"/>
@@ -3510,13 +3631,13 @@
     <dgm:sp3d/>
     <dgm:txPr/>
     <dgm:style>
-      <a:lnRef idx="2">
+      <a:lnRef idx="1">
         <a:scrgbClr r="0" g="0" b="0"/>
       </a:lnRef>
       <a:fillRef idx="1">
         <a:scrgbClr r="0" g="0" b="0"/>
       </a:fillRef>
-      <a:effectRef idx="0">
+      <a:effectRef idx="2">
         <a:scrgbClr r="0" g="0" b="0"/>
       </a:effectRef>
       <a:fontRef idx="minor"/>
@@ -3530,13 +3651,13 @@
     <dgm:sp3d/>
     <dgm:txPr/>
     <dgm:style>
-      <a:lnRef idx="2">
+      <a:lnRef idx="1">
         <a:scrgbClr r="0" g="0" b="0"/>
       </a:lnRef>
       <a:fillRef idx="1">
         <a:scrgbClr r="0" g="0" b="0"/>
       </a:fillRef>
-      <a:effectRef idx="0">
+      <a:effectRef idx="3">
         <a:scrgbClr r="0" g="0" b="0"/>
       </a:effectRef>
       <a:fontRef idx="minor"/>
@@ -3550,13 +3671,13 @@
     <dgm:sp3d/>
     <dgm:txPr/>
     <dgm:style>
-      <a:lnRef idx="2">
+      <a:lnRef idx="1">
         <a:scrgbClr r="0" g="0" b="0"/>
       </a:lnRef>
       <a:fillRef idx="1">
         <a:scrgbClr r="0" g="0" b="0"/>
       </a:fillRef>
-      <a:effectRef idx="0">
+      <a:effectRef idx="3">
         <a:scrgbClr r="0" g="0" b="0"/>
       </a:effectRef>
       <a:fontRef idx="minor"/>
@@ -3570,13 +3691,13 @@
     <dgm:sp3d/>
     <dgm:txPr/>
     <dgm:style>
-      <a:lnRef idx="2">
+      <a:lnRef idx="1">
         <a:scrgbClr r="0" g="0" b="0"/>
       </a:lnRef>
       <a:fillRef idx="1">
         <a:scrgbClr r="0" g="0" b="0"/>
       </a:fillRef>
-      <a:effectRef idx="0">
+      <a:effectRef idx="2">
         <a:scrgbClr r="0" g="0" b="0"/>
       </a:effectRef>
       <a:fontRef idx="minor"/>
@@ -3590,13 +3711,13 @@
     <dgm:sp3d/>
     <dgm:txPr/>
     <dgm:style>
-      <a:lnRef idx="2">
+      <a:lnRef idx="1">
         <a:scrgbClr r="0" g="0" b="0"/>
       </a:lnRef>
       <a:fillRef idx="1">
         <a:scrgbClr r="0" g="0" b="0"/>
       </a:fillRef>
-      <a:effectRef idx="0">
+      <a:effectRef idx="2">
         <a:scrgbClr r="0" g="0" b="0"/>
       </a:effectRef>
       <a:fontRef idx="minor"/>
@@ -3610,13 +3731,13 @@
     <dgm:sp3d/>
     <dgm:txPr/>
     <dgm:style>
-      <a:lnRef idx="2">
+      <a:lnRef idx="1">
         <a:scrgbClr r="0" g="0" b="0"/>
       </a:lnRef>
       <a:fillRef idx="1">
         <a:scrgbClr r="0" g="0" b="0"/>
       </a:fillRef>
-      <a:effectRef idx="0">
+      <a:effectRef idx="2">
         <a:scrgbClr r="0" g="0" b="0"/>
       </a:effectRef>
       <a:fontRef idx="minor"/>
@@ -3630,13 +3751,13 @@
     <dgm:sp3d/>
     <dgm:txPr/>
     <dgm:style>
-      <a:lnRef idx="2">
+      <a:lnRef idx="1">
         <a:scrgbClr r="0" g="0" b="0"/>
       </a:lnRef>
       <a:fillRef idx="1">
         <a:scrgbClr r="0" g="0" b="0"/>
       </a:fillRef>
-      <a:effectRef idx="0">
+      <a:effectRef idx="2">
         <a:scrgbClr r="0" g="0" b="0"/>
       </a:effectRef>
       <a:fontRef idx="minor"/>
@@ -3650,13 +3771,13 @@
     <dgm:sp3d/>
     <dgm:txPr/>
     <dgm:style>
-      <a:lnRef idx="2">
+      <a:lnRef idx="1">
         <a:scrgbClr r="0" g="0" b="0"/>
       </a:lnRef>
       <a:fillRef idx="1">
         <a:scrgbClr r="0" g="0" b="0"/>
       </a:fillRef>
-      <a:effectRef idx="0">
+      <a:effectRef idx="2">
         <a:scrgbClr r="0" g="0" b="0"/>
       </a:effectRef>
       <a:fontRef idx="minor"/>
@@ -3670,13 +3791,13 @@
     <dgm:sp3d/>
     <dgm:txPr/>
     <dgm:style>
-      <a:lnRef idx="2">
+      <a:lnRef idx="1">
         <a:scrgbClr r="0" g="0" b="0"/>
       </a:lnRef>
       <a:fillRef idx="1">
         <a:scrgbClr r="0" g="0" b="0"/>
       </a:fillRef>
-      <a:effectRef idx="0">
+      <a:effectRef idx="2">
         <a:scrgbClr r="0" g="0" b="0"/>
       </a:effectRef>
       <a:fontRef idx="minor"/>
@@ -3690,13 +3811,13 @@
     <dgm:sp3d/>
     <dgm:txPr/>
     <dgm:style>
-      <a:lnRef idx="2">
+      <a:lnRef idx="1">
         <a:scrgbClr r="0" g="0" b="0"/>
       </a:lnRef>
       <a:fillRef idx="1">
         <a:scrgbClr r="0" g="0" b="0"/>
       </a:fillRef>
-      <a:effectRef idx="0">
+      <a:effectRef idx="2">
         <a:scrgbClr r="0" g="0" b="0"/>
       </a:effectRef>
       <a:fontRef idx="minor"/>
@@ -3716,7 +3837,7 @@
       <a:fillRef idx="1">
         <a:scrgbClr r="0" g="0" b="0"/>
       </a:fillRef>
-      <a:effectRef idx="0">
+      <a:effectRef idx="2">
         <a:scrgbClr r="0" g="0" b="0"/>
       </a:effectRef>
       <a:fontRef idx="minor"/>
@@ -3736,7 +3857,7 @@
       <a:fillRef idx="1">
         <a:scrgbClr r="0" g="0" b="0"/>
       </a:fillRef>
-      <a:effectRef idx="0">
+      <a:effectRef idx="3">
         <a:scrgbClr r="0" g="0" b="0"/>
       </a:effectRef>
       <a:fontRef idx="minor"/>
@@ -3770,13 +3891,13 @@
     <dgm:sp3d/>
     <dgm:txPr/>
     <dgm:style>
-      <a:lnRef idx="2">
+      <a:lnRef idx="0">
         <a:scrgbClr r="0" g="0" b="0"/>
       </a:lnRef>
-      <a:fillRef idx="1">
+      <a:fillRef idx="3">
         <a:scrgbClr r="0" g="0" b="0"/>
       </a:fillRef>
-      <a:effectRef idx="0">
+      <a:effectRef idx="3">
         <a:scrgbClr r="0" g="0" b="0"/>
       </a:effectRef>
       <a:fontRef idx="minor"/>
@@ -3803,6 +3924,439 @@
     </dgm:style>
   </dgm:styleLbl>
 </dgm:styleDef>
+</file>
+
+<file path=ppt/notesMasters/notesMaster1.xml><?xml version="1.0" encoding="utf-8"?>
+<p:notesMaster xmlns:a="http://schemas.openxmlformats.org/drawingml/2006/main" xmlns:r="http://schemas.openxmlformats.org/officeDocument/2006/relationships" xmlns:p="http://schemas.openxmlformats.org/presentationml/2006/main">
+  <p:cSld>
+    <p:bg>
+      <p:bgRef idx="1001">
+        <a:schemeClr val="bg1"/>
+      </p:bgRef>
+    </p:bg>
+    <p:spTree>
+      <p:nvGrpSpPr>
+        <p:cNvPr id="1" name=""/>
+        <p:cNvGrpSpPr/>
+        <p:nvPr/>
+      </p:nvGrpSpPr>
+      <p:grpSpPr>
+        <a:xfrm>
+          <a:off x="0" y="0"/>
+          <a:ext cx="0" cy="0"/>
+          <a:chOff x="0" y="0"/>
+          <a:chExt cx="0" cy="0"/>
+        </a:xfrm>
+      </p:grpSpPr>
+      <p:sp>
+        <p:nvSpPr>
+          <p:cNvPr id="2" name="Header Placeholder 1"/>
+          <p:cNvSpPr>
+            <a:spLocks noGrp="1"/>
+          </p:cNvSpPr>
+          <p:nvPr>
+            <p:ph type="hdr" sz="quarter"/>
+          </p:nvPr>
+        </p:nvSpPr>
+        <p:spPr>
+          <a:xfrm>
+            <a:off x="0" y="0"/>
+            <a:ext cx="2971800" cy="458788"/>
+          </a:xfrm>
+          <a:prstGeom prst="rect">
+            <a:avLst/>
+          </a:prstGeom>
+        </p:spPr>
+        <p:txBody>
+          <a:bodyPr vert="horz" lIns="91440" tIns="45720" rIns="91440" bIns="45720" rtlCol="0"/>
+          <a:lstStyle>
+            <a:lvl1pPr algn="l">
+              <a:defRPr sz="1200"/>
+            </a:lvl1pPr>
+          </a:lstStyle>
+          <a:p>
+            <a:endParaRPr lang="en-US"/>
+          </a:p>
+        </p:txBody>
+      </p:sp>
+      <p:sp>
+        <p:nvSpPr>
+          <p:cNvPr id="3" name="Date Placeholder 2"/>
+          <p:cNvSpPr>
+            <a:spLocks noGrp="1"/>
+          </p:cNvSpPr>
+          <p:nvPr>
+            <p:ph type="dt" idx="1"/>
+          </p:nvPr>
+        </p:nvSpPr>
+        <p:spPr>
+          <a:xfrm>
+            <a:off x="3884613" y="0"/>
+            <a:ext cx="2971800" cy="458788"/>
+          </a:xfrm>
+          <a:prstGeom prst="rect">
+            <a:avLst/>
+          </a:prstGeom>
+        </p:spPr>
+        <p:txBody>
+          <a:bodyPr vert="horz" lIns="91440" tIns="45720" rIns="91440" bIns="45720" rtlCol="0"/>
+          <a:lstStyle>
+            <a:lvl1pPr algn="r">
+              <a:defRPr sz="1200"/>
+            </a:lvl1pPr>
+          </a:lstStyle>
+          <a:p>
+            <a:fld id="{D28F23B4-1D94-4598-8B85-4879D0A8561B}" type="datetimeFigureOut">
+              <a:rPr lang="en-US" smtClean="0"/>
+              <a:t>7/5/2019</a:t>
+            </a:fld>
+            <a:endParaRPr lang="en-US"/>
+          </a:p>
+        </p:txBody>
+      </p:sp>
+      <p:sp>
+        <p:nvSpPr>
+          <p:cNvPr id="4" name="Slide Image Placeholder 3"/>
+          <p:cNvSpPr>
+            <a:spLocks noGrp="1" noRot="1" noChangeAspect="1"/>
+          </p:cNvSpPr>
+          <p:nvPr>
+            <p:ph type="sldImg" idx="2"/>
+          </p:nvPr>
+        </p:nvSpPr>
+        <p:spPr>
+          <a:xfrm>
+            <a:off x="685800" y="1143000"/>
+            <a:ext cx="5486400" cy="3086100"/>
+          </a:xfrm>
+          <a:prstGeom prst="rect">
+            <a:avLst/>
+          </a:prstGeom>
+          <a:noFill/>
+          <a:ln w="12700">
+            <a:solidFill>
+              <a:prstClr val="black"/>
+            </a:solidFill>
+          </a:ln>
+        </p:spPr>
+        <p:txBody>
+          <a:bodyPr vert="horz" lIns="91440" tIns="45720" rIns="91440" bIns="45720" rtlCol="0" anchor="ctr"/>
+          <a:lstStyle/>
+          <a:p>
+            <a:endParaRPr lang="en-US"/>
+          </a:p>
+        </p:txBody>
+      </p:sp>
+      <p:sp>
+        <p:nvSpPr>
+          <p:cNvPr id="5" name="Notes Placeholder 4"/>
+          <p:cNvSpPr>
+            <a:spLocks noGrp="1"/>
+          </p:cNvSpPr>
+          <p:nvPr>
+            <p:ph type="body" sz="quarter" idx="3"/>
+          </p:nvPr>
+        </p:nvSpPr>
+        <p:spPr>
+          <a:xfrm>
+            <a:off x="685800" y="4400550"/>
+            <a:ext cx="5486400" cy="3600450"/>
+          </a:xfrm>
+          <a:prstGeom prst="rect">
+            <a:avLst/>
+          </a:prstGeom>
+        </p:spPr>
+        <p:txBody>
+          <a:bodyPr vert="horz" lIns="91440" tIns="45720" rIns="91440" bIns="45720" rtlCol="0"/>
+          <a:lstStyle/>
+          <a:p>
+            <a:pPr lvl="0"/>
+            <a:r>
+              <a:rPr lang="en-US"/>
+              <a:t>Click to edit Master text styles</a:t>
+            </a:r>
+          </a:p>
+          <a:p>
+            <a:pPr lvl="1"/>
+            <a:r>
+              <a:rPr lang="en-US"/>
+              <a:t>Second level</a:t>
+            </a:r>
+          </a:p>
+          <a:p>
+            <a:pPr lvl="2"/>
+            <a:r>
+              <a:rPr lang="en-US"/>
+              <a:t>Third level</a:t>
+            </a:r>
+          </a:p>
+          <a:p>
+            <a:pPr lvl="3"/>
+            <a:r>
+              <a:rPr lang="en-US"/>
+              <a:t>Fourth level</a:t>
+            </a:r>
+          </a:p>
+          <a:p>
+            <a:pPr lvl="4"/>
+            <a:r>
+              <a:rPr lang="en-US"/>
+              <a:t>Fifth level</a:t>
+            </a:r>
+          </a:p>
+        </p:txBody>
+      </p:sp>
+      <p:sp>
+        <p:nvSpPr>
+          <p:cNvPr id="6" name="Footer Placeholder 5"/>
+          <p:cNvSpPr>
+            <a:spLocks noGrp="1"/>
+          </p:cNvSpPr>
+          <p:nvPr>
+            <p:ph type="ftr" sz="quarter" idx="4"/>
+          </p:nvPr>
+        </p:nvSpPr>
+        <p:spPr>
+          <a:xfrm>
+            <a:off x="0" y="8685213"/>
+            <a:ext cx="2971800" cy="458787"/>
+          </a:xfrm>
+          <a:prstGeom prst="rect">
+            <a:avLst/>
+          </a:prstGeom>
+        </p:spPr>
+        <p:txBody>
+          <a:bodyPr vert="horz" lIns="91440" tIns="45720" rIns="91440" bIns="45720" rtlCol="0" anchor="b"/>
+          <a:lstStyle>
+            <a:lvl1pPr algn="l">
+              <a:defRPr sz="1200"/>
+            </a:lvl1pPr>
+          </a:lstStyle>
+          <a:p>
+            <a:endParaRPr lang="en-US"/>
+          </a:p>
+        </p:txBody>
+      </p:sp>
+      <p:sp>
+        <p:nvSpPr>
+          <p:cNvPr id="7" name="Slide Number Placeholder 6"/>
+          <p:cNvSpPr>
+            <a:spLocks noGrp="1"/>
+          </p:cNvSpPr>
+          <p:nvPr>
+            <p:ph type="sldNum" sz="quarter" idx="5"/>
+          </p:nvPr>
+        </p:nvSpPr>
+        <p:spPr>
+          <a:xfrm>
+            <a:off x="3884613" y="8685213"/>
+            <a:ext cx="2971800" cy="458787"/>
+          </a:xfrm>
+          <a:prstGeom prst="rect">
+            <a:avLst/>
+          </a:prstGeom>
+        </p:spPr>
+        <p:txBody>
+          <a:bodyPr vert="horz" lIns="91440" tIns="45720" rIns="91440" bIns="45720" rtlCol="0" anchor="b"/>
+          <a:lstStyle>
+            <a:lvl1pPr algn="r">
+              <a:defRPr sz="1200"/>
+            </a:lvl1pPr>
+          </a:lstStyle>
+          <a:p>
+            <a:fld id="{50FAD93E-A0A6-4485-82BA-D00B81115035}" type="slidenum">
+              <a:rPr lang="en-US" smtClean="0"/>
+              <a:t>‹#›</a:t>
+            </a:fld>
+            <a:endParaRPr lang="en-US"/>
+          </a:p>
+        </p:txBody>
+      </p:sp>
+    </p:spTree>
+    <p:extLst>
+      <p:ext uri="{BB962C8B-B14F-4D97-AF65-F5344CB8AC3E}">
+        <p14:creationId xmlns:p14="http://schemas.microsoft.com/office/powerpoint/2010/main" val="1164502988"/>
+      </p:ext>
+    </p:extLst>
+  </p:cSld>
+  <p:clrMap bg1="lt1" tx1="dk1" bg2="lt2" tx2="dk2" accent1="accent1" accent2="accent2" accent3="accent3" accent4="accent4" accent5="accent5" accent6="accent6" hlink="hlink" folHlink="folHlink"/>
+  <p:notesStyle>
+    <a:lvl1pPr marL="0" algn="l" defTabSz="914400" rtl="0" eaLnBrk="1" latinLnBrk="0" hangingPunct="1">
+      <a:defRPr sz="1200" kern="1200">
+        <a:solidFill>
+          <a:schemeClr val="tx1"/>
+        </a:solidFill>
+        <a:latin typeface="+mn-lt"/>
+        <a:ea typeface="+mn-ea"/>
+        <a:cs typeface="+mn-cs"/>
+      </a:defRPr>
+    </a:lvl1pPr>
+    <a:lvl2pPr marL="457200" algn="l" defTabSz="914400" rtl="0" eaLnBrk="1" latinLnBrk="0" hangingPunct="1">
+      <a:defRPr sz="1200" kern="1200">
+        <a:solidFill>
+          <a:schemeClr val="tx1"/>
+        </a:solidFill>
+        <a:latin typeface="+mn-lt"/>
+        <a:ea typeface="+mn-ea"/>
+        <a:cs typeface="+mn-cs"/>
+      </a:defRPr>
+    </a:lvl2pPr>
+    <a:lvl3pPr marL="914400" algn="l" defTabSz="914400" rtl="0" eaLnBrk="1" latinLnBrk="0" hangingPunct="1">
+      <a:defRPr sz="1200" kern="1200">
+        <a:solidFill>
+          <a:schemeClr val="tx1"/>
+        </a:solidFill>
+        <a:latin typeface="+mn-lt"/>
+        <a:ea typeface="+mn-ea"/>
+        <a:cs typeface="+mn-cs"/>
+      </a:defRPr>
+    </a:lvl3pPr>
+    <a:lvl4pPr marL="1371600" algn="l" defTabSz="914400" rtl="0" eaLnBrk="1" latinLnBrk="0" hangingPunct="1">
+      <a:defRPr sz="1200" kern="1200">
+        <a:solidFill>
+          <a:schemeClr val="tx1"/>
+        </a:solidFill>
+        <a:latin typeface="+mn-lt"/>
+        <a:ea typeface="+mn-ea"/>
+        <a:cs typeface="+mn-cs"/>
+      </a:defRPr>
+    </a:lvl4pPr>
+    <a:lvl5pPr marL="1828800" algn="l" defTabSz="914400" rtl="0" eaLnBrk="1" latinLnBrk="0" hangingPunct="1">
+      <a:defRPr sz="1200" kern="1200">
+        <a:solidFill>
+          <a:schemeClr val="tx1"/>
+        </a:solidFill>
+        <a:latin typeface="+mn-lt"/>
+        <a:ea typeface="+mn-ea"/>
+        <a:cs typeface="+mn-cs"/>
+      </a:defRPr>
+    </a:lvl5pPr>
+    <a:lvl6pPr marL="2286000" algn="l" defTabSz="914400" rtl="0" eaLnBrk="1" latinLnBrk="0" hangingPunct="1">
+      <a:defRPr sz="1200" kern="1200">
+        <a:solidFill>
+          <a:schemeClr val="tx1"/>
+        </a:solidFill>
+        <a:latin typeface="+mn-lt"/>
+        <a:ea typeface="+mn-ea"/>
+        <a:cs typeface="+mn-cs"/>
+      </a:defRPr>
+    </a:lvl6pPr>
+    <a:lvl7pPr marL="2743200" algn="l" defTabSz="914400" rtl="0" eaLnBrk="1" latinLnBrk="0" hangingPunct="1">
+      <a:defRPr sz="1200" kern="1200">
+        <a:solidFill>
+          <a:schemeClr val="tx1"/>
+        </a:solidFill>
+        <a:latin typeface="+mn-lt"/>
+        <a:ea typeface="+mn-ea"/>
+        <a:cs typeface="+mn-cs"/>
+      </a:defRPr>
+    </a:lvl7pPr>
+    <a:lvl8pPr marL="3200400" algn="l" defTabSz="914400" rtl="0" eaLnBrk="1" latinLnBrk="0" hangingPunct="1">
+      <a:defRPr sz="1200" kern="1200">
+        <a:solidFill>
+          <a:schemeClr val="tx1"/>
+        </a:solidFill>
+        <a:latin typeface="+mn-lt"/>
+        <a:ea typeface="+mn-ea"/>
+        <a:cs typeface="+mn-cs"/>
+      </a:defRPr>
+    </a:lvl8pPr>
+    <a:lvl9pPr marL="3657600" algn="l" defTabSz="914400" rtl="0" eaLnBrk="1" latinLnBrk="0" hangingPunct="1">
+      <a:defRPr sz="1200" kern="1200">
+        <a:solidFill>
+          <a:schemeClr val="tx1"/>
+        </a:solidFill>
+        <a:latin typeface="+mn-lt"/>
+        <a:ea typeface="+mn-ea"/>
+        <a:cs typeface="+mn-cs"/>
+      </a:defRPr>
+    </a:lvl9pPr>
+  </p:notesStyle>
+</p:notesMaster>
+</file>
+
+<file path=ppt/notesSlides/notesSlide1.xml><?xml version="1.0" encoding="utf-8"?>
+<p:notes xmlns:a="http://schemas.openxmlformats.org/drawingml/2006/main" xmlns:r="http://schemas.openxmlformats.org/officeDocument/2006/relationships" xmlns:p="http://schemas.openxmlformats.org/presentationml/2006/main">
+  <p:cSld>
+    <p:spTree>
+      <p:nvGrpSpPr>
+        <p:cNvPr id="1" name=""/>
+        <p:cNvGrpSpPr/>
+        <p:nvPr/>
+      </p:nvGrpSpPr>
+      <p:grpSpPr>
+        <a:xfrm>
+          <a:off x="0" y="0"/>
+          <a:ext cx="0" cy="0"/>
+          <a:chOff x="0" y="0"/>
+          <a:chExt cx="0" cy="0"/>
+        </a:xfrm>
+      </p:grpSpPr>
+      <p:sp>
+        <p:nvSpPr>
+          <p:cNvPr id="2" name="Slide Image Placeholder 1"/>
+          <p:cNvSpPr>
+            <a:spLocks noGrp="1" noRot="1" noChangeAspect="1"/>
+          </p:cNvSpPr>
+          <p:nvPr>
+            <p:ph type="sldImg"/>
+          </p:nvPr>
+        </p:nvSpPr>
+        <p:spPr/>
+      </p:sp>
+      <p:sp>
+        <p:nvSpPr>
+          <p:cNvPr id="3" name="Notes Placeholder 2"/>
+          <p:cNvSpPr>
+            <a:spLocks noGrp="1"/>
+          </p:cNvSpPr>
+          <p:nvPr>
+            <p:ph type="body" idx="1"/>
+          </p:nvPr>
+        </p:nvSpPr>
+        <p:spPr/>
+        <p:txBody>
+          <a:bodyPr/>
+          <a:lstStyle/>
+          <a:p>
+            <a:endParaRPr lang="en-US" dirty="0"/>
+          </a:p>
+        </p:txBody>
+      </p:sp>
+      <p:sp>
+        <p:nvSpPr>
+          <p:cNvPr id="4" name="Slide Number Placeholder 3"/>
+          <p:cNvSpPr>
+            <a:spLocks noGrp="1"/>
+          </p:cNvSpPr>
+          <p:nvPr>
+            <p:ph type="sldNum" sz="quarter" idx="5"/>
+          </p:nvPr>
+        </p:nvSpPr>
+        <p:spPr/>
+        <p:txBody>
+          <a:bodyPr/>
+          <a:lstStyle/>
+          <a:p>
+            <a:fld id="{50FAD93E-A0A6-4485-82BA-D00B81115035}" type="slidenum">
+              <a:rPr lang="en-US" smtClean="0"/>
+              <a:t>3</a:t>
+            </a:fld>
+            <a:endParaRPr lang="en-US"/>
+          </a:p>
+        </p:txBody>
+      </p:sp>
+    </p:spTree>
+    <p:extLst>
+      <p:ext uri="{BB962C8B-B14F-4D97-AF65-F5344CB8AC3E}">
+        <p14:creationId xmlns:p14="http://schemas.microsoft.com/office/powerpoint/2010/main" val="2728148442"/>
+      </p:ext>
+    </p:extLst>
+  </p:cSld>
+  <p:clrMapOvr>
+    <a:masterClrMapping/>
+  </p:clrMapOvr>
+</p:notes>
 </file>
 
 <file path=ppt/slideLayouts/slideLayout1.xml><?xml version="1.0" encoding="utf-8"?>
@@ -3952,7 +4506,7 @@
           <a:p>
             <a:fld id="{E982C090-29EF-40AB-AE72-836E1D12E040}" type="datetimeFigureOut">
               <a:rPr lang="en-US" smtClean="0"/>
-              <a:t>7/1/2019</a:t>
+              <a:t>7/5/2019</a:t>
             </a:fld>
             <a:endParaRPr lang="en-US"/>
           </a:p>
@@ -4150,7 +4704,7 @@
           <a:p>
             <a:fld id="{E982C090-29EF-40AB-AE72-836E1D12E040}" type="datetimeFigureOut">
               <a:rPr lang="en-US" smtClean="0"/>
-              <a:t>7/1/2019</a:t>
+              <a:t>7/5/2019</a:t>
             </a:fld>
             <a:endParaRPr lang="en-US"/>
           </a:p>
@@ -4358,7 +4912,7 @@
           <a:p>
             <a:fld id="{E982C090-29EF-40AB-AE72-836E1D12E040}" type="datetimeFigureOut">
               <a:rPr lang="en-US" smtClean="0"/>
-              <a:t>7/1/2019</a:t>
+              <a:t>7/5/2019</a:t>
             </a:fld>
             <a:endParaRPr lang="en-US"/>
           </a:p>
@@ -4556,7 +5110,7 @@
           <a:p>
             <a:fld id="{E982C090-29EF-40AB-AE72-836E1D12E040}" type="datetimeFigureOut">
               <a:rPr lang="en-US" smtClean="0"/>
-              <a:t>7/1/2019</a:t>
+              <a:t>7/5/2019</a:t>
             </a:fld>
             <a:endParaRPr lang="en-US"/>
           </a:p>
@@ -4831,7 +5385,7 @@
           <a:p>
             <a:fld id="{E982C090-29EF-40AB-AE72-836E1D12E040}" type="datetimeFigureOut">
               <a:rPr lang="en-US" smtClean="0"/>
-              <a:t>7/1/2019</a:t>
+              <a:t>7/5/2019</a:t>
             </a:fld>
             <a:endParaRPr lang="en-US"/>
           </a:p>
@@ -5096,7 +5650,7 @@
           <a:p>
             <a:fld id="{E982C090-29EF-40AB-AE72-836E1D12E040}" type="datetimeFigureOut">
               <a:rPr lang="en-US" smtClean="0"/>
-              <a:t>7/1/2019</a:t>
+              <a:t>7/5/2019</a:t>
             </a:fld>
             <a:endParaRPr lang="en-US"/>
           </a:p>
@@ -5508,7 +6062,7 @@
           <a:p>
             <a:fld id="{E982C090-29EF-40AB-AE72-836E1D12E040}" type="datetimeFigureOut">
               <a:rPr lang="en-US" smtClean="0"/>
-              <a:t>7/1/2019</a:t>
+              <a:t>7/5/2019</a:t>
             </a:fld>
             <a:endParaRPr lang="en-US"/>
           </a:p>
@@ -5649,7 +6203,7 @@
           <a:p>
             <a:fld id="{E982C090-29EF-40AB-AE72-836E1D12E040}" type="datetimeFigureOut">
               <a:rPr lang="en-US" smtClean="0"/>
-              <a:t>7/1/2019</a:t>
+              <a:t>7/5/2019</a:t>
             </a:fld>
             <a:endParaRPr lang="en-US"/>
           </a:p>
@@ -5762,7 +6316,7 @@
           <a:p>
             <a:fld id="{E982C090-29EF-40AB-AE72-836E1D12E040}" type="datetimeFigureOut">
               <a:rPr lang="en-US" smtClean="0"/>
-              <a:t>7/1/2019</a:t>
+              <a:t>7/5/2019</a:t>
             </a:fld>
             <a:endParaRPr lang="en-US"/>
           </a:p>
@@ -6073,7 +6627,7 @@
           <a:p>
             <a:fld id="{E982C090-29EF-40AB-AE72-836E1D12E040}" type="datetimeFigureOut">
               <a:rPr lang="en-US" smtClean="0"/>
-              <a:t>7/1/2019</a:t>
+              <a:t>7/5/2019</a:t>
             </a:fld>
             <a:endParaRPr lang="en-US"/>
           </a:p>
@@ -6361,7 +6915,7 @@
           <a:p>
             <a:fld id="{E982C090-29EF-40AB-AE72-836E1D12E040}" type="datetimeFigureOut">
               <a:rPr lang="en-US" smtClean="0"/>
-              <a:t>7/1/2019</a:t>
+              <a:t>7/5/2019</a:t>
             </a:fld>
             <a:endParaRPr lang="en-US"/>
           </a:p>
@@ -6438,9 +6992,12 @@
 <p:sldMaster xmlns:a="http://schemas.openxmlformats.org/drawingml/2006/main" xmlns:r="http://schemas.openxmlformats.org/officeDocument/2006/relationships" xmlns:p="http://schemas.openxmlformats.org/presentationml/2006/main">
   <p:cSld>
     <p:bg>
-      <p:bgRef idx="1001">
-        <a:schemeClr val="bg1"/>
-      </p:bgRef>
+      <p:bgPr>
+        <a:solidFill>
+          <a:schemeClr val="bg1"/>
+        </a:solidFill>
+        <a:effectLst/>
+      </p:bgPr>
     </p:bg>
     <p:spTree>
       <p:nvGrpSpPr>
@@ -6602,7 +7159,7 @@
           <a:p>
             <a:fld id="{E982C090-29EF-40AB-AE72-836E1D12E040}" type="datetimeFigureOut">
               <a:rPr lang="en-US" smtClean="0"/>
-              <a:t>7/1/2019</a:t>
+              <a:t>7/5/2019</a:t>
             </a:fld>
             <a:endParaRPr lang="en-US"/>
           </a:p>
@@ -7005,14 +7562,6 @@
 <file path=ppt/slides/slide1.xml><?xml version="1.0" encoding="utf-8"?>
 <p:sld xmlns:a="http://schemas.openxmlformats.org/drawingml/2006/main" xmlns:r="http://schemas.openxmlformats.org/officeDocument/2006/relationships" xmlns:p="http://schemas.openxmlformats.org/presentationml/2006/main">
   <p:cSld>
-    <p:bg>
-      <p:bgPr>
-        <a:solidFill>
-          <a:schemeClr val="bg1"/>
-        </a:solidFill>
-        <a:effectLst/>
-      </p:bgPr>
-    </p:bg>
     <p:spTree>
       <p:nvGrpSpPr>
         <p:cNvPr id="1" name=""/>
@@ -7522,221 +8071,6 @@
 <file path=ppt/slides/slide10.xml><?xml version="1.0" encoding="utf-8"?>
 <p:sld xmlns:a="http://schemas.openxmlformats.org/drawingml/2006/main" xmlns:r="http://schemas.openxmlformats.org/officeDocument/2006/relationships" xmlns:p="http://schemas.openxmlformats.org/presentationml/2006/main">
   <p:cSld>
-    <p:bg>
-      <p:bgPr>
-        <a:solidFill>
-          <a:schemeClr val="bg1"/>
-        </a:solidFill>
-        <a:effectLst/>
-      </p:bgPr>
-    </p:bg>
-    <p:spTree>
-      <p:nvGrpSpPr>
-        <p:cNvPr id="1" name=""/>
-        <p:cNvGrpSpPr/>
-        <p:nvPr/>
-      </p:nvGrpSpPr>
-      <p:grpSpPr>
-        <a:xfrm>
-          <a:off x="0" y="0"/>
-          <a:ext cx="0" cy="0"/>
-          <a:chOff x="0" y="0"/>
-          <a:chExt cx="0" cy="0"/>
-        </a:xfrm>
-      </p:grpSpPr>
-      <p:sp>
-        <p:nvSpPr>
-          <p:cNvPr id="71" name="Rectangle 70">
-            <a:extLst>
-              <a:ext uri="{FF2B5EF4-FFF2-40B4-BE49-F238E27FC236}">
-                <a16:creationId xmlns:a16="http://schemas.microsoft.com/office/drawing/2014/main" id="{32BC26D8-82FB-445E-AA49-62A77D7C1EE0}"/>
-              </a:ext>
-              <a:ext uri="{C183D7F6-B498-43B3-948B-1728B52AA6E4}">
-                <adec:decorative xmlns:adec="http://schemas.microsoft.com/office/drawing/2017/decorative" val="1"/>
-              </a:ext>
-            </a:extLst>
-          </p:cNvPr>
-          <p:cNvSpPr>
-            <a:spLocks noGrp="1" noRot="1" noChangeAspect="1" noMove="1" noResize="1" noEditPoints="1" noAdjustHandles="1" noChangeArrowheads="1" noChangeShapeType="1" noTextEdit="1"/>
-          </p:cNvSpPr>
-          <p:nvPr>
-            <p:extLst>
-              <p:ext uri="{386F3935-93C4-4BCD-93E2-E3B085C9AB24}">
-                <p16:designElem xmlns:p16="http://schemas.microsoft.com/office/powerpoint/2015/main" val="1"/>
-              </p:ext>
-            </p:extLst>
-          </p:nvPr>
-        </p:nvSpPr>
-        <p:spPr>
-          <a:xfrm>
-            <a:off x="0" y="0"/>
-            <a:ext cx="12192000" cy="6858000"/>
-          </a:xfrm>
-          <a:prstGeom prst="rect">
-            <a:avLst/>
-          </a:prstGeom>
-          <a:solidFill>
-            <a:schemeClr val="tx1">
-              <a:lumMod val="65000"/>
-              <a:lumOff val="35000"/>
-            </a:schemeClr>
-          </a:solidFill>
-          <a:ln>
-            <a:noFill/>
-          </a:ln>
-        </p:spPr>
-        <p:style>
-          <a:lnRef idx="2">
-            <a:schemeClr val="accent1">
-              <a:shade val="50000"/>
-            </a:schemeClr>
-          </a:lnRef>
-          <a:fillRef idx="1">
-            <a:schemeClr val="accent1"/>
-          </a:fillRef>
-          <a:effectRef idx="0">
-            <a:schemeClr val="accent1"/>
-          </a:effectRef>
-          <a:fontRef idx="minor">
-            <a:schemeClr val="lt1"/>
-          </a:fontRef>
-        </p:style>
-        <p:txBody>
-          <a:bodyPr rtlCol="0" anchor="ctr"/>
-          <a:lstStyle/>
-          <a:p>
-            <a:pPr algn="ctr"/>
-            <a:endParaRPr lang="en-US"/>
-          </a:p>
-        </p:txBody>
-      </p:sp>
-      <p:sp>
-        <p:nvSpPr>
-          <p:cNvPr id="73" name="Rectangle 72">
-            <a:extLst>
-              <a:ext uri="{FF2B5EF4-FFF2-40B4-BE49-F238E27FC236}">
-                <a16:creationId xmlns:a16="http://schemas.microsoft.com/office/drawing/2014/main" id="{CB44330D-EA18-4254-AA95-EB49948539B8}"/>
-              </a:ext>
-              <a:ext uri="{C183D7F6-B498-43B3-948B-1728B52AA6E4}">
-                <adec:decorative xmlns:adec="http://schemas.microsoft.com/office/drawing/2017/decorative" val="1"/>
-              </a:ext>
-            </a:extLst>
-          </p:cNvPr>
-          <p:cNvSpPr>
-            <a:spLocks noGrp="1" noRot="1" noChangeAspect="1" noMove="1" noResize="1" noEditPoints="1" noAdjustHandles="1" noChangeArrowheads="1" noChangeShapeType="1" noTextEdit="1"/>
-          </p:cNvSpPr>
-          <p:nvPr>
-            <p:extLst>
-              <p:ext uri="{386F3935-93C4-4BCD-93E2-E3B085C9AB24}">
-                <p16:designElem xmlns:p16="http://schemas.microsoft.com/office/powerpoint/2015/main" val="1"/>
-              </p:ext>
-            </p:extLst>
-          </p:nvPr>
-        </p:nvSpPr>
-        <p:spPr>
-          <a:xfrm>
-            <a:off x="477012" y="480060"/>
-            <a:ext cx="11237976" cy="5897880"/>
-          </a:xfrm>
-          <a:prstGeom prst="rect">
-            <a:avLst/>
-          </a:prstGeom>
-          <a:solidFill>
-            <a:srgbClr val="FFFFFF"/>
-          </a:solidFill>
-          <a:ln>
-            <a:noFill/>
-          </a:ln>
-        </p:spPr>
-        <p:style>
-          <a:lnRef idx="2">
-            <a:schemeClr val="accent1">
-              <a:shade val="50000"/>
-            </a:schemeClr>
-          </a:lnRef>
-          <a:fillRef idx="1">
-            <a:schemeClr val="accent1"/>
-          </a:fillRef>
-          <a:effectRef idx="0">
-            <a:schemeClr val="accent1"/>
-          </a:effectRef>
-          <a:fontRef idx="minor">
-            <a:schemeClr val="lt1"/>
-          </a:fontRef>
-        </p:style>
-        <p:txBody>
-          <a:bodyPr rtlCol="0" anchor="ctr"/>
-          <a:lstStyle/>
-          <a:p>
-            <a:pPr algn="ctr"/>
-            <a:endParaRPr lang="en-US"/>
-          </a:p>
-        </p:txBody>
-      </p:sp>
-      <p:pic>
-        <p:nvPicPr>
-          <p:cNvPr id="3074" name="Picture 2" descr="Top_five_companies_atx.png">
-            <a:extLst>
-              <a:ext uri="{FF2B5EF4-FFF2-40B4-BE49-F238E27FC236}">
-                <a16:creationId xmlns:a16="http://schemas.microsoft.com/office/drawing/2014/main" id="{DCEF9B05-CAFE-421B-952B-098759BDF737}"/>
-              </a:ext>
-            </a:extLst>
-          </p:cNvPr>
-          <p:cNvPicPr>
-            <a:picLocks noGrp="1" noChangeAspect="1" noChangeArrowheads="1"/>
-          </p:cNvPicPr>
-          <p:nvPr>
-            <p:ph idx="1"/>
-          </p:nvPr>
-        </p:nvPicPr>
-        <p:blipFill>
-          <a:blip r:embed="rId2">
-            <a:extLst>
-              <a:ext uri="{28A0092B-C50C-407E-A947-70E740481C1C}">
-                <a14:useLocalDpi xmlns:a14="http://schemas.microsoft.com/office/drawing/2010/main" val="0"/>
-              </a:ext>
-            </a:extLst>
-          </a:blip>
-          <a:stretch>
-            <a:fillRect/>
-          </a:stretch>
-        </p:blipFill>
-        <p:spPr bwMode="auto">
-          <a:xfrm>
-            <a:off x="1917700" y="643467"/>
-            <a:ext cx="8356599" cy="5571066"/>
-          </a:xfrm>
-          <a:prstGeom prst="rect">
-            <a:avLst/>
-          </a:prstGeom>
-          <a:noFill/>
-          <a:extLst>
-            <a:ext uri="{909E8E84-426E-40DD-AFC4-6F175D3DCCD1}">
-              <a14:hiddenFill xmlns:a14="http://schemas.microsoft.com/office/drawing/2010/main">
-                <a:solidFill>
-                  <a:srgbClr val="FFFFFF"/>
-                </a:solidFill>
-              </a14:hiddenFill>
-            </a:ext>
-          </a:extLst>
-        </p:spPr>
-      </p:pic>
-    </p:spTree>
-    <p:extLst>
-      <p:ext uri="{BB962C8B-B14F-4D97-AF65-F5344CB8AC3E}">
-        <p14:creationId xmlns:p14="http://schemas.microsoft.com/office/powerpoint/2010/main" val="1314520973"/>
-      </p:ext>
-    </p:extLst>
-  </p:cSld>
-  <p:clrMapOvr>
-    <a:masterClrMapping/>
-  </p:clrMapOvr>
-</p:sld>
-</file>
-
-<file path=ppt/slides/slide11.xml><?xml version="1.0" encoding="utf-8"?>
-<p:sld xmlns:a="http://schemas.openxmlformats.org/drawingml/2006/main" xmlns:r="http://schemas.openxmlformats.org/officeDocument/2006/relationships" xmlns:p="http://schemas.openxmlformats.org/presentationml/2006/main">
-  <p:cSld>
     <p:spTree>
       <p:nvGrpSpPr>
         <p:cNvPr id="1" name=""/>
@@ -7774,12 +8108,36 @@
           <a:p>
             <a:pPr algn="ctr"/>
             <a:r>
+              <a:rPr lang="en-US">
+                <a:solidFill>
+                  <a:srgbClr val="00B0F0"/>
+                </a:solidFill>
+              </a:rPr>
+              <a:t>Austin </a:t>
+            </a:r>
+            <a:r>
               <a:rPr lang="en-US" dirty="0">
                 <a:solidFill>
                   <a:srgbClr val="00B0F0"/>
                 </a:solidFill>
               </a:rPr>
-              <a:t>Austin Vs Top 5 cities</a:t>
+              <a:t>v</a:t>
+            </a:r>
+            <a:r>
+              <a:rPr lang="en-US">
+                <a:solidFill>
+                  <a:srgbClr val="00B0F0"/>
+                </a:solidFill>
+              </a:rPr>
+              <a:t>s </a:t>
+            </a:r>
+            <a:r>
+              <a:rPr lang="en-US" dirty="0">
+                <a:solidFill>
+                  <a:srgbClr val="00B0F0"/>
+                </a:solidFill>
+              </a:rPr>
+              <a:t>Top 5 cities</a:t>
             </a:r>
           </a:p>
         </p:txBody>
@@ -8153,6 +8511,189 @@
 </p:sld>
 </file>
 
+<file path=ppt/slides/slide11.xml><?xml version="1.0" encoding="utf-8"?>
+<p:sld xmlns:a="http://schemas.openxmlformats.org/drawingml/2006/main" xmlns:r="http://schemas.openxmlformats.org/officeDocument/2006/relationships" xmlns:p="http://schemas.openxmlformats.org/presentationml/2006/main">
+  <p:cSld>
+    <p:spTree>
+      <p:nvGrpSpPr>
+        <p:cNvPr id="1" name=""/>
+        <p:cNvGrpSpPr/>
+        <p:nvPr/>
+      </p:nvGrpSpPr>
+      <p:grpSpPr>
+        <a:xfrm>
+          <a:off x="0" y="0"/>
+          <a:ext cx="0" cy="0"/>
+          <a:chOff x="0" y="0"/>
+          <a:chExt cx="0" cy="0"/>
+        </a:xfrm>
+      </p:grpSpPr>
+      <p:sp>
+        <p:nvSpPr>
+          <p:cNvPr id="2" name="Title 1">
+            <a:extLst>
+              <a:ext uri="{FF2B5EF4-FFF2-40B4-BE49-F238E27FC236}">
+                <a16:creationId xmlns:a16="http://schemas.microsoft.com/office/drawing/2014/main" id="{FE77B7C4-D21D-49FB-B722-C9E0E2D1C3A1}"/>
+              </a:ext>
+            </a:extLst>
+          </p:cNvPr>
+          <p:cNvSpPr>
+            <a:spLocks noGrp="1"/>
+          </p:cNvSpPr>
+          <p:nvPr>
+            <p:ph type="title"/>
+          </p:nvPr>
+        </p:nvSpPr>
+        <p:spPr/>
+        <p:txBody>
+          <a:bodyPr/>
+          <a:lstStyle/>
+          <a:p>
+            <a:pPr algn="ctr"/>
+            <a:r>
+              <a:rPr lang="en-US" b="1" u="sng" dirty="0">
+                <a:solidFill>
+                  <a:srgbClr val="FF0000"/>
+                </a:solidFill>
+              </a:rPr>
+              <a:t>Python is the new R</a:t>
+            </a:r>
+            <a:br>
+              <a:rPr lang="en-US" b="1" u="sng" dirty="0">
+                <a:solidFill>
+                  <a:srgbClr val="FF0000"/>
+                </a:solidFill>
+              </a:rPr>
+            </a:br>
+            <a:endParaRPr lang="en-US" u="sng" dirty="0">
+              <a:solidFill>
+                <a:srgbClr val="FF0000"/>
+              </a:solidFill>
+            </a:endParaRPr>
+          </a:p>
+        </p:txBody>
+      </p:sp>
+      <p:pic>
+        <p:nvPicPr>
+          <p:cNvPr id="4" name="Picture 3" descr="A close up of a logo&#10;&#10;Description automatically generated">
+            <a:extLst>
+              <a:ext uri="{FF2B5EF4-FFF2-40B4-BE49-F238E27FC236}">
+                <a16:creationId xmlns:a16="http://schemas.microsoft.com/office/drawing/2014/main" id="{E917D140-DC6E-4934-ADCD-1BCA0A66A7AD}"/>
+              </a:ext>
+            </a:extLst>
+          </p:cNvPr>
+          <p:cNvPicPr>
+            <a:picLocks noChangeAspect="1"/>
+          </p:cNvPicPr>
+          <p:nvPr/>
+        </p:nvPicPr>
+        <p:blipFill>
+          <a:blip r:embed="rId2">
+            <a:extLst>
+              <a:ext uri="{28A0092B-C50C-407E-A947-70E740481C1C}">
+                <a14:useLocalDpi xmlns:a14="http://schemas.microsoft.com/office/drawing/2010/main" val="0"/>
+              </a:ext>
+            </a:extLst>
+          </a:blip>
+          <a:stretch>
+            <a:fillRect/>
+          </a:stretch>
+        </p:blipFill>
+        <p:spPr>
+          <a:xfrm>
+            <a:off x="3210133" y="1208219"/>
+            <a:ext cx="5487650" cy="2639997"/>
+          </a:xfrm>
+          <a:prstGeom prst="rect">
+            <a:avLst/>
+          </a:prstGeom>
+        </p:spPr>
+      </p:pic>
+      <p:pic>
+        <p:nvPicPr>
+          <p:cNvPr id="5" name="Picture 4" descr="A close up of a logo&#10;&#10;Description automatically generated">
+            <a:extLst>
+              <a:ext uri="{FF2B5EF4-FFF2-40B4-BE49-F238E27FC236}">
+                <a16:creationId xmlns:a16="http://schemas.microsoft.com/office/drawing/2014/main" id="{CE1A708B-B34C-44C6-956E-E8786D6E563E}"/>
+              </a:ext>
+            </a:extLst>
+          </p:cNvPr>
+          <p:cNvPicPr>
+            <a:picLocks noChangeAspect="1"/>
+          </p:cNvPicPr>
+          <p:nvPr/>
+        </p:nvPicPr>
+        <p:blipFill>
+          <a:blip r:embed="rId3">
+            <a:extLst>
+              <a:ext uri="{28A0092B-C50C-407E-A947-70E740481C1C}">
+                <a14:useLocalDpi xmlns:a14="http://schemas.microsoft.com/office/drawing/2010/main" val="0"/>
+              </a:ext>
+            </a:extLst>
+          </a:blip>
+          <a:stretch>
+            <a:fillRect/>
+          </a:stretch>
+        </p:blipFill>
+        <p:spPr>
+          <a:xfrm>
+            <a:off x="6704350" y="4218003"/>
+            <a:ext cx="5487650" cy="2639997"/>
+          </a:xfrm>
+          <a:prstGeom prst="rect">
+            <a:avLst/>
+          </a:prstGeom>
+        </p:spPr>
+      </p:pic>
+      <p:pic>
+        <p:nvPicPr>
+          <p:cNvPr id="8" name="Picture 7" descr="A close up of a logo&#10;&#10;Description automatically generated">
+            <a:extLst>
+              <a:ext uri="{FF2B5EF4-FFF2-40B4-BE49-F238E27FC236}">
+                <a16:creationId xmlns:a16="http://schemas.microsoft.com/office/drawing/2014/main" id="{1DC37AF0-ECE5-4E85-993B-B102F5B3698A}"/>
+              </a:ext>
+            </a:extLst>
+          </p:cNvPr>
+          <p:cNvPicPr>
+            <a:picLocks noChangeAspect="1"/>
+          </p:cNvPicPr>
+          <p:nvPr/>
+        </p:nvPicPr>
+        <p:blipFill>
+          <a:blip r:embed="rId4">
+            <a:extLst>
+              <a:ext uri="{28A0092B-C50C-407E-A947-70E740481C1C}">
+                <a14:useLocalDpi xmlns:a14="http://schemas.microsoft.com/office/drawing/2010/main" val="0"/>
+              </a:ext>
+            </a:extLst>
+          </a:blip>
+          <a:stretch>
+            <a:fillRect/>
+          </a:stretch>
+        </p:blipFill>
+        <p:spPr>
+          <a:xfrm>
+            <a:off x="76200" y="4218003"/>
+            <a:ext cx="5487650" cy="2743825"/>
+          </a:xfrm>
+          <a:prstGeom prst="rect">
+            <a:avLst/>
+          </a:prstGeom>
+        </p:spPr>
+      </p:pic>
+    </p:spTree>
+    <p:extLst>
+      <p:ext uri="{BB962C8B-B14F-4D97-AF65-F5344CB8AC3E}">
+        <p14:creationId xmlns:p14="http://schemas.microsoft.com/office/powerpoint/2010/main" val="1437999619"/>
+      </p:ext>
+    </p:extLst>
+  </p:cSld>
+  <p:clrMapOvr>
+    <a:masterClrMapping/>
+  </p:clrMapOvr>
+</p:sld>
+</file>
+
 <file path=ppt/slides/slide12.xml><?xml version="1.0" encoding="utf-8"?>
 <p:sld xmlns:a="http://schemas.openxmlformats.org/drawingml/2006/main" xmlns:r="http://schemas.openxmlformats.org/officeDocument/2006/relationships" xmlns:p="http://schemas.openxmlformats.org/presentationml/2006/main">
   <p:cSld>
@@ -8175,7 +8716,7 @@
           <p:cNvPr id="2" name="Title 1">
             <a:extLst>
               <a:ext uri="{FF2B5EF4-FFF2-40B4-BE49-F238E27FC236}">
-                <a16:creationId xmlns:a16="http://schemas.microsoft.com/office/drawing/2014/main" id="{FE77B7C4-D21D-49FB-B722-C9E0E2D1C3A1}"/>
+                <a16:creationId xmlns:a16="http://schemas.microsoft.com/office/drawing/2014/main" id="{42834C20-F75D-426E-A35D-6B2BFABB066D}"/>
               </a:ext>
             </a:extLst>
           </p:cNvPr>
@@ -8191,7 +8732,10 @@
           <a:bodyPr/>
           <a:lstStyle/>
           <a:p>
-            <a:endParaRPr lang="en-US"/>
+            <a:r>
+              <a:rPr lang="en-US" dirty="0"/>
+              <a:t>Conclusion:</a:t>
+            </a:r>
           </a:p>
         </p:txBody>
       </p:sp>
@@ -8200,7 +8744,7 @@
           <p:cNvPr id="3" name="Content Placeholder 2">
             <a:extLst>
               <a:ext uri="{FF2B5EF4-FFF2-40B4-BE49-F238E27FC236}">
-                <a16:creationId xmlns:a16="http://schemas.microsoft.com/office/drawing/2014/main" id="{645D8121-9BBB-4217-8265-D2FD6A884B6C}"/>
+                <a16:creationId xmlns:a16="http://schemas.microsoft.com/office/drawing/2014/main" id="{EBF69B60-82D2-438E-8B26-AC203694EC56}"/>
               </a:ext>
             </a:extLst>
           </p:cNvPr>
@@ -8216,14 +8760,103 @@
           <a:bodyPr/>
           <a:lstStyle/>
           <a:p>
-            <a:endParaRPr lang="en-US"/>
+            <a:r>
+              <a:rPr lang="en-US" dirty="0">
+                <a:hlinkClick r:id="rId2"/>
+              </a:rPr>
+              <a:t>Python</a:t>
+            </a:r>
+            <a:r>
+              <a:rPr lang="en-US" dirty="0"/>
+              <a:t> is the most in-demand language. The popularity of this open-source language has been widely observed. It’s beginner friendly, with many support resources. The vast majority of new data science tools are compatible with it. Python is the primary language for data scientists.</a:t>
+            </a:r>
           </a:p>
         </p:txBody>
       </p:sp>
     </p:spTree>
     <p:extLst>
       <p:ext uri="{BB962C8B-B14F-4D97-AF65-F5344CB8AC3E}">
-        <p14:creationId xmlns:p14="http://schemas.microsoft.com/office/powerpoint/2010/main" val="1437999619"/>
+        <p14:creationId xmlns:p14="http://schemas.microsoft.com/office/powerpoint/2010/main" val="2357143050"/>
+      </p:ext>
+    </p:extLst>
+  </p:cSld>
+  <p:clrMapOvr>
+    <a:masterClrMapping/>
+  </p:clrMapOvr>
+</p:sld>
+</file>
+
+<file path=ppt/slides/slide13.xml><?xml version="1.0" encoding="utf-8"?>
+<p:sld xmlns:a="http://schemas.openxmlformats.org/drawingml/2006/main" xmlns:r="http://schemas.openxmlformats.org/officeDocument/2006/relationships" xmlns:p="http://schemas.openxmlformats.org/presentationml/2006/main">
+  <p:cSld>
+    <p:spTree>
+      <p:nvGrpSpPr>
+        <p:cNvPr id="1" name=""/>
+        <p:cNvGrpSpPr/>
+        <p:nvPr/>
+      </p:nvGrpSpPr>
+      <p:grpSpPr>
+        <a:xfrm>
+          <a:off x="0" y="0"/>
+          <a:ext cx="0" cy="0"/>
+          <a:chOff x="0" y="0"/>
+          <a:chExt cx="0" cy="0"/>
+        </a:xfrm>
+      </p:grpSpPr>
+      <p:sp>
+        <p:nvSpPr>
+          <p:cNvPr id="2" name="Title 1">
+            <a:extLst>
+              <a:ext uri="{FF2B5EF4-FFF2-40B4-BE49-F238E27FC236}">
+                <a16:creationId xmlns:a16="http://schemas.microsoft.com/office/drawing/2014/main" id="{330F3B9F-68B9-4F94-BB65-B783FCB042A8}"/>
+              </a:ext>
+            </a:extLst>
+          </p:cNvPr>
+          <p:cNvSpPr>
+            <a:spLocks noGrp="1"/>
+          </p:cNvSpPr>
+          <p:nvPr>
+            <p:ph type="title"/>
+          </p:nvPr>
+        </p:nvSpPr>
+        <p:spPr/>
+        <p:txBody>
+          <a:bodyPr/>
+          <a:lstStyle/>
+          <a:p>
+            <a:endParaRPr lang="en-US"/>
+          </a:p>
+        </p:txBody>
+      </p:sp>
+      <p:sp>
+        <p:nvSpPr>
+          <p:cNvPr id="3" name="Content Placeholder 2">
+            <a:extLst>
+              <a:ext uri="{FF2B5EF4-FFF2-40B4-BE49-F238E27FC236}">
+                <a16:creationId xmlns:a16="http://schemas.microsoft.com/office/drawing/2014/main" id="{797931B9-62C7-4783-ABAF-77920554D155}"/>
+              </a:ext>
+            </a:extLst>
+          </p:cNvPr>
+          <p:cNvSpPr>
+            <a:spLocks noGrp="1"/>
+          </p:cNvSpPr>
+          <p:nvPr>
+            <p:ph idx="1"/>
+          </p:nvPr>
+        </p:nvSpPr>
+        <p:spPr/>
+        <p:txBody>
+          <a:bodyPr/>
+          <a:lstStyle/>
+          <a:p>
+            <a:endParaRPr lang="en-US"/>
+          </a:p>
+        </p:txBody>
+      </p:sp>
+    </p:spTree>
+    <p:extLst>
+      <p:ext uri="{BB962C8B-B14F-4D97-AF65-F5344CB8AC3E}">
+        <p14:creationId xmlns:p14="http://schemas.microsoft.com/office/powerpoint/2010/main" val="2102690671"/>
       </p:ext>
     </p:extLst>
   </p:cSld>
@@ -8294,14 +8927,22 @@
             <p:ph idx="1"/>
           </p:nvPr>
         </p:nvSpPr>
-        <p:spPr/>
+        <p:spPr>
+          <a:xfrm>
+            <a:off x="838200" y="1825625"/>
+            <a:ext cx="10515600" cy="4351338"/>
+          </a:xfrm>
+        </p:spPr>
         <p:txBody>
           <a:bodyPr/>
           <a:lstStyle/>
           <a:p>
+            <a:pPr marL="0" indent="0">
+              <a:buNone/>
+            </a:pPr>
             <a:r>
               <a:rPr lang="en-US" dirty="0"/>
-              <a:t>Our hypothesis was the most jobs available would be at Silicon Valley</a:t>
+              <a:t>Our hypothesis was that the most jobs would be available at Silicon Valley.</a:t>
             </a:r>
           </a:p>
         </p:txBody>
@@ -8322,14 +8963,6 @@
 <file path=ppt/slides/slide3.xml><?xml version="1.0" encoding="utf-8"?>
 <p:sld xmlns:a="http://schemas.openxmlformats.org/drawingml/2006/main" xmlns:r="http://schemas.openxmlformats.org/officeDocument/2006/relationships" xmlns:p="http://schemas.openxmlformats.org/presentationml/2006/main">
   <p:cSld>
-    <p:bg>
-      <p:bgPr>
-        <a:solidFill>
-          <a:schemeClr val="bg1"/>
-        </a:solidFill>
-        <a:effectLst/>
-      </p:bgPr>
-    </p:bg>
     <p:spTree>
       <p:nvGrpSpPr>
         <p:cNvPr id="1" name=""/>
@@ -8854,7 +9487,7 @@
           <a:lstStyle/>
           <a:p>
             <a:r>
-              <a:rPr lang="en-US">
+              <a:rPr lang="en-US" dirty="0">
                 <a:solidFill>
                   <a:srgbClr val="FFFFFF"/>
                 </a:solidFill>
@@ -8880,7 +9513,7 @@
             <p:ph idx="1"/>
             <p:extLst>
               <p:ext uri="{D42A27DB-BD31-4B8C-83A1-F6EECF244321}">
-                <p14:modId xmlns:p14="http://schemas.microsoft.com/office/powerpoint/2010/main" val="494641001"/>
+                <p14:modId xmlns:p14="http://schemas.microsoft.com/office/powerpoint/2010/main" val="2249303258"/>
               </p:ext>
             </p:extLst>
           </p:nvPr>
@@ -8891,7 +9524,7 @@
         </p:xfrm>
         <a:graphic>
           <a:graphicData uri="http://schemas.openxmlformats.org/drawingml/2006/diagram">
-            <dgm:relIds xmlns:dgm="http://schemas.openxmlformats.org/drawingml/2006/diagram" xmlns:r="http://schemas.openxmlformats.org/officeDocument/2006/relationships" r:dm="rId2" r:lo="rId3" r:qs="rId4" r:cs="rId5"/>
+            <dgm:relIds xmlns:dgm="http://schemas.openxmlformats.org/drawingml/2006/diagram" xmlns:r="http://schemas.openxmlformats.org/officeDocument/2006/relationships" r:dm="rId3" r:lo="rId4" r:qs="rId5" r:cs="rId6"/>
           </a:graphicData>
         </a:graphic>
       </p:graphicFrame>
@@ -8994,14 +9627,6 @@
 <file path=ppt/slides/slide5.xml><?xml version="1.0" encoding="utf-8"?>
 <p:sld xmlns:a="http://schemas.openxmlformats.org/drawingml/2006/main" xmlns:r="http://schemas.openxmlformats.org/officeDocument/2006/relationships" xmlns:p="http://schemas.openxmlformats.org/presentationml/2006/main">
   <p:cSld>
-    <p:bg>
-      <p:bgPr>
-        <a:solidFill>
-          <a:schemeClr val="bg1"/>
-        </a:solidFill>
-        <a:effectLst/>
-      </p:bgPr>
-    </p:bg>
     <p:spTree>
       <p:nvGrpSpPr>
         <p:cNvPr id="1" name=""/>
@@ -9209,14 +9834,6 @@
 <file path=ppt/slides/slide6.xml><?xml version="1.0" encoding="utf-8"?>
 <p:sld xmlns:a="http://schemas.openxmlformats.org/drawingml/2006/main" xmlns:r="http://schemas.openxmlformats.org/officeDocument/2006/relationships" xmlns:p="http://schemas.openxmlformats.org/presentationml/2006/main">
   <p:cSld>
-    <p:bg>
-      <p:bgPr>
-        <a:solidFill>
-          <a:schemeClr val="bg1"/>
-        </a:solidFill>
-        <a:effectLst/>
-      </p:bgPr>
-    </p:bg>
     <p:spTree>
       <p:nvGrpSpPr>
         <p:cNvPr id="1" name=""/>
@@ -9421,14 +10038,6 @@
 <file path=ppt/slides/slide7.xml><?xml version="1.0" encoding="utf-8"?>
 <p:sld xmlns:a="http://schemas.openxmlformats.org/drawingml/2006/main" xmlns:r="http://schemas.openxmlformats.org/officeDocument/2006/relationships" xmlns:p="http://schemas.openxmlformats.org/presentationml/2006/main">
   <p:cSld>
-    <p:bg>
-      <p:bgPr>
-        <a:solidFill>
-          <a:schemeClr val="bg1"/>
-        </a:solidFill>
-        <a:effectLst/>
-      </p:bgPr>
-    </p:bg>
     <p:spTree>
       <p:nvGrpSpPr>
         <p:cNvPr id="1" name=""/>
@@ -9621,7 +10230,7 @@
         </p:nvSpPr>
         <p:spPr>
           <a:xfrm>
-            <a:off x="2533650" y="1104106"/>
+            <a:off x="2600325" y="1332260"/>
             <a:ext cx="6991349" cy="584775"/>
           </a:xfrm>
           <a:prstGeom prst="rect">
@@ -9636,14 +10245,14 @@
           <a:lstStyle/>
           <a:p>
             <a:r>
-              <a:rPr lang="en-US" sz="3200" dirty="0">
+              <a:rPr lang="en-US" sz="3200" u="sng" dirty="0">
                 <a:solidFill>
                   <a:srgbClr val="FF0000"/>
                 </a:solidFill>
               </a:rPr>
               <a:t>Data Scientist title continues to reign on</a:t>
             </a:r>
-            <a:endParaRPr lang="en-US" sz="3200" kern="1200" dirty="0">
+            <a:endParaRPr lang="en-US" sz="3200" u="sng" kern="1200" dirty="0">
               <a:solidFill>
                 <a:srgbClr val="FF0000"/>
               </a:solidFill>
@@ -9667,14 +10276,6 @@
 <file path=ppt/slides/slide8.xml><?xml version="1.0" encoding="utf-8"?>
 <p:sld xmlns:a="http://schemas.openxmlformats.org/drawingml/2006/main" xmlns:r="http://schemas.openxmlformats.org/officeDocument/2006/relationships" xmlns:p="http://schemas.openxmlformats.org/presentationml/2006/main">
   <p:cSld>
-    <p:bg>
-      <p:bgPr>
-        <a:solidFill>
-          <a:schemeClr val="bg1"/>
-        </a:solidFill>
-        <a:effectLst/>
-      </p:bgPr>
-    </p:bg>
     <p:spTree>
       <p:nvGrpSpPr>
         <p:cNvPr id="1" name=""/>
@@ -9691,7 +10292,105 @@
       </p:grpSpPr>
       <p:sp>
         <p:nvSpPr>
-          <p:cNvPr id="72" name="Rectangle 71">
+          <p:cNvPr id="2" name="Title 1">
+            <a:extLst>
+              <a:ext uri="{FF2B5EF4-FFF2-40B4-BE49-F238E27FC236}">
+                <a16:creationId xmlns:a16="http://schemas.microsoft.com/office/drawing/2014/main" id="{E613CBDA-351D-4119-BF7A-62EC60C64B1C}"/>
+              </a:ext>
+            </a:extLst>
+          </p:cNvPr>
+          <p:cNvSpPr>
+            <a:spLocks noGrp="1"/>
+          </p:cNvSpPr>
+          <p:nvPr>
+            <p:ph type="title"/>
+          </p:nvPr>
+        </p:nvSpPr>
+        <p:spPr/>
+        <p:txBody>
+          <a:bodyPr/>
+          <a:lstStyle/>
+          <a:p>
+            <a:pPr algn="ctr"/>
+            <a:r>
+              <a:rPr lang="en-US" b="1" u="sng" dirty="0">
+                <a:solidFill>
+                  <a:srgbClr val="00B050"/>
+                </a:solidFill>
+              </a:rPr>
+              <a:t>Hot Spots for Data Scientist Jobs in the USA</a:t>
+            </a:r>
+          </a:p>
+        </p:txBody>
+      </p:sp>
+      <p:pic>
+        <p:nvPicPr>
+          <p:cNvPr id="5" name="Content Placeholder 4" descr="A close up of a map&#10;&#10;Description automatically generated">
+            <a:extLst>
+              <a:ext uri="{FF2B5EF4-FFF2-40B4-BE49-F238E27FC236}">
+                <a16:creationId xmlns:a16="http://schemas.microsoft.com/office/drawing/2014/main" id="{74B06351-5282-47B5-AC71-D201FBA23CCF}"/>
+              </a:ext>
+            </a:extLst>
+          </p:cNvPr>
+          <p:cNvPicPr>
+            <a:picLocks noGrp="1" noChangeAspect="1"/>
+          </p:cNvPicPr>
+          <p:nvPr>
+            <p:ph idx="1"/>
+          </p:nvPr>
+        </p:nvPicPr>
+        <p:blipFill>
+          <a:blip r:embed="rId2">
+            <a:extLst>
+              <a:ext uri="{28A0092B-C50C-407E-A947-70E740481C1C}">
+                <a14:useLocalDpi xmlns:a14="http://schemas.microsoft.com/office/drawing/2010/main" val="0"/>
+              </a:ext>
+            </a:extLst>
+          </a:blip>
+          <a:stretch>
+            <a:fillRect/>
+          </a:stretch>
+        </p:blipFill>
+        <p:spPr>
+          <a:xfrm>
+            <a:off x="1404937" y="2167731"/>
+            <a:ext cx="9382125" cy="3667125"/>
+          </a:xfrm>
+        </p:spPr>
+      </p:pic>
+    </p:spTree>
+    <p:extLst>
+      <p:ext uri="{BB962C8B-B14F-4D97-AF65-F5344CB8AC3E}">
+        <p14:creationId xmlns:p14="http://schemas.microsoft.com/office/powerpoint/2010/main" val="1832914502"/>
+      </p:ext>
+    </p:extLst>
+  </p:cSld>
+  <p:clrMapOvr>
+    <a:masterClrMapping/>
+  </p:clrMapOvr>
+</p:sld>
+</file>
+
+<file path=ppt/slides/slide9.xml><?xml version="1.0" encoding="utf-8"?>
+<p:sld xmlns:a="http://schemas.openxmlformats.org/drawingml/2006/main" xmlns:r="http://schemas.openxmlformats.org/officeDocument/2006/relationships" xmlns:p="http://schemas.openxmlformats.org/presentationml/2006/main">
+  <p:cSld>
+    <p:spTree>
+      <p:nvGrpSpPr>
+        <p:cNvPr id="1" name=""/>
+        <p:cNvGrpSpPr/>
+        <p:nvPr/>
+      </p:nvGrpSpPr>
+      <p:grpSpPr>
+        <a:xfrm>
+          <a:off x="0" y="0"/>
+          <a:ext cx="0" cy="0"/>
+          <a:chOff x="0" y="0"/>
+          <a:chExt cx="0" cy="0"/>
+        </a:xfrm>
+      </p:grpSpPr>
+      <p:sp>
+        <p:nvSpPr>
+          <p:cNvPr id="71" name="Rectangle 70">
             <a:extLst>
               <a:ext uri="{FF2B5EF4-FFF2-40B4-BE49-F238E27FC236}">
                 <a16:creationId xmlns:a16="http://schemas.microsoft.com/office/drawing/2014/main" id="{32BC26D8-82FB-445E-AA49-62A77D7C1EE0}"/>
@@ -9721,7 +10420,10 @@
             <a:avLst/>
           </a:prstGeom>
           <a:solidFill>
-            <a:srgbClr val="415C3D"/>
+            <a:schemeClr val="tx1">
+              <a:lumMod val="65000"/>
+              <a:lumOff val="35000"/>
+            </a:schemeClr>
           </a:solidFill>
           <a:ln>
             <a:noFill/>
@@ -9754,7 +10456,7 @@
       </p:sp>
       <p:sp>
         <p:nvSpPr>
-          <p:cNvPr id="74" name="Rectangle 73">
+          <p:cNvPr id="73" name="Rectangle 72">
             <a:extLst>
               <a:ext uri="{FF2B5EF4-FFF2-40B4-BE49-F238E27FC236}">
                 <a16:creationId xmlns:a16="http://schemas.microsoft.com/office/drawing/2014/main" id="{CB44330D-EA18-4254-AA95-EB49948539B8}"/>
@@ -9817,10 +10519,10 @@
       </p:sp>
       <p:pic>
         <p:nvPicPr>
-          <p:cNvPr id="5125" name="Picture 2" descr="most_desired_skills.png">
+          <p:cNvPr id="3074" name="Picture 2" descr="Top_five_companies_atx.png">
             <a:extLst>
               <a:ext uri="{FF2B5EF4-FFF2-40B4-BE49-F238E27FC236}">
-                <a16:creationId xmlns:a16="http://schemas.microsoft.com/office/drawing/2014/main" id="{44998190-1C9D-4B9A-842C-CCEEEEA5594C}"/>
+                <a16:creationId xmlns:a16="http://schemas.microsoft.com/office/drawing/2014/main" id="{DCEF9B05-CAFE-421B-952B-098759BDF737}"/>
               </a:ext>
             </a:extLst>
           </p:cNvPr>
@@ -9845,8 +10547,8 @@
         </p:blipFill>
         <p:spPr bwMode="auto">
           <a:xfrm>
-            <a:off x="844117" y="1686394"/>
-            <a:ext cx="8566213" cy="4283107"/>
+            <a:off x="1917700" y="643467"/>
+            <a:ext cx="8356599" cy="5571066"/>
           </a:xfrm>
           <a:prstGeom prst="rect">
             <a:avLst/>
@@ -9863,152 +10565,10 @@
           </a:extLst>
         </p:spPr>
       </p:pic>
-      <p:sp>
-        <p:nvSpPr>
-          <p:cNvPr id="2" name="TextBox 1">
-            <a:extLst>
-              <a:ext uri="{FF2B5EF4-FFF2-40B4-BE49-F238E27FC236}">
-                <a16:creationId xmlns:a16="http://schemas.microsoft.com/office/drawing/2014/main" id="{42CF6501-E007-4642-8BAD-72C574ECFB6E}"/>
-              </a:ext>
-            </a:extLst>
-          </p:cNvPr>
-          <p:cNvSpPr txBox="1"/>
-          <p:nvPr/>
-        </p:nvSpPr>
-        <p:spPr>
-          <a:xfrm>
-            <a:off x="3613212" y="781235"/>
-            <a:ext cx="4838330" cy="707886"/>
-          </a:xfrm>
-          <a:prstGeom prst="rect">
-            <a:avLst/>
-          </a:prstGeom>
-          <a:noFill/>
-        </p:spPr>
-        <p:txBody>
-          <a:bodyPr wrap="square" rtlCol="0">
-            <a:spAutoFit/>
-          </a:bodyPr>
-          <a:lstStyle/>
-          <a:p>
-            <a:r>
-              <a:rPr lang="en-US" sz="4000" b="1">
-                <a:solidFill>
-                  <a:srgbClr val="002060"/>
-                </a:solidFill>
-              </a:rPr>
-              <a:t>Python is the new R</a:t>
-            </a:r>
-            <a:endParaRPr lang="en-US" sz="4000" b="1" dirty="0">
-              <a:solidFill>
-                <a:srgbClr val="002060"/>
-              </a:solidFill>
-            </a:endParaRPr>
-          </a:p>
-        </p:txBody>
-      </p:sp>
     </p:spTree>
     <p:extLst>
       <p:ext uri="{BB962C8B-B14F-4D97-AF65-F5344CB8AC3E}">
-        <p14:creationId xmlns:p14="http://schemas.microsoft.com/office/powerpoint/2010/main" val="1511920513"/>
-      </p:ext>
-    </p:extLst>
-  </p:cSld>
-  <p:clrMapOvr>
-    <a:masterClrMapping/>
-  </p:clrMapOvr>
-</p:sld>
-</file>
-
-<file path=ppt/slides/slide9.xml><?xml version="1.0" encoding="utf-8"?>
-<p:sld xmlns:a="http://schemas.openxmlformats.org/drawingml/2006/main" xmlns:r="http://schemas.openxmlformats.org/officeDocument/2006/relationships" xmlns:p="http://schemas.openxmlformats.org/presentationml/2006/main">
-  <p:cSld>
-    <p:spTree>
-      <p:nvGrpSpPr>
-        <p:cNvPr id="1" name=""/>
-        <p:cNvGrpSpPr/>
-        <p:nvPr/>
-      </p:nvGrpSpPr>
-      <p:grpSpPr>
-        <a:xfrm>
-          <a:off x="0" y="0"/>
-          <a:ext cx="0" cy="0"/>
-          <a:chOff x="0" y="0"/>
-          <a:chExt cx="0" cy="0"/>
-        </a:xfrm>
-      </p:grpSpPr>
-      <p:sp>
-        <p:nvSpPr>
-          <p:cNvPr id="2" name="Title 1">
-            <a:extLst>
-              <a:ext uri="{FF2B5EF4-FFF2-40B4-BE49-F238E27FC236}">
-                <a16:creationId xmlns:a16="http://schemas.microsoft.com/office/drawing/2014/main" id="{E613CBDA-351D-4119-BF7A-62EC60C64B1C}"/>
-              </a:ext>
-            </a:extLst>
-          </p:cNvPr>
-          <p:cNvSpPr>
-            <a:spLocks noGrp="1"/>
-          </p:cNvSpPr>
-          <p:nvPr>
-            <p:ph type="title"/>
-          </p:nvPr>
-        </p:nvSpPr>
-        <p:spPr/>
-        <p:txBody>
-          <a:bodyPr/>
-          <a:lstStyle/>
-          <a:p>
-            <a:pPr algn="ctr"/>
-            <a:r>
-              <a:rPr lang="en-US" b="1" u="sng" dirty="0">
-                <a:solidFill>
-                  <a:srgbClr val="00B050"/>
-                </a:solidFill>
-              </a:rPr>
-              <a:t>Hot spots for Data Scientist jobs in USA</a:t>
-            </a:r>
-          </a:p>
-        </p:txBody>
-      </p:sp>
-      <p:pic>
-        <p:nvPicPr>
-          <p:cNvPr id="5" name="Content Placeholder 4" descr="A close up of a map&#10;&#10;Description automatically generated">
-            <a:extLst>
-              <a:ext uri="{FF2B5EF4-FFF2-40B4-BE49-F238E27FC236}">
-                <a16:creationId xmlns:a16="http://schemas.microsoft.com/office/drawing/2014/main" id="{74B06351-5282-47B5-AC71-D201FBA23CCF}"/>
-              </a:ext>
-            </a:extLst>
-          </p:cNvPr>
-          <p:cNvPicPr>
-            <a:picLocks noGrp="1" noChangeAspect="1"/>
-          </p:cNvPicPr>
-          <p:nvPr>
-            <p:ph idx="1"/>
-          </p:nvPr>
-        </p:nvPicPr>
-        <p:blipFill>
-          <a:blip r:embed="rId2">
-            <a:extLst>
-              <a:ext uri="{28A0092B-C50C-407E-A947-70E740481C1C}">
-                <a14:useLocalDpi xmlns:a14="http://schemas.microsoft.com/office/drawing/2010/main" val="0"/>
-              </a:ext>
-            </a:extLst>
-          </a:blip>
-          <a:stretch>
-            <a:fillRect/>
-          </a:stretch>
-        </p:blipFill>
-        <p:spPr>
-          <a:xfrm>
-            <a:off x="1404937" y="2167731"/>
-            <a:ext cx="9382125" cy="3667125"/>
-          </a:xfrm>
-        </p:spPr>
-      </p:pic>
-    </p:spTree>
-    <p:extLst>
-      <p:ext uri="{BB962C8B-B14F-4D97-AF65-F5344CB8AC3E}">
-        <p14:creationId xmlns:p14="http://schemas.microsoft.com/office/powerpoint/2010/main" val="1832914502"/>
+        <p14:creationId xmlns:p14="http://schemas.microsoft.com/office/powerpoint/2010/main" val="1314520973"/>
       </p:ext>
     </p:extLst>
   </p:cSld>
@@ -10311,4 +10871,299 @@
     </a:ext>
   </a:extLst>
 </a:theme>
+</file>
+
+<file path=ppt/theme/theme2.xml><?xml version="1.0" encoding="utf-8"?>
+<a:theme xmlns:a="http://schemas.openxmlformats.org/drawingml/2006/main" name="Office Theme">
+  <a:themeElements>
+    <a:clrScheme name="Office">
+      <a:dk1>
+        <a:sysClr val="windowText" lastClr="000000"/>
+      </a:dk1>
+      <a:lt1>
+        <a:sysClr val="window" lastClr="FFFFFF"/>
+      </a:lt1>
+      <a:dk2>
+        <a:srgbClr val="44546A"/>
+      </a:dk2>
+      <a:lt2>
+        <a:srgbClr val="E7E6E6"/>
+      </a:lt2>
+      <a:accent1>
+        <a:srgbClr val="4472C4"/>
+      </a:accent1>
+      <a:accent2>
+        <a:srgbClr val="ED7D31"/>
+      </a:accent2>
+      <a:accent3>
+        <a:srgbClr val="A5A5A5"/>
+      </a:accent3>
+      <a:accent4>
+        <a:srgbClr val="FFC000"/>
+      </a:accent4>
+      <a:accent5>
+        <a:srgbClr val="5B9BD5"/>
+      </a:accent5>
+      <a:accent6>
+        <a:srgbClr val="70AD47"/>
+      </a:accent6>
+      <a:hlink>
+        <a:srgbClr val="0563C1"/>
+      </a:hlink>
+      <a:folHlink>
+        <a:srgbClr val="954F72"/>
+      </a:folHlink>
+    </a:clrScheme>
+    <a:fontScheme name="Office">
+      <a:majorFont>
+        <a:latin typeface="Calibri Light" panose="020F0302020204030204"/>
+        <a:ea typeface=""/>
+        <a:cs typeface=""/>
+        <a:font script="Jpan" typeface="游ゴシック Light"/>
+        <a:font script="Hang" typeface="맑은 고딕"/>
+        <a:font script="Hans" typeface="等线 Light"/>
+        <a:font script="Hant" typeface="新細明體"/>
+        <a:font script="Arab" typeface="Times New Roman"/>
+        <a:font script="Hebr" typeface="Times New Roman"/>
+        <a:font script="Thai" typeface="Angsana New"/>
+        <a:font script="Ethi" typeface="Nyala"/>
+        <a:font script="Beng" typeface="Vrinda"/>
+        <a:font script="Gujr" typeface="Shruti"/>
+        <a:font script="Khmr" typeface="MoolBoran"/>
+        <a:font script="Knda" typeface="Tunga"/>
+        <a:font script="Guru" typeface="Raavi"/>
+        <a:font script="Cans" typeface="Euphemia"/>
+        <a:font script="Cher" typeface="Plantagenet Cherokee"/>
+        <a:font script="Yiii" typeface="Microsoft Yi Baiti"/>
+        <a:font script="Tibt" typeface="Microsoft Himalaya"/>
+        <a:font script="Thaa" typeface="MV Boli"/>
+        <a:font script="Deva" typeface="Mangal"/>
+        <a:font script="Telu" typeface="Gautami"/>
+        <a:font script="Taml" typeface="Latha"/>
+        <a:font script="Syrc" typeface="Estrangelo Edessa"/>
+        <a:font script="Orya" typeface="Kalinga"/>
+        <a:font script="Mlym" typeface="Kartika"/>
+        <a:font script="Laoo" typeface="DokChampa"/>
+        <a:font script="Sinh" typeface="Iskoola Pota"/>
+        <a:font script="Mong" typeface="Mongolian Baiti"/>
+        <a:font script="Viet" typeface="Times New Roman"/>
+        <a:font script="Uigh" typeface="Microsoft Uighur"/>
+        <a:font script="Geor" typeface="Sylfaen"/>
+        <a:font script="Armn" typeface="Arial"/>
+        <a:font script="Bugi" typeface="Leelawadee UI"/>
+        <a:font script="Bopo" typeface="Microsoft JhengHei"/>
+        <a:font script="Java" typeface="Javanese Text"/>
+        <a:font script="Lisu" typeface="Segoe UI"/>
+        <a:font script="Mymr" typeface="Myanmar Text"/>
+        <a:font script="Nkoo" typeface="Ebrima"/>
+        <a:font script="Olck" typeface="Nirmala UI"/>
+        <a:font script="Osma" typeface="Ebrima"/>
+        <a:font script="Phag" typeface="Phagspa"/>
+        <a:font script="Syrn" typeface="Estrangelo Edessa"/>
+        <a:font script="Syrj" typeface="Estrangelo Edessa"/>
+        <a:font script="Syre" typeface="Estrangelo Edessa"/>
+        <a:font script="Sora" typeface="Nirmala UI"/>
+        <a:font script="Tale" typeface="Microsoft Tai Le"/>
+        <a:font script="Talu" typeface="Microsoft New Tai Lue"/>
+        <a:font script="Tfng" typeface="Ebrima"/>
+      </a:majorFont>
+      <a:minorFont>
+        <a:latin typeface="Calibri" panose="020F0502020204030204"/>
+        <a:ea typeface=""/>
+        <a:cs typeface=""/>
+        <a:font script="Jpan" typeface="游ゴシック"/>
+        <a:font script="Hang" typeface="맑은 고딕"/>
+        <a:font script="Hans" typeface="等线"/>
+        <a:font script="Hant" typeface="新細明體"/>
+        <a:font script="Arab" typeface="Arial"/>
+        <a:font script="Hebr" typeface="Arial"/>
+        <a:font script="Thai" typeface="Cordia New"/>
+        <a:font script="Ethi" typeface="Nyala"/>
+        <a:font script="Beng" typeface="Vrinda"/>
+        <a:font script="Gujr" typeface="Shruti"/>
+        <a:font script="Khmr" typeface="DaunPenh"/>
+        <a:font script="Knda" typeface="Tunga"/>
+        <a:font script="Guru" typeface="Raavi"/>
+        <a:font script="Cans" typeface="Euphemia"/>
+        <a:font script="Cher" typeface="Plantagenet Cherokee"/>
+        <a:font script="Yiii" typeface="Microsoft Yi Baiti"/>
+        <a:font script="Tibt" typeface="Microsoft Himalaya"/>
+        <a:font script="Thaa" typeface="MV Boli"/>
+        <a:font script="Deva" typeface="Mangal"/>
+        <a:font script="Telu" typeface="Gautami"/>
+        <a:font script="Taml" typeface="Latha"/>
+        <a:font script="Syrc" typeface="Estrangelo Edessa"/>
+        <a:font script="Orya" typeface="Kalinga"/>
+        <a:font script="Mlym" typeface="Kartika"/>
+        <a:font script="Laoo" typeface="DokChampa"/>
+        <a:font script="Sinh" typeface="Iskoola Pota"/>
+        <a:font script="Mong" typeface="Mongolian Baiti"/>
+        <a:font script="Viet" typeface="Arial"/>
+        <a:font script="Uigh" typeface="Microsoft Uighur"/>
+        <a:font script="Geor" typeface="Sylfaen"/>
+        <a:font script="Armn" typeface="Arial"/>
+        <a:font script="Bugi" typeface="Leelawadee UI"/>
+        <a:font script="Bopo" typeface="Microsoft JhengHei"/>
+        <a:font script="Java" typeface="Javanese Text"/>
+        <a:font script="Lisu" typeface="Segoe UI"/>
+        <a:font script="Mymr" typeface="Myanmar Text"/>
+        <a:font script="Nkoo" typeface="Ebrima"/>
+        <a:font script="Olck" typeface="Nirmala UI"/>
+        <a:font script="Osma" typeface="Ebrima"/>
+        <a:font script="Phag" typeface="Phagspa"/>
+        <a:font script="Syrn" typeface="Estrangelo Edessa"/>
+        <a:font script="Syrj" typeface="Estrangelo Edessa"/>
+        <a:font script="Syre" typeface="Estrangelo Edessa"/>
+        <a:font script="Sora" typeface="Nirmala UI"/>
+        <a:font script="Tale" typeface="Microsoft Tai Le"/>
+        <a:font script="Talu" typeface="Microsoft New Tai Lue"/>
+        <a:font script="Tfng" typeface="Ebrima"/>
+      </a:minorFont>
+    </a:fontScheme>
+    <a:fmtScheme name="Office">
+      <a:fillStyleLst>
+        <a:solidFill>
+          <a:schemeClr val="phClr"/>
+        </a:solidFill>
+        <a:gradFill rotWithShape="1">
+          <a:gsLst>
+            <a:gs pos="0">
+              <a:schemeClr val="phClr">
+                <a:lumMod val="110000"/>
+                <a:satMod val="105000"/>
+                <a:tint val="67000"/>
+              </a:schemeClr>
+            </a:gs>
+            <a:gs pos="50000">
+              <a:schemeClr val="phClr">
+                <a:lumMod val="105000"/>
+                <a:satMod val="103000"/>
+                <a:tint val="73000"/>
+              </a:schemeClr>
+            </a:gs>
+            <a:gs pos="100000">
+              <a:schemeClr val="phClr">
+                <a:lumMod val="105000"/>
+                <a:satMod val="109000"/>
+                <a:tint val="81000"/>
+              </a:schemeClr>
+            </a:gs>
+          </a:gsLst>
+          <a:lin ang="5400000" scaled="0"/>
+        </a:gradFill>
+        <a:gradFill rotWithShape="1">
+          <a:gsLst>
+            <a:gs pos="0">
+              <a:schemeClr val="phClr">
+                <a:satMod val="103000"/>
+                <a:lumMod val="102000"/>
+                <a:tint val="94000"/>
+              </a:schemeClr>
+            </a:gs>
+            <a:gs pos="50000">
+              <a:schemeClr val="phClr">
+                <a:satMod val="110000"/>
+                <a:lumMod val="100000"/>
+                <a:shade val="100000"/>
+              </a:schemeClr>
+            </a:gs>
+            <a:gs pos="100000">
+              <a:schemeClr val="phClr">
+                <a:lumMod val="99000"/>
+                <a:satMod val="120000"/>
+                <a:shade val="78000"/>
+              </a:schemeClr>
+            </a:gs>
+          </a:gsLst>
+          <a:lin ang="5400000" scaled="0"/>
+        </a:gradFill>
+      </a:fillStyleLst>
+      <a:lnStyleLst>
+        <a:ln w="6350" cap="flat" cmpd="sng" algn="ctr">
+          <a:solidFill>
+            <a:schemeClr val="phClr"/>
+          </a:solidFill>
+          <a:prstDash val="solid"/>
+          <a:miter lim="800000"/>
+        </a:ln>
+        <a:ln w="12700" cap="flat" cmpd="sng" algn="ctr">
+          <a:solidFill>
+            <a:schemeClr val="phClr"/>
+          </a:solidFill>
+          <a:prstDash val="solid"/>
+          <a:miter lim="800000"/>
+        </a:ln>
+        <a:ln w="19050" cap="flat" cmpd="sng" algn="ctr">
+          <a:solidFill>
+            <a:schemeClr val="phClr"/>
+          </a:solidFill>
+          <a:prstDash val="solid"/>
+          <a:miter lim="800000"/>
+        </a:ln>
+      </a:lnStyleLst>
+      <a:effectStyleLst>
+        <a:effectStyle>
+          <a:effectLst/>
+        </a:effectStyle>
+        <a:effectStyle>
+          <a:effectLst/>
+        </a:effectStyle>
+        <a:effectStyle>
+          <a:effectLst>
+            <a:outerShdw blurRad="57150" dist="19050" dir="5400000" algn="ctr" rotWithShape="0">
+              <a:srgbClr val="000000">
+                <a:alpha val="63000"/>
+              </a:srgbClr>
+            </a:outerShdw>
+          </a:effectLst>
+        </a:effectStyle>
+      </a:effectStyleLst>
+      <a:bgFillStyleLst>
+        <a:solidFill>
+          <a:schemeClr val="phClr"/>
+        </a:solidFill>
+        <a:solidFill>
+          <a:schemeClr val="phClr">
+            <a:tint val="95000"/>
+            <a:satMod val="170000"/>
+          </a:schemeClr>
+        </a:solidFill>
+        <a:gradFill rotWithShape="1">
+          <a:gsLst>
+            <a:gs pos="0">
+              <a:schemeClr val="phClr">
+                <a:tint val="93000"/>
+                <a:satMod val="150000"/>
+                <a:shade val="98000"/>
+                <a:lumMod val="102000"/>
+              </a:schemeClr>
+            </a:gs>
+            <a:gs pos="50000">
+              <a:schemeClr val="phClr">
+                <a:tint val="98000"/>
+                <a:satMod val="130000"/>
+                <a:shade val="90000"/>
+                <a:lumMod val="103000"/>
+              </a:schemeClr>
+            </a:gs>
+            <a:gs pos="100000">
+              <a:schemeClr val="phClr">
+                <a:shade val="63000"/>
+                <a:satMod val="120000"/>
+              </a:schemeClr>
+            </a:gs>
+          </a:gsLst>
+          <a:lin ang="5400000" scaled="0"/>
+        </a:gradFill>
+      </a:bgFillStyleLst>
+    </a:fmtScheme>
+  </a:themeElements>
+  <a:objectDefaults/>
+  <a:extraClrSchemeLst/>
+  <a:extLst>
+    <a:ext uri="{05A4C25C-085E-4340-85A3-A5531E510DB2}">
+      <thm15:themeFamily xmlns:thm15="http://schemas.microsoft.com/office/thememl/2012/main" name="Office Theme" id="{62F939B6-93AF-4DB8-9C6B-D6C7DFDC589F}" vid="{4A3C46E8-61CC-4603-A589-7422A47A8E4A}"/>
+    </a:ext>
+  </a:extLst>
+</a:theme>
 </file>
--- a/presentation/Presentation.pptx
+++ b/presentation/Presentation.pptx
@@ -5,22 +5,23 @@
     <p:sldMasterId id="2147483648" r:id="rId1"/>
   </p:sldMasterIdLst>
   <p:notesMasterIdLst>
-    <p:notesMasterId r:id="rId15"/>
+    <p:notesMasterId r:id="rId16"/>
   </p:notesMasterIdLst>
   <p:sldIdLst>
     <p:sldId id="256" r:id="rId2"/>
     <p:sldId id="262" r:id="rId3"/>
     <p:sldId id="263" r:id="rId4"/>
-    <p:sldId id="264" r:id="rId5"/>
-    <p:sldId id="257" r:id="rId6"/>
-    <p:sldId id="258" r:id="rId7"/>
-    <p:sldId id="260" r:id="rId8"/>
-    <p:sldId id="265" r:id="rId9"/>
-    <p:sldId id="259" r:id="rId10"/>
-    <p:sldId id="266" r:id="rId11"/>
-    <p:sldId id="267" r:id="rId12"/>
-    <p:sldId id="268" r:id="rId13"/>
-    <p:sldId id="269" r:id="rId14"/>
+    <p:sldId id="271" r:id="rId5"/>
+    <p:sldId id="270" r:id="rId6"/>
+    <p:sldId id="257" r:id="rId7"/>
+    <p:sldId id="265" r:id="rId8"/>
+    <p:sldId id="258" r:id="rId9"/>
+    <p:sldId id="260" r:id="rId10"/>
+    <p:sldId id="267" r:id="rId11"/>
+    <p:sldId id="259" r:id="rId12"/>
+    <p:sldId id="266" r:id="rId13"/>
+    <p:sldId id="268" r:id="rId14"/>
+    <p:sldId id="272" r:id="rId15"/>
   </p:sldIdLst>
   <p:sldSz cx="12192000" cy="6858000"/>
   <p:notesSz cx="6858000" cy="9144000"/>
@@ -1117,7 +1118,7 @@
           </a:pPr>
           <a:r>
             <a:rPr lang="en-US" dirty="0"/>
-            <a:t>Which company has the most opportunities in the USA?</a:t>
+            <a:t>Which company hires the most  in the USA?</a:t>
           </a:r>
         </a:p>
       </dgm:t>
@@ -1144,88 +1145,6 @@
         </a:p>
       </dgm:t>
     </dgm:pt>
-    <dgm:pt modelId="{518B1731-B7E2-4A97-90E8-01B73A0D4CDE}">
-      <dgm:prSet/>
-      <dgm:spPr/>
-      <dgm:t>
-        <a:bodyPr/>
-        <a:lstStyle/>
-        <a:p>
-          <a:pPr>
-            <a:lnSpc>
-              <a:spcPct val="100000"/>
-            </a:lnSpc>
-          </a:pPr>
-          <a:r>
-            <a:rPr lang="en-US" dirty="0"/>
-            <a:t>Which language do employers want the most for data scientists?</a:t>
-          </a:r>
-        </a:p>
-      </dgm:t>
-    </dgm:pt>
-    <dgm:pt modelId="{8D56ECC3-A3C8-42E3-A170-DA530F0581A8}" type="parTrans" cxnId="{F1BA28CD-8946-4AE8-BB88-AD6872683B44}">
-      <dgm:prSet/>
-      <dgm:spPr/>
-      <dgm:t>
-        <a:bodyPr/>
-        <a:lstStyle/>
-        <a:p>
-          <a:endParaRPr lang="en-US"/>
-        </a:p>
-      </dgm:t>
-    </dgm:pt>
-    <dgm:pt modelId="{B98CC5F2-6B18-480D-B0C2-E6867400CC07}" type="sibTrans" cxnId="{F1BA28CD-8946-4AE8-BB88-AD6872683B44}">
-      <dgm:prSet/>
-      <dgm:spPr/>
-      <dgm:t>
-        <a:bodyPr/>
-        <a:lstStyle/>
-        <a:p>
-          <a:endParaRPr lang="en-US"/>
-        </a:p>
-      </dgm:t>
-    </dgm:pt>
-    <dgm:pt modelId="{A6EB32B0-8FE3-46C4-8180-E6A91D1E1BAF}">
-      <dgm:prSet/>
-      <dgm:spPr/>
-      <dgm:t>
-        <a:bodyPr/>
-        <a:lstStyle/>
-        <a:p>
-          <a:pPr>
-            <a:lnSpc>
-              <a:spcPct val="100000"/>
-            </a:lnSpc>
-          </a:pPr>
-          <a:r>
-            <a:rPr lang="en-US" dirty="0"/>
-            <a:t>What are the hotspots in the USA for Data scientist?</a:t>
-          </a:r>
-        </a:p>
-      </dgm:t>
-    </dgm:pt>
-    <dgm:pt modelId="{1D53F1D8-F1F3-441B-85FA-FBB672FD57D9}" type="parTrans" cxnId="{4BEE613D-9686-4DEB-A082-408E43752F79}">
-      <dgm:prSet/>
-      <dgm:spPr/>
-      <dgm:t>
-        <a:bodyPr/>
-        <a:lstStyle/>
-        <a:p>
-          <a:endParaRPr lang="en-US"/>
-        </a:p>
-      </dgm:t>
-    </dgm:pt>
-    <dgm:pt modelId="{94F5089A-D4B1-480A-84F1-F40EC4290A76}" type="sibTrans" cxnId="{4BEE613D-9686-4DEB-A082-408E43752F79}">
-      <dgm:prSet/>
-      <dgm:spPr/>
-      <dgm:t>
-        <a:bodyPr/>
-        <a:lstStyle/>
-        <a:p>
-          <a:endParaRPr lang="en-US"/>
-        </a:p>
-      </dgm:t>
-    </dgm:pt>
     <dgm:pt modelId="{94425574-7C8F-4623-BBA7-8B987C7BA70E}">
       <dgm:prSet/>
       <dgm:spPr/>
@@ -1240,7 +1159,7 @@
           </a:pPr>
           <a:r>
             <a:rPr lang="en-US" dirty="0"/>
-            <a:t>Which company has the most opportunities in Austin?</a:t>
+            <a:t>How is the job market in Austin compared to top 5 cities ?</a:t>
           </a:r>
         </a:p>
       </dgm:t>
@@ -1281,7 +1200,7 @@
           </a:pPr>
           <a:r>
             <a:rPr lang="en-US" dirty="0"/>
-            <a:t>Which job position is in most demand?</a:t>
+            <a:t>Which language do employers want the most for data scientists?</a:t>
           </a:r>
         </a:p>
       </dgm:t>
@@ -1298,6 +1217,88 @@
       </dgm:t>
     </dgm:pt>
     <dgm:pt modelId="{14962467-9529-4BC7-A9A7-3FE6377589DD}" type="sibTrans" cxnId="{71962876-CB92-4DB5-97C4-660F0BE4839F}">
+      <dgm:prSet/>
+      <dgm:spPr/>
+      <dgm:t>
+        <a:bodyPr/>
+        <a:lstStyle/>
+        <a:p>
+          <a:endParaRPr lang="en-US"/>
+        </a:p>
+      </dgm:t>
+    </dgm:pt>
+    <dgm:pt modelId="{518B1731-B7E2-4A97-90E8-01B73A0D4CDE}">
+      <dgm:prSet/>
+      <dgm:spPr/>
+      <dgm:t>
+        <a:bodyPr/>
+        <a:lstStyle/>
+        <a:p>
+          <a:pPr>
+            <a:lnSpc>
+              <a:spcPct val="100000"/>
+            </a:lnSpc>
+          </a:pPr>
+          <a:r>
+            <a:rPr lang="en-US" dirty="0"/>
+            <a:t>Who gets hired?</a:t>
+          </a:r>
+        </a:p>
+      </dgm:t>
+    </dgm:pt>
+    <dgm:pt modelId="{B98CC5F2-6B18-480D-B0C2-E6867400CC07}" type="sibTrans" cxnId="{F1BA28CD-8946-4AE8-BB88-AD6872683B44}">
+      <dgm:prSet/>
+      <dgm:spPr/>
+      <dgm:t>
+        <a:bodyPr/>
+        <a:lstStyle/>
+        <a:p>
+          <a:endParaRPr lang="en-US"/>
+        </a:p>
+      </dgm:t>
+    </dgm:pt>
+    <dgm:pt modelId="{8D56ECC3-A3C8-42E3-A170-DA530F0581A8}" type="parTrans" cxnId="{F1BA28CD-8946-4AE8-BB88-AD6872683B44}">
+      <dgm:prSet/>
+      <dgm:spPr/>
+      <dgm:t>
+        <a:bodyPr/>
+        <a:lstStyle/>
+        <a:p>
+          <a:endParaRPr lang="en-US"/>
+        </a:p>
+      </dgm:t>
+    </dgm:pt>
+    <dgm:pt modelId="{DBB953E5-0FC9-42BD-A3B4-B7630A52C4AF}">
+      <dgm:prSet/>
+      <dgm:spPr/>
+      <dgm:t>
+        <a:bodyPr/>
+        <a:lstStyle/>
+        <a:p>
+          <a:pPr>
+            <a:lnSpc>
+              <a:spcPct val="100000"/>
+            </a:lnSpc>
+          </a:pPr>
+          <a:r>
+            <a:rPr lang="en-US" dirty="0"/>
+            <a:t>Which company has the most opportunities in Austin?</a:t>
+          </a:r>
+        </a:p>
+      </dgm:t>
+    </dgm:pt>
+    <dgm:pt modelId="{C62D7E90-2025-434C-BBB7-F1D9AA94B065}" type="parTrans" cxnId="{2937ACC5-53CE-4E1E-B17A-0D6D8A9CBA08}">
+      <dgm:prSet/>
+      <dgm:spPr/>
+      <dgm:t>
+        <a:bodyPr/>
+        <a:lstStyle/>
+        <a:p>
+          <a:endParaRPr lang="en-US"/>
+        </a:p>
+      </dgm:t>
+    </dgm:pt>
+    <dgm:pt modelId="{CEAE95E4-BC64-4E9E-990D-E03504E8E752}" type="sibTrans" cxnId="{2937ACC5-53CE-4E1E-B17A-0D6D8A9CBA08}">
       <dgm:prSet/>
       <dgm:spPr/>
       <dgm:t>
@@ -1440,7 +1441,7 @@
       </dgm:spPr>
       <dgm:extLst>
         <a:ext uri="{E40237B7-FDA0-4F09-8148-C483321AD2D9}">
-          <dgm14:cNvPr xmlns:dgm14="http://schemas.microsoft.com/office/drawing/2010/diagram" id="0" name="" descr="Pie chart"/>
+          <dgm14:cNvPr xmlns:dgm14="http://schemas.microsoft.com/office/drawing/2010/diagram" id="0" name="" descr="Bar chart"/>
         </a:ext>
       </dgm:extLst>
     </dgm:pt>
@@ -1466,7 +1467,7 @@
       <dgm:spPr/>
     </dgm:pt>
     <dgm:pt modelId="{70D62C1A-4EEB-489D-9805-9651FE26DBB3}" type="pres">
-      <dgm:prSet presAssocID="{98BFD9D4-44CA-4372-9F94-92CB043BDE79}" presName="bgRect" presStyleLbl="bgShp" presStyleIdx="3" presStyleCnt="6"/>
+      <dgm:prSet presAssocID="{98BFD9D4-44CA-4372-9F94-92CB043BDE79}" presName="bgRect" presStyleLbl="bgShp" presStyleIdx="3" presStyleCnt="6" custLinFactNeighborX="1914" custLinFactNeighborY="15369"/>
       <dgm:spPr/>
     </dgm:pt>
     <dgm:pt modelId="{2296801D-4A81-4A22-992D-EE9FFE9F6DA9}" type="pres">
@@ -1509,16 +1510,45 @@
       <dgm:prSet presAssocID="{14962467-9529-4BC7-A9A7-3FE6377589DD}" presName="sibTrans" presStyleCnt="0"/>
       <dgm:spPr/>
     </dgm:pt>
+    <dgm:pt modelId="{CB36C307-9216-48D5-B7ED-D257B9B71D0E}" type="pres">
+      <dgm:prSet presAssocID="{DBB953E5-0FC9-42BD-A3B4-B7630A52C4AF}" presName="compNode" presStyleCnt="0"/>
+      <dgm:spPr/>
+    </dgm:pt>
+    <dgm:pt modelId="{90887F0E-5BF2-4736-9CED-8E4CA752FA30}" type="pres">
+      <dgm:prSet presAssocID="{DBB953E5-0FC9-42BD-A3B4-B7630A52C4AF}" presName="bgRect" presStyleLbl="bgShp" presStyleIdx="4" presStyleCnt="6" custLinFactNeighborX="-40273" custLinFactNeighborY="22514"/>
+      <dgm:spPr/>
+    </dgm:pt>
+    <dgm:pt modelId="{C9D51182-55FA-47F8-8194-727448CAFDF5}" type="pres">
+      <dgm:prSet presAssocID="{DBB953E5-0FC9-42BD-A3B4-B7630A52C4AF}" presName="iconRect" presStyleLbl="node1" presStyleIdx="4" presStyleCnt="6"/>
+      <dgm:spPr/>
+    </dgm:pt>
+    <dgm:pt modelId="{BB7BA011-0E05-4326-9205-43AA6F570580}" type="pres">
+      <dgm:prSet presAssocID="{DBB953E5-0FC9-42BD-A3B4-B7630A52C4AF}" presName="spaceRect" presStyleCnt="0"/>
+      <dgm:spPr/>
+    </dgm:pt>
+    <dgm:pt modelId="{BA788BFF-BCB6-4FA6-92BA-6387BC7821CD}" type="pres">
+      <dgm:prSet presAssocID="{DBB953E5-0FC9-42BD-A3B4-B7630A52C4AF}" presName="parTx" presStyleLbl="revTx" presStyleIdx="4" presStyleCnt="6">
+        <dgm:presLayoutVars>
+          <dgm:chMax val="0"/>
+          <dgm:chPref val="0"/>
+        </dgm:presLayoutVars>
+      </dgm:prSet>
+      <dgm:spPr/>
+    </dgm:pt>
+    <dgm:pt modelId="{1F48EF3D-D00B-42FB-8244-1E89471516A5}" type="pres">
+      <dgm:prSet presAssocID="{CEAE95E4-BC64-4E9E-990D-E03504E8E752}" presName="sibTrans" presStyleCnt="0"/>
+      <dgm:spPr/>
+    </dgm:pt>
     <dgm:pt modelId="{AD087683-3E66-48FD-AAEA-C0E8A2F5F405}" type="pres">
       <dgm:prSet presAssocID="{94425574-7C8F-4623-BBA7-8B987C7BA70E}" presName="compNode" presStyleCnt="0"/>
       <dgm:spPr/>
     </dgm:pt>
     <dgm:pt modelId="{EF46FEC3-E052-44A4-A05E-7E11DD3DF661}" type="pres">
-      <dgm:prSet presAssocID="{94425574-7C8F-4623-BBA7-8B987C7BA70E}" presName="bgRect" presStyleLbl="bgShp" presStyleIdx="4" presStyleCnt="6"/>
+      <dgm:prSet presAssocID="{94425574-7C8F-4623-BBA7-8B987C7BA70E}" presName="bgRect" presStyleLbl="bgShp" presStyleIdx="5" presStyleCnt="6"/>
       <dgm:spPr/>
     </dgm:pt>
     <dgm:pt modelId="{30280687-89BA-4503-BAF6-266768777A51}" type="pres">
-      <dgm:prSet presAssocID="{94425574-7C8F-4623-BBA7-8B987C7BA70E}" presName="iconRect" presStyleLbl="node1" presStyleIdx="4" presStyleCnt="6"/>
+      <dgm:prSet presAssocID="{94425574-7C8F-4623-BBA7-8B987C7BA70E}" presName="iconRect" presStyleLbl="node1" presStyleIdx="5" presStyleCnt="6"/>
       <dgm:spPr>
         <a:blipFill>
           <a:blip xmlns:r="http://schemas.openxmlformats.org/officeDocument/2006/relationships" r:embed="rId9">
@@ -1548,55 +1578,7 @@
       <dgm:spPr/>
     </dgm:pt>
     <dgm:pt modelId="{8D936D3E-CA2B-4E3F-82CD-00B56B5F13E5}" type="pres">
-      <dgm:prSet presAssocID="{94425574-7C8F-4623-BBA7-8B987C7BA70E}" presName="parTx" presStyleLbl="revTx" presStyleIdx="4" presStyleCnt="6">
-        <dgm:presLayoutVars>
-          <dgm:chMax val="0"/>
-          <dgm:chPref val="0"/>
-        </dgm:presLayoutVars>
-      </dgm:prSet>
-      <dgm:spPr/>
-    </dgm:pt>
-    <dgm:pt modelId="{B28B49F8-1834-48A9-A8F8-EEFF70FDFFC6}" type="pres">
-      <dgm:prSet presAssocID="{DD823FA9-16C7-4781-A757-8AC2374466DC}" presName="sibTrans" presStyleCnt="0"/>
-      <dgm:spPr/>
-    </dgm:pt>
-    <dgm:pt modelId="{55184F58-1EE1-44D8-8C5A-D161C2A2673C}" type="pres">
-      <dgm:prSet presAssocID="{A6EB32B0-8FE3-46C4-8180-E6A91D1E1BAF}" presName="compNode" presStyleCnt="0"/>
-      <dgm:spPr/>
-    </dgm:pt>
-    <dgm:pt modelId="{E01E7862-8983-4886-887F-1F0CA4B876E2}" type="pres">
-      <dgm:prSet presAssocID="{A6EB32B0-8FE3-46C4-8180-E6A91D1E1BAF}" presName="bgRect" presStyleLbl="bgShp" presStyleIdx="5" presStyleCnt="6"/>
-      <dgm:spPr/>
-    </dgm:pt>
-    <dgm:pt modelId="{10F81A69-F095-4FEC-BCF2-8BFF4DEDBF92}" type="pres">
-      <dgm:prSet presAssocID="{A6EB32B0-8FE3-46C4-8180-E6A91D1E1BAF}" presName="iconRect" presStyleLbl="node1" presStyleIdx="5" presStyleCnt="6"/>
-      <dgm:spPr>
-        <a:blipFill>
-          <a:blip xmlns:r="http://schemas.openxmlformats.org/officeDocument/2006/relationships" r:embed="rId11">
-            <a:extLst>
-              <a:ext uri="{96DAC541-7B7A-43D3-8B79-37D633B846F1}">
-                <asvg:svgBlip xmlns:asvg="http://schemas.microsoft.com/office/drawing/2016/SVG/main" r:embed="rId12"/>
-              </a:ext>
-            </a:extLst>
-          </a:blip>
-          <a:srcRect/>
-          <a:stretch>
-            <a:fillRect/>
-          </a:stretch>
-        </a:blipFill>
-      </dgm:spPr>
-      <dgm:extLst>
-        <a:ext uri="{E40237B7-FDA0-4F09-8148-C483321AD2D9}">
-          <dgm14:cNvPr xmlns:dgm14="http://schemas.microsoft.com/office/drawing/2010/diagram" id="0" name="" descr="Map with pin"/>
-        </a:ext>
-      </dgm:extLst>
-    </dgm:pt>
-    <dgm:pt modelId="{6ADD936A-6ED8-4ED1-A4F5-212FC779CFC1}" type="pres">
-      <dgm:prSet presAssocID="{A6EB32B0-8FE3-46C4-8180-E6A91D1E1BAF}" presName="spaceRect" presStyleCnt="0"/>
-      <dgm:spPr/>
-    </dgm:pt>
-    <dgm:pt modelId="{21B66262-F3CB-4DFD-96BF-2E8DC13FD86E}" type="pres">
-      <dgm:prSet presAssocID="{A6EB32B0-8FE3-46C4-8180-E6A91D1E1BAF}" presName="parTx" presStyleLbl="revTx" presStyleIdx="5" presStyleCnt="6">
+      <dgm:prSet presAssocID="{94425574-7C8F-4623-BBA7-8B987C7BA70E}" presName="parTx" presStyleLbl="revTx" presStyleIdx="5" presStyleCnt="6">
         <dgm:presLayoutVars>
           <dgm:chMax val="0"/>
           <dgm:chPref val="0"/>
@@ -1606,18 +1588,18 @@
     </dgm:pt>
   </dgm:ptLst>
   <dgm:cxnLst>
-    <dgm:cxn modelId="{6E05661B-6B2D-4F99-810A-EBCDE1C3ED86}" type="presOf" srcId="{A6EB32B0-8FE3-46C4-8180-E6A91D1E1BAF}" destId="{21B66262-F3CB-4DFD-96BF-2E8DC13FD86E}" srcOrd="0" destOrd="0" presId="urn:microsoft.com/office/officeart/2018/2/layout/IconVerticalSolidList"/>
+    <dgm:cxn modelId="{EF0E431D-53A7-4173-B9BE-2DCC8FA9D667}" type="presOf" srcId="{DBB953E5-0FC9-42BD-A3B4-B7630A52C4AF}" destId="{BA788BFF-BCB6-4FA6-92BA-6387BC7821CD}" srcOrd="0" destOrd="0" presId="urn:microsoft.com/office/officeart/2018/2/layout/IconVerticalSolidList"/>
     <dgm:cxn modelId="{9E4E4820-3A6C-4E67-9D55-0B5DA53499DF}" type="presOf" srcId="{E54AB3FE-B642-48B5-AAB9-1896845BF7E4}" destId="{CE0FF243-8A81-4084-8730-2544CE201205}" srcOrd="0" destOrd="0" presId="urn:microsoft.com/office/officeart/2018/2/layout/IconVerticalSolidList"/>
-    <dgm:cxn modelId="{4BEE613D-9686-4DEB-A082-408E43752F79}" srcId="{E54AB3FE-B642-48B5-AAB9-1896845BF7E4}" destId="{A6EB32B0-8FE3-46C4-8180-E6A91D1E1BAF}" srcOrd="5" destOrd="0" parTransId="{1D53F1D8-F1F3-441B-85FA-FBB672FD57D9}" sibTransId="{94F5089A-D4B1-480A-84F1-F40EC4290A76}"/>
     <dgm:cxn modelId="{0309715B-A8B9-42CC-B8E6-79325980575F}" type="presOf" srcId="{AEADC962-DB21-44FF-9A6A-91DCBD64B1ED}" destId="{63CB5BBA-53F0-431C-957E-5330D33B5B51}" srcOrd="0" destOrd="0" presId="urn:microsoft.com/office/officeart/2018/2/layout/IconVerticalSolidList"/>
     <dgm:cxn modelId="{43C8A167-63A7-48DB-A4E1-B3B503148AE6}" type="presOf" srcId="{518B1731-B7E2-4A97-90E8-01B73A0D4CDE}" destId="{06322738-5587-4579-B8CB-00A06EA6685E}" srcOrd="0" destOrd="0" presId="urn:microsoft.com/office/officeart/2018/2/layout/IconVerticalSolidList"/>
     <dgm:cxn modelId="{2348096B-C263-4B4E-B8E0-13658ED76315}" type="presOf" srcId="{98BFD9D4-44CA-4372-9F94-92CB043BDE79}" destId="{8A87C3F2-6EDD-4E35-BE36-FB906E79B88B}" srcOrd="0" destOrd="0" presId="urn:microsoft.com/office/officeart/2018/2/layout/IconVerticalSolidList"/>
     <dgm:cxn modelId="{71962876-CB92-4DB5-97C4-660F0BE4839F}" srcId="{E54AB3FE-B642-48B5-AAB9-1896845BF7E4}" destId="{98BFD9D4-44CA-4372-9F94-92CB043BDE79}" srcOrd="3" destOrd="0" parTransId="{CDBA8443-4FDD-4AB1-BC75-FAB19B819323}" sibTransId="{14962467-9529-4BC7-A9A7-3FE6377589DD}"/>
     <dgm:cxn modelId="{CE27CA5A-82F3-492E-9ADD-3DB026DC0AC6}" type="presOf" srcId="{94425574-7C8F-4623-BBA7-8B987C7BA70E}" destId="{8D936D3E-CA2B-4E3F-82CD-00B56B5F13E5}" srcOrd="0" destOrd="0" presId="urn:microsoft.com/office/officeart/2018/2/layout/IconVerticalSolidList"/>
     <dgm:cxn modelId="{A0A8E6C3-F43D-412A-A98A-54F3E788C9D0}" type="presOf" srcId="{383AC9ED-1082-4A39-A926-AE22545137CD}" destId="{A172A853-989C-4481-9917-E8D24F241119}" srcOrd="0" destOrd="0" presId="urn:microsoft.com/office/officeart/2018/2/layout/IconVerticalSolidList"/>
+    <dgm:cxn modelId="{2937ACC5-53CE-4E1E-B17A-0D6D8A9CBA08}" srcId="{E54AB3FE-B642-48B5-AAB9-1896845BF7E4}" destId="{DBB953E5-0FC9-42BD-A3B4-B7630A52C4AF}" srcOrd="4" destOrd="0" parTransId="{C62D7E90-2025-434C-BBB7-F1D9AA94B065}" sibTransId="{CEAE95E4-BC64-4E9E-990D-E03504E8E752}"/>
     <dgm:cxn modelId="{F1BA28CD-8946-4AE8-BB88-AD6872683B44}" srcId="{E54AB3FE-B642-48B5-AAB9-1896845BF7E4}" destId="{518B1731-B7E2-4A97-90E8-01B73A0D4CDE}" srcOrd="2" destOrd="0" parTransId="{8D56ECC3-A3C8-42E3-A170-DA530F0581A8}" sibTransId="{B98CC5F2-6B18-480D-B0C2-E6867400CC07}"/>
     <dgm:cxn modelId="{34D670CE-5345-4C29-A7BF-937B784D4DD8}" srcId="{E54AB3FE-B642-48B5-AAB9-1896845BF7E4}" destId="{383AC9ED-1082-4A39-A926-AE22545137CD}" srcOrd="0" destOrd="0" parTransId="{46E652B4-0E47-4697-9E3E-B4420E87001B}" sibTransId="{DD047403-D280-4544-B152-7C9841F8DEE9}"/>
-    <dgm:cxn modelId="{7A659DD3-F3E4-4B21-8829-81F121AFCC86}" srcId="{E54AB3FE-B642-48B5-AAB9-1896845BF7E4}" destId="{94425574-7C8F-4623-BBA7-8B987C7BA70E}" srcOrd="4" destOrd="0" parTransId="{80D25E50-68D9-4D9A-A22B-D7DB2243C64A}" sibTransId="{DD823FA9-16C7-4781-A757-8AC2374466DC}"/>
+    <dgm:cxn modelId="{7A659DD3-F3E4-4B21-8829-81F121AFCC86}" srcId="{E54AB3FE-B642-48B5-AAB9-1896845BF7E4}" destId="{94425574-7C8F-4623-BBA7-8B987C7BA70E}" srcOrd="5" destOrd="0" parTransId="{80D25E50-68D9-4D9A-A22B-D7DB2243C64A}" sibTransId="{DD823FA9-16C7-4781-A757-8AC2374466DC}"/>
     <dgm:cxn modelId="{3087B5FE-BA3D-4CCC-97A4-9E072FFF2EB7}" srcId="{E54AB3FE-B642-48B5-AAB9-1896845BF7E4}" destId="{AEADC962-DB21-44FF-9A6A-91DCBD64B1ED}" srcOrd="1" destOrd="0" parTransId="{50D56ACB-33DE-44C9-A191-012459933C7F}" sibTransId="{C60E5232-EE0A-4C4C-8E6A-2FC40923756B}"/>
     <dgm:cxn modelId="{CFCD8CF8-F448-485F-9CC6-B1B22D914F92}" type="presParOf" srcId="{CE0FF243-8A81-4084-8730-2544CE201205}" destId="{03F9F457-8CDF-4D39-898C-37009D5C20B1}" srcOrd="0" destOrd="0" presId="urn:microsoft.com/office/officeart/2018/2/layout/IconVerticalSolidList"/>
     <dgm:cxn modelId="{20780209-CAA1-4C01-A29A-D275B3FBA93B}" type="presParOf" srcId="{03F9F457-8CDF-4D39-898C-37009D5C20B1}" destId="{A1A535D2-A5C5-4480-945F-9FE0447C1710}" srcOrd="0" destOrd="0" presId="urn:microsoft.com/office/officeart/2018/2/layout/IconVerticalSolidList"/>
@@ -1643,17 +1625,17 @@
     <dgm:cxn modelId="{53CEF3EB-92D9-44D3-8BDC-578A785566C4}" type="presParOf" srcId="{CC08FB6E-4503-44CC-912B-E9471E18485E}" destId="{2AFDE15C-CCBE-4055-881A-C52706F42668}" srcOrd="2" destOrd="0" presId="urn:microsoft.com/office/officeart/2018/2/layout/IconVerticalSolidList"/>
     <dgm:cxn modelId="{B116295B-353D-4DD9-AB7E-0E4B12B2E177}" type="presParOf" srcId="{CC08FB6E-4503-44CC-912B-E9471E18485E}" destId="{8A87C3F2-6EDD-4E35-BE36-FB906E79B88B}" srcOrd="3" destOrd="0" presId="urn:microsoft.com/office/officeart/2018/2/layout/IconVerticalSolidList"/>
     <dgm:cxn modelId="{6AE1983A-6487-4FD0-8261-7F1608E4AA1B}" type="presParOf" srcId="{CE0FF243-8A81-4084-8730-2544CE201205}" destId="{260A98B0-BB47-42FC-9F1B-747F5E1A3348}" srcOrd="7" destOrd="0" presId="urn:microsoft.com/office/officeart/2018/2/layout/IconVerticalSolidList"/>
-    <dgm:cxn modelId="{E19FCE38-E4F5-43DD-AB61-BFA3DD218FF4}" type="presParOf" srcId="{CE0FF243-8A81-4084-8730-2544CE201205}" destId="{AD087683-3E66-48FD-AAEA-C0E8A2F5F405}" srcOrd="8" destOrd="0" presId="urn:microsoft.com/office/officeart/2018/2/layout/IconVerticalSolidList"/>
+    <dgm:cxn modelId="{114B5A8E-8ACA-49BC-8189-795BAA660558}" type="presParOf" srcId="{CE0FF243-8A81-4084-8730-2544CE201205}" destId="{CB36C307-9216-48D5-B7ED-D257B9B71D0E}" srcOrd="8" destOrd="0" presId="urn:microsoft.com/office/officeart/2018/2/layout/IconVerticalSolidList"/>
+    <dgm:cxn modelId="{17A31A79-61FD-4595-BB74-8A3CC40C75E0}" type="presParOf" srcId="{CB36C307-9216-48D5-B7ED-D257B9B71D0E}" destId="{90887F0E-5BF2-4736-9CED-8E4CA752FA30}" srcOrd="0" destOrd="0" presId="urn:microsoft.com/office/officeart/2018/2/layout/IconVerticalSolidList"/>
+    <dgm:cxn modelId="{8855BF32-F7E3-4071-BA8F-2DEA9B1037C3}" type="presParOf" srcId="{CB36C307-9216-48D5-B7ED-D257B9B71D0E}" destId="{C9D51182-55FA-47F8-8194-727448CAFDF5}" srcOrd="1" destOrd="0" presId="urn:microsoft.com/office/officeart/2018/2/layout/IconVerticalSolidList"/>
+    <dgm:cxn modelId="{5B3C20E5-5154-4E69-BF65-66F9064B7A9C}" type="presParOf" srcId="{CB36C307-9216-48D5-B7ED-D257B9B71D0E}" destId="{BB7BA011-0E05-4326-9205-43AA6F570580}" srcOrd="2" destOrd="0" presId="urn:microsoft.com/office/officeart/2018/2/layout/IconVerticalSolidList"/>
+    <dgm:cxn modelId="{040DEA92-E69E-45B9-BDF8-C6AFAE53ADBE}" type="presParOf" srcId="{CB36C307-9216-48D5-B7ED-D257B9B71D0E}" destId="{BA788BFF-BCB6-4FA6-92BA-6387BC7821CD}" srcOrd="3" destOrd="0" presId="urn:microsoft.com/office/officeart/2018/2/layout/IconVerticalSolidList"/>
+    <dgm:cxn modelId="{B6FFC85B-792A-4473-B1A3-8121E700DC4F}" type="presParOf" srcId="{CE0FF243-8A81-4084-8730-2544CE201205}" destId="{1F48EF3D-D00B-42FB-8244-1E89471516A5}" srcOrd="9" destOrd="0" presId="urn:microsoft.com/office/officeart/2018/2/layout/IconVerticalSolidList"/>
+    <dgm:cxn modelId="{E19FCE38-E4F5-43DD-AB61-BFA3DD218FF4}" type="presParOf" srcId="{CE0FF243-8A81-4084-8730-2544CE201205}" destId="{AD087683-3E66-48FD-AAEA-C0E8A2F5F405}" srcOrd="10" destOrd="0" presId="urn:microsoft.com/office/officeart/2018/2/layout/IconVerticalSolidList"/>
     <dgm:cxn modelId="{B19EBC39-1A62-495A-80E3-FA8D92CF0A1D}" type="presParOf" srcId="{AD087683-3E66-48FD-AAEA-C0E8A2F5F405}" destId="{EF46FEC3-E052-44A4-A05E-7E11DD3DF661}" srcOrd="0" destOrd="0" presId="urn:microsoft.com/office/officeart/2018/2/layout/IconVerticalSolidList"/>
     <dgm:cxn modelId="{92750856-F89B-4A5D-9ACB-38BC8CBF93F4}" type="presParOf" srcId="{AD087683-3E66-48FD-AAEA-C0E8A2F5F405}" destId="{30280687-89BA-4503-BAF6-266768777A51}" srcOrd="1" destOrd="0" presId="urn:microsoft.com/office/officeart/2018/2/layout/IconVerticalSolidList"/>
     <dgm:cxn modelId="{F236A732-1F04-4BA9-AC55-D0DC97BB16F8}" type="presParOf" srcId="{AD087683-3E66-48FD-AAEA-C0E8A2F5F405}" destId="{3B74019C-7CC4-4B5F-B2F1-432F54F82530}" srcOrd="2" destOrd="0" presId="urn:microsoft.com/office/officeart/2018/2/layout/IconVerticalSolidList"/>
     <dgm:cxn modelId="{8D7BE6A1-16A8-44C6-B151-C9A45F9D352E}" type="presParOf" srcId="{AD087683-3E66-48FD-AAEA-C0E8A2F5F405}" destId="{8D936D3E-CA2B-4E3F-82CD-00B56B5F13E5}" srcOrd="3" destOrd="0" presId="urn:microsoft.com/office/officeart/2018/2/layout/IconVerticalSolidList"/>
-    <dgm:cxn modelId="{AD717DC7-72F5-45A8-BCB0-FBF4688C3D7B}" type="presParOf" srcId="{CE0FF243-8A81-4084-8730-2544CE201205}" destId="{B28B49F8-1834-48A9-A8F8-EEFF70FDFFC6}" srcOrd="9" destOrd="0" presId="urn:microsoft.com/office/officeart/2018/2/layout/IconVerticalSolidList"/>
-    <dgm:cxn modelId="{FD5B13E6-A79A-4DB1-9681-22CE9434E735}" type="presParOf" srcId="{CE0FF243-8A81-4084-8730-2544CE201205}" destId="{55184F58-1EE1-44D8-8C5A-D161C2A2673C}" srcOrd="10" destOrd="0" presId="urn:microsoft.com/office/officeart/2018/2/layout/IconVerticalSolidList"/>
-    <dgm:cxn modelId="{C0F09BA5-3E81-4776-A913-B2231274A42D}" type="presParOf" srcId="{55184F58-1EE1-44D8-8C5A-D161C2A2673C}" destId="{E01E7862-8983-4886-887F-1F0CA4B876E2}" srcOrd="0" destOrd="0" presId="urn:microsoft.com/office/officeart/2018/2/layout/IconVerticalSolidList"/>
-    <dgm:cxn modelId="{279883E9-93D4-433C-9D86-EBB922D2B68C}" type="presParOf" srcId="{55184F58-1EE1-44D8-8C5A-D161C2A2673C}" destId="{10F81A69-F095-4FEC-BCF2-8BFF4DEDBF92}" srcOrd="1" destOrd="0" presId="urn:microsoft.com/office/officeart/2018/2/layout/IconVerticalSolidList"/>
-    <dgm:cxn modelId="{DB468B33-E009-4894-9471-F7D718EA3185}" type="presParOf" srcId="{55184F58-1EE1-44D8-8C5A-D161C2A2673C}" destId="{6ADD936A-6ED8-4ED1-A4F5-212FC779CFC1}" srcOrd="2" destOrd="0" presId="urn:microsoft.com/office/officeart/2018/2/layout/IconVerticalSolidList"/>
-    <dgm:cxn modelId="{225A7CE0-2211-43A4-BD5E-B288449E9BB0}" type="presParOf" srcId="{55184F58-1EE1-44D8-8C5A-D161C2A2673C}" destId="{21B66262-F3CB-4DFD-96BF-2E8DC13FD86E}" srcOrd="3" destOrd="0" presId="urn:microsoft.com/office/officeart/2018/2/layout/IconVerticalSolidList"/>
   </dgm:cxnLst>
   <dgm:bg/>
   <dgm:whole/>
@@ -1970,7 +1952,7 @@
           </a:pPr>
           <a:r>
             <a:rPr lang="en-US" sz="1900" kern="1200" dirty="0"/>
-            <a:t>Which company has the most opportunities in the USA?</a:t>
+            <a:t>Which company hires the most  in the USA?</a:t>
           </a:r>
         </a:p>
       </dsp:txBody>
@@ -2123,7 +2105,7 @@
           </a:pPr>
           <a:r>
             <a:rPr lang="en-US" sz="1900" kern="1200" dirty="0"/>
-            <a:t>Which language do employers want the most for data scientists?</a:t>
+            <a:t>Who gets hired?</a:t>
           </a:r>
         </a:p>
       </dsp:txBody>
@@ -2139,7 +2121,7 @@
       </dsp:nvSpPr>
       <dsp:spPr>
         <a:xfrm>
-          <a:off x="0" y="3044120"/>
+          <a:off x="0" y="3168802"/>
           <a:ext cx="6513603" cy="811257"/>
         </a:xfrm>
         <a:prstGeom prst="roundRect">
@@ -2276,7 +2258,7 @@
           </a:pPr>
           <a:r>
             <a:rPr lang="en-US" sz="1900" kern="1200" dirty="0"/>
-            <a:t>Which job position is in most demand?</a:t>
+            <a:t>Which language do employers want the most for data scientists?</a:t>
           </a:r>
         </a:p>
       </dsp:txBody>
@@ -2285,14 +2267,14 @@
         <a:ext cx="5576601" cy="811257"/>
       </dsp:txXfrm>
     </dsp:sp>
-    <dsp:sp modelId="{EF46FEC3-E052-44A4-A05E-7E11DD3DF661}">
+    <dsp:sp modelId="{90887F0E-5BF2-4736-9CED-8E4CA752FA30}">
       <dsp:nvSpPr>
         <dsp:cNvPr id="0" name=""/>
         <dsp:cNvSpPr/>
       </dsp:nvSpPr>
       <dsp:spPr>
         <a:xfrm>
-          <a:off x="0" y="4058192"/>
+          <a:off x="0" y="4240838"/>
           <a:ext cx="6513603" cy="811257"/>
         </a:xfrm>
         <a:prstGeom prst="roundRect">
@@ -2326,7 +2308,7 @@
         <a:fontRef idx="minor"/>
       </dsp:style>
     </dsp:sp>
-    <dsp:sp modelId="{30280687-89BA-4503-BAF6-266768777A51}">
+    <dsp:sp modelId="{C9D51182-55FA-47F8-8194-727448CAFDF5}">
       <dsp:nvSpPr>
         <dsp:cNvPr id="0" name=""/>
         <dsp:cNvSpPr/>
@@ -2339,22 +2321,44 @@
         <a:prstGeom prst="rect">
           <a:avLst/>
         </a:prstGeom>
-        <a:blipFill>
-          <a:blip xmlns:r="http://schemas.openxmlformats.org/officeDocument/2006/relationships" r:embed="rId9">
-            <a:extLst>
-              <a:ext uri="{28A0092B-C50C-407E-A947-70E740481C1C}">
-                <a14:useLocalDpi xmlns:a14="http://schemas.microsoft.com/office/drawing/2010/main" val="0"/>
-              </a:ext>
-              <a:ext uri="{96DAC541-7B7A-43D3-8B79-37D633B846F1}">
-                <asvg:svgBlip xmlns:asvg="http://schemas.microsoft.com/office/drawing/2016/SVG/main" r:embed="rId10"/>
-              </a:ext>
-            </a:extLst>
-          </a:blip>
-          <a:srcRect/>
-          <a:stretch>
-            <a:fillRect/>
-          </a:stretch>
-        </a:blipFill>
+        <a:gradFill rotWithShape="0">
+          <a:gsLst>
+            <a:gs pos="0">
+              <a:schemeClr val="bg1">
+                <a:hueOff val="0"/>
+                <a:satOff val="0"/>
+                <a:lumOff val="0"/>
+                <a:alphaOff val="0"/>
+                <a:satMod val="103000"/>
+                <a:lumMod val="102000"/>
+                <a:tint val="94000"/>
+              </a:schemeClr>
+            </a:gs>
+            <a:gs pos="50000">
+              <a:schemeClr val="bg1">
+                <a:hueOff val="0"/>
+                <a:satOff val="0"/>
+                <a:lumOff val="0"/>
+                <a:alphaOff val="0"/>
+                <a:satMod val="110000"/>
+                <a:lumMod val="100000"/>
+                <a:shade val="100000"/>
+              </a:schemeClr>
+            </a:gs>
+            <a:gs pos="100000">
+              <a:schemeClr val="bg1">
+                <a:hueOff val="0"/>
+                <a:satOff val="0"/>
+                <a:lumOff val="0"/>
+                <a:alphaOff val="0"/>
+                <a:lumMod val="99000"/>
+                <a:satMod val="120000"/>
+                <a:shade val="78000"/>
+              </a:schemeClr>
+            </a:gs>
+          </a:gsLst>
+          <a:lin ang="5400000" scaled="0"/>
+        </a:gradFill>
         <a:ln>
           <a:noFill/>
         </a:ln>
@@ -2381,7 +2385,7 @@
         </a:fontRef>
       </dsp:style>
     </dsp:sp>
-    <dsp:sp modelId="{8D936D3E-CA2B-4E3F-82CD-00B56B5F13E5}">
+    <dsp:sp modelId="{BA788BFF-BCB6-4FA6-92BA-6387BC7821CD}">
       <dsp:nvSpPr>
         <dsp:cNvPr id="0" name=""/>
         <dsp:cNvSpPr/>
@@ -2441,7 +2445,7 @@
         <a:ext cx="5576601" cy="811257"/>
       </dsp:txXfrm>
     </dsp:sp>
-    <dsp:sp modelId="{E01E7862-8983-4886-887F-1F0CA4B876E2}">
+    <dsp:sp modelId="{EF46FEC3-E052-44A4-A05E-7E11DD3DF661}">
       <dsp:nvSpPr>
         <dsp:cNvPr id="0" name=""/>
         <dsp:cNvSpPr/>
@@ -2482,7 +2486,7 @@
         <a:fontRef idx="minor"/>
       </dsp:style>
     </dsp:sp>
-    <dsp:sp modelId="{10F81A69-F095-4FEC-BCF2-8BFF4DEDBF92}">
+    <dsp:sp modelId="{30280687-89BA-4503-BAF6-266768777A51}">
       <dsp:nvSpPr>
         <dsp:cNvPr id="0" name=""/>
         <dsp:cNvSpPr/>
@@ -2496,10 +2500,13 @@
           <a:avLst/>
         </a:prstGeom>
         <a:blipFill>
-          <a:blip xmlns:r="http://schemas.openxmlformats.org/officeDocument/2006/relationships" r:embed="rId11">
-            <a:extLst>
+          <a:blip xmlns:r="http://schemas.openxmlformats.org/officeDocument/2006/relationships" r:embed="rId9">
+            <a:extLst>
+              <a:ext uri="{28A0092B-C50C-407E-A947-70E740481C1C}">
+                <a14:useLocalDpi xmlns:a14="http://schemas.microsoft.com/office/drawing/2010/main" val="0"/>
+              </a:ext>
               <a:ext uri="{96DAC541-7B7A-43D3-8B79-37D633B846F1}">
-                <asvg:svgBlip xmlns:asvg="http://schemas.microsoft.com/office/drawing/2016/SVG/main" r:embed="rId12"/>
+                <asvg:svgBlip xmlns:asvg="http://schemas.microsoft.com/office/drawing/2016/SVG/main" r:embed="rId10"/>
               </a:ext>
             </a:extLst>
           </a:blip>
@@ -2534,7 +2541,7 @@
         </a:fontRef>
       </dsp:style>
     </dsp:sp>
-    <dsp:sp modelId="{21B66262-F3CB-4DFD-96BF-2E8DC13FD86E}">
+    <dsp:sp modelId="{8D936D3E-CA2B-4E3F-82CD-00B56B5F13E5}">
       <dsp:nvSpPr>
         <dsp:cNvPr id="0" name=""/>
         <dsp:cNvSpPr/>
@@ -2585,7 +2592,7 @@
           </a:pPr>
           <a:r>
             <a:rPr lang="en-US" sz="1900" kern="1200" dirty="0"/>
-            <a:t>What are the hotspots in the USA for Data scientist?</a:t>
+            <a:t>How is the job market in Austin compared to top 5 cities ?</a:t>
           </a:r>
         </a:p>
       </dsp:txBody>
@@ -4359,6 +4366,90 @@
 </p:notes>
 </file>
 
+<file path=ppt/notesSlides/notesSlide2.xml><?xml version="1.0" encoding="utf-8"?>
+<p:notes xmlns:a="http://schemas.openxmlformats.org/drawingml/2006/main" xmlns:r="http://schemas.openxmlformats.org/officeDocument/2006/relationships" xmlns:p="http://schemas.openxmlformats.org/presentationml/2006/main">
+  <p:cSld>
+    <p:spTree>
+      <p:nvGrpSpPr>
+        <p:cNvPr id="1" name=""/>
+        <p:cNvGrpSpPr/>
+        <p:nvPr/>
+      </p:nvGrpSpPr>
+      <p:grpSpPr>
+        <a:xfrm>
+          <a:off x="0" y="0"/>
+          <a:ext cx="0" cy="0"/>
+          <a:chOff x="0" y="0"/>
+          <a:chExt cx="0" cy="0"/>
+        </a:xfrm>
+      </p:grpSpPr>
+      <p:sp>
+        <p:nvSpPr>
+          <p:cNvPr id="2" name="Slide Image Placeholder 1"/>
+          <p:cNvSpPr>
+            <a:spLocks noGrp="1" noRot="1" noChangeAspect="1"/>
+          </p:cNvSpPr>
+          <p:nvPr>
+            <p:ph type="sldImg"/>
+          </p:nvPr>
+        </p:nvSpPr>
+        <p:spPr/>
+      </p:sp>
+      <p:sp>
+        <p:nvSpPr>
+          <p:cNvPr id="3" name="Notes Placeholder 2"/>
+          <p:cNvSpPr>
+            <a:spLocks noGrp="1"/>
+          </p:cNvSpPr>
+          <p:nvPr>
+            <p:ph type="body" idx="1"/>
+          </p:nvPr>
+        </p:nvSpPr>
+        <p:spPr/>
+        <p:txBody>
+          <a:bodyPr/>
+          <a:lstStyle/>
+          <a:p>
+            <a:endParaRPr lang="en-US" dirty="0"/>
+          </a:p>
+        </p:txBody>
+      </p:sp>
+      <p:sp>
+        <p:nvSpPr>
+          <p:cNvPr id="4" name="Slide Number Placeholder 3"/>
+          <p:cNvSpPr>
+            <a:spLocks noGrp="1"/>
+          </p:cNvSpPr>
+          <p:nvPr>
+            <p:ph type="sldNum" sz="quarter" idx="5"/>
+          </p:nvPr>
+        </p:nvSpPr>
+        <p:spPr/>
+        <p:txBody>
+          <a:bodyPr/>
+          <a:lstStyle/>
+          <a:p>
+            <a:fld id="{50FAD93E-A0A6-4485-82BA-D00B81115035}" type="slidenum">
+              <a:rPr lang="en-US" smtClean="0"/>
+              <a:t>4</a:t>
+            </a:fld>
+            <a:endParaRPr lang="en-US"/>
+          </a:p>
+        </p:txBody>
+      </p:sp>
+    </p:spTree>
+    <p:extLst>
+      <p:ext uri="{BB962C8B-B14F-4D97-AF65-F5344CB8AC3E}">
+        <p14:creationId xmlns:p14="http://schemas.microsoft.com/office/powerpoint/2010/main" val="3570394191"/>
+      </p:ext>
+    </p:extLst>
+  </p:cSld>
+  <p:clrMapOvr>
+    <a:masterClrMapping/>
+  </p:clrMapOvr>
+</p:notes>
+</file>
+
 <file path=ppt/slideLayouts/slideLayout1.xml><?xml version="1.0" encoding="utf-8"?>
 <p:sldLayout xmlns:a="http://schemas.openxmlformats.org/drawingml/2006/main" xmlns:r="http://schemas.openxmlformats.org/officeDocument/2006/relationships" xmlns:p="http://schemas.openxmlformats.org/presentationml/2006/main" type="title" preserve="1">
   <p:cSld name="Title Slide">
@@ -8090,7 +8181,7 @@
           <p:cNvPr id="2" name="Title 1">
             <a:extLst>
               <a:ext uri="{FF2B5EF4-FFF2-40B4-BE49-F238E27FC236}">
-                <a16:creationId xmlns:a16="http://schemas.microsoft.com/office/drawing/2014/main" id="{3B247032-296A-4755-A960-40E10D846A9B}"/>
+                <a16:creationId xmlns:a16="http://schemas.microsoft.com/office/drawing/2014/main" id="{FE77B7C4-D21D-49FB-B722-C9E0E2D1C3A1}"/>
               </a:ext>
             </a:extLst>
           </p:cNvPr>
@@ -8107,37 +8198,530 @@
           <a:lstStyle/>
           <a:p>
             <a:pPr algn="ctr"/>
+            <a:br>
+              <a:rPr lang="en-US" b="1" u="sng" dirty="0">
+                <a:solidFill>
+                  <a:srgbClr val="FF0000"/>
+                </a:solidFill>
+              </a:rPr>
+            </a:br>
+            <a:endParaRPr lang="en-US" u="sng" dirty="0">
+              <a:solidFill>
+                <a:srgbClr val="FF0000"/>
+              </a:solidFill>
+            </a:endParaRPr>
+          </a:p>
+        </p:txBody>
+      </p:sp>
+      <p:pic>
+        <p:nvPicPr>
+          <p:cNvPr id="4" name="Picture 3" descr="A close up of a logo&#10;&#10;Description automatically generated">
+            <a:extLst>
+              <a:ext uri="{FF2B5EF4-FFF2-40B4-BE49-F238E27FC236}">
+                <a16:creationId xmlns:a16="http://schemas.microsoft.com/office/drawing/2014/main" id="{E917D140-DC6E-4934-ADCD-1BCA0A66A7AD}"/>
+              </a:ext>
+            </a:extLst>
+          </p:cNvPr>
+          <p:cNvPicPr>
+            <a:picLocks noChangeAspect="1"/>
+          </p:cNvPicPr>
+          <p:nvPr/>
+        </p:nvPicPr>
+        <p:blipFill>
+          <a:blip r:embed="rId2">
+            <a:extLst>
+              <a:ext uri="{28A0092B-C50C-407E-A947-70E740481C1C}">
+                <a14:useLocalDpi xmlns:a14="http://schemas.microsoft.com/office/drawing/2010/main" val="0"/>
+              </a:ext>
+            </a:extLst>
+          </a:blip>
+          <a:stretch>
+            <a:fillRect/>
+          </a:stretch>
+        </p:blipFill>
+        <p:spPr>
+          <a:xfrm>
+            <a:off x="3210133" y="1208219"/>
+            <a:ext cx="5487650" cy="2639997"/>
+          </a:xfrm>
+          <a:prstGeom prst="rect">
+            <a:avLst/>
+          </a:prstGeom>
+        </p:spPr>
+      </p:pic>
+      <p:pic>
+        <p:nvPicPr>
+          <p:cNvPr id="5" name="Picture 4" descr="A close up of a logo&#10;&#10;Description automatically generated">
+            <a:extLst>
+              <a:ext uri="{FF2B5EF4-FFF2-40B4-BE49-F238E27FC236}">
+                <a16:creationId xmlns:a16="http://schemas.microsoft.com/office/drawing/2014/main" id="{CE1A708B-B34C-44C6-956E-E8786D6E563E}"/>
+              </a:ext>
+            </a:extLst>
+          </p:cNvPr>
+          <p:cNvPicPr>
+            <a:picLocks noChangeAspect="1"/>
+          </p:cNvPicPr>
+          <p:nvPr/>
+        </p:nvPicPr>
+        <p:blipFill>
+          <a:blip r:embed="rId3">
+            <a:extLst>
+              <a:ext uri="{28A0092B-C50C-407E-A947-70E740481C1C}">
+                <a14:useLocalDpi xmlns:a14="http://schemas.microsoft.com/office/drawing/2010/main" val="0"/>
+              </a:ext>
+            </a:extLst>
+          </a:blip>
+          <a:stretch>
+            <a:fillRect/>
+          </a:stretch>
+        </p:blipFill>
+        <p:spPr>
+          <a:xfrm>
+            <a:off x="6951518" y="4218003"/>
+            <a:ext cx="5240482" cy="2639997"/>
+          </a:xfrm>
+          <a:prstGeom prst="rect">
+            <a:avLst/>
+          </a:prstGeom>
+        </p:spPr>
+      </p:pic>
+      <p:pic>
+        <p:nvPicPr>
+          <p:cNvPr id="8" name="Picture 7" descr="A close up of a logo&#10;&#10;Description automatically generated">
+            <a:extLst>
+              <a:ext uri="{FF2B5EF4-FFF2-40B4-BE49-F238E27FC236}">
+                <a16:creationId xmlns:a16="http://schemas.microsoft.com/office/drawing/2014/main" id="{1DC37AF0-ECE5-4E85-993B-B102F5B3698A}"/>
+              </a:ext>
+            </a:extLst>
+          </p:cNvPr>
+          <p:cNvPicPr>
+            <a:picLocks noChangeAspect="1"/>
+          </p:cNvPicPr>
+          <p:nvPr/>
+        </p:nvPicPr>
+        <p:blipFill>
+          <a:blip r:embed="rId4">
+            <a:extLst>
+              <a:ext uri="{28A0092B-C50C-407E-A947-70E740481C1C}">
+                <a14:useLocalDpi xmlns:a14="http://schemas.microsoft.com/office/drawing/2010/main" val="0"/>
+              </a:ext>
+            </a:extLst>
+          </a:blip>
+          <a:stretch>
+            <a:fillRect/>
+          </a:stretch>
+        </p:blipFill>
+        <p:spPr>
+          <a:xfrm>
+            <a:off x="76200" y="4218003"/>
+            <a:ext cx="5487650" cy="2743825"/>
+          </a:xfrm>
+          <a:prstGeom prst="rect">
+            <a:avLst/>
+          </a:prstGeom>
+        </p:spPr>
+      </p:pic>
+      <p:sp>
+        <p:nvSpPr>
+          <p:cNvPr id="6" name="Rectangle 5">
+            <a:extLst>
+              <a:ext uri="{FF2B5EF4-FFF2-40B4-BE49-F238E27FC236}">
+                <a16:creationId xmlns:a16="http://schemas.microsoft.com/office/drawing/2014/main" id="{59F54818-E467-4DC3-8548-E30F4123A865}"/>
+              </a:ext>
+            </a:extLst>
+          </p:cNvPr>
+          <p:cNvSpPr/>
+          <p:nvPr/>
+        </p:nvSpPr>
+        <p:spPr>
+          <a:xfrm>
+            <a:off x="5408953" y="5589915"/>
+            <a:ext cx="2126674" cy="369332"/>
+          </a:xfrm>
+          <a:prstGeom prst="rect">
+            <a:avLst/>
+          </a:prstGeom>
+        </p:spPr>
+        <p:txBody>
+          <a:bodyPr wrap="square">
+            <a:spAutoFit/>
+          </a:bodyPr>
+          <a:lstStyle/>
+          <a:p>
             <a:r>
-              <a:rPr lang="en-US">
+              <a:rPr lang="en-US" b="1" dirty="0">
+                <a:solidFill>
+                  <a:srgbClr val="FF0000"/>
+                </a:solidFill>
+              </a:rPr>
+              <a:t>Python is the new R</a:t>
+            </a:r>
+            <a:endParaRPr lang="en-US" dirty="0"/>
+          </a:p>
+        </p:txBody>
+      </p:sp>
+      <p:sp>
+        <p:nvSpPr>
+          <p:cNvPr id="7" name="TextBox 6">
+            <a:extLst>
+              <a:ext uri="{FF2B5EF4-FFF2-40B4-BE49-F238E27FC236}">
+                <a16:creationId xmlns:a16="http://schemas.microsoft.com/office/drawing/2014/main" id="{9A2696B3-D79B-41B7-89FD-D8BCF576AF4D}"/>
+              </a:ext>
+            </a:extLst>
+          </p:cNvPr>
+          <p:cNvSpPr txBox="1"/>
+          <p:nvPr/>
+        </p:nvSpPr>
+        <p:spPr>
+          <a:xfrm>
+            <a:off x="1371601" y="561109"/>
+            <a:ext cx="9559636" cy="830997"/>
+          </a:xfrm>
+          <a:prstGeom prst="rect">
+            <a:avLst/>
+          </a:prstGeom>
+          <a:noFill/>
+        </p:spPr>
+        <p:txBody>
+          <a:bodyPr wrap="square" rtlCol="0">
+            <a:spAutoFit/>
+          </a:bodyPr>
+          <a:lstStyle/>
+          <a:p>
+            <a:pPr algn="ctr"/>
+            <a:r>
+              <a:rPr lang="en-US" sz="2400" b="1" u="sng" dirty="0">
+                <a:solidFill>
+                  <a:srgbClr val="FF0000"/>
+                </a:solidFill>
+              </a:rPr>
+              <a:t>Which language do employers want the most for data scientists?</a:t>
+            </a:r>
+          </a:p>
+          <a:p>
+            <a:pPr algn="ctr"/>
+            <a:endParaRPr lang="en-US" sz="2400" b="1" u="sng" dirty="0">
+              <a:solidFill>
+                <a:srgbClr val="FF0000"/>
+              </a:solidFill>
+            </a:endParaRPr>
+          </a:p>
+        </p:txBody>
+      </p:sp>
+    </p:spTree>
+    <p:extLst>
+      <p:ext uri="{BB962C8B-B14F-4D97-AF65-F5344CB8AC3E}">
+        <p14:creationId xmlns:p14="http://schemas.microsoft.com/office/powerpoint/2010/main" val="1437999619"/>
+      </p:ext>
+    </p:extLst>
+  </p:cSld>
+  <p:clrMapOvr>
+    <a:masterClrMapping/>
+  </p:clrMapOvr>
+</p:sld>
+</file>
+
+<file path=ppt/slides/slide11.xml><?xml version="1.0" encoding="utf-8"?>
+<p:sld xmlns:a="http://schemas.openxmlformats.org/drawingml/2006/main" xmlns:r="http://schemas.openxmlformats.org/officeDocument/2006/relationships" xmlns:p="http://schemas.openxmlformats.org/presentationml/2006/main">
+  <p:cSld>
+    <p:spTree>
+      <p:nvGrpSpPr>
+        <p:cNvPr id="1" name=""/>
+        <p:cNvGrpSpPr/>
+        <p:nvPr/>
+      </p:nvGrpSpPr>
+      <p:grpSpPr>
+        <a:xfrm>
+          <a:off x="0" y="0"/>
+          <a:ext cx="0" cy="0"/>
+          <a:chOff x="0" y="0"/>
+          <a:chExt cx="0" cy="0"/>
+        </a:xfrm>
+      </p:grpSpPr>
+      <p:sp>
+        <p:nvSpPr>
+          <p:cNvPr id="71" name="Rectangle 70">
+            <a:extLst>
+              <a:ext uri="{FF2B5EF4-FFF2-40B4-BE49-F238E27FC236}">
+                <a16:creationId xmlns:a16="http://schemas.microsoft.com/office/drawing/2014/main" id="{32BC26D8-82FB-445E-AA49-62A77D7C1EE0}"/>
+              </a:ext>
+              <a:ext uri="{C183D7F6-B498-43B3-948B-1728B52AA6E4}">
+                <adec:decorative xmlns:adec="http://schemas.microsoft.com/office/drawing/2017/decorative" val="1"/>
+              </a:ext>
+            </a:extLst>
+          </p:cNvPr>
+          <p:cNvSpPr>
+            <a:spLocks noGrp="1" noRot="1" noChangeAspect="1" noMove="1" noResize="1" noEditPoints="1" noAdjustHandles="1" noChangeArrowheads="1" noChangeShapeType="1" noTextEdit="1"/>
+          </p:cNvSpPr>
+          <p:nvPr>
+            <p:extLst>
+              <p:ext uri="{386F3935-93C4-4BCD-93E2-E3B085C9AB24}">
+                <p16:designElem xmlns:p16="http://schemas.microsoft.com/office/powerpoint/2015/main" val="1"/>
+              </p:ext>
+            </p:extLst>
+          </p:nvPr>
+        </p:nvSpPr>
+        <p:spPr>
+          <a:xfrm>
+            <a:off x="0" y="0"/>
+            <a:ext cx="12192000" cy="6858000"/>
+          </a:xfrm>
+          <a:prstGeom prst="rect">
+            <a:avLst/>
+          </a:prstGeom>
+          <a:solidFill>
+            <a:schemeClr val="tx1">
+              <a:lumMod val="65000"/>
+              <a:lumOff val="35000"/>
+            </a:schemeClr>
+          </a:solidFill>
+          <a:ln>
+            <a:noFill/>
+          </a:ln>
+        </p:spPr>
+        <p:style>
+          <a:lnRef idx="2">
+            <a:schemeClr val="accent1">
+              <a:shade val="50000"/>
+            </a:schemeClr>
+          </a:lnRef>
+          <a:fillRef idx="1">
+            <a:schemeClr val="accent1"/>
+          </a:fillRef>
+          <a:effectRef idx="0">
+            <a:schemeClr val="accent1"/>
+          </a:effectRef>
+          <a:fontRef idx="minor">
+            <a:schemeClr val="lt1"/>
+          </a:fontRef>
+        </p:style>
+        <p:txBody>
+          <a:bodyPr rtlCol="0" anchor="ctr"/>
+          <a:lstStyle/>
+          <a:p>
+            <a:pPr algn="ctr"/>
+            <a:endParaRPr lang="en-US"/>
+          </a:p>
+        </p:txBody>
+      </p:sp>
+      <p:sp>
+        <p:nvSpPr>
+          <p:cNvPr id="73" name="Rectangle 72">
+            <a:extLst>
+              <a:ext uri="{FF2B5EF4-FFF2-40B4-BE49-F238E27FC236}">
+                <a16:creationId xmlns:a16="http://schemas.microsoft.com/office/drawing/2014/main" id="{CB44330D-EA18-4254-AA95-EB49948539B8}"/>
+              </a:ext>
+              <a:ext uri="{C183D7F6-B498-43B3-948B-1728B52AA6E4}">
+                <adec:decorative xmlns:adec="http://schemas.microsoft.com/office/drawing/2017/decorative" val="1"/>
+              </a:ext>
+            </a:extLst>
+          </p:cNvPr>
+          <p:cNvSpPr>
+            <a:spLocks noGrp="1" noRot="1" noChangeAspect="1" noMove="1" noResize="1" noEditPoints="1" noAdjustHandles="1" noChangeArrowheads="1" noChangeShapeType="1" noTextEdit="1"/>
+          </p:cNvSpPr>
+          <p:nvPr>
+            <p:extLst>
+              <p:ext uri="{386F3935-93C4-4BCD-93E2-E3B085C9AB24}">
+                <p16:designElem xmlns:p16="http://schemas.microsoft.com/office/powerpoint/2015/main" val="1"/>
+              </p:ext>
+            </p:extLst>
+          </p:nvPr>
+        </p:nvSpPr>
+        <p:spPr>
+          <a:xfrm>
+            <a:off x="477012" y="480060"/>
+            <a:ext cx="11237976" cy="5897880"/>
+          </a:xfrm>
+          <a:prstGeom prst="rect">
+            <a:avLst/>
+          </a:prstGeom>
+          <a:solidFill>
+            <a:srgbClr val="FFFFFF"/>
+          </a:solidFill>
+          <a:ln>
+            <a:noFill/>
+          </a:ln>
+        </p:spPr>
+        <p:style>
+          <a:lnRef idx="2">
+            <a:schemeClr val="accent1">
+              <a:shade val="50000"/>
+            </a:schemeClr>
+          </a:lnRef>
+          <a:fillRef idx="1">
+            <a:schemeClr val="accent1"/>
+          </a:fillRef>
+          <a:effectRef idx="0">
+            <a:schemeClr val="accent1"/>
+          </a:effectRef>
+          <a:fontRef idx="minor">
+            <a:schemeClr val="lt1"/>
+          </a:fontRef>
+        </p:style>
+        <p:txBody>
+          <a:bodyPr rtlCol="0" anchor="ctr"/>
+          <a:lstStyle/>
+          <a:p>
+            <a:pPr algn="ctr"/>
+            <a:endParaRPr lang="en-US"/>
+          </a:p>
+        </p:txBody>
+      </p:sp>
+      <p:pic>
+        <p:nvPicPr>
+          <p:cNvPr id="3074" name="Picture 2" descr="Top_five_companies_atx.png">
+            <a:extLst>
+              <a:ext uri="{FF2B5EF4-FFF2-40B4-BE49-F238E27FC236}">
+                <a16:creationId xmlns:a16="http://schemas.microsoft.com/office/drawing/2014/main" id="{DCEF9B05-CAFE-421B-952B-098759BDF737}"/>
+              </a:ext>
+            </a:extLst>
+          </p:cNvPr>
+          <p:cNvPicPr>
+            <a:picLocks noGrp="1" noChangeAspect="1" noChangeArrowheads="1"/>
+          </p:cNvPicPr>
+          <p:nvPr>
+            <p:ph idx="1"/>
+          </p:nvPr>
+        </p:nvPicPr>
+        <p:blipFill>
+          <a:blip r:embed="rId2">
+            <a:extLst>
+              <a:ext uri="{28A0092B-C50C-407E-A947-70E740481C1C}">
+                <a14:useLocalDpi xmlns:a14="http://schemas.microsoft.com/office/drawing/2010/main" val="0"/>
+              </a:ext>
+            </a:extLst>
+          </a:blip>
+          <a:stretch>
+            <a:fillRect/>
+          </a:stretch>
+        </p:blipFill>
+        <p:spPr bwMode="auto">
+          <a:xfrm>
+            <a:off x="3044536" y="1394691"/>
+            <a:ext cx="7229763" cy="4819842"/>
+          </a:xfrm>
+          <a:prstGeom prst="rect">
+            <a:avLst/>
+          </a:prstGeom>
+          <a:noFill/>
+          <a:extLst>
+            <a:ext uri="{909E8E84-426E-40DD-AFC4-6F175D3DCCD1}">
+              <a14:hiddenFill xmlns:a14="http://schemas.microsoft.com/office/drawing/2010/main">
+                <a:solidFill>
+                  <a:srgbClr val="FFFFFF"/>
+                </a:solidFill>
+              </a14:hiddenFill>
+            </a:ext>
+          </a:extLst>
+        </p:spPr>
+      </p:pic>
+      <p:sp>
+        <p:nvSpPr>
+          <p:cNvPr id="2" name="TextBox 1">
+            <a:extLst>
+              <a:ext uri="{FF2B5EF4-FFF2-40B4-BE49-F238E27FC236}">
+                <a16:creationId xmlns:a16="http://schemas.microsoft.com/office/drawing/2014/main" id="{43DE4BC1-730F-4D62-86DE-6CF223C09EC0}"/>
+              </a:ext>
+            </a:extLst>
+          </p:cNvPr>
+          <p:cNvSpPr txBox="1"/>
+          <p:nvPr/>
+        </p:nvSpPr>
+        <p:spPr>
+          <a:xfrm>
+            <a:off x="2992581" y="769619"/>
+            <a:ext cx="7138555" cy="461665"/>
+          </a:xfrm>
+          <a:prstGeom prst="rect">
+            <a:avLst/>
+          </a:prstGeom>
+          <a:noFill/>
+        </p:spPr>
+        <p:txBody>
+          <a:bodyPr wrap="square" rtlCol="0">
+            <a:spAutoFit/>
+          </a:bodyPr>
+          <a:lstStyle/>
+          <a:p>
+            <a:pPr lvl="0">
+              <a:lnSpc>
+                <a:spcPct val="100000"/>
+              </a:lnSpc>
+            </a:pPr>
+            <a:r>
+              <a:rPr lang="en-US" sz="2400" b="1" u="sng" dirty="0">
+                <a:solidFill>
+                  <a:srgbClr val="FF0000"/>
+                </a:solidFill>
+                <a:latin typeface="Calibri Light" panose="020F0302020204030204" pitchFamily="34" charset="0"/>
+                <a:cs typeface="Calibri Light" panose="020F0302020204030204" pitchFamily="34" charset="0"/>
+              </a:rPr>
+              <a:t>Which company has the most opportunities in Austin?</a:t>
+            </a:r>
+          </a:p>
+        </p:txBody>
+      </p:sp>
+    </p:spTree>
+    <p:extLst>
+      <p:ext uri="{BB962C8B-B14F-4D97-AF65-F5344CB8AC3E}">
+        <p14:creationId xmlns:p14="http://schemas.microsoft.com/office/powerpoint/2010/main" val="1314520973"/>
+      </p:ext>
+    </p:extLst>
+  </p:cSld>
+  <p:clrMapOvr>
+    <a:masterClrMapping/>
+  </p:clrMapOvr>
+</p:sld>
+</file>
+
+<file path=ppt/slides/slide12.xml><?xml version="1.0" encoding="utf-8"?>
+<p:sld xmlns:a="http://schemas.openxmlformats.org/drawingml/2006/main" xmlns:r="http://schemas.openxmlformats.org/officeDocument/2006/relationships" xmlns:p="http://schemas.openxmlformats.org/presentationml/2006/main">
+  <p:cSld>
+    <p:spTree>
+      <p:nvGrpSpPr>
+        <p:cNvPr id="1" name=""/>
+        <p:cNvGrpSpPr/>
+        <p:nvPr/>
+      </p:nvGrpSpPr>
+      <p:grpSpPr>
+        <a:xfrm>
+          <a:off x="0" y="0"/>
+          <a:ext cx="0" cy="0"/>
+          <a:chOff x="0" y="0"/>
+          <a:chExt cx="0" cy="0"/>
+        </a:xfrm>
+      </p:grpSpPr>
+      <p:sp>
+        <p:nvSpPr>
+          <p:cNvPr id="2" name="Title 1">
+            <a:extLst>
+              <a:ext uri="{FF2B5EF4-FFF2-40B4-BE49-F238E27FC236}">
+                <a16:creationId xmlns:a16="http://schemas.microsoft.com/office/drawing/2014/main" id="{3B247032-296A-4755-A960-40E10D846A9B}"/>
+              </a:ext>
+            </a:extLst>
+          </p:cNvPr>
+          <p:cNvSpPr>
+            <a:spLocks noGrp="1"/>
+          </p:cNvSpPr>
+          <p:nvPr>
+            <p:ph type="title"/>
+          </p:nvPr>
+        </p:nvSpPr>
+        <p:spPr/>
+        <p:txBody>
+          <a:bodyPr>
+            <a:normAutofit/>
+          </a:bodyPr>
+          <a:lstStyle/>
+          <a:p>
+            <a:pPr algn="ctr"/>
+            <a:r>
+              <a:rPr lang="en-US" sz="2400" dirty="0">
                 <a:solidFill>
                   <a:srgbClr val="00B0F0"/>
                 </a:solidFill>
               </a:rPr>
-              <a:t>Austin </a:t>
-            </a:r>
-            <a:r>
-              <a:rPr lang="en-US" dirty="0">
-                <a:solidFill>
-                  <a:srgbClr val="00B0F0"/>
-                </a:solidFill>
-              </a:rPr>
-              <a:t>v</a:t>
-            </a:r>
-            <a:r>
-              <a:rPr lang="en-US">
-                <a:solidFill>
-                  <a:srgbClr val="00B0F0"/>
-                </a:solidFill>
-              </a:rPr>
-              <a:t>s </a:t>
-            </a:r>
-            <a:r>
-              <a:rPr lang="en-US" dirty="0">
-                <a:solidFill>
-                  <a:srgbClr val="00B0F0"/>
-                </a:solidFill>
-              </a:rPr>
-              <a:t>Top 5 cities</a:t>
+              <a:t>Austin vs Top 5 cities</a:t>
             </a:r>
           </a:p>
         </p:txBody>
@@ -8498,285 +9082,56 @@
           </a:graphicData>
         </a:graphic>
       </p:graphicFrame>
-    </p:spTree>
-    <p:extLst>
-      <p:ext uri="{BB962C8B-B14F-4D97-AF65-F5344CB8AC3E}">
-        <p14:creationId xmlns:p14="http://schemas.microsoft.com/office/powerpoint/2010/main" val="1997534031"/>
-      </p:ext>
-    </p:extLst>
-  </p:cSld>
-  <p:clrMapOvr>
-    <a:masterClrMapping/>
-  </p:clrMapOvr>
-</p:sld>
-</file>
-
-<file path=ppt/slides/slide11.xml><?xml version="1.0" encoding="utf-8"?>
-<p:sld xmlns:a="http://schemas.openxmlformats.org/drawingml/2006/main" xmlns:r="http://schemas.openxmlformats.org/officeDocument/2006/relationships" xmlns:p="http://schemas.openxmlformats.org/presentationml/2006/main">
-  <p:cSld>
-    <p:spTree>
-      <p:nvGrpSpPr>
-        <p:cNvPr id="1" name=""/>
-        <p:cNvGrpSpPr/>
-        <p:nvPr/>
-      </p:nvGrpSpPr>
-      <p:grpSpPr>
-        <a:xfrm>
-          <a:off x="0" y="0"/>
-          <a:ext cx="0" cy="0"/>
-          <a:chOff x="0" y="0"/>
-          <a:chExt cx="0" cy="0"/>
-        </a:xfrm>
-      </p:grpSpPr>
       <p:sp>
         <p:nvSpPr>
-          <p:cNvPr id="2" name="Title 1">
+          <p:cNvPr id="3" name="TextBox 2">
             <a:extLst>
               <a:ext uri="{FF2B5EF4-FFF2-40B4-BE49-F238E27FC236}">
-                <a16:creationId xmlns:a16="http://schemas.microsoft.com/office/drawing/2014/main" id="{FE77B7C4-D21D-49FB-B722-C9E0E2D1C3A1}"/>
+                <a16:creationId xmlns:a16="http://schemas.microsoft.com/office/drawing/2014/main" id="{8A8CDE87-0D73-4BF9-89D6-E76C36257D67}"/>
               </a:ext>
             </a:extLst>
           </p:cNvPr>
-          <p:cNvSpPr>
-            <a:spLocks noGrp="1"/>
-          </p:cNvSpPr>
-          <p:nvPr>
-            <p:ph type="title"/>
-          </p:nvPr>
+          <p:cNvSpPr txBox="1"/>
+          <p:nvPr/>
         </p:nvSpPr>
-        <p:spPr/>
+        <p:spPr>
+          <a:xfrm>
+            <a:off x="1558636" y="246701"/>
+            <a:ext cx="9580419" cy="954107"/>
+          </a:xfrm>
+          <a:prstGeom prst="rect">
+            <a:avLst/>
+          </a:prstGeom>
+          <a:noFill/>
+        </p:spPr>
         <p:txBody>
-          <a:bodyPr/>
+          <a:bodyPr wrap="square" rtlCol="0">
+            <a:spAutoFit/>
+          </a:bodyPr>
           <a:lstStyle/>
           <a:p>
-            <a:pPr algn="ctr"/>
             <a:r>
-              <a:rPr lang="en-US" b="1" u="sng" dirty="0">
+              <a:rPr lang="en-US" sz="2800" u="sng" dirty="0">
                 <a:solidFill>
                   <a:srgbClr val="FF0000"/>
                 </a:solidFill>
               </a:rPr>
-              <a:t>Python is the new R</a:t>
+              <a:t>How is the job market in Austin compared to top 5 cities ?</a:t>
             </a:r>
-            <a:br>
-              <a:rPr lang="en-US" b="1" u="sng" dirty="0">
-                <a:solidFill>
-                  <a:srgbClr val="FF0000"/>
-                </a:solidFill>
-              </a:rPr>
-            </a:br>
-            <a:endParaRPr lang="en-US" u="sng" dirty="0">
+          </a:p>
+          <a:p>
+            <a:endParaRPr lang="en-US" sz="2800" u="sng" dirty="0">
               <a:solidFill>
                 <a:srgbClr val="FF0000"/>
               </a:solidFill>
             </a:endParaRPr>
-          </a:p>
-        </p:txBody>
-      </p:sp>
-      <p:pic>
-        <p:nvPicPr>
-          <p:cNvPr id="4" name="Picture 3" descr="A close up of a logo&#10;&#10;Description automatically generated">
-            <a:extLst>
-              <a:ext uri="{FF2B5EF4-FFF2-40B4-BE49-F238E27FC236}">
-                <a16:creationId xmlns:a16="http://schemas.microsoft.com/office/drawing/2014/main" id="{E917D140-DC6E-4934-ADCD-1BCA0A66A7AD}"/>
-              </a:ext>
-            </a:extLst>
-          </p:cNvPr>
-          <p:cNvPicPr>
-            <a:picLocks noChangeAspect="1"/>
-          </p:cNvPicPr>
-          <p:nvPr/>
-        </p:nvPicPr>
-        <p:blipFill>
-          <a:blip r:embed="rId2">
-            <a:extLst>
-              <a:ext uri="{28A0092B-C50C-407E-A947-70E740481C1C}">
-                <a14:useLocalDpi xmlns:a14="http://schemas.microsoft.com/office/drawing/2010/main" val="0"/>
-              </a:ext>
-            </a:extLst>
-          </a:blip>
-          <a:stretch>
-            <a:fillRect/>
-          </a:stretch>
-        </p:blipFill>
-        <p:spPr>
-          <a:xfrm>
-            <a:off x="3210133" y="1208219"/>
-            <a:ext cx="5487650" cy="2639997"/>
-          </a:xfrm>
-          <a:prstGeom prst="rect">
-            <a:avLst/>
-          </a:prstGeom>
-        </p:spPr>
-      </p:pic>
-      <p:pic>
-        <p:nvPicPr>
-          <p:cNvPr id="5" name="Picture 4" descr="A close up of a logo&#10;&#10;Description automatically generated">
-            <a:extLst>
-              <a:ext uri="{FF2B5EF4-FFF2-40B4-BE49-F238E27FC236}">
-                <a16:creationId xmlns:a16="http://schemas.microsoft.com/office/drawing/2014/main" id="{CE1A708B-B34C-44C6-956E-E8786D6E563E}"/>
-              </a:ext>
-            </a:extLst>
-          </p:cNvPr>
-          <p:cNvPicPr>
-            <a:picLocks noChangeAspect="1"/>
-          </p:cNvPicPr>
-          <p:nvPr/>
-        </p:nvPicPr>
-        <p:blipFill>
-          <a:blip r:embed="rId3">
-            <a:extLst>
-              <a:ext uri="{28A0092B-C50C-407E-A947-70E740481C1C}">
-                <a14:useLocalDpi xmlns:a14="http://schemas.microsoft.com/office/drawing/2010/main" val="0"/>
-              </a:ext>
-            </a:extLst>
-          </a:blip>
-          <a:stretch>
-            <a:fillRect/>
-          </a:stretch>
-        </p:blipFill>
-        <p:spPr>
-          <a:xfrm>
-            <a:off x="6704350" y="4218003"/>
-            <a:ext cx="5487650" cy="2639997"/>
-          </a:xfrm>
-          <a:prstGeom prst="rect">
-            <a:avLst/>
-          </a:prstGeom>
-        </p:spPr>
-      </p:pic>
-      <p:pic>
-        <p:nvPicPr>
-          <p:cNvPr id="8" name="Picture 7" descr="A close up of a logo&#10;&#10;Description automatically generated">
-            <a:extLst>
-              <a:ext uri="{FF2B5EF4-FFF2-40B4-BE49-F238E27FC236}">
-                <a16:creationId xmlns:a16="http://schemas.microsoft.com/office/drawing/2014/main" id="{1DC37AF0-ECE5-4E85-993B-B102F5B3698A}"/>
-              </a:ext>
-            </a:extLst>
-          </p:cNvPr>
-          <p:cNvPicPr>
-            <a:picLocks noChangeAspect="1"/>
-          </p:cNvPicPr>
-          <p:nvPr/>
-        </p:nvPicPr>
-        <p:blipFill>
-          <a:blip r:embed="rId4">
-            <a:extLst>
-              <a:ext uri="{28A0092B-C50C-407E-A947-70E740481C1C}">
-                <a14:useLocalDpi xmlns:a14="http://schemas.microsoft.com/office/drawing/2010/main" val="0"/>
-              </a:ext>
-            </a:extLst>
-          </a:blip>
-          <a:stretch>
-            <a:fillRect/>
-          </a:stretch>
-        </p:blipFill>
-        <p:spPr>
-          <a:xfrm>
-            <a:off x="76200" y="4218003"/>
-            <a:ext cx="5487650" cy="2743825"/>
-          </a:xfrm>
-          <a:prstGeom prst="rect">
-            <a:avLst/>
-          </a:prstGeom>
-        </p:spPr>
-      </p:pic>
-    </p:spTree>
-    <p:extLst>
-      <p:ext uri="{BB962C8B-B14F-4D97-AF65-F5344CB8AC3E}">
-        <p14:creationId xmlns:p14="http://schemas.microsoft.com/office/powerpoint/2010/main" val="1437999619"/>
-      </p:ext>
-    </p:extLst>
-  </p:cSld>
-  <p:clrMapOvr>
-    <a:masterClrMapping/>
-  </p:clrMapOvr>
-</p:sld>
-</file>
-
-<file path=ppt/slides/slide12.xml><?xml version="1.0" encoding="utf-8"?>
-<p:sld xmlns:a="http://schemas.openxmlformats.org/drawingml/2006/main" xmlns:r="http://schemas.openxmlformats.org/officeDocument/2006/relationships" xmlns:p="http://schemas.openxmlformats.org/presentationml/2006/main">
-  <p:cSld>
-    <p:spTree>
-      <p:nvGrpSpPr>
-        <p:cNvPr id="1" name=""/>
-        <p:cNvGrpSpPr/>
-        <p:nvPr/>
-      </p:nvGrpSpPr>
-      <p:grpSpPr>
-        <a:xfrm>
-          <a:off x="0" y="0"/>
-          <a:ext cx="0" cy="0"/>
-          <a:chOff x="0" y="0"/>
-          <a:chExt cx="0" cy="0"/>
-        </a:xfrm>
-      </p:grpSpPr>
-      <p:sp>
-        <p:nvSpPr>
-          <p:cNvPr id="2" name="Title 1">
-            <a:extLst>
-              <a:ext uri="{FF2B5EF4-FFF2-40B4-BE49-F238E27FC236}">
-                <a16:creationId xmlns:a16="http://schemas.microsoft.com/office/drawing/2014/main" id="{42834C20-F75D-426E-A35D-6B2BFABB066D}"/>
-              </a:ext>
-            </a:extLst>
-          </p:cNvPr>
-          <p:cNvSpPr>
-            <a:spLocks noGrp="1"/>
-          </p:cNvSpPr>
-          <p:nvPr>
-            <p:ph type="title"/>
-          </p:nvPr>
-        </p:nvSpPr>
-        <p:spPr/>
-        <p:txBody>
-          <a:bodyPr/>
-          <a:lstStyle/>
-          <a:p>
-            <a:r>
-              <a:rPr lang="en-US" dirty="0"/>
-              <a:t>Conclusion:</a:t>
-            </a:r>
-          </a:p>
-        </p:txBody>
-      </p:sp>
-      <p:sp>
-        <p:nvSpPr>
-          <p:cNvPr id="3" name="Content Placeholder 2">
-            <a:extLst>
-              <a:ext uri="{FF2B5EF4-FFF2-40B4-BE49-F238E27FC236}">
-                <a16:creationId xmlns:a16="http://schemas.microsoft.com/office/drawing/2014/main" id="{EBF69B60-82D2-438E-8B26-AC203694EC56}"/>
-              </a:ext>
-            </a:extLst>
-          </p:cNvPr>
-          <p:cNvSpPr>
-            <a:spLocks noGrp="1"/>
-          </p:cNvSpPr>
-          <p:nvPr>
-            <p:ph idx="1"/>
-          </p:nvPr>
-        </p:nvSpPr>
-        <p:spPr/>
-        <p:txBody>
-          <a:bodyPr/>
-          <a:lstStyle/>
-          <a:p>
-            <a:r>
-              <a:rPr lang="en-US" dirty="0">
-                <a:hlinkClick r:id="rId2"/>
-              </a:rPr>
-              <a:t>Python</a:t>
-            </a:r>
-            <a:r>
-              <a:rPr lang="en-US" dirty="0"/>
-              <a:t> is the most in-demand language. The popularity of this open-source language has been widely observed. It’s beginner friendly, with many support resources. The vast majority of new data science tools are compatible with it. Python is the primary language for data scientists.</a:t>
-            </a:r>
           </a:p>
         </p:txBody>
       </p:sp>
     </p:spTree>
     <p:extLst>
       <p:ext uri="{BB962C8B-B14F-4D97-AF65-F5344CB8AC3E}">
-        <p14:creationId xmlns:p14="http://schemas.microsoft.com/office/powerpoint/2010/main" val="2357143050"/>
+        <p14:creationId xmlns:p14="http://schemas.microsoft.com/office/powerpoint/2010/main" val="1997534031"/>
       </p:ext>
     </p:extLst>
   </p:cSld>
@@ -8808,7 +9163,7 @@
           <p:cNvPr id="2" name="Title 1">
             <a:extLst>
               <a:ext uri="{FF2B5EF4-FFF2-40B4-BE49-F238E27FC236}">
-                <a16:creationId xmlns:a16="http://schemas.microsoft.com/office/drawing/2014/main" id="{330F3B9F-68B9-4F94-BB65-B783FCB042A8}"/>
+                <a16:creationId xmlns:a16="http://schemas.microsoft.com/office/drawing/2014/main" id="{42834C20-F75D-426E-A35D-6B2BFABB066D}"/>
               </a:ext>
             </a:extLst>
           </p:cNvPr>
@@ -8821,10 +9176,20 @@
         </p:nvSpPr>
         <p:spPr/>
         <p:txBody>
-          <a:bodyPr/>
+          <a:bodyPr>
+            <a:normAutofit/>
+          </a:bodyPr>
           <a:lstStyle/>
           <a:p>
-            <a:endParaRPr lang="en-US"/>
+            <a:pPr algn="ctr"/>
+            <a:r>
+              <a:rPr lang="en-US" sz="3600" b="1" u="sng" dirty="0">
+                <a:solidFill>
+                  <a:srgbClr val="FF0000"/>
+                </a:solidFill>
+              </a:rPr>
+              <a:t>Conclusion</a:t>
+            </a:r>
           </a:p>
         </p:txBody>
       </p:sp>
@@ -8833,7 +9198,7 @@
           <p:cNvPr id="3" name="Content Placeholder 2">
             <a:extLst>
               <a:ext uri="{FF2B5EF4-FFF2-40B4-BE49-F238E27FC236}">
-                <a16:creationId xmlns:a16="http://schemas.microsoft.com/office/drawing/2014/main" id="{797931B9-62C7-4783-ABAF-77920554D155}"/>
+                <a16:creationId xmlns:a16="http://schemas.microsoft.com/office/drawing/2014/main" id="{EBF69B60-82D2-438E-8B26-AC203694EC56}"/>
               </a:ext>
             </a:extLst>
           </p:cNvPr>
@@ -8849,14 +9214,174 @@
           <a:bodyPr/>
           <a:lstStyle/>
           <a:p>
-            <a:endParaRPr lang="en-US"/>
+            <a:r>
+              <a:rPr lang="en-US" dirty="0">
+                <a:hlinkClick r:id="rId2"/>
+              </a:rPr>
+              <a:t>Python</a:t>
+            </a:r>
+            <a:r>
+              <a:rPr lang="en-US" dirty="0"/>
+              <a:t> is the most in-demand language. The popularity of this open-source language has been widely observed. It’s beginner friendly, with many support resources. The vast majority of new data science tools are compatible with it. </a:t>
+            </a:r>
+          </a:p>
+          <a:p>
+            <a:r>
+              <a:rPr lang="en-US" dirty="0"/>
+              <a:t>Data Scientist job is highly in demand in </a:t>
+            </a:r>
+            <a:r>
+              <a:rPr lang="en-US" dirty="0">
+                <a:solidFill>
+                  <a:schemeClr val="accent1"/>
+                </a:solidFill>
+              </a:rPr>
+              <a:t>Seattle</a:t>
+            </a:r>
+            <a:r>
+              <a:rPr lang="en-US" dirty="0"/>
+              <a:t> city and </a:t>
+            </a:r>
+            <a:r>
+              <a:rPr lang="en-US" dirty="0">
+                <a:solidFill>
+                  <a:schemeClr val="accent1"/>
+                </a:solidFill>
+              </a:rPr>
+              <a:t>Amazon</a:t>
+            </a:r>
+            <a:r>
+              <a:rPr lang="en-US" dirty="0"/>
+              <a:t> company.</a:t>
+            </a:r>
+          </a:p>
+          <a:p>
+            <a:r>
+              <a:rPr lang="en-US" dirty="0">
+                <a:solidFill>
+                  <a:schemeClr val="accent1"/>
+                </a:solidFill>
+              </a:rPr>
+              <a:t>UT</a:t>
+            </a:r>
+            <a:r>
+              <a:rPr lang="en-US" dirty="0"/>
+              <a:t> hires the most Data Scientist in Austin</a:t>
+            </a:r>
+          </a:p>
+          <a:p>
+            <a:endParaRPr lang="en-US" dirty="0"/>
           </a:p>
         </p:txBody>
       </p:sp>
     </p:spTree>
     <p:extLst>
       <p:ext uri="{BB962C8B-B14F-4D97-AF65-F5344CB8AC3E}">
-        <p14:creationId xmlns:p14="http://schemas.microsoft.com/office/powerpoint/2010/main" val="2102690671"/>
+        <p14:creationId xmlns:p14="http://schemas.microsoft.com/office/powerpoint/2010/main" val="2357143050"/>
+      </p:ext>
+    </p:extLst>
+  </p:cSld>
+  <p:clrMapOvr>
+    <a:masterClrMapping/>
+  </p:clrMapOvr>
+</p:sld>
+</file>
+
+<file path=ppt/slides/slide14.xml><?xml version="1.0" encoding="utf-8"?>
+<p:sld xmlns:a="http://schemas.openxmlformats.org/drawingml/2006/main" xmlns:r="http://schemas.openxmlformats.org/officeDocument/2006/relationships" xmlns:p="http://schemas.openxmlformats.org/presentationml/2006/main">
+  <p:cSld>
+    <p:spTree>
+      <p:nvGrpSpPr>
+        <p:cNvPr id="1" name=""/>
+        <p:cNvGrpSpPr/>
+        <p:nvPr/>
+      </p:nvGrpSpPr>
+      <p:grpSpPr>
+        <a:xfrm>
+          <a:off x="0" y="0"/>
+          <a:ext cx="0" cy="0"/>
+          <a:chOff x="0" y="0"/>
+          <a:chExt cx="0" cy="0"/>
+        </a:xfrm>
+      </p:grpSpPr>
+      <p:sp>
+        <p:nvSpPr>
+          <p:cNvPr id="2" name="Rectangle 1">
+            <a:extLst>
+              <a:ext uri="{FF2B5EF4-FFF2-40B4-BE49-F238E27FC236}">
+                <a16:creationId xmlns:a16="http://schemas.microsoft.com/office/drawing/2014/main" id="{67BD205F-54F8-4CA5-8CBF-B6D27704B02E}"/>
+              </a:ext>
+            </a:extLst>
+          </p:cNvPr>
+          <p:cNvSpPr/>
+          <p:nvPr/>
+        </p:nvSpPr>
+        <p:spPr>
+          <a:xfrm>
+            <a:off x="1766455" y="1966766"/>
+            <a:ext cx="8593281" cy="1569660"/>
+          </a:xfrm>
+          <a:prstGeom prst="rect">
+            <a:avLst/>
+          </a:prstGeom>
+        </p:spPr>
+        <p:txBody>
+          <a:bodyPr wrap="square">
+            <a:spAutoFit/>
+          </a:bodyPr>
+          <a:lstStyle/>
+          <a:p>
+            <a:r>
+              <a:rPr lang="en-US" sz="2400" dirty="0"/>
+              <a:t>There is a shortage of 151,717 people with data science skills, with particularly acute shortages in New York City, San Francisco, and LA. (Use those three cities for our focus?)The 2020 estimate calls for 2.7 million job postings for data science and analytics roles</a:t>
+            </a:r>
+          </a:p>
+        </p:txBody>
+      </p:sp>
+      <p:sp>
+        <p:nvSpPr>
+          <p:cNvPr id="3" name="TextBox 2">
+            <a:extLst>
+              <a:ext uri="{FF2B5EF4-FFF2-40B4-BE49-F238E27FC236}">
+                <a16:creationId xmlns:a16="http://schemas.microsoft.com/office/drawing/2014/main" id="{19256E69-957D-46DF-A5F7-AF7B9C451ACA}"/>
+              </a:ext>
+            </a:extLst>
+          </p:cNvPr>
+          <p:cNvSpPr txBox="1"/>
+          <p:nvPr/>
+        </p:nvSpPr>
+        <p:spPr>
+          <a:xfrm>
+            <a:off x="4499263" y="561109"/>
+            <a:ext cx="3626427" cy="584775"/>
+          </a:xfrm>
+          <a:prstGeom prst="rect">
+            <a:avLst/>
+          </a:prstGeom>
+          <a:noFill/>
+        </p:spPr>
+        <p:txBody>
+          <a:bodyPr wrap="square" rtlCol="0">
+            <a:spAutoFit/>
+          </a:bodyPr>
+          <a:lstStyle/>
+          <a:p>
+            <a:r>
+              <a:rPr lang="en-US" sz="3200" b="1" u="sng" dirty="0">
+                <a:solidFill>
+                  <a:srgbClr val="FF0000"/>
+                </a:solidFill>
+              </a:rPr>
+              <a:t>Possible trend</a:t>
+            </a:r>
+            <a:endParaRPr lang="en-US" sz="3200" dirty="0"/>
+          </a:p>
+        </p:txBody>
+      </p:sp>
+    </p:spTree>
+    <p:extLst>
+      <p:ext uri="{BB962C8B-B14F-4D97-AF65-F5344CB8AC3E}">
+        <p14:creationId xmlns:p14="http://schemas.microsoft.com/office/powerpoint/2010/main" val="2324465689"/>
       </p:ext>
     </p:extLst>
   </p:cSld>
@@ -8885,34 +9410,6 @@
       </p:grpSpPr>
       <p:sp>
         <p:nvSpPr>
-          <p:cNvPr id="2" name="Title 1">
-            <a:extLst>
-              <a:ext uri="{FF2B5EF4-FFF2-40B4-BE49-F238E27FC236}">
-                <a16:creationId xmlns:a16="http://schemas.microsoft.com/office/drawing/2014/main" id="{FAB86E24-0188-45E2-82D7-24F07364FB6E}"/>
-              </a:ext>
-            </a:extLst>
-          </p:cNvPr>
-          <p:cNvSpPr>
-            <a:spLocks noGrp="1"/>
-          </p:cNvSpPr>
-          <p:nvPr>
-            <p:ph type="title"/>
-          </p:nvPr>
-        </p:nvSpPr>
-        <p:spPr/>
-        <p:txBody>
-          <a:bodyPr/>
-          <a:lstStyle/>
-          <a:p>
-            <a:r>
-              <a:rPr lang="en-US" dirty="0"/>
-              <a:t>Hypothesis</a:t>
-            </a:r>
-          </a:p>
-        </p:txBody>
-      </p:sp>
-      <p:sp>
-        <p:nvSpPr>
           <p:cNvPr id="3" name="Content Placeholder 2">
             <a:extLst>
               <a:ext uri="{FF2B5EF4-FFF2-40B4-BE49-F238E27FC236}">
@@ -8934,7 +9431,9 @@
           </a:xfrm>
         </p:spPr>
         <p:txBody>
-          <a:bodyPr/>
+          <a:bodyPr>
+            <a:normAutofit lnSpcReduction="10000"/>
+          </a:bodyPr>
           <a:lstStyle/>
           <a:p>
             <a:pPr marL="0" indent="0">
@@ -8942,7 +9441,161 @@
             </a:pPr>
             <a:r>
               <a:rPr lang="en-US" dirty="0"/>
-              <a:t>Our hypothesis was that the most jobs would be available at Silicon Valley.</a:t>
+              <a:t>As we are doing this course of Data Analytics  at </a:t>
+            </a:r>
+            <a:r>
+              <a:rPr lang="en-US" dirty="0" err="1"/>
+              <a:t>UT,we</a:t>
+            </a:r>
+            <a:r>
+              <a:rPr lang="en-US" dirty="0"/>
+              <a:t>  thought of working on this project. It will be interesting to explore the job market for Data Science because that will be our next step.</a:t>
+            </a:r>
+          </a:p>
+          <a:p>
+            <a:pPr marL="0" indent="0" algn="ctr">
+              <a:spcBef>
+                <a:spcPct val="0"/>
+              </a:spcBef>
+              <a:buNone/>
+            </a:pPr>
+            <a:endParaRPr lang="en-US" sz="4400" dirty="0">
+              <a:solidFill>
+                <a:srgbClr val="C00000"/>
+              </a:solidFill>
+              <a:latin typeface="+mj-lt"/>
+              <a:ea typeface="+mj-ea"/>
+              <a:cs typeface="+mj-cs"/>
+            </a:endParaRPr>
+          </a:p>
+          <a:p>
+            <a:pPr marL="0" indent="0" algn="ctr">
+              <a:spcBef>
+                <a:spcPct val="0"/>
+              </a:spcBef>
+              <a:buNone/>
+            </a:pPr>
+            <a:r>
+              <a:rPr lang="en-US" sz="4400" dirty="0">
+                <a:solidFill>
+                  <a:srgbClr val="C00000"/>
+                </a:solidFill>
+                <a:latin typeface="+mj-lt"/>
+                <a:ea typeface="+mj-ea"/>
+                <a:cs typeface="+mj-cs"/>
+              </a:rPr>
+              <a:t>Where we found our Data?</a:t>
+            </a:r>
+          </a:p>
+          <a:p>
+            <a:pPr marL="0" indent="0">
+              <a:buNone/>
+            </a:pPr>
+            <a:endParaRPr lang="en-US" b="1" dirty="0">
+              <a:solidFill>
+                <a:schemeClr val="tx1">
+                  <a:lumMod val="95000"/>
+                  <a:lumOff val="5000"/>
+                </a:schemeClr>
+              </a:solidFill>
+            </a:endParaRPr>
+          </a:p>
+          <a:p>
+            <a:pPr marL="0" indent="0">
+              <a:buNone/>
+            </a:pPr>
+            <a:r>
+              <a:rPr lang="en-US" b="1" dirty="0">
+                <a:solidFill>
+                  <a:schemeClr val="tx1">
+                    <a:lumMod val="95000"/>
+                    <a:lumOff val="5000"/>
+                  </a:schemeClr>
+                </a:solidFill>
+              </a:rPr>
+              <a:t>-</a:t>
+            </a:r>
+            <a:r>
+              <a:rPr lang="en-US" b="1" dirty="0">
+                <a:solidFill>
+                  <a:srgbClr val="C00000"/>
+                </a:solidFill>
+              </a:rPr>
+              <a:t> </a:t>
+            </a:r>
+            <a:r>
+              <a:rPr lang="en-US" dirty="0"/>
+              <a:t>Found data on Kaggle.com</a:t>
+            </a:r>
+          </a:p>
+          <a:p>
+            <a:pPr marL="0" indent="0">
+              <a:buNone/>
+            </a:pPr>
+            <a:r>
+              <a:rPr lang="en-US" dirty="0"/>
+              <a:t>- Found CSV files for some major cities in </a:t>
+            </a:r>
+            <a:r>
+              <a:rPr lang="en-US" dirty="0" err="1"/>
+              <a:t>USA.The</a:t>
+            </a:r>
+            <a:r>
+              <a:rPr lang="en-US" dirty="0"/>
+              <a:t> data was from LinkedIn for the year 2018</a:t>
+            </a:r>
+          </a:p>
+          <a:p>
+            <a:pPr marL="0" indent="0" algn="ctr">
+              <a:buNone/>
+            </a:pPr>
+            <a:endParaRPr lang="en-US" b="1" dirty="0">
+              <a:solidFill>
+                <a:srgbClr val="C00000"/>
+              </a:solidFill>
+            </a:endParaRPr>
+          </a:p>
+          <a:p>
+            <a:pPr marL="0" indent="0" algn="ctr">
+              <a:buNone/>
+            </a:pPr>
+            <a:endParaRPr lang="en-US" b="1" dirty="0">
+              <a:solidFill>
+                <a:srgbClr val="C00000"/>
+              </a:solidFill>
+            </a:endParaRPr>
+          </a:p>
+        </p:txBody>
+      </p:sp>
+      <p:sp>
+        <p:nvSpPr>
+          <p:cNvPr id="5" name="Title 4">
+            <a:extLst>
+              <a:ext uri="{FF2B5EF4-FFF2-40B4-BE49-F238E27FC236}">
+                <a16:creationId xmlns:a16="http://schemas.microsoft.com/office/drawing/2014/main" id="{11E0D0A1-F9AA-4487-80E6-FC31F61AC291}"/>
+              </a:ext>
+            </a:extLst>
+          </p:cNvPr>
+          <p:cNvSpPr>
+            <a:spLocks noGrp="1"/>
+          </p:cNvSpPr>
+          <p:nvPr>
+            <p:ph type="title"/>
+          </p:nvPr>
+        </p:nvSpPr>
+        <p:spPr/>
+        <p:txBody>
+          <a:bodyPr/>
+          <a:lstStyle/>
+          <a:p>
+            <a:pPr algn="ctr"/>
+            <a:r>
+              <a:rPr lang="en-US" dirty="0">
+                <a:solidFill>
+                  <a:srgbClr val="C00000"/>
+                </a:solidFill>
+              </a:rPr>
+              <a:t>Core Message</a:t>
             </a:r>
           </a:p>
         </p:txBody>
@@ -9513,7 +10166,7 @@
             <p:ph idx="1"/>
             <p:extLst>
               <p:ext uri="{D42A27DB-BD31-4B8C-83A1-F6EECF244321}">
-                <p14:modId xmlns:p14="http://schemas.microsoft.com/office/powerpoint/2010/main" val="2249303258"/>
+                <p14:modId xmlns:p14="http://schemas.microsoft.com/office/powerpoint/2010/main" val="2178221074"/>
               </p:ext>
             </p:extLst>
           </p:nvPr>
@@ -9544,6 +10197,14 @@
 <file path=ppt/slides/slide4.xml><?xml version="1.0" encoding="utf-8"?>
 <p:sld xmlns:a="http://schemas.openxmlformats.org/drawingml/2006/main" xmlns:r="http://schemas.openxmlformats.org/officeDocument/2006/relationships" xmlns:p="http://schemas.openxmlformats.org/presentationml/2006/main">
   <p:cSld>
+    <p:bg>
+      <p:bgPr>
+        <a:solidFill>
+          <a:schemeClr val="bg1"/>
+        </a:solidFill>
+        <a:effectLst/>
+      </p:bgPr>
+    </p:bg>
     <p:spTree>
       <p:nvGrpSpPr>
         <p:cNvPr id="1" name=""/>
@@ -9560,61 +10221,96 @@
       </p:grpSpPr>
       <p:sp>
         <p:nvSpPr>
-          <p:cNvPr id="2" name="Title 1">
+          <p:cNvPr id="2" name="TextBox 1">
             <a:extLst>
               <a:ext uri="{FF2B5EF4-FFF2-40B4-BE49-F238E27FC236}">
-                <a16:creationId xmlns:a16="http://schemas.microsoft.com/office/drawing/2014/main" id="{B8779251-3867-46A4-8CF1-4600E135EC09}"/>
+                <a16:creationId xmlns:a16="http://schemas.microsoft.com/office/drawing/2014/main" id="{47A7A826-A690-440F-AA66-3AB85BF7013A}"/>
               </a:ext>
             </a:extLst>
           </p:cNvPr>
-          <p:cNvSpPr>
-            <a:spLocks noGrp="1"/>
-          </p:cNvSpPr>
-          <p:nvPr>
-            <p:ph type="title"/>
-          </p:nvPr>
+          <p:cNvSpPr txBox="1"/>
+          <p:nvPr/>
         </p:nvSpPr>
-        <p:spPr/>
+        <p:spPr>
+          <a:xfrm>
+            <a:off x="838200" y="365125"/>
+            <a:ext cx="10515600" cy="1325563"/>
+          </a:xfrm>
+          <a:prstGeom prst="rect">
+            <a:avLst/>
+          </a:prstGeom>
+        </p:spPr>
         <p:txBody>
-          <a:bodyPr/>
+          <a:bodyPr vert="horz" lIns="91440" tIns="45720" rIns="91440" bIns="45720" rtlCol="0" anchor="ctr">
+            <a:normAutofit/>
+          </a:bodyPr>
           <a:lstStyle/>
           <a:p>
+            <a:pPr algn="ctr">
+              <a:lnSpc>
+                <a:spcPct val="90000"/>
+              </a:lnSpc>
+              <a:spcBef>
+                <a:spcPct val="0"/>
+              </a:spcBef>
+              <a:spcAft>
+                <a:spcPts val="600"/>
+              </a:spcAft>
+            </a:pPr>
             <a:r>
-              <a:rPr lang="en-US" dirty="0"/>
-              <a:t>Describe whether you were able to answer </a:t>
+              <a:rPr lang="en-US" sz="3200" b="1" u="sng" kern="1200" dirty="0">
+                <a:solidFill>
+                  <a:srgbClr val="FF0000"/>
+                </a:solidFill>
+                <a:latin typeface="+mj-lt"/>
+                <a:ea typeface="+mj-ea"/>
+                <a:cs typeface="+mj-cs"/>
+              </a:rPr>
+              <a:t>Data cleanup &amp; exploration</a:t>
             </a:r>
           </a:p>
         </p:txBody>
       </p:sp>
-      <p:sp>
-        <p:nvSpPr>
-          <p:cNvPr id="3" name="Content Placeholder 2">
+      <p:pic>
+        <p:nvPicPr>
+          <p:cNvPr id="4" name="Picture 3" descr="A screenshot of a computer&#10;&#10;Description automatically generated">
             <a:extLst>
               <a:ext uri="{FF2B5EF4-FFF2-40B4-BE49-F238E27FC236}">
-                <a16:creationId xmlns:a16="http://schemas.microsoft.com/office/drawing/2014/main" id="{B916125D-95A0-4AAA-9C41-763FCC4C565E}"/>
+                <a16:creationId xmlns:a16="http://schemas.microsoft.com/office/drawing/2014/main" id="{F9919C81-8EA7-4151-A9EE-D23004184865}"/>
               </a:ext>
             </a:extLst>
           </p:cNvPr>
-          <p:cNvSpPr>
-            <a:spLocks noGrp="1"/>
-          </p:cNvSpPr>
-          <p:nvPr>
-            <p:ph idx="1"/>
-          </p:nvPr>
-        </p:nvSpPr>
-        <p:spPr/>
-        <p:txBody>
-          <a:bodyPr/>
-          <a:lstStyle/>
-          <a:p>
-            <a:endParaRPr lang="en-US"/>
-          </a:p>
-        </p:txBody>
-      </p:sp>
+          <p:cNvPicPr>
+            <a:picLocks noChangeAspect="1"/>
+          </p:cNvPicPr>
+          <p:nvPr/>
+        </p:nvPicPr>
+        <p:blipFill>
+          <a:blip r:embed="rId3">
+            <a:extLst>
+              <a:ext uri="{28A0092B-C50C-407E-A947-70E740481C1C}">
+                <a14:useLocalDpi xmlns:a14="http://schemas.microsoft.com/office/drawing/2010/main" val="0"/>
+              </a:ext>
+            </a:extLst>
+          </a:blip>
+          <a:stretch>
+            <a:fillRect/>
+          </a:stretch>
+        </p:blipFill>
+        <p:spPr>
+          <a:xfrm>
+            <a:off x="1673635" y="1825626"/>
+            <a:ext cx="8835204" cy="4351338"/>
+          </a:xfrm>
+          <a:prstGeom prst="rect">
+            <a:avLst/>
+          </a:prstGeom>
+        </p:spPr>
+      </p:pic>
     </p:spTree>
     <p:extLst>
       <p:ext uri="{BB962C8B-B14F-4D97-AF65-F5344CB8AC3E}">
-        <p14:creationId xmlns:p14="http://schemas.microsoft.com/office/powerpoint/2010/main" val="2840025892"/>
+        <p14:creationId xmlns:p14="http://schemas.microsoft.com/office/powerpoint/2010/main" val="113341003"/>
       </p:ext>
     </p:extLst>
   </p:cSld>
@@ -9625,6 +10321,161 @@
 </file>
 
 <file path=ppt/slides/slide5.xml><?xml version="1.0" encoding="utf-8"?>
+<p:sld xmlns:a="http://schemas.openxmlformats.org/drawingml/2006/main" xmlns:r="http://schemas.openxmlformats.org/officeDocument/2006/relationships" xmlns:p="http://schemas.openxmlformats.org/presentationml/2006/main">
+  <p:cSld>
+    <p:spTree>
+      <p:nvGrpSpPr>
+        <p:cNvPr id="1" name=""/>
+        <p:cNvGrpSpPr/>
+        <p:nvPr/>
+      </p:nvGrpSpPr>
+      <p:grpSpPr>
+        <a:xfrm>
+          <a:off x="0" y="0"/>
+          <a:ext cx="0" cy="0"/>
+          <a:chOff x="0" y="0"/>
+          <a:chExt cx="0" cy="0"/>
+        </a:xfrm>
+      </p:grpSpPr>
+      <p:sp>
+        <p:nvSpPr>
+          <p:cNvPr id="3" name="TextBox 2">
+            <a:extLst>
+              <a:ext uri="{FF2B5EF4-FFF2-40B4-BE49-F238E27FC236}">
+                <a16:creationId xmlns:a16="http://schemas.microsoft.com/office/drawing/2014/main" id="{3B113F54-485C-40AE-889F-F1851BAE4E27}"/>
+              </a:ext>
+            </a:extLst>
+          </p:cNvPr>
+          <p:cNvSpPr txBox="1"/>
+          <p:nvPr/>
+        </p:nvSpPr>
+        <p:spPr>
+          <a:xfrm>
+            <a:off x="2608118" y="540327"/>
+            <a:ext cx="6192982" cy="769441"/>
+          </a:xfrm>
+          <a:prstGeom prst="rect">
+            <a:avLst/>
+          </a:prstGeom>
+          <a:noFill/>
+        </p:spPr>
+        <p:txBody>
+          <a:bodyPr wrap="square" rtlCol="0">
+            <a:spAutoFit/>
+          </a:bodyPr>
+          <a:lstStyle/>
+          <a:p>
+            <a:pPr algn="ctr"/>
+            <a:r>
+              <a:rPr lang="en-US" sz="4400" u="sng" dirty="0">
+                <a:solidFill>
+                  <a:srgbClr val="C00000"/>
+                </a:solidFill>
+                <a:latin typeface="Calibri Light" panose="020F0302020204030204" pitchFamily="34" charset="0"/>
+                <a:cs typeface="Calibri Light" panose="020F0302020204030204" pitchFamily="34" charset="0"/>
+              </a:rPr>
+              <a:t>Steps for Data Analysis</a:t>
+            </a:r>
+          </a:p>
+        </p:txBody>
+      </p:sp>
+      <p:sp>
+        <p:nvSpPr>
+          <p:cNvPr id="4" name="TextBox 3">
+            <a:extLst>
+              <a:ext uri="{FF2B5EF4-FFF2-40B4-BE49-F238E27FC236}">
+                <a16:creationId xmlns:a16="http://schemas.microsoft.com/office/drawing/2014/main" id="{A89516E1-B340-49F9-B990-1A98F41DD029}"/>
+              </a:ext>
+            </a:extLst>
+          </p:cNvPr>
+          <p:cNvSpPr txBox="1"/>
+          <p:nvPr/>
+        </p:nvSpPr>
+        <p:spPr>
+          <a:xfrm>
+            <a:off x="1496290" y="2271795"/>
+            <a:ext cx="10370127" cy="3046988"/>
+          </a:xfrm>
+          <a:prstGeom prst="rect">
+            <a:avLst/>
+          </a:prstGeom>
+          <a:noFill/>
+        </p:spPr>
+        <p:txBody>
+          <a:bodyPr wrap="square" rtlCol="0">
+            <a:spAutoFit/>
+          </a:bodyPr>
+          <a:lstStyle/>
+          <a:p>
+            <a:pPr marL="342900" indent="-342900">
+              <a:buAutoNum type="arabicPeriod"/>
+            </a:pPr>
+            <a:r>
+              <a:rPr lang="en-US" sz="3200" dirty="0"/>
+              <a:t>Import dependencies</a:t>
+            </a:r>
+          </a:p>
+          <a:p>
+            <a:pPr marL="342900" indent="-342900">
+              <a:buAutoNum type="arabicPeriod"/>
+            </a:pPr>
+            <a:r>
+              <a:rPr lang="en-US" sz="3200" dirty="0"/>
+              <a:t>Read CSV</a:t>
+            </a:r>
+          </a:p>
+          <a:p>
+            <a:pPr marL="342900" indent="-342900">
+              <a:buAutoNum type="arabicPeriod"/>
+            </a:pPr>
+            <a:r>
+              <a:rPr lang="en-US" sz="3200" dirty="0"/>
+              <a:t>Data cleanup</a:t>
+            </a:r>
+          </a:p>
+          <a:p>
+            <a:pPr marL="342900" indent="-342900">
+              <a:buAutoNum type="arabicPeriod"/>
+            </a:pPr>
+            <a:r>
+              <a:rPr lang="en-US" sz="3200" dirty="0"/>
+              <a:t>Created Data Frame</a:t>
+            </a:r>
+          </a:p>
+          <a:p>
+            <a:pPr marL="342900" indent="-342900">
+              <a:buAutoNum type="arabicPeriod"/>
+            </a:pPr>
+            <a:r>
+              <a:rPr lang="en-US" sz="3200" dirty="0"/>
+              <a:t>Worked on specific columns to get the desired results</a:t>
+            </a:r>
+          </a:p>
+          <a:p>
+            <a:pPr marL="342900" indent="-342900">
+              <a:buAutoNum type="arabicPeriod"/>
+            </a:pPr>
+            <a:r>
+              <a:rPr lang="en-US" sz="3200" dirty="0"/>
+              <a:t>Plotted various graphs using Matplotlib</a:t>
+            </a:r>
+          </a:p>
+        </p:txBody>
+      </p:sp>
+    </p:spTree>
+    <p:extLst>
+      <p:ext uri="{BB962C8B-B14F-4D97-AF65-F5344CB8AC3E}">
+        <p14:creationId xmlns:p14="http://schemas.microsoft.com/office/powerpoint/2010/main" val="2759139710"/>
+      </p:ext>
+    </p:extLst>
+  </p:cSld>
+  <p:clrMapOvr>
+    <a:masterClrMapping/>
+  </p:clrMapOvr>
+</p:sld>
+</file>
+
+<file path=ppt/slides/slide6.xml><?xml version="1.0" encoding="utf-8"?>
 <p:sld xmlns:a="http://schemas.openxmlformats.org/drawingml/2006/main" xmlns:r="http://schemas.openxmlformats.org/officeDocument/2006/relationships" xmlns:p="http://schemas.openxmlformats.org/presentationml/2006/main">
   <p:cSld>
     <p:spTree>
@@ -9800,8 +10651,8 @@
         </p:blipFill>
         <p:spPr bwMode="auto">
           <a:xfrm>
-            <a:off x="1922917" y="643467"/>
-            <a:ext cx="8346166" cy="5571066"/>
+            <a:off x="1922917" y="1184563"/>
+            <a:ext cx="8346166" cy="5029969"/>
           </a:xfrm>
           <a:prstGeom prst="rect">
             <a:avLst/>
@@ -9818,6 +10669,50 @@
           </a:extLst>
         </p:spPr>
       </p:pic>
+      <p:sp>
+        <p:nvSpPr>
+          <p:cNvPr id="3" name="TextBox 2">
+            <a:extLst>
+              <a:ext uri="{FF2B5EF4-FFF2-40B4-BE49-F238E27FC236}">
+                <a16:creationId xmlns:a16="http://schemas.microsoft.com/office/drawing/2014/main" id="{34DC3513-8EB5-426D-A363-BA404512A5A2}"/>
+              </a:ext>
+            </a:extLst>
+          </p:cNvPr>
+          <p:cNvSpPr txBox="1"/>
+          <p:nvPr/>
+        </p:nvSpPr>
+        <p:spPr>
+          <a:xfrm>
+            <a:off x="2210998" y="716973"/>
+            <a:ext cx="8346166" cy="707886"/>
+          </a:xfrm>
+          <a:prstGeom prst="rect">
+            <a:avLst/>
+          </a:prstGeom>
+          <a:noFill/>
+        </p:spPr>
+        <p:txBody>
+          <a:bodyPr wrap="square" rtlCol="0">
+            <a:spAutoFit/>
+          </a:bodyPr>
+          <a:lstStyle/>
+          <a:p>
+            <a:pPr algn="ctr"/>
+            <a:r>
+              <a:rPr lang="en-US" sz="2000" u="sng" dirty="0">
+                <a:solidFill>
+                  <a:srgbClr val="FF0000"/>
+                </a:solidFill>
+              </a:rPr>
+              <a:t>Which locations in the USA has the most opportunities for data scientist?</a:t>
+            </a:r>
+          </a:p>
+          <a:p>
+            <a:pPr algn="ctr"/>
+            <a:endParaRPr lang="en-US" sz="2000" u="sng" dirty="0"/>
+          </a:p>
+        </p:txBody>
+      </p:sp>
     </p:spTree>
     <p:extLst>
       <p:ext uri="{BB962C8B-B14F-4D97-AF65-F5344CB8AC3E}">
@@ -9831,7 +10726,107 @@
 </p:sld>
 </file>
 
-<file path=ppt/slides/slide6.xml><?xml version="1.0" encoding="utf-8"?>
+<file path=ppt/slides/slide7.xml><?xml version="1.0" encoding="utf-8"?>
+<p:sld xmlns:a="http://schemas.openxmlformats.org/drawingml/2006/main" xmlns:r="http://schemas.openxmlformats.org/officeDocument/2006/relationships" xmlns:p="http://schemas.openxmlformats.org/presentationml/2006/main">
+  <p:cSld>
+    <p:spTree>
+      <p:nvGrpSpPr>
+        <p:cNvPr id="1" name=""/>
+        <p:cNvGrpSpPr/>
+        <p:nvPr/>
+      </p:nvGrpSpPr>
+      <p:grpSpPr>
+        <a:xfrm>
+          <a:off x="0" y="0"/>
+          <a:ext cx="0" cy="0"/>
+          <a:chOff x="0" y="0"/>
+          <a:chExt cx="0" cy="0"/>
+        </a:xfrm>
+      </p:grpSpPr>
+      <p:sp>
+        <p:nvSpPr>
+          <p:cNvPr id="2" name="Title 1">
+            <a:extLst>
+              <a:ext uri="{FF2B5EF4-FFF2-40B4-BE49-F238E27FC236}">
+                <a16:creationId xmlns:a16="http://schemas.microsoft.com/office/drawing/2014/main" id="{E613CBDA-351D-4119-BF7A-62EC60C64B1C}"/>
+              </a:ext>
+            </a:extLst>
+          </p:cNvPr>
+          <p:cNvSpPr>
+            <a:spLocks noGrp="1"/>
+          </p:cNvSpPr>
+          <p:nvPr>
+            <p:ph type="title"/>
+          </p:nvPr>
+        </p:nvSpPr>
+        <p:spPr/>
+        <p:txBody>
+          <a:bodyPr>
+            <a:normAutofit/>
+          </a:bodyPr>
+          <a:lstStyle/>
+          <a:p>
+            <a:pPr algn="ctr"/>
+            <a:r>
+              <a:rPr lang="en-US" sz="2400" b="1" u="sng" dirty="0">
+                <a:solidFill>
+                  <a:srgbClr val="FF0000"/>
+                </a:solidFill>
+              </a:rPr>
+              <a:t>Hot Spots for Data Scientist Jobs in the USA</a:t>
+            </a:r>
+          </a:p>
+        </p:txBody>
+      </p:sp>
+      <p:pic>
+        <p:nvPicPr>
+          <p:cNvPr id="5" name="Content Placeholder 4" descr="A close up of a map&#10;&#10;Description automatically generated">
+            <a:extLst>
+              <a:ext uri="{FF2B5EF4-FFF2-40B4-BE49-F238E27FC236}">
+                <a16:creationId xmlns:a16="http://schemas.microsoft.com/office/drawing/2014/main" id="{74B06351-5282-47B5-AC71-D201FBA23CCF}"/>
+              </a:ext>
+            </a:extLst>
+          </p:cNvPr>
+          <p:cNvPicPr>
+            <a:picLocks noGrp="1" noChangeAspect="1"/>
+          </p:cNvPicPr>
+          <p:nvPr>
+            <p:ph idx="1"/>
+          </p:nvPr>
+        </p:nvPicPr>
+        <p:blipFill>
+          <a:blip r:embed="rId2">
+            <a:extLst>
+              <a:ext uri="{28A0092B-C50C-407E-A947-70E740481C1C}">
+                <a14:useLocalDpi xmlns:a14="http://schemas.microsoft.com/office/drawing/2010/main" val="0"/>
+              </a:ext>
+            </a:extLst>
+          </a:blip>
+          <a:stretch>
+            <a:fillRect/>
+          </a:stretch>
+        </p:blipFill>
+        <p:spPr>
+          <a:xfrm>
+            <a:off x="1404937" y="2167731"/>
+            <a:ext cx="9382125" cy="3667125"/>
+          </a:xfrm>
+        </p:spPr>
+      </p:pic>
+    </p:spTree>
+    <p:extLst>
+      <p:ext uri="{BB962C8B-B14F-4D97-AF65-F5344CB8AC3E}">
+        <p14:creationId xmlns:p14="http://schemas.microsoft.com/office/powerpoint/2010/main" val="1832914502"/>
+      </p:ext>
+    </p:extLst>
+  </p:cSld>
+  <p:clrMapOvr>
+    <a:masterClrMapping/>
+  </p:clrMapOvr>
+</p:sld>
+</file>
+
+<file path=ppt/slides/slide8.xml><?xml version="1.0" encoding="utf-8"?>
 <p:sld xmlns:a="http://schemas.openxmlformats.org/drawingml/2006/main" xmlns:r="http://schemas.openxmlformats.org/officeDocument/2006/relationships" xmlns:p="http://schemas.openxmlformats.org/presentationml/2006/main">
   <p:cSld>
     <p:spTree>
@@ -10004,8 +10999,8 @@
         </p:blipFill>
         <p:spPr bwMode="auto">
           <a:xfrm>
-            <a:off x="1917700" y="643467"/>
-            <a:ext cx="8356599" cy="5571066"/>
+            <a:off x="3065318" y="1408545"/>
+            <a:ext cx="7208981" cy="4805987"/>
           </a:xfrm>
           <a:prstGeom prst="rect">
             <a:avLst/>
@@ -10022,6 +11017,50 @@
           </a:extLst>
         </p:spPr>
       </p:pic>
+      <p:sp>
+        <p:nvSpPr>
+          <p:cNvPr id="4" name="TextBox 3">
+            <a:extLst>
+              <a:ext uri="{FF2B5EF4-FFF2-40B4-BE49-F238E27FC236}">
+                <a16:creationId xmlns:a16="http://schemas.microsoft.com/office/drawing/2014/main" id="{32A374D8-3967-460C-8322-412C93C7B9B2}"/>
+              </a:ext>
+            </a:extLst>
+          </p:cNvPr>
+          <p:cNvSpPr txBox="1"/>
+          <p:nvPr/>
+        </p:nvSpPr>
+        <p:spPr>
+          <a:xfrm>
+            <a:off x="3667991" y="643468"/>
+            <a:ext cx="6016336" cy="461665"/>
+          </a:xfrm>
+          <a:prstGeom prst="rect">
+            <a:avLst/>
+          </a:prstGeom>
+          <a:noFill/>
+        </p:spPr>
+        <p:txBody>
+          <a:bodyPr wrap="square" rtlCol="0">
+            <a:spAutoFit/>
+          </a:bodyPr>
+          <a:lstStyle/>
+          <a:p>
+            <a:pPr lvl="0">
+              <a:lnSpc>
+                <a:spcPct val="100000"/>
+              </a:lnSpc>
+            </a:pPr>
+            <a:r>
+              <a:rPr lang="en-US" sz="2400" b="1" u="sng" dirty="0">
+                <a:solidFill>
+                  <a:srgbClr val="FF0000"/>
+                </a:solidFill>
+              </a:rPr>
+              <a:t>Which company hires the most  in the USA?</a:t>
+            </a:r>
+          </a:p>
+        </p:txBody>
+      </p:sp>
     </p:spTree>
     <p:extLst>
       <p:ext uri="{BB962C8B-B14F-4D97-AF65-F5344CB8AC3E}">
@@ -10035,7 +11074,7 @@
 </p:sld>
 </file>
 
-<file path=ppt/slides/slide7.xml><?xml version="1.0" encoding="utf-8"?>
+<file path=ppt/slides/slide9.xml><?xml version="1.0" encoding="utf-8"?>
 <p:sld xmlns:a="http://schemas.openxmlformats.org/drawingml/2006/main" xmlns:r="http://schemas.openxmlformats.org/officeDocument/2006/relationships" xmlns:p="http://schemas.openxmlformats.org/presentationml/2006/main">
   <p:cSld>
     <p:spTree>
@@ -10230,8 +11269,8 @@
         </p:nvSpPr>
         <p:spPr>
           <a:xfrm>
-            <a:off x="2600325" y="1332260"/>
-            <a:ext cx="6991349" cy="584775"/>
+            <a:off x="3275734" y="5753894"/>
+            <a:ext cx="6991349" cy="461665"/>
           </a:xfrm>
           <a:prstGeom prst="rect">
             <a:avLst/>
@@ -10245,18 +11284,62 @@
           <a:lstStyle/>
           <a:p>
             <a:r>
-              <a:rPr lang="en-US" sz="3200" u="sng" dirty="0">
+              <a:rPr lang="en-US" sz="2400" dirty="0">
+                <a:solidFill>
+                  <a:schemeClr val="accent1"/>
+                </a:solidFill>
+              </a:rPr>
+              <a:t>Data Scientist title continues to reign on</a:t>
+            </a:r>
+            <a:endParaRPr lang="en-US" sz="2400" kern="1200" dirty="0">
+              <a:solidFill>
+                <a:schemeClr val="accent1"/>
+              </a:solidFill>
+            </a:endParaRPr>
+          </a:p>
+        </p:txBody>
+      </p:sp>
+      <p:sp>
+        <p:nvSpPr>
+          <p:cNvPr id="2" name="TextBox 1">
+            <a:extLst>
+              <a:ext uri="{FF2B5EF4-FFF2-40B4-BE49-F238E27FC236}">
+                <a16:creationId xmlns:a16="http://schemas.microsoft.com/office/drawing/2014/main" id="{C52CEFE6-D449-445F-9DCC-B878CDF38E26}"/>
+              </a:ext>
+            </a:extLst>
+          </p:cNvPr>
+          <p:cNvSpPr txBox="1"/>
+          <p:nvPr/>
+        </p:nvSpPr>
+        <p:spPr>
+          <a:xfrm>
+            <a:off x="4613564" y="960426"/>
+            <a:ext cx="6265718" cy="523220"/>
+          </a:xfrm>
+          <a:prstGeom prst="rect">
+            <a:avLst/>
+          </a:prstGeom>
+          <a:noFill/>
+        </p:spPr>
+        <p:txBody>
+          <a:bodyPr wrap="square" rtlCol="0">
+            <a:spAutoFit/>
+          </a:bodyPr>
+          <a:lstStyle/>
+          <a:p>
+            <a:pPr lvl="0">
+              <a:lnSpc>
+                <a:spcPct val="100000"/>
+              </a:lnSpc>
+            </a:pPr>
+            <a:r>
+              <a:rPr lang="en-US" sz="2800" b="1" u="sng" dirty="0">
                 <a:solidFill>
                   <a:srgbClr val="FF0000"/>
                 </a:solidFill>
               </a:rPr>
-              <a:t>Data Scientist title continues to reign on</a:t>
+              <a:t>Who gets hired?</a:t>
             </a:r>
-            <a:endParaRPr lang="en-US" sz="3200" u="sng" kern="1200" dirty="0">
-              <a:solidFill>
-                <a:srgbClr val="FF0000"/>
-              </a:solidFill>
-            </a:endParaRPr>
           </a:p>
         </p:txBody>
       </p:sp>
@@ -10264,311 +11347,6 @@
     <p:extLst>
       <p:ext uri="{BB962C8B-B14F-4D97-AF65-F5344CB8AC3E}">
         <p14:creationId xmlns:p14="http://schemas.microsoft.com/office/powerpoint/2010/main" val="3955154036"/>
-      </p:ext>
-    </p:extLst>
-  </p:cSld>
-  <p:clrMapOvr>
-    <a:masterClrMapping/>
-  </p:clrMapOvr>
-</p:sld>
-</file>
-
-<file path=ppt/slides/slide8.xml><?xml version="1.0" encoding="utf-8"?>
-<p:sld xmlns:a="http://schemas.openxmlformats.org/drawingml/2006/main" xmlns:r="http://schemas.openxmlformats.org/officeDocument/2006/relationships" xmlns:p="http://schemas.openxmlformats.org/presentationml/2006/main">
-  <p:cSld>
-    <p:spTree>
-      <p:nvGrpSpPr>
-        <p:cNvPr id="1" name=""/>
-        <p:cNvGrpSpPr/>
-        <p:nvPr/>
-      </p:nvGrpSpPr>
-      <p:grpSpPr>
-        <a:xfrm>
-          <a:off x="0" y="0"/>
-          <a:ext cx="0" cy="0"/>
-          <a:chOff x="0" y="0"/>
-          <a:chExt cx="0" cy="0"/>
-        </a:xfrm>
-      </p:grpSpPr>
-      <p:sp>
-        <p:nvSpPr>
-          <p:cNvPr id="2" name="Title 1">
-            <a:extLst>
-              <a:ext uri="{FF2B5EF4-FFF2-40B4-BE49-F238E27FC236}">
-                <a16:creationId xmlns:a16="http://schemas.microsoft.com/office/drawing/2014/main" id="{E613CBDA-351D-4119-BF7A-62EC60C64B1C}"/>
-              </a:ext>
-            </a:extLst>
-          </p:cNvPr>
-          <p:cNvSpPr>
-            <a:spLocks noGrp="1"/>
-          </p:cNvSpPr>
-          <p:nvPr>
-            <p:ph type="title"/>
-          </p:nvPr>
-        </p:nvSpPr>
-        <p:spPr/>
-        <p:txBody>
-          <a:bodyPr/>
-          <a:lstStyle/>
-          <a:p>
-            <a:pPr algn="ctr"/>
-            <a:r>
-              <a:rPr lang="en-US" b="1" u="sng" dirty="0">
-                <a:solidFill>
-                  <a:srgbClr val="00B050"/>
-                </a:solidFill>
-              </a:rPr>
-              <a:t>Hot Spots for Data Scientist Jobs in the USA</a:t>
-            </a:r>
-          </a:p>
-        </p:txBody>
-      </p:sp>
-      <p:pic>
-        <p:nvPicPr>
-          <p:cNvPr id="5" name="Content Placeholder 4" descr="A close up of a map&#10;&#10;Description automatically generated">
-            <a:extLst>
-              <a:ext uri="{FF2B5EF4-FFF2-40B4-BE49-F238E27FC236}">
-                <a16:creationId xmlns:a16="http://schemas.microsoft.com/office/drawing/2014/main" id="{74B06351-5282-47B5-AC71-D201FBA23CCF}"/>
-              </a:ext>
-            </a:extLst>
-          </p:cNvPr>
-          <p:cNvPicPr>
-            <a:picLocks noGrp="1" noChangeAspect="1"/>
-          </p:cNvPicPr>
-          <p:nvPr>
-            <p:ph idx="1"/>
-          </p:nvPr>
-        </p:nvPicPr>
-        <p:blipFill>
-          <a:blip r:embed="rId2">
-            <a:extLst>
-              <a:ext uri="{28A0092B-C50C-407E-A947-70E740481C1C}">
-                <a14:useLocalDpi xmlns:a14="http://schemas.microsoft.com/office/drawing/2010/main" val="0"/>
-              </a:ext>
-            </a:extLst>
-          </a:blip>
-          <a:stretch>
-            <a:fillRect/>
-          </a:stretch>
-        </p:blipFill>
-        <p:spPr>
-          <a:xfrm>
-            <a:off x="1404937" y="2167731"/>
-            <a:ext cx="9382125" cy="3667125"/>
-          </a:xfrm>
-        </p:spPr>
-      </p:pic>
-    </p:spTree>
-    <p:extLst>
-      <p:ext uri="{BB962C8B-B14F-4D97-AF65-F5344CB8AC3E}">
-        <p14:creationId xmlns:p14="http://schemas.microsoft.com/office/powerpoint/2010/main" val="1832914502"/>
-      </p:ext>
-    </p:extLst>
-  </p:cSld>
-  <p:clrMapOvr>
-    <a:masterClrMapping/>
-  </p:clrMapOvr>
-</p:sld>
-</file>
-
-<file path=ppt/slides/slide9.xml><?xml version="1.0" encoding="utf-8"?>
-<p:sld xmlns:a="http://schemas.openxmlformats.org/drawingml/2006/main" xmlns:r="http://schemas.openxmlformats.org/officeDocument/2006/relationships" xmlns:p="http://schemas.openxmlformats.org/presentationml/2006/main">
-  <p:cSld>
-    <p:spTree>
-      <p:nvGrpSpPr>
-        <p:cNvPr id="1" name=""/>
-        <p:cNvGrpSpPr/>
-        <p:nvPr/>
-      </p:nvGrpSpPr>
-      <p:grpSpPr>
-        <a:xfrm>
-          <a:off x="0" y="0"/>
-          <a:ext cx="0" cy="0"/>
-          <a:chOff x="0" y="0"/>
-          <a:chExt cx="0" cy="0"/>
-        </a:xfrm>
-      </p:grpSpPr>
-      <p:sp>
-        <p:nvSpPr>
-          <p:cNvPr id="71" name="Rectangle 70">
-            <a:extLst>
-              <a:ext uri="{FF2B5EF4-FFF2-40B4-BE49-F238E27FC236}">
-                <a16:creationId xmlns:a16="http://schemas.microsoft.com/office/drawing/2014/main" id="{32BC26D8-82FB-445E-AA49-62A77D7C1EE0}"/>
-              </a:ext>
-              <a:ext uri="{C183D7F6-B498-43B3-948B-1728B52AA6E4}">
-                <adec:decorative xmlns:adec="http://schemas.microsoft.com/office/drawing/2017/decorative" val="1"/>
-              </a:ext>
-            </a:extLst>
-          </p:cNvPr>
-          <p:cNvSpPr>
-            <a:spLocks noGrp="1" noRot="1" noChangeAspect="1" noMove="1" noResize="1" noEditPoints="1" noAdjustHandles="1" noChangeArrowheads="1" noChangeShapeType="1" noTextEdit="1"/>
-          </p:cNvSpPr>
-          <p:nvPr>
-            <p:extLst>
-              <p:ext uri="{386F3935-93C4-4BCD-93E2-E3B085C9AB24}">
-                <p16:designElem xmlns:p16="http://schemas.microsoft.com/office/powerpoint/2015/main" val="1"/>
-              </p:ext>
-            </p:extLst>
-          </p:nvPr>
-        </p:nvSpPr>
-        <p:spPr>
-          <a:xfrm>
-            <a:off x="0" y="0"/>
-            <a:ext cx="12192000" cy="6858000"/>
-          </a:xfrm>
-          <a:prstGeom prst="rect">
-            <a:avLst/>
-          </a:prstGeom>
-          <a:solidFill>
-            <a:schemeClr val="tx1">
-              <a:lumMod val="65000"/>
-              <a:lumOff val="35000"/>
-            </a:schemeClr>
-          </a:solidFill>
-          <a:ln>
-            <a:noFill/>
-          </a:ln>
-        </p:spPr>
-        <p:style>
-          <a:lnRef idx="2">
-            <a:schemeClr val="accent1">
-              <a:shade val="50000"/>
-            </a:schemeClr>
-          </a:lnRef>
-          <a:fillRef idx="1">
-            <a:schemeClr val="accent1"/>
-          </a:fillRef>
-          <a:effectRef idx="0">
-            <a:schemeClr val="accent1"/>
-          </a:effectRef>
-          <a:fontRef idx="minor">
-            <a:schemeClr val="lt1"/>
-          </a:fontRef>
-        </p:style>
-        <p:txBody>
-          <a:bodyPr rtlCol="0" anchor="ctr"/>
-          <a:lstStyle/>
-          <a:p>
-            <a:pPr algn="ctr"/>
-            <a:endParaRPr lang="en-US"/>
-          </a:p>
-        </p:txBody>
-      </p:sp>
-      <p:sp>
-        <p:nvSpPr>
-          <p:cNvPr id="73" name="Rectangle 72">
-            <a:extLst>
-              <a:ext uri="{FF2B5EF4-FFF2-40B4-BE49-F238E27FC236}">
-                <a16:creationId xmlns:a16="http://schemas.microsoft.com/office/drawing/2014/main" id="{CB44330D-EA18-4254-AA95-EB49948539B8}"/>
-              </a:ext>
-              <a:ext uri="{C183D7F6-B498-43B3-948B-1728B52AA6E4}">
-                <adec:decorative xmlns:adec="http://schemas.microsoft.com/office/drawing/2017/decorative" val="1"/>
-              </a:ext>
-            </a:extLst>
-          </p:cNvPr>
-          <p:cNvSpPr>
-            <a:spLocks noGrp="1" noRot="1" noChangeAspect="1" noMove="1" noResize="1" noEditPoints="1" noAdjustHandles="1" noChangeArrowheads="1" noChangeShapeType="1" noTextEdit="1"/>
-          </p:cNvSpPr>
-          <p:nvPr>
-            <p:extLst>
-              <p:ext uri="{386F3935-93C4-4BCD-93E2-E3B085C9AB24}">
-                <p16:designElem xmlns:p16="http://schemas.microsoft.com/office/powerpoint/2015/main" val="1"/>
-              </p:ext>
-            </p:extLst>
-          </p:nvPr>
-        </p:nvSpPr>
-        <p:spPr>
-          <a:xfrm>
-            <a:off x="477012" y="480060"/>
-            <a:ext cx="11237976" cy="5897880"/>
-          </a:xfrm>
-          <a:prstGeom prst="rect">
-            <a:avLst/>
-          </a:prstGeom>
-          <a:solidFill>
-            <a:srgbClr val="FFFFFF"/>
-          </a:solidFill>
-          <a:ln>
-            <a:noFill/>
-          </a:ln>
-        </p:spPr>
-        <p:style>
-          <a:lnRef idx="2">
-            <a:schemeClr val="accent1">
-              <a:shade val="50000"/>
-            </a:schemeClr>
-          </a:lnRef>
-          <a:fillRef idx="1">
-            <a:schemeClr val="accent1"/>
-          </a:fillRef>
-          <a:effectRef idx="0">
-            <a:schemeClr val="accent1"/>
-          </a:effectRef>
-          <a:fontRef idx="minor">
-            <a:schemeClr val="lt1"/>
-          </a:fontRef>
-        </p:style>
-        <p:txBody>
-          <a:bodyPr rtlCol="0" anchor="ctr"/>
-          <a:lstStyle/>
-          <a:p>
-            <a:pPr algn="ctr"/>
-            <a:endParaRPr lang="en-US"/>
-          </a:p>
-        </p:txBody>
-      </p:sp>
-      <p:pic>
-        <p:nvPicPr>
-          <p:cNvPr id="3074" name="Picture 2" descr="Top_five_companies_atx.png">
-            <a:extLst>
-              <a:ext uri="{FF2B5EF4-FFF2-40B4-BE49-F238E27FC236}">
-                <a16:creationId xmlns:a16="http://schemas.microsoft.com/office/drawing/2014/main" id="{DCEF9B05-CAFE-421B-952B-098759BDF737}"/>
-              </a:ext>
-            </a:extLst>
-          </p:cNvPr>
-          <p:cNvPicPr>
-            <a:picLocks noGrp="1" noChangeAspect="1" noChangeArrowheads="1"/>
-          </p:cNvPicPr>
-          <p:nvPr>
-            <p:ph idx="1"/>
-          </p:nvPr>
-        </p:nvPicPr>
-        <p:blipFill>
-          <a:blip r:embed="rId2">
-            <a:extLst>
-              <a:ext uri="{28A0092B-C50C-407E-A947-70E740481C1C}">
-                <a14:useLocalDpi xmlns:a14="http://schemas.microsoft.com/office/drawing/2010/main" val="0"/>
-              </a:ext>
-            </a:extLst>
-          </a:blip>
-          <a:stretch>
-            <a:fillRect/>
-          </a:stretch>
-        </p:blipFill>
-        <p:spPr bwMode="auto">
-          <a:xfrm>
-            <a:off x="1917700" y="643467"/>
-            <a:ext cx="8356599" cy="5571066"/>
-          </a:xfrm>
-          <a:prstGeom prst="rect">
-            <a:avLst/>
-          </a:prstGeom>
-          <a:noFill/>
-          <a:extLst>
-            <a:ext uri="{909E8E84-426E-40DD-AFC4-6F175D3DCCD1}">
-              <a14:hiddenFill xmlns:a14="http://schemas.microsoft.com/office/drawing/2010/main">
-                <a:solidFill>
-                  <a:srgbClr val="FFFFFF"/>
-                </a:solidFill>
-              </a14:hiddenFill>
-            </a:ext>
-          </a:extLst>
-        </p:spPr>
-      </p:pic>
-    </p:spTree>
-    <p:extLst>
-      <p:ext uri="{BB962C8B-B14F-4D97-AF65-F5344CB8AC3E}">
-        <p14:creationId xmlns:p14="http://schemas.microsoft.com/office/powerpoint/2010/main" val="1314520973"/>
       </p:ext>
     </p:extLst>
   </p:cSld>

--- a/presentation/Presentation.pptx
+++ b/presentation/Presentation.pptx
@@ -1590,11 +1590,11 @@
   <dgm:cxnLst>
     <dgm:cxn modelId="{EF0E431D-53A7-4173-B9BE-2DCC8FA9D667}" type="presOf" srcId="{DBB953E5-0FC9-42BD-A3B4-B7630A52C4AF}" destId="{BA788BFF-BCB6-4FA6-92BA-6387BC7821CD}" srcOrd="0" destOrd="0" presId="urn:microsoft.com/office/officeart/2018/2/layout/IconVerticalSolidList"/>
     <dgm:cxn modelId="{9E4E4820-3A6C-4E67-9D55-0B5DA53499DF}" type="presOf" srcId="{E54AB3FE-B642-48B5-AAB9-1896845BF7E4}" destId="{CE0FF243-8A81-4084-8730-2544CE201205}" srcOrd="0" destOrd="0" presId="urn:microsoft.com/office/officeart/2018/2/layout/IconVerticalSolidList"/>
+    <dgm:cxn modelId="{CE27CA5A-82F3-492E-9ADD-3DB026DC0AC6}" type="presOf" srcId="{94425574-7C8F-4623-BBA7-8B987C7BA70E}" destId="{8D936D3E-CA2B-4E3F-82CD-00B56B5F13E5}" srcOrd="0" destOrd="0" presId="urn:microsoft.com/office/officeart/2018/2/layout/IconVerticalSolidList"/>
     <dgm:cxn modelId="{0309715B-A8B9-42CC-B8E6-79325980575F}" type="presOf" srcId="{AEADC962-DB21-44FF-9A6A-91DCBD64B1ED}" destId="{63CB5BBA-53F0-431C-957E-5330D33B5B51}" srcOrd="0" destOrd="0" presId="urn:microsoft.com/office/officeart/2018/2/layout/IconVerticalSolidList"/>
     <dgm:cxn modelId="{43C8A167-63A7-48DB-A4E1-B3B503148AE6}" type="presOf" srcId="{518B1731-B7E2-4A97-90E8-01B73A0D4CDE}" destId="{06322738-5587-4579-B8CB-00A06EA6685E}" srcOrd="0" destOrd="0" presId="urn:microsoft.com/office/officeart/2018/2/layout/IconVerticalSolidList"/>
     <dgm:cxn modelId="{2348096B-C263-4B4E-B8E0-13658ED76315}" type="presOf" srcId="{98BFD9D4-44CA-4372-9F94-92CB043BDE79}" destId="{8A87C3F2-6EDD-4E35-BE36-FB906E79B88B}" srcOrd="0" destOrd="0" presId="urn:microsoft.com/office/officeart/2018/2/layout/IconVerticalSolidList"/>
     <dgm:cxn modelId="{71962876-CB92-4DB5-97C4-660F0BE4839F}" srcId="{E54AB3FE-B642-48B5-AAB9-1896845BF7E4}" destId="{98BFD9D4-44CA-4372-9F94-92CB043BDE79}" srcOrd="3" destOrd="0" parTransId="{CDBA8443-4FDD-4AB1-BC75-FAB19B819323}" sibTransId="{14962467-9529-4BC7-A9A7-3FE6377589DD}"/>
-    <dgm:cxn modelId="{CE27CA5A-82F3-492E-9ADD-3DB026DC0AC6}" type="presOf" srcId="{94425574-7C8F-4623-BBA7-8B987C7BA70E}" destId="{8D936D3E-CA2B-4E3F-82CD-00B56B5F13E5}" srcOrd="0" destOrd="0" presId="urn:microsoft.com/office/officeart/2018/2/layout/IconVerticalSolidList"/>
     <dgm:cxn modelId="{A0A8E6C3-F43D-412A-A98A-54F3E788C9D0}" type="presOf" srcId="{383AC9ED-1082-4A39-A926-AE22545137CD}" destId="{A172A853-989C-4481-9917-E8D24F241119}" srcOrd="0" destOrd="0" presId="urn:microsoft.com/office/officeart/2018/2/layout/IconVerticalSolidList"/>
     <dgm:cxn modelId="{2937ACC5-53CE-4E1E-B17A-0D6D8A9CBA08}" srcId="{E54AB3FE-B642-48B5-AAB9-1896845BF7E4}" destId="{DBB953E5-0FC9-42BD-A3B4-B7630A52C4AF}" srcOrd="4" destOrd="0" parTransId="{C62D7E90-2025-434C-BBB7-F1D9AA94B065}" sibTransId="{CEAE95E4-BC64-4E9E-990D-E03504E8E752}"/>
     <dgm:cxn modelId="{F1BA28CD-8946-4AE8-BB88-AD6872683B44}" srcId="{E54AB3FE-B642-48B5-AAB9-1896845BF7E4}" destId="{518B1731-B7E2-4A97-90E8-01B73A0D4CDE}" srcOrd="2" destOrd="0" parTransId="{8D56ECC3-A3C8-42E3-A170-DA530F0581A8}" sibTransId="{B98CC5F2-6B18-480D-B0C2-E6867400CC07}"/>
@@ -4015,7 +4015,7 @@
           <a:p>
             <a:fld id="{D28F23B4-1D94-4598-8B85-4879D0A8561B}" type="datetimeFigureOut">
               <a:rPr lang="en-US" smtClean="0"/>
-              <a:t>7/5/2019</a:t>
+              <a:t>7/5/19</a:t>
             </a:fld>
             <a:endParaRPr lang="en-US"/>
           </a:p>
@@ -4597,7 +4597,7 @@
           <a:p>
             <a:fld id="{E982C090-29EF-40AB-AE72-836E1D12E040}" type="datetimeFigureOut">
               <a:rPr lang="en-US" smtClean="0"/>
-              <a:t>7/5/2019</a:t>
+              <a:t>7/5/19</a:t>
             </a:fld>
             <a:endParaRPr lang="en-US"/>
           </a:p>
@@ -4795,7 +4795,7 @@
           <a:p>
             <a:fld id="{E982C090-29EF-40AB-AE72-836E1D12E040}" type="datetimeFigureOut">
               <a:rPr lang="en-US" smtClean="0"/>
-              <a:t>7/5/2019</a:t>
+              <a:t>7/5/19</a:t>
             </a:fld>
             <a:endParaRPr lang="en-US"/>
           </a:p>
@@ -5003,7 +5003,7 @@
           <a:p>
             <a:fld id="{E982C090-29EF-40AB-AE72-836E1D12E040}" type="datetimeFigureOut">
               <a:rPr lang="en-US" smtClean="0"/>
-              <a:t>7/5/2019</a:t>
+              <a:t>7/5/19</a:t>
             </a:fld>
             <a:endParaRPr lang="en-US"/>
           </a:p>
@@ -5201,7 +5201,7 @@
           <a:p>
             <a:fld id="{E982C090-29EF-40AB-AE72-836E1D12E040}" type="datetimeFigureOut">
               <a:rPr lang="en-US" smtClean="0"/>
-              <a:t>7/5/2019</a:t>
+              <a:t>7/5/19</a:t>
             </a:fld>
             <a:endParaRPr lang="en-US"/>
           </a:p>
@@ -5476,7 +5476,7 @@
           <a:p>
             <a:fld id="{E982C090-29EF-40AB-AE72-836E1D12E040}" type="datetimeFigureOut">
               <a:rPr lang="en-US" smtClean="0"/>
-              <a:t>7/5/2019</a:t>
+              <a:t>7/5/19</a:t>
             </a:fld>
             <a:endParaRPr lang="en-US"/>
           </a:p>
@@ -5741,7 +5741,7 @@
           <a:p>
             <a:fld id="{E982C090-29EF-40AB-AE72-836E1D12E040}" type="datetimeFigureOut">
               <a:rPr lang="en-US" smtClean="0"/>
-              <a:t>7/5/2019</a:t>
+              <a:t>7/5/19</a:t>
             </a:fld>
             <a:endParaRPr lang="en-US"/>
           </a:p>
@@ -6153,7 +6153,7 @@
           <a:p>
             <a:fld id="{E982C090-29EF-40AB-AE72-836E1D12E040}" type="datetimeFigureOut">
               <a:rPr lang="en-US" smtClean="0"/>
-              <a:t>7/5/2019</a:t>
+              <a:t>7/5/19</a:t>
             </a:fld>
             <a:endParaRPr lang="en-US"/>
           </a:p>
@@ -6294,7 +6294,7 @@
           <a:p>
             <a:fld id="{E982C090-29EF-40AB-AE72-836E1D12E040}" type="datetimeFigureOut">
               <a:rPr lang="en-US" smtClean="0"/>
-              <a:t>7/5/2019</a:t>
+              <a:t>7/5/19</a:t>
             </a:fld>
             <a:endParaRPr lang="en-US"/>
           </a:p>
@@ -6407,7 +6407,7 @@
           <a:p>
             <a:fld id="{E982C090-29EF-40AB-AE72-836E1D12E040}" type="datetimeFigureOut">
               <a:rPr lang="en-US" smtClean="0"/>
-              <a:t>7/5/2019</a:t>
+              <a:t>7/5/19</a:t>
             </a:fld>
             <a:endParaRPr lang="en-US"/>
           </a:p>
@@ -6718,7 +6718,7 @@
           <a:p>
             <a:fld id="{E982C090-29EF-40AB-AE72-836E1D12E040}" type="datetimeFigureOut">
               <a:rPr lang="en-US" smtClean="0"/>
-              <a:t>7/5/2019</a:t>
+              <a:t>7/5/19</a:t>
             </a:fld>
             <a:endParaRPr lang="en-US"/>
           </a:p>
@@ -7006,7 +7006,7 @@
           <a:p>
             <a:fld id="{E982C090-29EF-40AB-AE72-836E1D12E040}" type="datetimeFigureOut">
               <a:rPr lang="en-US" smtClean="0"/>
-              <a:t>7/5/2019</a:t>
+              <a:t>7/5/19</a:t>
             </a:fld>
             <a:endParaRPr lang="en-US"/>
           </a:p>
@@ -7250,7 +7250,7 @@
           <a:p>
             <a:fld id="{E982C090-29EF-40AB-AE72-836E1D12E040}" type="datetimeFigureOut">
               <a:rPr lang="en-US" smtClean="0"/>
-              <a:t>7/5/2019</a:t>
+              <a:t>7/5/19</a:t>
             </a:fld>
             <a:endParaRPr lang="en-US"/>
           </a:p>
@@ -9228,7 +9228,7 @@
           <a:p>
             <a:r>
               <a:rPr lang="en-US" dirty="0"/>
-              <a:t>Data Scientist job is highly in demand in </a:t>
+              <a:t>Data Scientist jobs are in high demand in </a:t>
             </a:r>
             <a:r>
               <a:rPr lang="en-US" dirty="0">
@@ -9240,7 +9240,7 @@
             </a:r>
             <a:r>
               <a:rPr lang="en-US" dirty="0"/>
-              <a:t> city and </a:t>
+              <a:t> and with </a:t>
             </a:r>
             <a:r>
               <a:rPr lang="en-US" dirty="0">
@@ -9252,7 +9252,7 @@
             </a:r>
             <a:r>
               <a:rPr lang="en-US" dirty="0"/>
-              <a:t> company.</a:t>
+              <a:t> </a:t>
             </a:r>
           </a:p>
           <a:p>
@@ -9333,7 +9333,13 @@
           <a:p>
             <a:r>
               <a:rPr lang="en-US" sz="2400" dirty="0"/>
-              <a:t>There is a shortage of 151,717 people with data science skills, with particularly acute shortages in New York City, San Francisco, and LA. (Use those three cities for our focus?)The 2020 estimate calls for 2.7 million job postings for data science and analytics roles</a:t>
+              <a:t>There is a shortage of 151,717 people with data science skills, with particularly acute shortages in New York City, San Francisco, and LA. </a:t>
+            </a:r>
+          </a:p>
+          <a:p>
+            <a:r>
+              <a:rPr lang="en-US" sz="2400" dirty="0"/>
+              <a:t>The 2020 estimate calls for 2.7 million job postings for data science and analytics roles</a:t>
             </a:r>
           </a:p>
         </p:txBody>
@@ -9441,15 +9447,7 @@
             </a:pPr>
             <a:r>
               <a:rPr lang="en-US" dirty="0"/>
-              <a:t>As we are doing this course of Data Analytics  at </a:t>
-            </a:r>
-            <a:r>
-              <a:rPr lang="en-US" dirty="0" err="1"/>
-              <a:t>UT,we</a:t>
-            </a:r>
-            <a:r>
-              <a:rPr lang="en-US" dirty="0"/>
-              <a:t>  thought of working on this project. It will be interesting to explore the job market for Data Science because that will be our next step.</a:t>
+              <a:t>As students enrolled in a Data Analytics course at UT, we thought this project would be beneficial to both ourselves and our classmates—to explore the job market in this field because naturally this will be our next step.</a:t>
             </a:r>
           </a:p>
           <a:p>
@@ -9524,9 +9522,10 @@
               <a:t> </a:t>
             </a:r>
             <a:r>
-              <a:rPr lang="en-US" dirty="0"/>
-              <a:t>Found data on Kaggle.com</a:t>
+              <a:rPr lang="en-US" dirty="0" err="1"/>
+              <a:t>Kaggle.com</a:t>
             </a:r>
+            <a:endParaRPr lang="en-US" dirty="0"/>
           </a:p>
           <a:p>
             <a:pPr marL="0" indent="0">
@@ -9534,21 +9533,8 @@
             </a:pPr>
             <a:r>
               <a:rPr lang="en-US" dirty="0"/>
-              <a:t>- Found CSV files for some major cities in </a:t>
+              <a:t>- CSV files of 15 major cities in USA. The data was from LinkedIn for jobs posted in August 2018</a:t>
             </a:r>
-            <a:r>
-              <a:rPr lang="en-US" dirty="0" err="1"/>
-              <a:t>USA.The</a:t>
-            </a:r>
-            <a:r>
-              <a:rPr lang="en-US" dirty="0"/>
-              <a:t> data was from LinkedIn for the year 2018</a:t>
-            </a:r>
-          </a:p>
-          <a:p>
-            <a:pPr marL="0" indent="0" algn="ctr">
-              <a:buNone/>
-            </a:pPr>
             <a:endParaRPr lang="en-US" b="1" dirty="0">
               <a:solidFill>
                 <a:srgbClr val="C00000"/>

--- a/presentation/Presentation.pptx
+++ b/presentation/Presentation.pptx
@@ -1590,11 +1590,11 @@
   <dgm:cxnLst>
     <dgm:cxn modelId="{EF0E431D-53A7-4173-B9BE-2DCC8FA9D667}" type="presOf" srcId="{DBB953E5-0FC9-42BD-A3B4-B7630A52C4AF}" destId="{BA788BFF-BCB6-4FA6-92BA-6387BC7821CD}" srcOrd="0" destOrd="0" presId="urn:microsoft.com/office/officeart/2018/2/layout/IconVerticalSolidList"/>
     <dgm:cxn modelId="{9E4E4820-3A6C-4E67-9D55-0B5DA53499DF}" type="presOf" srcId="{E54AB3FE-B642-48B5-AAB9-1896845BF7E4}" destId="{CE0FF243-8A81-4084-8730-2544CE201205}" srcOrd="0" destOrd="0" presId="urn:microsoft.com/office/officeart/2018/2/layout/IconVerticalSolidList"/>
-    <dgm:cxn modelId="{CE27CA5A-82F3-492E-9ADD-3DB026DC0AC6}" type="presOf" srcId="{94425574-7C8F-4623-BBA7-8B987C7BA70E}" destId="{8D936D3E-CA2B-4E3F-82CD-00B56B5F13E5}" srcOrd="0" destOrd="0" presId="urn:microsoft.com/office/officeart/2018/2/layout/IconVerticalSolidList"/>
     <dgm:cxn modelId="{0309715B-A8B9-42CC-B8E6-79325980575F}" type="presOf" srcId="{AEADC962-DB21-44FF-9A6A-91DCBD64B1ED}" destId="{63CB5BBA-53F0-431C-957E-5330D33B5B51}" srcOrd="0" destOrd="0" presId="urn:microsoft.com/office/officeart/2018/2/layout/IconVerticalSolidList"/>
     <dgm:cxn modelId="{43C8A167-63A7-48DB-A4E1-B3B503148AE6}" type="presOf" srcId="{518B1731-B7E2-4A97-90E8-01B73A0D4CDE}" destId="{06322738-5587-4579-B8CB-00A06EA6685E}" srcOrd="0" destOrd="0" presId="urn:microsoft.com/office/officeart/2018/2/layout/IconVerticalSolidList"/>
     <dgm:cxn modelId="{2348096B-C263-4B4E-B8E0-13658ED76315}" type="presOf" srcId="{98BFD9D4-44CA-4372-9F94-92CB043BDE79}" destId="{8A87C3F2-6EDD-4E35-BE36-FB906E79B88B}" srcOrd="0" destOrd="0" presId="urn:microsoft.com/office/officeart/2018/2/layout/IconVerticalSolidList"/>
     <dgm:cxn modelId="{71962876-CB92-4DB5-97C4-660F0BE4839F}" srcId="{E54AB3FE-B642-48B5-AAB9-1896845BF7E4}" destId="{98BFD9D4-44CA-4372-9F94-92CB043BDE79}" srcOrd="3" destOrd="0" parTransId="{CDBA8443-4FDD-4AB1-BC75-FAB19B819323}" sibTransId="{14962467-9529-4BC7-A9A7-3FE6377589DD}"/>
+    <dgm:cxn modelId="{CE27CA5A-82F3-492E-9ADD-3DB026DC0AC6}" type="presOf" srcId="{94425574-7C8F-4623-BBA7-8B987C7BA70E}" destId="{8D936D3E-CA2B-4E3F-82CD-00B56B5F13E5}" srcOrd="0" destOrd="0" presId="urn:microsoft.com/office/officeart/2018/2/layout/IconVerticalSolidList"/>
     <dgm:cxn modelId="{A0A8E6C3-F43D-412A-A98A-54F3E788C9D0}" type="presOf" srcId="{383AC9ED-1082-4A39-A926-AE22545137CD}" destId="{A172A853-989C-4481-9917-E8D24F241119}" srcOrd="0" destOrd="0" presId="urn:microsoft.com/office/officeart/2018/2/layout/IconVerticalSolidList"/>
     <dgm:cxn modelId="{2937ACC5-53CE-4E1E-B17A-0D6D8A9CBA08}" srcId="{E54AB3FE-B642-48B5-AAB9-1896845BF7E4}" destId="{DBB953E5-0FC9-42BD-A3B4-B7630A52C4AF}" srcOrd="4" destOrd="0" parTransId="{C62D7E90-2025-434C-BBB7-F1D9AA94B065}" sibTransId="{CEAE95E4-BC64-4E9E-990D-E03504E8E752}"/>
     <dgm:cxn modelId="{F1BA28CD-8946-4AE8-BB88-AD6872683B44}" srcId="{E54AB3FE-B642-48B5-AAB9-1896845BF7E4}" destId="{518B1731-B7E2-4A97-90E8-01B73A0D4CDE}" srcOrd="2" destOrd="0" parTransId="{8D56ECC3-A3C8-42E3-A170-DA530F0581A8}" sibTransId="{B98CC5F2-6B18-480D-B0C2-E6867400CC07}"/>
@@ -4015,7 +4015,7 @@
           <a:p>
             <a:fld id="{D28F23B4-1D94-4598-8B85-4879D0A8561B}" type="datetimeFigureOut">
               <a:rPr lang="en-US" smtClean="0"/>
-              <a:t>7/5/19</a:t>
+              <a:t>7/6/2019</a:t>
             </a:fld>
             <a:endParaRPr lang="en-US"/>
           </a:p>
@@ -4597,7 +4597,7 @@
           <a:p>
             <a:fld id="{E982C090-29EF-40AB-AE72-836E1D12E040}" type="datetimeFigureOut">
               <a:rPr lang="en-US" smtClean="0"/>
-              <a:t>7/5/19</a:t>
+              <a:t>7/6/2019</a:t>
             </a:fld>
             <a:endParaRPr lang="en-US"/>
           </a:p>
@@ -4795,7 +4795,7 @@
           <a:p>
             <a:fld id="{E982C090-29EF-40AB-AE72-836E1D12E040}" type="datetimeFigureOut">
               <a:rPr lang="en-US" smtClean="0"/>
-              <a:t>7/5/19</a:t>
+              <a:t>7/6/2019</a:t>
             </a:fld>
             <a:endParaRPr lang="en-US"/>
           </a:p>
@@ -5003,7 +5003,7 @@
           <a:p>
             <a:fld id="{E982C090-29EF-40AB-AE72-836E1D12E040}" type="datetimeFigureOut">
               <a:rPr lang="en-US" smtClean="0"/>
-              <a:t>7/5/19</a:t>
+              <a:t>7/6/2019</a:t>
             </a:fld>
             <a:endParaRPr lang="en-US"/>
           </a:p>
@@ -5201,7 +5201,7 @@
           <a:p>
             <a:fld id="{E982C090-29EF-40AB-AE72-836E1D12E040}" type="datetimeFigureOut">
               <a:rPr lang="en-US" smtClean="0"/>
-              <a:t>7/5/19</a:t>
+              <a:t>7/6/2019</a:t>
             </a:fld>
             <a:endParaRPr lang="en-US"/>
           </a:p>
@@ -5476,7 +5476,7 @@
           <a:p>
             <a:fld id="{E982C090-29EF-40AB-AE72-836E1D12E040}" type="datetimeFigureOut">
               <a:rPr lang="en-US" smtClean="0"/>
-              <a:t>7/5/19</a:t>
+              <a:t>7/6/2019</a:t>
             </a:fld>
             <a:endParaRPr lang="en-US"/>
           </a:p>
@@ -5741,7 +5741,7 @@
           <a:p>
             <a:fld id="{E982C090-29EF-40AB-AE72-836E1D12E040}" type="datetimeFigureOut">
               <a:rPr lang="en-US" smtClean="0"/>
-              <a:t>7/5/19</a:t>
+              <a:t>7/6/2019</a:t>
             </a:fld>
             <a:endParaRPr lang="en-US"/>
           </a:p>
@@ -6153,7 +6153,7 @@
           <a:p>
             <a:fld id="{E982C090-29EF-40AB-AE72-836E1D12E040}" type="datetimeFigureOut">
               <a:rPr lang="en-US" smtClean="0"/>
-              <a:t>7/5/19</a:t>
+              <a:t>7/6/2019</a:t>
             </a:fld>
             <a:endParaRPr lang="en-US"/>
           </a:p>
@@ -6294,7 +6294,7 @@
           <a:p>
             <a:fld id="{E982C090-29EF-40AB-AE72-836E1D12E040}" type="datetimeFigureOut">
               <a:rPr lang="en-US" smtClean="0"/>
-              <a:t>7/5/19</a:t>
+              <a:t>7/6/2019</a:t>
             </a:fld>
             <a:endParaRPr lang="en-US"/>
           </a:p>
@@ -6407,7 +6407,7 @@
           <a:p>
             <a:fld id="{E982C090-29EF-40AB-AE72-836E1D12E040}" type="datetimeFigureOut">
               <a:rPr lang="en-US" smtClean="0"/>
-              <a:t>7/5/19</a:t>
+              <a:t>7/6/2019</a:t>
             </a:fld>
             <a:endParaRPr lang="en-US"/>
           </a:p>
@@ -6718,7 +6718,7 @@
           <a:p>
             <a:fld id="{E982C090-29EF-40AB-AE72-836E1D12E040}" type="datetimeFigureOut">
               <a:rPr lang="en-US" smtClean="0"/>
-              <a:t>7/5/19</a:t>
+              <a:t>7/6/2019</a:t>
             </a:fld>
             <a:endParaRPr lang="en-US"/>
           </a:p>
@@ -7006,7 +7006,7 @@
           <a:p>
             <a:fld id="{E982C090-29EF-40AB-AE72-836E1D12E040}" type="datetimeFigureOut">
               <a:rPr lang="en-US" smtClean="0"/>
-              <a:t>7/5/19</a:t>
+              <a:t>7/6/2019</a:t>
             </a:fld>
             <a:endParaRPr lang="en-US"/>
           </a:p>
@@ -7250,7 +7250,7 @@
           <a:p>
             <a:fld id="{E982C090-29EF-40AB-AE72-836E1D12E040}" type="datetimeFigureOut">
               <a:rPr lang="en-US" smtClean="0"/>
-              <a:t>7/5/19</a:t>
+              <a:t>7/6/2019</a:t>
             </a:fld>
             <a:endParaRPr lang="en-US"/>
           </a:p>
@@ -8215,10 +8215,10 @@
       </p:sp>
       <p:pic>
         <p:nvPicPr>
-          <p:cNvPr id="4" name="Picture 3" descr="A close up of a logo&#10;&#10;Description automatically generated">
+          <p:cNvPr id="5" name="Picture 4" descr="A close up of a logo&#10;&#10;Description automatically generated">
             <a:extLst>
               <a:ext uri="{FF2B5EF4-FFF2-40B4-BE49-F238E27FC236}">
-                <a16:creationId xmlns:a16="http://schemas.microsoft.com/office/drawing/2014/main" id="{E917D140-DC6E-4934-ADCD-1BCA0A66A7AD}"/>
+                <a16:creationId xmlns:a16="http://schemas.microsoft.com/office/drawing/2014/main" id="{CE1A708B-B34C-44C6-956E-E8786D6E563E}"/>
               </a:ext>
             </a:extLst>
           </p:cNvPr>
@@ -8229,42 +8229,6 @@
         </p:nvPicPr>
         <p:blipFill>
           <a:blip r:embed="rId2">
-            <a:extLst>
-              <a:ext uri="{28A0092B-C50C-407E-A947-70E740481C1C}">
-                <a14:useLocalDpi xmlns:a14="http://schemas.microsoft.com/office/drawing/2010/main" val="0"/>
-              </a:ext>
-            </a:extLst>
-          </a:blip>
-          <a:stretch>
-            <a:fillRect/>
-          </a:stretch>
-        </p:blipFill>
-        <p:spPr>
-          <a:xfrm>
-            <a:off x="3210133" y="1208219"/>
-            <a:ext cx="5487650" cy="2639997"/>
-          </a:xfrm>
-          <a:prstGeom prst="rect">
-            <a:avLst/>
-          </a:prstGeom>
-        </p:spPr>
-      </p:pic>
-      <p:pic>
-        <p:nvPicPr>
-          <p:cNvPr id="5" name="Picture 4" descr="A close up of a logo&#10;&#10;Description automatically generated">
-            <a:extLst>
-              <a:ext uri="{FF2B5EF4-FFF2-40B4-BE49-F238E27FC236}">
-                <a16:creationId xmlns:a16="http://schemas.microsoft.com/office/drawing/2014/main" id="{CE1A708B-B34C-44C6-956E-E8786D6E563E}"/>
-              </a:ext>
-            </a:extLst>
-          </p:cNvPr>
-          <p:cNvPicPr>
-            <a:picLocks noChangeAspect="1"/>
-          </p:cNvPicPr>
-          <p:nvPr/>
-        </p:nvPicPr>
-        <p:blipFill>
-          <a:blip r:embed="rId3">
             <a:extLst>
               <a:ext uri="{28A0092B-C50C-407E-A947-70E740481C1C}">
                 <a14:useLocalDpi xmlns:a14="http://schemas.microsoft.com/office/drawing/2010/main" val="0"/>
@@ -8300,7 +8264,7 @@
           <p:nvPr/>
         </p:nvPicPr>
         <p:blipFill>
-          <a:blip r:embed="rId4">
+          <a:blip r:embed="rId3">
             <a:extLst>
               <a:ext uri="{28A0092B-C50C-407E-A947-70E740481C1C}">
                 <a14:useLocalDpi xmlns:a14="http://schemas.microsoft.com/office/drawing/2010/main" val="0"/>
@@ -8313,7 +8277,7 @@
         </p:blipFill>
         <p:spPr>
           <a:xfrm>
-            <a:off x="76200" y="4218003"/>
+            <a:off x="76200" y="4114175"/>
             <a:ext cx="5487650" cy="2743825"/>
           </a:xfrm>
           <a:prstGeom prst="rect">
@@ -8408,6 +8372,177 @@
           </a:p>
         </p:txBody>
       </p:sp>
+      <p:sp>
+        <p:nvSpPr>
+          <p:cNvPr id="3" name="AutoShape 2" descr="http://localhost:8888/files/Images/most_desired_languages.png">
+            <a:extLst>
+              <a:ext uri="{FF2B5EF4-FFF2-40B4-BE49-F238E27FC236}">
+                <a16:creationId xmlns:a16="http://schemas.microsoft.com/office/drawing/2014/main" id="{675092CB-6FC5-4DB9-83B0-E39F9E2F96E2}"/>
+              </a:ext>
+            </a:extLst>
+          </p:cNvPr>
+          <p:cNvSpPr>
+            <a:spLocks noChangeAspect="1" noChangeArrowheads="1"/>
+          </p:cNvSpPr>
+          <p:nvPr/>
+        </p:nvSpPr>
+        <p:spPr bwMode="auto">
+          <a:xfrm>
+            <a:off x="5943600" y="3276600"/>
+            <a:ext cx="304800" cy="304800"/>
+          </a:xfrm>
+          <a:prstGeom prst="rect">
+            <a:avLst/>
+          </a:prstGeom>
+          <a:noFill/>
+          <a:extLst>
+            <a:ext uri="{909E8E84-426E-40DD-AFC4-6F175D3DCCD1}">
+              <a14:hiddenFill xmlns:a14="http://schemas.microsoft.com/office/drawing/2010/main">
+                <a:solidFill>
+                  <a:srgbClr val="FFFFFF"/>
+                </a:solidFill>
+              </a14:hiddenFill>
+            </a:ext>
+          </a:extLst>
+        </p:spPr>
+        <p:txBody>
+          <a:bodyPr vert="horz" wrap="square" lIns="91440" tIns="45720" rIns="91440" bIns="45720" numCol="1" anchor="t" anchorCtr="0" compatLnSpc="1">
+            <a:prstTxWarp prst="textNoShape">
+              <a:avLst/>
+            </a:prstTxWarp>
+          </a:bodyPr>
+          <a:lstStyle/>
+          <a:p>
+            <a:endParaRPr lang="en-US"/>
+          </a:p>
+        </p:txBody>
+      </p:sp>
+      <p:sp>
+        <p:nvSpPr>
+          <p:cNvPr id="9" name="AutoShape 4" descr="http://localhost:8888/files/Images/most_desired_languages.png">
+            <a:extLst>
+              <a:ext uri="{FF2B5EF4-FFF2-40B4-BE49-F238E27FC236}">
+                <a16:creationId xmlns:a16="http://schemas.microsoft.com/office/drawing/2014/main" id="{68BA8B1D-EEBD-4278-AE96-E71BFBC49718}"/>
+              </a:ext>
+            </a:extLst>
+          </p:cNvPr>
+          <p:cNvSpPr>
+            <a:spLocks noChangeAspect="1" noChangeArrowheads="1"/>
+          </p:cNvSpPr>
+          <p:nvPr/>
+        </p:nvSpPr>
+        <p:spPr bwMode="auto">
+          <a:xfrm>
+            <a:off x="6096000" y="3429000"/>
+            <a:ext cx="304800" cy="304800"/>
+          </a:xfrm>
+          <a:prstGeom prst="rect">
+            <a:avLst/>
+          </a:prstGeom>
+          <a:noFill/>
+          <a:extLst>
+            <a:ext uri="{909E8E84-426E-40DD-AFC4-6F175D3DCCD1}">
+              <a14:hiddenFill xmlns:a14="http://schemas.microsoft.com/office/drawing/2010/main">
+                <a:solidFill>
+                  <a:srgbClr val="FFFFFF"/>
+                </a:solidFill>
+              </a14:hiddenFill>
+            </a:ext>
+          </a:extLst>
+        </p:spPr>
+        <p:txBody>
+          <a:bodyPr vert="horz" wrap="square" lIns="91440" tIns="45720" rIns="91440" bIns="45720" numCol="1" anchor="t" anchorCtr="0" compatLnSpc="1">
+            <a:prstTxWarp prst="textNoShape">
+              <a:avLst/>
+            </a:prstTxWarp>
+          </a:bodyPr>
+          <a:lstStyle/>
+          <a:p>
+            <a:endParaRPr lang="en-US"/>
+          </a:p>
+        </p:txBody>
+      </p:sp>
+      <p:sp>
+        <p:nvSpPr>
+          <p:cNvPr id="10" name="AutoShape 6" descr="http://localhost:8888/files/Images/most_desired_languages.png">
+            <a:extLst>
+              <a:ext uri="{FF2B5EF4-FFF2-40B4-BE49-F238E27FC236}">
+                <a16:creationId xmlns:a16="http://schemas.microsoft.com/office/drawing/2014/main" id="{5B1F9F20-5CDC-4E5C-BBBA-7C8FDEF90156}"/>
+              </a:ext>
+            </a:extLst>
+          </p:cNvPr>
+          <p:cNvSpPr>
+            <a:spLocks noChangeAspect="1" noChangeArrowheads="1"/>
+          </p:cNvSpPr>
+          <p:nvPr/>
+        </p:nvSpPr>
+        <p:spPr bwMode="auto">
+          <a:xfrm>
+            <a:off x="6248400" y="3581400"/>
+            <a:ext cx="304800" cy="304800"/>
+          </a:xfrm>
+          <a:prstGeom prst="rect">
+            <a:avLst/>
+          </a:prstGeom>
+          <a:noFill/>
+          <a:extLst>
+            <a:ext uri="{909E8E84-426E-40DD-AFC4-6F175D3DCCD1}">
+              <a14:hiddenFill xmlns:a14="http://schemas.microsoft.com/office/drawing/2010/main">
+                <a:solidFill>
+                  <a:srgbClr val="FFFFFF"/>
+                </a:solidFill>
+              </a14:hiddenFill>
+            </a:ext>
+          </a:extLst>
+        </p:spPr>
+        <p:txBody>
+          <a:bodyPr vert="horz" wrap="square" lIns="91440" tIns="45720" rIns="91440" bIns="45720" numCol="1" anchor="t" anchorCtr="0" compatLnSpc="1">
+            <a:prstTxWarp prst="textNoShape">
+              <a:avLst/>
+            </a:prstTxWarp>
+          </a:bodyPr>
+          <a:lstStyle/>
+          <a:p>
+            <a:endParaRPr lang="en-US"/>
+          </a:p>
+        </p:txBody>
+      </p:sp>
+      <p:pic>
+        <p:nvPicPr>
+          <p:cNvPr id="12" name="Picture 11" descr="A picture containing screenshot&#10;&#10;Description automatically generated">
+            <a:extLst>
+              <a:ext uri="{FF2B5EF4-FFF2-40B4-BE49-F238E27FC236}">
+                <a16:creationId xmlns:a16="http://schemas.microsoft.com/office/drawing/2014/main" id="{59FDF94E-306E-4EFE-8931-06A31C05511A}"/>
+              </a:ext>
+            </a:extLst>
+          </p:cNvPr>
+          <p:cNvPicPr>
+            <a:picLocks noChangeAspect="1"/>
+          </p:cNvPicPr>
+          <p:nvPr/>
+        </p:nvPicPr>
+        <p:blipFill>
+          <a:blip r:embed="rId4">
+            <a:extLst>
+              <a:ext uri="{28A0092B-C50C-407E-A947-70E740481C1C}">
+                <a14:useLocalDpi xmlns:a14="http://schemas.microsoft.com/office/drawing/2010/main" val="0"/>
+              </a:ext>
+            </a:extLst>
+          </a:blip>
+          <a:stretch>
+            <a:fillRect/>
+          </a:stretch>
+        </p:blipFill>
+        <p:spPr>
+          <a:xfrm>
+            <a:off x="3199775" y="1027906"/>
+            <a:ext cx="5487650" cy="2743825"/>
+          </a:xfrm>
+          <a:prstGeom prst="rect">
+            <a:avLst/>
+          </a:prstGeom>
+        </p:spPr>
+      </p:pic>
     </p:spTree>
     <p:extLst>
       <p:ext uri="{BB962C8B-B14F-4D97-AF65-F5344CB8AC3E}">

--- a/presentation/Presentation.pptx
+++ b/presentation/Presentation.pptx
@@ -5,7 +5,7 @@
     <p:sldMasterId id="2147483648" r:id="rId1"/>
   </p:sldMasterIdLst>
   <p:notesMasterIdLst>
-    <p:notesMasterId r:id="rId16"/>
+    <p:notesMasterId r:id="rId17"/>
   </p:notesMasterIdLst>
   <p:sldIdLst>
     <p:sldId id="256" r:id="rId2"/>
@@ -22,6 +22,7 @@
     <p:sldId id="266" r:id="rId13"/>
     <p:sldId id="268" r:id="rId14"/>
     <p:sldId id="272" r:id="rId15"/>
+    <p:sldId id="273" r:id="rId16"/>
   </p:sldIdLst>
   <p:sldSz cx="12192000" cy="6858000"/>
   <p:notesSz cx="6858000" cy="9144000"/>
@@ -4015,7 +4016,7 @@
           <a:p>
             <a:fld id="{D28F23B4-1D94-4598-8B85-4879D0A8561B}" type="datetimeFigureOut">
               <a:rPr lang="en-US" smtClean="0"/>
-              <a:t>7/5/19</a:t>
+              <a:t>7/6/19</a:t>
             </a:fld>
             <a:endParaRPr lang="en-US"/>
           </a:p>
@@ -4597,7 +4598,7 @@
           <a:p>
             <a:fld id="{E982C090-29EF-40AB-AE72-836E1D12E040}" type="datetimeFigureOut">
               <a:rPr lang="en-US" smtClean="0"/>
-              <a:t>7/5/19</a:t>
+              <a:t>7/6/19</a:t>
             </a:fld>
             <a:endParaRPr lang="en-US"/>
           </a:p>
@@ -4795,7 +4796,7 @@
           <a:p>
             <a:fld id="{E982C090-29EF-40AB-AE72-836E1D12E040}" type="datetimeFigureOut">
               <a:rPr lang="en-US" smtClean="0"/>
-              <a:t>7/5/19</a:t>
+              <a:t>7/6/19</a:t>
             </a:fld>
             <a:endParaRPr lang="en-US"/>
           </a:p>
@@ -5003,7 +5004,7 @@
           <a:p>
             <a:fld id="{E982C090-29EF-40AB-AE72-836E1D12E040}" type="datetimeFigureOut">
               <a:rPr lang="en-US" smtClean="0"/>
-              <a:t>7/5/19</a:t>
+              <a:t>7/6/19</a:t>
             </a:fld>
             <a:endParaRPr lang="en-US"/>
           </a:p>
@@ -5201,7 +5202,7 @@
           <a:p>
             <a:fld id="{E982C090-29EF-40AB-AE72-836E1D12E040}" type="datetimeFigureOut">
               <a:rPr lang="en-US" smtClean="0"/>
-              <a:t>7/5/19</a:t>
+              <a:t>7/6/19</a:t>
             </a:fld>
             <a:endParaRPr lang="en-US"/>
           </a:p>
@@ -5476,7 +5477,7 @@
           <a:p>
             <a:fld id="{E982C090-29EF-40AB-AE72-836E1D12E040}" type="datetimeFigureOut">
               <a:rPr lang="en-US" smtClean="0"/>
-              <a:t>7/5/19</a:t>
+              <a:t>7/6/19</a:t>
             </a:fld>
             <a:endParaRPr lang="en-US"/>
           </a:p>
@@ -5741,7 +5742,7 @@
           <a:p>
             <a:fld id="{E982C090-29EF-40AB-AE72-836E1D12E040}" type="datetimeFigureOut">
               <a:rPr lang="en-US" smtClean="0"/>
-              <a:t>7/5/19</a:t>
+              <a:t>7/6/19</a:t>
             </a:fld>
             <a:endParaRPr lang="en-US"/>
           </a:p>
@@ -6153,7 +6154,7 @@
           <a:p>
             <a:fld id="{E982C090-29EF-40AB-AE72-836E1D12E040}" type="datetimeFigureOut">
               <a:rPr lang="en-US" smtClean="0"/>
-              <a:t>7/5/19</a:t>
+              <a:t>7/6/19</a:t>
             </a:fld>
             <a:endParaRPr lang="en-US"/>
           </a:p>
@@ -6294,7 +6295,7 @@
           <a:p>
             <a:fld id="{E982C090-29EF-40AB-AE72-836E1D12E040}" type="datetimeFigureOut">
               <a:rPr lang="en-US" smtClean="0"/>
-              <a:t>7/5/19</a:t>
+              <a:t>7/6/19</a:t>
             </a:fld>
             <a:endParaRPr lang="en-US"/>
           </a:p>
@@ -6407,7 +6408,7 @@
           <a:p>
             <a:fld id="{E982C090-29EF-40AB-AE72-836E1D12E040}" type="datetimeFigureOut">
               <a:rPr lang="en-US" smtClean="0"/>
-              <a:t>7/5/19</a:t>
+              <a:t>7/6/19</a:t>
             </a:fld>
             <a:endParaRPr lang="en-US"/>
           </a:p>
@@ -6718,7 +6719,7 @@
           <a:p>
             <a:fld id="{E982C090-29EF-40AB-AE72-836E1D12E040}" type="datetimeFigureOut">
               <a:rPr lang="en-US" smtClean="0"/>
-              <a:t>7/5/19</a:t>
+              <a:t>7/6/19</a:t>
             </a:fld>
             <a:endParaRPr lang="en-US"/>
           </a:p>
@@ -7006,7 +7007,7 @@
           <a:p>
             <a:fld id="{E982C090-29EF-40AB-AE72-836E1D12E040}" type="datetimeFigureOut">
               <a:rPr lang="en-US" smtClean="0"/>
-              <a:t>7/5/19</a:t>
+              <a:t>7/6/19</a:t>
             </a:fld>
             <a:endParaRPr lang="en-US"/>
           </a:p>
@@ -7250,7 +7251,7 @@
           <a:p>
             <a:fld id="{E982C090-29EF-40AB-AE72-836E1D12E040}" type="datetimeFigureOut">
               <a:rPr lang="en-US" smtClean="0"/>
-              <a:t>7/5/19</a:t>
+              <a:t>7/6/19</a:t>
             </a:fld>
             <a:endParaRPr lang="en-US"/>
           </a:p>
@@ -8313,7 +8314,7 @@
         </p:blipFill>
         <p:spPr>
           <a:xfrm>
-            <a:off x="76200" y="4218003"/>
+            <a:off x="0" y="4114175"/>
             <a:ext cx="5487650" cy="2743825"/>
           </a:xfrm>
           <a:prstGeom prst="rect">
@@ -9319,7 +9320,7 @@
         <p:spPr>
           <a:xfrm>
             <a:off x="1766455" y="1966766"/>
-            <a:ext cx="8593281" cy="1569660"/>
+            <a:ext cx="8593281" cy="1938992"/>
           </a:xfrm>
           <a:prstGeom prst="rect">
             <a:avLst/>
@@ -9331,12 +9332,20 @@
           </a:bodyPr>
           <a:lstStyle/>
           <a:p>
+            <a:pPr marL="342900" indent="-342900">
+              <a:buFont typeface="Arial" panose="020B0604020202020204" pitchFamily="34" charset="0"/>
+              <a:buChar char="•"/>
+            </a:pPr>
             <a:r>
               <a:rPr lang="en-US" sz="2400" dirty="0"/>
               <a:t>There is a shortage of 151,717 people with data science skills, with particularly acute shortages in New York City, San Francisco, and LA. </a:t>
             </a:r>
           </a:p>
           <a:p>
+            <a:pPr marL="342900" indent="-342900">
+              <a:buFont typeface="Arial" panose="020B0604020202020204" pitchFamily="34" charset="0"/>
+              <a:buChar char="•"/>
+            </a:pPr>
             <a:r>
               <a:rPr lang="en-US" sz="2400" dirty="0"/>
               <a:t>The 2020 estimate calls for 2.7 million job postings for data science and analytics roles</a:t>
@@ -9388,6 +9397,123 @@
     <p:extLst>
       <p:ext uri="{BB962C8B-B14F-4D97-AF65-F5344CB8AC3E}">
         <p14:creationId xmlns:p14="http://schemas.microsoft.com/office/powerpoint/2010/main" val="2324465689"/>
+      </p:ext>
+    </p:extLst>
+  </p:cSld>
+  <p:clrMapOvr>
+    <a:masterClrMapping/>
+  </p:clrMapOvr>
+</p:sld>
+</file>
+
+<file path=ppt/slides/slide15.xml><?xml version="1.0" encoding="utf-8"?>
+<p:sld xmlns:a="http://schemas.openxmlformats.org/drawingml/2006/main" xmlns:r="http://schemas.openxmlformats.org/officeDocument/2006/relationships" xmlns:p="http://schemas.openxmlformats.org/presentationml/2006/main">
+  <p:cSld>
+    <p:spTree>
+      <p:nvGrpSpPr>
+        <p:cNvPr id="1" name=""/>
+        <p:cNvGrpSpPr/>
+        <p:nvPr/>
+      </p:nvGrpSpPr>
+      <p:grpSpPr>
+        <a:xfrm>
+          <a:off x="0" y="0"/>
+          <a:ext cx="0" cy="0"/>
+          <a:chOff x="0" y="0"/>
+          <a:chExt cx="0" cy="0"/>
+        </a:xfrm>
+      </p:grpSpPr>
+      <p:sp>
+        <p:nvSpPr>
+          <p:cNvPr id="2" name="Title 1">
+            <a:extLst>
+              <a:ext uri="{FF2B5EF4-FFF2-40B4-BE49-F238E27FC236}">
+                <a16:creationId xmlns:a16="http://schemas.microsoft.com/office/drawing/2014/main" id="{BA2D0159-44E5-7544-86DE-8A8C0DECFA53}"/>
+              </a:ext>
+            </a:extLst>
+          </p:cNvPr>
+          <p:cNvSpPr>
+            <a:spLocks noGrp="1"/>
+          </p:cNvSpPr>
+          <p:nvPr>
+            <p:ph type="title"/>
+          </p:nvPr>
+        </p:nvSpPr>
+        <p:spPr/>
+        <p:txBody>
+          <a:bodyPr>
+            <a:normAutofit/>
+          </a:bodyPr>
+          <a:lstStyle/>
+          <a:p>
+            <a:pPr algn="ctr"/>
+            <a:r>
+              <a:rPr lang="en-US" sz="3200" b="1" u="sng" dirty="0">
+                <a:solidFill>
+                  <a:srgbClr val="FF0000"/>
+                </a:solidFill>
+                <a:latin typeface="+mn-lt"/>
+              </a:rPr>
+              <a:t>Problems Faced and Going Forward</a:t>
+            </a:r>
+          </a:p>
+        </p:txBody>
+      </p:sp>
+      <p:sp>
+        <p:nvSpPr>
+          <p:cNvPr id="3" name="Content Placeholder 2">
+            <a:extLst>
+              <a:ext uri="{FF2B5EF4-FFF2-40B4-BE49-F238E27FC236}">
+                <a16:creationId xmlns:a16="http://schemas.microsoft.com/office/drawing/2014/main" id="{957404D7-802B-B34A-B645-1CC4673B2120}"/>
+              </a:ext>
+            </a:extLst>
+          </p:cNvPr>
+          <p:cNvSpPr>
+            <a:spLocks noGrp="1"/>
+          </p:cNvSpPr>
+          <p:nvPr>
+            <p:ph idx="1"/>
+          </p:nvPr>
+        </p:nvSpPr>
+        <p:spPr/>
+        <p:txBody>
+          <a:bodyPr>
+            <a:normAutofit/>
+          </a:bodyPr>
+          <a:lstStyle/>
+          <a:p>
+            <a:r>
+              <a:rPr lang="en-US" sz="2400" dirty="0"/>
+              <a:t>The description column from the dataset was in HTML format, and therefore gave us issues when looking for specific skills/languages</a:t>
+            </a:r>
+          </a:p>
+          <a:p>
+            <a:r>
+              <a:rPr lang="en-US" sz="2400" dirty="0"/>
+              <a:t>We were limited to data for August 2018 (although the dataset had around 9000 rows)</a:t>
+            </a:r>
+          </a:p>
+          <a:p>
+            <a:r>
+              <a:rPr lang="en-US" sz="2400" dirty="0"/>
+              <a:t>If we had more time with this project, we would pull in addition data to show the trend of Data Science jobs over several years</a:t>
+            </a:r>
+          </a:p>
+          <a:p>
+            <a:endParaRPr lang="en-US" sz="2400" dirty="0"/>
+          </a:p>
+          <a:p>
+            <a:endParaRPr lang="en-US" sz="2400" dirty="0"/>
+          </a:p>
+          <a:p>
+            <a:endParaRPr lang="en-US" sz="2400" dirty="0"/>
+          </a:p>
+        </p:txBody>
+      </p:sp>
+    </p:spTree>
+    <p:extLst>
+      <p:ext uri="{BB962C8B-B14F-4D97-AF65-F5344CB8AC3E}">
+        <p14:creationId xmlns:p14="http://schemas.microsoft.com/office/powerpoint/2010/main" val="585116679"/>
       </p:ext>
     </p:extLst>
   </p:cSld>
